--- a/tdk/tdk_v1.pptx
+++ b/tdk/tdk_v1.pptx
@@ -5,7 +5,7 @@
     <p:sldMasterId id="2147483648" r:id="rId1"/>
   </p:sldMasterIdLst>
   <p:notesMasterIdLst>
-    <p:notesMasterId r:id="rId17"/>
+    <p:notesMasterId r:id="rId19"/>
   </p:notesMasterIdLst>
   <p:sldIdLst>
     <p:sldId id="256" r:id="rId2"/>
@@ -16,13 +16,15 @@
     <p:sldId id="261" r:id="rId7"/>
     <p:sldId id="262" r:id="rId8"/>
     <p:sldId id="264" r:id="rId9"/>
-    <p:sldId id="265" r:id="rId10"/>
-    <p:sldId id="266" r:id="rId11"/>
-    <p:sldId id="267" r:id="rId12"/>
-    <p:sldId id="270" r:id="rId13"/>
-    <p:sldId id="269" r:id="rId14"/>
-    <p:sldId id="268" r:id="rId15"/>
-    <p:sldId id="260" r:id="rId16"/>
+    <p:sldId id="271" r:id="rId10"/>
+    <p:sldId id="265" r:id="rId11"/>
+    <p:sldId id="266" r:id="rId12"/>
+    <p:sldId id="267" r:id="rId13"/>
+    <p:sldId id="272" r:id="rId14"/>
+    <p:sldId id="270" r:id="rId15"/>
+    <p:sldId id="269" r:id="rId16"/>
+    <p:sldId id="268" r:id="rId17"/>
+    <p:sldId id="260" r:id="rId18"/>
   </p:sldIdLst>
   <p:sldSz cx="12192000" cy="6858000"/>
   <p:notesSz cx="6858000" cy="9144000"/>
@@ -211,7 +213,7 @@
           <a:p>
             <a:fld id="{0AB5BC8E-5813-4F4E-B35B-0E3B0D0BF7D5}" type="datetimeFigureOut">
               <a:rPr lang="hu-HU" smtClean="0"/>
-              <a:t>2025. 10. 16.</a:t>
+              <a:t>2025. 11. 05.</a:t>
             </a:fld>
             <a:endParaRPr lang="hu-HU"/>
           </a:p>
@@ -625,7 +627,7 @@
           <a:p>
             <a:fld id="{B7571CAD-6F13-184D-A3E8-750FE35B9EBC}" type="datetime1">
               <a:rPr lang="hu-HU" smtClean="0"/>
-              <a:t>2025. 10. 16.</a:t>
+              <a:t>2025. 11. 05.</a:t>
             </a:fld>
             <a:endParaRPr lang="hu-HU"/>
           </a:p>
@@ -826,7 +828,7 @@
           <a:p>
             <a:fld id="{DA747407-E380-7C4C-956A-D6E19B9BA48E}" type="datetime1">
               <a:rPr lang="hu-HU" smtClean="0"/>
-              <a:t>2025. 10. 16.</a:t>
+              <a:t>2025. 11. 05.</a:t>
             </a:fld>
             <a:endParaRPr lang="hu-HU"/>
           </a:p>
@@ -1034,7 +1036,7 @@
           <a:p>
             <a:fld id="{DE8A1641-DB98-1945-938C-2D56ADE4DCEF}" type="datetime1">
               <a:rPr lang="hu-HU" smtClean="0"/>
-              <a:t>2025. 10. 16.</a:t>
+              <a:t>2025. 11. 05.</a:t>
             </a:fld>
             <a:endParaRPr lang="hu-HU"/>
           </a:p>
@@ -1232,7 +1234,7 @@
           <a:p>
             <a:fld id="{AB697F88-25D7-7E4E-91DA-57125152F457}" type="datetime1">
               <a:rPr lang="hu-HU" smtClean="0"/>
-              <a:t>2025. 10. 16.</a:t>
+              <a:t>2025. 11. 05.</a:t>
             </a:fld>
             <a:endParaRPr lang="hu-HU"/>
           </a:p>
@@ -1507,7 +1509,7 @@
           <a:p>
             <a:fld id="{BB9243F7-EB01-1C49-8DF4-B5E7D3EDCB05}" type="datetime1">
               <a:rPr lang="hu-HU" smtClean="0"/>
-              <a:t>2025. 10. 16.</a:t>
+              <a:t>2025. 11. 05.</a:t>
             </a:fld>
             <a:endParaRPr lang="hu-HU"/>
           </a:p>
@@ -1772,7 +1774,7 @@
           <a:p>
             <a:fld id="{293A0E93-9A86-7044-A356-C546BEFBED63}" type="datetime1">
               <a:rPr lang="hu-HU" smtClean="0"/>
-              <a:t>2025. 10. 16.</a:t>
+              <a:t>2025. 11. 05.</a:t>
             </a:fld>
             <a:endParaRPr lang="hu-HU"/>
           </a:p>
@@ -2184,7 +2186,7 @@
           <a:p>
             <a:fld id="{E4744146-0A6C-8F43-AB21-D823E7CB24D4}" type="datetime1">
               <a:rPr lang="hu-HU" smtClean="0"/>
-              <a:t>2025. 10. 16.</a:t>
+              <a:t>2025. 11. 05.</a:t>
             </a:fld>
             <a:endParaRPr lang="hu-HU"/>
           </a:p>
@@ -2325,7 +2327,7 @@
           <a:p>
             <a:fld id="{8EF3C242-AF4E-0F4E-B1A5-0050A5B92112}" type="datetime1">
               <a:rPr lang="hu-HU" smtClean="0"/>
-              <a:t>2025. 10. 16.</a:t>
+              <a:t>2025. 11. 05.</a:t>
             </a:fld>
             <a:endParaRPr lang="hu-HU"/>
           </a:p>
@@ -2438,7 +2440,7 @@
           <a:p>
             <a:fld id="{B6DD6928-E8BB-F645-9B89-505C65382616}" type="datetime1">
               <a:rPr lang="hu-HU" smtClean="0"/>
-              <a:t>2025. 10. 16.</a:t>
+              <a:t>2025. 11. 05.</a:t>
             </a:fld>
             <a:endParaRPr lang="hu-HU"/>
           </a:p>
@@ -2749,7 +2751,7 @@
           <a:p>
             <a:fld id="{FC32935B-306A-AF4A-83C7-5ACF2C37EC40}" type="datetime1">
               <a:rPr lang="hu-HU" smtClean="0"/>
-              <a:t>2025. 10. 16.</a:t>
+              <a:t>2025. 11. 05.</a:t>
             </a:fld>
             <a:endParaRPr lang="hu-HU"/>
           </a:p>
@@ -3037,7 +3039,7 @@
           <a:p>
             <a:fld id="{DF03F5C2-BC5C-E946-BE19-5970FFE88346}" type="datetime1">
               <a:rPr lang="hu-HU" smtClean="0"/>
-              <a:t>2025. 10. 16.</a:t>
+              <a:t>2025. 11. 05.</a:t>
             </a:fld>
             <a:endParaRPr lang="hu-HU"/>
           </a:p>
@@ -3278,7 +3280,7 @@
           <a:p>
             <a:fld id="{F1EA9AB3-3E45-1F4D-91EA-19B6CDD7EF89}" type="datetime1">
               <a:rPr lang="hu-HU" smtClean="0"/>
-              <a:t>2025. 10. 16.</a:t>
+              <a:t>2025. 11. 05.</a:t>
             </a:fld>
             <a:endParaRPr lang="hu-HU" dirty="0"/>
           </a:p>
@@ -3798,20 +3800,43 @@
           <a:p>
             <a:pPr algn="l"/>
             <a:r>
-              <a:rPr lang="hu-HU" sz="5000" b="1" dirty="0" err="1"/>
+              <a:rPr lang="hu-HU" sz="4800" b="1" dirty="0" err="1">
+                <a:solidFill>
+                  <a:srgbClr val="000000"/>
+                </a:solidFill>
+                <a:effectLst/>
+                <a:latin typeface="+mn-lt"/>
+              </a:rPr>
               <a:t>Klaszterezési</a:t>
             </a:r>
             <a:r>
-              <a:rPr lang="hu-HU" sz="5000" b="1" dirty="0"/>
-              <a:t> technikák alkalmazása az </a:t>
-            </a:r>
-            <a:r>
-              <a:rPr lang="hu-HU" sz="5000" b="1" dirty="0" err="1"/>
-              <a:t>embedding</a:t>
-            </a:r>
-            <a:r>
-              <a:rPr lang="hu-HU" sz="5000" b="1" dirty="0"/>
-              <a:t>-alapú visszakeresés hatékonyságának növelésére RAG környezetben</a:t>
+              <a:rPr lang="hu-HU" sz="4800" b="1" dirty="0">
+                <a:solidFill>
+                  <a:srgbClr val="000000"/>
+                </a:solidFill>
+                <a:effectLst/>
+                <a:latin typeface="+mn-lt"/>
+              </a:rPr>
+              <a:t> stratégiák alkalmazása RAG rendszerek</a:t>
+            </a:r>
+            <a:br>
+              <a:rPr lang="hu-HU" sz="4800" b="1" dirty="0">
+                <a:solidFill>
+                  <a:srgbClr val="000000"/>
+                </a:solidFill>
+                <a:effectLst/>
+                <a:latin typeface="+mn-lt"/>
+              </a:rPr>
+            </a:br>
+            <a:r>
+              <a:rPr lang="hu-HU" sz="4800" b="1" dirty="0">
+                <a:solidFill>
+                  <a:srgbClr val="000000"/>
+                </a:solidFill>
+                <a:effectLst/>
+                <a:latin typeface="+mn-lt"/>
+              </a:rPr>
+              <a:t>hatékonyságának növelésére</a:t>
             </a:r>
           </a:p>
         </p:txBody>
@@ -4055,7 +4080,7 @@
           <p:cNvPr id="2" name="Cím 1">
             <a:extLst>
               <a:ext uri="{FF2B5EF4-FFF2-40B4-BE49-F238E27FC236}">
-                <a16:creationId xmlns:a16="http://schemas.microsoft.com/office/drawing/2014/main" id="{55C9B2F7-33BF-5C12-61DB-2CD68A814566}"/>
+                <a16:creationId xmlns:a16="http://schemas.microsoft.com/office/drawing/2014/main" id="{B525F4D4-ED51-2820-49AF-F3EC1E6A2C4D}"/>
               </a:ext>
             </a:extLst>
           </p:cNvPr>
@@ -4066,46 +4091,48 @@
             <p:ph type="title"/>
           </p:nvPr>
         </p:nvSpPr>
+        <p:spPr>
+          <a:xfrm>
+            <a:off x="838200" y="365125"/>
+            <a:ext cx="10515600" cy="885177"/>
+          </a:xfrm>
+        </p:spPr>
+        <p:txBody>
+          <a:bodyPr/>
+          <a:lstStyle/>
+          <a:p>
+            <a:r>
+              <a:rPr lang="hu-HU" b="1"/>
+              <a:t>Klaszterezési algoritmusok futásideje</a:t>
+            </a:r>
+            <a:endParaRPr lang="hu-HU" b="1" dirty="0"/>
+          </a:p>
+        </p:txBody>
+      </p:sp>
+      <p:sp>
+        <p:nvSpPr>
+          <p:cNvPr id="4" name="Dátum helye 3">
+            <a:extLst>
+              <a:ext uri="{FF2B5EF4-FFF2-40B4-BE49-F238E27FC236}">
+                <a16:creationId xmlns:a16="http://schemas.microsoft.com/office/drawing/2014/main" id="{6BD0C8C3-871B-8446-5A95-F46A71244B8B}"/>
+              </a:ext>
+            </a:extLst>
+          </p:cNvPr>
+          <p:cNvSpPr>
+            <a:spLocks noGrp="1"/>
+          </p:cNvSpPr>
+          <p:nvPr>
+            <p:ph type="dt" sz="half" idx="10"/>
+          </p:nvPr>
+        </p:nvSpPr>
         <p:spPr/>
         <p:txBody>
           <a:bodyPr/>
           <a:lstStyle/>
           <a:p>
-            <a:r>
-              <a:rPr lang="hu-HU" b="1" dirty="0" err="1"/>
-              <a:t>Klaszterezési</a:t>
-            </a:r>
-            <a:r>
-              <a:rPr lang="hu-HU" b="1" dirty="0"/>
-              <a:t> algoritmusok pontossága</a:t>
-            </a:r>
-          </a:p>
-        </p:txBody>
-      </p:sp>
-      <p:sp>
-        <p:nvSpPr>
-          <p:cNvPr id="4" name="Dátum helye 3">
-            <a:extLst>
-              <a:ext uri="{FF2B5EF4-FFF2-40B4-BE49-F238E27FC236}">
-                <a16:creationId xmlns:a16="http://schemas.microsoft.com/office/drawing/2014/main" id="{C638CB8B-7386-89C9-3034-99523D920BE2}"/>
-              </a:ext>
-            </a:extLst>
-          </p:cNvPr>
-          <p:cNvSpPr>
-            <a:spLocks noGrp="1"/>
-          </p:cNvSpPr>
-          <p:nvPr>
-            <p:ph type="dt" sz="half" idx="10"/>
-          </p:nvPr>
-        </p:nvSpPr>
-        <p:spPr/>
-        <p:txBody>
-          <a:bodyPr/>
-          <a:lstStyle/>
-          <a:p>
-            <a:fld id="{1D89F031-1307-194F-983A-F3429BE6CD69}" type="datetime1">
+            <a:fld id="{604F7F41-D779-A547-A1A3-0928E654DA43}" type="datetime1">
               <a:rPr lang="hu-HU" smtClean="0"/>
-              <a:t>2025. 10. 16.</a:t>
+              <a:t>2025. 11. 05.</a:t>
             </a:fld>
             <a:endParaRPr lang="hu-HU"/>
           </a:p>
@@ -4116,7 +4143,7 @@
           <p:cNvPr id="5" name="Dia számának helye 4">
             <a:extLst>
               <a:ext uri="{FF2B5EF4-FFF2-40B4-BE49-F238E27FC236}">
-                <a16:creationId xmlns:a16="http://schemas.microsoft.com/office/drawing/2014/main" id="{E8C09457-CD5D-D0C2-3D41-F3729923EA9F}"/>
+                <a16:creationId xmlns:a16="http://schemas.microsoft.com/office/drawing/2014/main" id="{0869A216-EF38-C2EE-C5A0-862D630A857E}"/>
               </a:ext>
             </a:extLst>
           </p:cNvPr>
@@ -4145,19 +4172,17 @@
       </p:sp>
       <p:pic>
         <p:nvPicPr>
-          <p:cNvPr id="11" name="Tartalom helye 10">
-            <a:extLst>
-              <a:ext uri="{FF2B5EF4-FFF2-40B4-BE49-F238E27FC236}">
-                <a16:creationId xmlns:a16="http://schemas.microsoft.com/office/drawing/2014/main" id="{5F12DD7E-7C79-6A85-74B8-A3082BAE07F6}"/>
+          <p:cNvPr id="10" name="Kép 9" descr="A képen szöveg, sor, Diagram, képernyőkép látható&#10;&#10;Automatikusan generált leírás">
+            <a:extLst>
+              <a:ext uri="{FF2B5EF4-FFF2-40B4-BE49-F238E27FC236}">
+                <a16:creationId xmlns:a16="http://schemas.microsoft.com/office/drawing/2014/main" id="{F90238C6-3369-2A7B-4C4A-09ECE2E584EA}"/>
               </a:ext>
             </a:extLst>
           </p:cNvPr>
           <p:cNvPicPr>
-            <a:picLocks noGrp="1" noChangeAspect="1"/>
+            <a:picLocks noChangeAspect="1"/>
           </p:cNvPicPr>
-          <p:nvPr>
-            <p:ph idx="1"/>
-          </p:nvPr>
+          <p:nvPr/>
         </p:nvPicPr>
         <p:blipFill>
           <a:blip r:embed="rId2">
@@ -4173,21 +4198,135 @@
         </p:blipFill>
         <p:spPr>
           <a:xfrm>
-            <a:off x="1528665" y="1455477"/>
-            <a:ext cx="9134669" cy="4679006"/>
+            <a:off x="720319" y="1241788"/>
+            <a:ext cx="10751362" cy="4374424"/>
           </a:xfrm>
+          <a:prstGeom prst="rect">
+            <a:avLst/>
+          </a:prstGeom>
+        </p:spPr>
+      </p:pic>
+      <p:pic>
+        <p:nvPicPr>
+          <p:cNvPr id="12" name="Kép 11" descr="A képen sor, szöveg, Diagram, diagram látható&#10;&#10;Automatikusan generált leírás">
+            <a:extLst>
+              <a:ext uri="{FF2B5EF4-FFF2-40B4-BE49-F238E27FC236}">
+                <a16:creationId xmlns:a16="http://schemas.microsoft.com/office/drawing/2014/main" id="{68AC365F-1BC6-B611-239D-C1867D814266}"/>
+              </a:ext>
+            </a:extLst>
+          </p:cNvPr>
+          <p:cNvPicPr>
+            <a:picLocks noChangeAspect="1"/>
+          </p:cNvPicPr>
+          <p:nvPr/>
+        </p:nvPicPr>
+        <p:blipFill>
+          <a:blip r:embed="rId3">
+            <a:extLst>
+              <a:ext uri="{28A0092B-C50C-407E-A947-70E740481C1C}">
+                <a14:useLocalDpi xmlns:a14="http://schemas.microsoft.com/office/drawing/2010/main" val="0"/>
+              </a:ext>
+            </a:extLst>
+          </a:blip>
+          <a:stretch>
+            <a:fillRect/>
+          </a:stretch>
+        </p:blipFill>
+        <p:spPr>
+          <a:xfrm>
+            <a:off x="720319" y="1250302"/>
+            <a:ext cx="10751362" cy="4374424"/>
+          </a:xfrm>
+          <a:prstGeom prst="rect">
+            <a:avLst/>
+          </a:prstGeom>
         </p:spPr>
       </p:pic>
     </p:spTree>
     <p:extLst>
       <p:ext uri="{BB962C8B-B14F-4D97-AF65-F5344CB8AC3E}">
-        <p14:creationId xmlns:p14="http://schemas.microsoft.com/office/powerpoint/2010/main" val="290535503"/>
+        <p14:creationId xmlns:p14="http://schemas.microsoft.com/office/powerpoint/2010/main" val="2878426958"/>
       </p:ext>
     </p:extLst>
   </p:cSld>
   <p:clrMapOvr>
     <a:masterClrMapping/>
   </p:clrMapOvr>
+  <p:timing>
+    <p:tnLst>
+      <p:par>
+        <p:cTn id="1" dur="indefinite" restart="never" nodeType="tmRoot">
+          <p:childTnLst>
+            <p:seq concurrent="1" nextAc="seek">
+              <p:cTn id="2" dur="indefinite" nodeType="mainSeq">
+                <p:childTnLst>
+                  <p:par>
+                    <p:cTn id="3" fill="hold">
+                      <p:stCondLst>
+                        <p:cond delay="indefinite"/>
+                      </p:stCondLst>
+                      <p:childTnLst>
+                        <p:par>
+                          <p:cTn id="4" fill="hold">
+                            <p:stCondLst>
+                              <p:cond delay="0"/>
+                            </p:stCondLst>
+                            <p:childTnLst>
+                              <p:par>
+                                <p:cTn id="5" presetID="1" presetClass="entr" presetSubtype="0" fill="hold" nodeType="clickEffect">
+                                  <p:stCondLst>
+                                    <p:cond delay="0"/>
+                                  </p:stCondLst>
+                                  <p:childTnLst>
+                                    <p:set>
+                                      <p:cBhvr>
+                                        <p:cTn id="6" dur="1" fill="hold">
+                                          <p:stCondLst>
+                                            <p:cond delay="0"/>
+                                          </p:stCondLst>
+                                        </p:cTn>
+                                        <p:tgtEl>
+                                          <p:spTgt spid="12"/>
+                                        </p:tgtEl>
+                                        <p:attrNameLst>
+                                          <p:attrName>style.visibility</p:attrName>
+                                        </p:attrNameLst>
+                                      </p:cBhvr>
+                                      <p:to>
+                                        <p:strVal val="visible"/>
+                                      </p:to>
+                                    </p:set>
+                                  </p:childTnLst>
+                                </p:cTn>
+                              </p:par>
+                            </p:childTnLst>
+                          </p:cTn>
+                        </p:par>
+                      </p:childTnLst>
+                    </p:cTn>
+                  </p:par>
+                </p:childTnLst>
+              </p:cTn>
+              <p:prevCondLst>
+                <p:cond evt="onPrev" delay="0">
+                  <p:tgtEl>
+                    <p:sldTgt/>
+                  </p:tgtEl>
+                </p:cond>
+              </p:prevCondLst>
+              <p:nextCondLst>
+                <p:cond evt="onNext" delay="0">
+                  <p:tgtEl>
+                    <p:sldTgt/>
+                  </p:tgtEl>
+                </p:cond>
+              </p:nextCondLst>
+            </p:seq>
+          </p:childTnLst>
+        </p:cTn>
+      </p:par>
+    </p:tnLst>
+  </p:timing>
 </p:sld>
 </file>
 
@@ -4213,7 +4352,7 @@
           <p:cNvPr id="2" name="Cím 1">
             <a:extLst>
               <a:ext uri="{FF2B5EF4-FFF2-40B4-BE49-F238E27FC236}">
-                <a16:creationId xmlns:a16="http://schemas.microsoft.com/office/drawing/2014/main" id="{8D9D9E66-EAAD-305B-FE2A-DC7CD4764041}"/>
+                <a16:creationId xmlns:a16="http://schemas.microsoft.com/office/drawing/2014/main" id="{55C9B2F7-33BF-5C12-61DB-2CD68A814566}"/>
               </a:ext>
             </a:extLst>
           </p:cNvPr>
@@ -4230,19 +4369,83 @@
           <a:lstStyle/>
           <a:p>
             <a:r>
-              <a:rPr lang="hu-HU" b="1"/>
-              <a:t>Klaszterezést használó retrieval pipeline eredményei</a:t>
-            </a:r>
-            <a:endParaRPr lang="hu-HU" b="1" dirty="0"/>
+              <a:rPr lang="hu-HU" b="1" dirty="0" err="1"/>
+              <a:t>Klaszterezési</a:t>
+            </a:r>
+            <a:r>
+              <a:rPr lang="hu-HU" b="1" dirty="0"/>
+              <a:t> algoritmusok pontossága</a:t>
+            </a:r>
+          </a:p>
+        </p:txBody>
+      </p:sp>
+      <p:sp>
+        <p:nvSpPr>
+          <p:cNvPr id="4" name="Dátum helye 3">
+            <a:extLst>
+              <a:ext uri="{FF2B5EF4-FFF2-40B4-BE49-F238E27FC236}">
+                <a16:creationId xmlns:a16="http://schemas.microsoft.com/office/drawing/2014/main" id="{C638CB8B-7386-89C9-3034-99523D920BE2}"/>
+              </a:ext>
+            </a:extLst>
+          </p:cNvPr>
+          <p:cNvSpPr>
+            <a:spLocks noGrp="1"/>
+          </p:cNvSpPr>
+          <p:nvPr>
+            <p:ph type="dt" sz="half" idx="10"/>
+          </p:nvPr>
+        </p:nvSpPr>
+        <p:spPr/>
+        <p:txBody>
+          <a:bodyPr/>
+          <a:lstStyle/>
+          <a:p>
+            <a:fld id="{1D89F031-1307-194F-983A-F3429BE6CD69}" type="datetime1">
+              <a:rPr lang="hu-HU" smtClean="0"/>
+              <a:t>2025. 11. 05.</a:t>
+            </a:fld>
+            <a:endParaRPr lang="hu-HU"/>
+          </a:p>
+        </p:txBody>
+      </p:sp>
+      <p:sp>
+        <p:nvSpPr>
+          <p:cNvPr id="5" name="Dia számának helye 4">
+            <a:extLst>
+              <a:ext uri="{FF2B5EF4-FFF2-40B4-BE49-F238E27FC236}">
+                <a16:creationId xmlns:a16="http://schemas.microsoft.com/office/drawing/2014/main" id="{E8C09457-CD5D-D0C2-3D41-F3729923EA9F}"/>
+              </a:ext>
+            </a:extLst>
+          </p:cNvPr>
+          <p:cNvSpPr>
+            <a:spLocks noGrp="1"/>
+          </p:cNvSpPr>
+          <p:nvPr>
+            <p:ph type="sldNum" sz="quarter" idx="12"/>
+          </p:nvPr>
+        </p:nvSpPr>
+        <p:spPr/>
+        <p:txBody>
+          <a:bodyPr/>
+          <a:lstStyle/>
+          <a:p>
+            <a:fld id="{61F88ADF-3301-4598-B089-C6A4CC92BE83}" type="slidenum">
+              <a:rPr lang="hu-HU" smtClean="0"/>
+              <a:t>11</a:t>
+            </a:fld>
+            <a:r>
+              <a:rPr lang="hu-HU" dirty="0"/>
+              <a:t>/14</a:t>
+            </a:r>
           </a:p>
         </p:txBody>
       </p:sp>
       <p:pic>
         <p:nvPicPr>
-          <p:cNvPr id="11" name="Tartalom helye 10" descr="A képen Diagram, szöveg, sor, diagram látható&#10;&#10;Automatikusan generált leírás">
-            <a:extLst>
-              <a:ext uri="{FF2B5EF4-FFF2-40B4-BE49-F238E27FC236}">
-                <a16:creationId xmlns:a16="http://schemas.microsoft.com/office/drawing/2014/main" id="{62F51D3B-E381-53A4-3849-B46A6F6B69C3}"/>
+          <p:cNvPr id="11" name="Tartalom helye 10">
+            <a:extLst>
+              <a:ext uri="{FF2B5EF4-FFF2-40B4-BE49-F238E27FC236}">
+                <a16:creationId xmlns:a16="http://schemas.microsoft.com/office/drawing/2014/main" id="{5F12DD7E-7C79-6A85-74B8-A3082BAE07F6}"/>
               </a:ext>
             </a:extLst>
           </p:cNvPr>
@@ -4267,113 +4470,15 @@
         </p:blipFill>
         <p:spPr>
           <a:xfrm>
-            <a:off x="0" y="3429000"/>
-            <a:ext cx="7656394" cy="2975283"/>
+            <a:off x="1528665" y="1455477"/>
+            <a:ext cx="9134669" cy="4679006"/>
           </a:xfrm>
-        </p:spPr>
-      </p:pic>
-      <p:sp>
-        <p:nvSpPr>
-          <p:cNvPr id="4" name="Dátum helye 3">
-            <a:extLst>
-              <a:ext uri="{FF2B5EF4-FFF2-40B4-BE49-F238E27FC236}">
-                <a16:creationId xmlns:a16="http://schemas.microsoft.com/office/drawing/2014/main" id="{1F3B992D-1AB5-B0AB-3BB0-71AD28F835CD}"/>
-              </a:ext>
-            </a:extLst>
-          </p:cNvPr>
-          <p:cNvSpPr>
-            <a:spLocks noGrp="1"/>
-          </p:cNvSpPr>
-          <p:nvPr>
-            <p:ph type="dt" sz="half" idx="10"/>
-          </p:nvPr>
-        </p:nvSpPr>
-        <p:spPr/>
-        <p:txBody>
-          <a:bodyPr/>
-          <a:lstStyle/>
-          <a:p>
-            <a:fld id="{23789548-D724-1F48-B49D-E29266C4BD81}" type="datetime1">
-              <a:rPr lang="hu-HU" smtClean="0"/>
-              <a:t>2025. 10. 16.</a:t>
-            </a:fld>
-            <a:endParaRPr lang="hu-HU"/>
-          </a:p>
-        </p:txBody>
-      </p:sp>
-      <p:sp>
-        <p:nvSpPr>
-          <p:cNvPr id="5" name="Dia számának helye 4">
-            <a:extLst>
-              <a:ext uri="{FF2B5EF4-FFF2-40B4-BE49-F238E27FC236}">
-                <a16:creationId xmlns:a16="http://schemas.microsoft.com/office/drawing/2014/main" id="{221768A6-17E9-2E12-197F-2D3C9597F795}"/>
-              </a:ext>
-            </a:extLst>
-          </p:cNvPr>
-          <p:cNvSpPr>
-            <a:spLocks noGrp="1"/>
-          </p:cNvSpPr>
-          <p:nvPr>
-            <p:ph type="sldNum" sz="quarter" idx="12"/>
-          </p:nvPr>
-        </p:nvSpPr>
-        <p:spPr/>
-        <p:txBody>
-          <a:bodyPr/>
-          <a:lstStyle/>
-          <a:p>
-            <a:fld id="{61F88ADF-3301-4598-B089-C6A4CC92BE83}" type="slidenum">
-              <a:rPr lang="hu-HU" smtClean="0"/>
-              <a:t>11</a:t>
-            </a:fld>
-            <a:r>
-              <a:rPr lang="hu-HU"/>
-              <a:t>/14</a:t>
-            </a:r>
-            <a:endParaRPr lang="hu-HU" dirty="0"/>
-          </a:p>
-        </p:txBody>
-      </p:sp>
-      <p:pic>
-        <p:nvPicPr>
-          <p:cNvPr id="15" name="Kép 14" descr="A képen szöveg, Diagram, sor, diagram látható&#10;&#10;Automatikusan generált leírás">
-            <a:extLst>
-              <a:ext uri="{FF2B5EF4-FFF2-40B4-BE49-F238E27FC236}">
-                <a16:creationId xmlns:a16="http://schemas.microsoft.com/office/drawing/2014/main" id="{6DC5E5B6-820F-1D87-F87E-4FDD129FB8A1}"/>
-              </a:ext>
-            </a:extLst>
-          </p:cNvPr>
-          <p:cNvPicPr>
-            <a:picLocks noChangeAspect="1"/>
-          </p:cNvPicPr>
-          <p:nvPr/>
-        </p:nvPicPr>
-        <p:blipFill>
-          <a:blip r:embed="rId3">
-            <a:extLst>
-              <a:ext uri="{28A0092B-C50C-407E-A947-70E740481C1C}">
-                <a14:useLocalDpi xmlns:a14="http://schemas.microsoft.com/office/drawing/2010/main" val="0"/>
-              </a:ext>
-            </a:extLst>
-          </a:blip>
-          <a:stretch>
-            <a:fillRect/>
-          </a:stretch>
-        </p:blipFill>
-        <p:spPr>
-          <a:xfrm>
-            <a:off x="3866592" y="937197"/>
-            <a:ext cx="7353300" cy="2857500"/>
-          </a:xfrm>
-          <a:prstGeom prst="rect">
-            <a:avLst/>
-          </a:prstGeom>
         </p:spPr>
       </p:pic>
     </p:spTree>
     <p:extLst>
       <p:ext uri="{BB962C8B-B14F-4D97-AF65-F5344CB8AC3E}">
-        <p14:creationId xmlns:p14="http://schemas.microsoft.com/office/powerpoint/2010/main" val="3364227274"/>
+        <p14:creationId xmlns:p14="http://schemas.microsoft.com/office/powerpoint/2010/main" val="290535503"/>
       </p:ext>
     </p:extLst>
   </p:cSld>
@@ -4405,7 +4510,7 @@
           <p:cNvPr id="2" name="Cím 1">
             <a:extLst>
               <a:ext uri="{FF2B5EF4-FFF2-40B4-BE49-F238E27FC236}">
-                <a16:creationId xmlns:a16="http://schemas.microsoft.com/office/drawing/2014/main" id="{8FC3197A-80D4-A704-6EA0-F8FFC3739D3F}"/>
+                <a16:creationId xmlns:a16="http://schemas.microsoft.com/office/drawing/2014/main" id="{8D9D9E66-EAAD-305B-FE2A-DC7CD4764041}"/>
               </a:ext>
             </a:extLst>
           </p:cNvPr>
@@ -4418,36 +4523,104 @@
         </p:nvSpPr>
         <p:spPr/>
         <p:txBody>
-          <a:bodyPr>
-            <a:normAutofit fontScale="90000"/>
-          </a:bodyPr>
-          <a:lstStyle/>
-          <a:p>
-            <a:r>
-              <a:rPr lang="hu-HU" sz="4800" b="1" dirty="0" err="1"/>
-              <a:t>Retrieval</a:t>
-            </a:r>
-            <a:r>
-              <a:rPr lang="hu-HU" sz="4800" b="1" dirty="0"/>
+          <a:bodyPr/>
+          <a:lstStyle/>
+          <a:p>
+            <a:r>
+              <a:rPr lang="hu-HU" b="1" dirty="0" err="1"/>
+              <a:t>Klaszterezést</a:t>
+            </a:r>
+            <a:r>
+              <a:rPr lang="hu-HU" b="1" dirty="0"/>
+              <a:t> használó </a:t>
+            </a:r>
+            <a:r>
+              <a:rPr lang="hu-HU" b="1" dirty="0" err="1"/>
+              <a:t>retrieval</a:t>
+            </a:r>
+            <a:r>
+              <a:rPr lang="hu-HU" b="1" dirty="0"/>
               <a:t> </a:t>
             </a:r>
             <a:r>
-              <a:rPr lang="hu-HU" sz="4800" b="1" dirty="0" err="1"/>
+              <a:rPr lang="hu-HU" b="1" dirty="0" err="1"/>
               <a:t>pipeline</a:t>
             </a:r>
             <a:r>
-              <a:rPr lang="hu-HU" sz="4800" b="1" dirty="0"/>
-              <a:t> változó dokumentum halmazzal</a:t>
-            </a:r>
+              <a:rPr lang="hu-HU" b="1" dirty="0"/>
+              <a:t> eredményei</a:t>
+            </a:r>
+          </a:p>
+        </p:txBody>
+      </p:sp>
+      <p:sp>
+        <p:nvSpPr>
+          <p:cNvPr id="4" name="Dátum helye 3">
+            <a:extLst>
+              <a:ext uri="{FF2B5EF4-FFF2-40B4-BE49-F238E27FC236}">
+                <a16:creationId xmlns:a16="http://schemas.microsoft.com/office/drawing/2014/main" id="{1F3B992D-1AB5-B0AB-3BB0-71AD28F835CD}"/>
+              </a:ext>
+            </a:extLst>
+          </p:cNvPr>
+          <p:cNvSpPr>
+            <a:spLocks noGrp="1"/>
+          </p:cNvSpPr>
+          <p:nvPr>
+            <p:ph type="dt" sz="half" idx="10"/>
+          </p:nvPr>
+        </p:nvSpPr>
+        <p:spPr/>
+        <p:txBody>
+          <a:bodyPr/>
+          <a:lstStyle/>
+          <a:p>
+            <a:fld id="{23789548-D724-1F48-B49D-E29266C4BD81}" type="datetime1">
+              <a:rPr lang="hu-HU" smtClean="0"/>
+              <a:t>2025. 11. 05.</a:t>
+            </a:fld>
+            <a:endParaRPr lang="hu-HU"/>
+          </a:p>
+        </p:txBody>
+      </p:sp>
+      <p:sp>
+        <p:nvSpPr>
+          <p:cNvPr id="5" name="Dia számának helye 4">
+            <a:extLst>
+              <a:ext uri="{FF2B5EF4-FFF2-40B4-BE49-F238E27FC236}">
+                <a16:creationId xmlns:a16="http://schemas.microsoft.com/office/drawing/2014/main" id="{221768A6-17E9-2E12-197F-2D3C9597F795}"/>
+              </a:ext>
+            </a:extLst>
+          </p:cNvPr>
+          <p:cNvSpPr>
+            <a:spLocks noGrp="1"/>
+          </p:cNvSpPr>
+          <p:nvPr>
+            <p:ph type="sldNum" sz="quarter" idx="12"/>
+          </p:nvPr>
+        </p:nvSpPr>
+        <p:spPr/>
+        <p:txBody>
+          <a:bodyPr/>
+          <a:lstStyle/>
+          <a:p>
+            <a:fld id="{61F88ADF-3301-4598-B089-C6A4CC92BE83}" type="slidenum">
+              <a:rPr lang="hu-HU" smtClean="0"/>
+              <a:t>12</a:t>
+            </a:fld>
+            <a:r>
+              <a:rPr lang="hu-HU"/>
+              <a:t>/14</a:t>
+            </a:r>
+            <a:endParaRPr lang="hu-HU" dirty="0"/>
           </a:p>
         </p:txBody>
       </p:sp>
       <p:pic>
         <p:nvPicPr>
-          <p:cNvPr id="7" name="Tartalom helye 6" descr="A képen sor, képernyőkép, szöveg, Diagram látható&#10;&#10;Automatikusan generált leírás">
-            <a:extLst>
-              <a:ext uri="{FF2B5EF4-FFF2-40B4-BE49-F238E27FC236}">
-                <a16:creationId xmlns:a16="http://schemas.microsoft.com/office/drawing/2014/main" id="{69244BA0-3284-17E6-B1CB-BBD868B9EB5E}"/>
+          <p:cNvPr id="13" name="Tartalom helye 12" descr="A képen szöveg, sor, diagram, képernyőkép látható&#10;&#10;Automatikusan generált leírás">
+            <a:extLst>
+              <a:ext uri="{FF2B5EF4-FFF2-40B4-BE49-F238E27FC236}">
+                <a16:creationId xmlns:a16="http://schemas.microsoft.com/office/drawing/2014/main" id="{F25E98A0-C7E0-6A89-57CF-A916F2E38DDC}"/>
               </a:ext>
             </a:extLst>
           </p:cNvPr>
@@ -4472,17 +4645,256 @@
         </p:blipFill>
         <p:spPr>
           <a:xfrm>
-            <a:off x="966341" y="1690688"/>
-            <a:ext cx="10259317" cy="3986781"/>
+            <a:off x="447721" y="1676350"/>
+            <a:ext cx="11296557" cy="4680000"/>
           </a:xfrm>
         </p:spPr>
       </p:pic>
+      <p:pic>
+        <p:nvPicPr>
+          <p:cNvPr id="16" name="Kép 15" descr="A képen szöveg, sor, Diagram, diagram látható&#10;&#10;Automatikusan generált leírás">
+            <a:extLst>
+              <a:ext uri="{FF2B5EF4-FFF2-40B4-BE49-F238E27FC236}">
+                <a16:creationId xmlns:a16="http://schemas.microsoft.com/office/drawing/2014/main" id="{4D3C8CA0-7AB4-A3A2-A64C-2B4A94C2BBF4}"/>
+              </a:ext>
+            </a:extLst>
+          </p:cNvPr>
+          <p:cNvPicPr>
+            <a:picLocks noChangeAspect="1"/>
+          </p:cNvPicPr>
+          <p:nvPr/>
+        </p:nvPicPr>
+        <p:blipFill>
+          <a:blip r:embed="rId3">
+            <a:extLst>
+              <a:ext uri="{28A0092B-C50C-407E-A947-70E740481C1C}">
+                <a14:useLocalDpi xmlns:a14="http://schemas.microsoft.com/office/drawing/2010/main" val="0"/>
+              </a:ext>
+            </a:extLst>
+          </a:blip>
+          <a:stretch>
+            <a:fillRect/>
+          </a:stretch>
+        </p:blipFill>
+        <p:spPr>
+          <a:xfrm>
+            <a:off x="447725" y="1690688"/>
+            <a:ext cx="11296553" cy="4680000"/>
+          </a:xfrm>
+          <a:prstGeom prst="rect">
+            <a:avLst/>
+          </a:prstGeom>
+        </p:spPr>
+      </p:pic>
+    </p:spTree>
+    <p:extLst>
+      <p:ext uri="{BB962C8B-B14F-4D97-AF65-F5344CB8AC3E}">
+        <p14:creationId xmlns:p14="http://schemas.microsoft.com/office/powerpoint/2010/main" val="3364227274"/>
+      </p:ext>
+    </p:extLst>
+  </p:cSld>
+  <p:clrMapOvr>
+    <a:masterClrMapping/>
+  </p:clrMapOvr>
+  <p:timing>
+    <p:tnLst>
+      <p:par>
+        <p:cTn id="1" dur="indefinite" restart="never" nodeType="tmRoot">
+          <p:childTnLst>
+            <p:seq concurrent="1" nextAc="seek">
+              <p:cTn id="2" dur="indefinite" nodeType="mainSeq">
+                <p:childTnLst>
+                  <p:par>
+                    <p:cTn id="3" fill="hold">
+                      <p:stCondLst>
+                        <p:cond delay="indefinite"/>
+                      </p:stCondLst>
+                      <p:childTnLst>
+                        <p:par>
+                          <p:cTn id="4" fill="hold">
+                            <p:stCondLst>
+                              <p:cond delay="0"/>
+                            </p:stCondLst>
+                            <p:childTnLst>
+                              <p:par>
+                                <p:cTn id="5" presetID="1" presetClass="entr" presetSubtype="0" fill="hold" nodeType="clickEffect">
+                                  <p:stCondLst>
+                                    <p:cond delay="0"/>
+                                  </p:stCondLst>
+                                  <p:childTnLst>
+                                    <p:set>
+                                      <p:cBhvr>
+                                        <p:cTn id="6" dur="1" fill="hold">
+                                          <p:stCondLst>
+                                            <p:cond delay="0"/>
+                                          </p:stCondLst>
+                                        </p:cTn>
+                                        <p:tgtEl>
+                                          <p:spTgt spid="16"/>
+                                        </p:tgtEl>
+                                        <p:attrNameLst>
+                                          <p:attrName>style.visibility</p:attrName>
+                                        </p:attrNameLst>
+                                      </p:cBhvr>
+                                      <p:to>
+                                        <p:strVal val="visible"/>
+                                      </p:to>
+                                    </p:set>
+                                  </p:childTnLst>
+                                </p:cTn>
+                              </p:par>
+                            </p:childTnLst>
+                          </p:cTn>
+                        </p:par>
+                      </p:childTnLst>
+                    </p:cTn>
+                  </p:par>
+                </p:childTnLst>
+              </p:cTn>
+              <p:prevCondLst>
+                <p:cond evt="onPrev" delay="0">
+                  <p:tgtEl>
+                    <p:sldTgt/>
+                  </p:tgtEl>
+                </p:cond>
+              </p:prevCondLst>
+              <p:nextCondLst>
+                <p:cond evt="onNext" delay="0">
+                  <p:tgtEl>
+                    <p:sldTgt/>
+                  </p:tgtEl>
+                </p:cond>
+              </p:nextCondLst>
+            </p:seq>
+          </p:childTnLst>
+        </p:cTn>
+      </p:par>
+    </p:tnLst>
+  </p:timing>
+</p:sld>
+</file>
+
+<file path=ppt/slides/slide13.xml><?xml version="1.0" encoding="utf-8"?>
+<p:sld xmlns:a="http://schemas.openxmlformats.org/drawingml/2006/main" xmlns:r="http://schemas.openxmlformats.org/officeDocument/2006/relationships" xmlns:p="http://schemas.openxmlformats.org/presentationml/2006/main">
+  <p:cSld>
+    <p:spTree>
+      <p:nvGrpSpPr>
+        <p:cNvPr id="1" name=""/>
+        <p:cNvGrpSpPr/>
+        <p:nvPr/>
+      </p:nvGrpSpPr>
+      <p:grpSpPr>
+        <a:xfrm>
+          <a:off x="0" y="0"/>
+          <a:ext cx="0" cy="0"/>
+          <a:chOff x="0" y="0"/>
+          <a:chExt cx="0" cy="0"/>
+        </a:xfrm>
+      </p:grpSpPr>
+      <p:sp>
+        <p:nvSpPr>
+          <p:cNvPr id="2" name="Cím 1">
+            <a:extLst>
+              <a:ext uri="{FF2B5EF4-FFF2-40B4-BE49-F238E27FC236}">
+                <a16:creationId xmlns:a16="http://schemas.microsoft.com/office/drawing/2014/main" id="{46CAF592-6D95-A38C-AFF9-3B09227DC360}"/>
+              </a:ext>
+            </a:extLst>
+          </p:cNvPr>
+          <p:cNvSpPr>
+            <a:spLocks noGrp="1"/>
+          </p:cNvSpPr>
+          <p:nvPr>
+            <p:ph type="title"/>
+          </p:nvPr>
+        </p:nvSpPr>
+        <p:spPr/>
+        <p:txBody>
+          <a:bodyPr/>
+          <a:lstStyle/>
+          <a:p>
+            <a:r>
+              <a:rPr lang="hu-HU" b="1" dirty="0" err="1"/>
+              <a:t>Klaszterezést</a:t>
+            </a:r>
+            <a:r>
+              <a:rPr lang="hu-HU" b="1" dirty="0"/>
+              <a:t> használó </a:t>
+            </a:r>
+            <a:r>
+              <a:rPr lang="hu-HU" b="1" dirty="0" err="1"/>
+              <a:t>retrieval</a:t>
+            </a:r>
+            <a:r>
+              <a:rPr lang="hu-HU" b="1" dirty="0"/>
+              <a:t> </a:t>
+            </a:r>
+            <a:r>
+              <a:rPr lang="hu-HU" b="1" dirty="0" err="1"/>
+              <a:t>pipeline</a:t>
+            </a:r>
+            <a:r>
+              <a:rPr lang="hu-HU" b="1" dirty="0"/>
+              <a:t> eredményei</a:t>
+            </a:r>
+            <a:endParaRPr lang="hu-HU" dirty="0"/>
+          </a:p>
+        </p:txBody>
+      </p:sp>
+      <p:sp>
+        <p:nvSpPr>
+          <p:cNvPr id="3" name="Tartalom helye 2">
+            <a:extLst>
+              <a:ext uri="{FF2B5EF4-FFF2-40B4-BE49-F238E27FC236}">
+                <a16:creationId xmlns:a16="http://schemas.microsoft.com/office/drawing/2014/main" id="{82CAFC7B-C4DD-DE6F-672D-171841A8A539}"/>
+              </a:ext>
+            </a:extLst>
+          </p:cNvPr>
+          <p:cNvSpPr>
+            <a:spLocks noGrp="1"/>
+          </p:cNvSpPr>
+          <p:nvPr>
+            <p:ph idx="1"/>
+          </p:nvPr>
+        </p:nvSpPr>
+        <p:spPr/>
+        <p:txBody>
+          <a:bodyPr/>
+          <a:lstStyle/>
+          <a:p>
+            <a:r>
+              <a:rPr lang="hu-HU" dirty="0"/>
+              <a:t>TODO: </a:t>
+            </a:r>
+            <a:r>
+              <a:rPr lang="hu-HU" dirty="0" err="1"/>
+              <a:t>retrieval</a:t>
+            </a:r>
+            <a:r>
+              <a:rPr lang="hu-HU" dirty="0"/>
+              <a:t> </a:t>
+            </a:r>
+            <a:r>
+              <a:rPr lang="hu-HU" dirty="0" err="1"/>
+              <a:t>times</a:t>
+            </a:r>
+            <a:r>
+              <a:rPr lang="hu-HU" dirty="0"/>
+              <a:t> </a:t>
+            </a:r>
+            <a:r>
+              <a:rPr lang="hu-HU"/>
+              <a:t>picture</a:t>
+            </a:r>
+            <a:endParaRPr lang="hu-HU" dirty="0"/>
+          </a:p>
+        </p:txBody>
+      </p:sp>
       <p:sp>
         <p:nvSpPr>
           <p:cNvPr id="4" name="Dátum helye 3">
             <a:extLst>
               <a:ext uri="{FF2B5EF4-FFF2-40B4-BE49-F238E27FC236}">
-                <a16:creationId xmlns:a16="http://schemas.microsoft.com/office/drawing/2014/main" id="{FD1DF59D-CAA9-F2E5-6393-4220ED324783}"/>
+                <a16:creationId xmlns:a16="http://schemas.microsoft.com/office/drawing/2014/main" id="{15BA1C54-996A-D494-3068-DCB25928837F}"/>
               </a:ext>
             </a:extLst>
           </p:cNvPr>
@@ -4500,7 +4912,7 @@
           <a:p>
             <a:fld id="{AB697F88-25D7-7E4E-91DA-57125152F457}" type="datetime1">
               <a:rPr lang="hu-HU" smtClean="0"/>
-              <a:t>2025. 10. 17.</a:t>
+              <a:t>2025. 11. 05.</a:t>
             </a:fld>
             <a:endParaRPr lang="hu-HU"/>
           </a:p>
@@ -4511,7 +4923,7 @@
           <p:cNvPr id="5" name="Dia számának helye 4">
             <a:extLst>
               <a:ext uri="{FF2B5EF4-FFF2-40B4-BE49-F238E27FC236}">
-                <a16:creationId xmlns:a16="http://schemas.microsoft.com/office/drawing/2014/main" id="{46600EDC-9C01-C620-C471-730F3E688246}"/>
+                <a16:creationId xmlns:a16="http://schemas.microsoft.com/office/drawing/2014/main" id="{DB8897DA-452A-EDD9-7DE7-3BE7261C819A}"/>
               </a:ext>
             </a:extLst>
           </p:cNvPr>
@@ -4529,12 +4941,167 @@
           <a:p>
             <a:fld id="{61F88ADF-3301-4598-B089-C6A4CC92BE83}" type="slidenum">
               <a:rPr lang="hu-HU" smtClean="0"/>
-              <a:t>12</a:t>
+              <a:t>13</a:t>
+            </a:fld>
+            <a:endParaRPr lang="hu-HU"/>
+          </a:p>
+        </p:txBody>
+      </p:sp>
+    </p:spTree>
+    <p:extLst>
+      <p:ext uri="{BB962C8B-B14F-4D97-AF65-F5344CB8AC3E}">
+        <p14:creationId xmlns:p14="http://schemas.microsoft.com/office/powerpoint/2010/main" val="758528736"/>
+      </p:ext>
+    </p:extLst>
+  </p:cSld>
+  <p:clrMapOvr>
+    <a:masterClrMapping/>
+  </p:clrMapOvr>
+</p:sld>
+</file>
+
+<file path=ppt/slides/slide14.xml><?xml version="1.0" encoding="utf-8"?>
+<p:sld xmlns:a="http://schemas.openxmlformats.org/drawingml/2006/main" xmlns:r="http://schemas.openxmlformats.org/officeDocument/2006/relationships" xmlns:p="http://schemas.openxmlformats.org/presentationml/2006/main">
+  <p:cSld>
+    <p:spTree>
+      <p:nvGrpSpPr>
+        <p:cNvPr id="1" name=""/>
+        <p:cNvGrpSpPr/>
+        <p:nvPr/>
+      </p:nvGrpSpPr>
+      <p:grpSpPr>
+        <a:xfrm>
+          <a:off x="0" y="0"/>
+          <a:ext cx="0" cy="0"/>
+          <a:chOff x="0" y="0"/>
+          <a:chExt cx="0" cy="0"/>
+        </a:xfrm>
+      </p:grpSpPr>
+      <p:sp>
+        <p:nvSpPr>
+          <p:cNvPr id="2" name="Cím 1">
+            <a:extLst>
+              <a:ext uri="{FF2B5EF4-FFF2-40B4-BE49-F238E27FC236}">
+                <a16:creationId xmlns:a16="http://schemas.microsoft.com/office/drawing/2014/main" id="{8FC3197A-80D4-A704-6EA0-F8FFC3739D3F}"/>
+              </a:ext>
+            </a:extLst>
+          </p:cNvPr>
+          <p:cNvSpPr>
+            <a:spLocks noGrp="1"/>
+          </p:cNvSpPr>
+          <p:nvPr>
+            <p:ph type="title"/>
+          </p:nvPr>
+        </p:nvSpPr>
+        <p:spPr/>
+        <p:txBody>
+          <a:bodyPr>
+            <a:normAutofit fontScale="90000"/>
+          </a:bodyPr>
+          <a:lstStyle/>
+          <a:p>
+            <a:r>
+              <a:rPr lang="hu-HU" sz="4800" b="1" dirty="0" err="1"/>
+              <a:t>Retrieval</a:t>
+            </a:r>
+            <a:r>
+              <a:rPr lang="hu-HU" sz="4800" b="1" dirty="0"/>
+              <a:t> </a:t>
+            </a:r>
+            <a:r>
+              <a:rPr lang="hu-HU" sz="4800" b="1" dirty="0" err="1"/>
+              <a:t>pipeline</a:t>
+            </a:r>
+            <a:r>
+              <a:rPr lang="hu-HU" sz="4800" b="1" dirty="0"/>
+              <a:t> változó dokumentum halmazzal</a:t>
+            </a:r>
+          </a:p>
+        </p:txBody>
+      </p:sp>
+      <p:sp>
+        <p:nvSpPr>
+          <p:cNvPr id="4" name="Dátum helye 3">
+            <a:extLst>
+              <a:ext uri="{FF2B5EF4-FFF2-40B4-BE49-F238E27FC236}">
+                <a16:creationId xmlns:a16="http://schemas.microsoft.com/office/drawing/2014/main" id="{FD1DF59D-CAA9-F2E5-6393-4220ED324783}"/>
+              </a:ext>
+            </a:extLst>
+          </p:cNvPr>
+          <p:cNvSpPr>
+            <a:spLocks noGrp="1"/>
+          </p:cNvSpPr>
+          <p:nvPr>
+            <p:ph type="dt" sz="half" idx="10"/>
+          </p:nvPr>
+        </p:nvSpPr>
+        <p:spPr/>
+        <p:txBody>
+          <a:bodyPr/>
+          <a:lstStyle/>
+          <a:p>
+            <a:fld id="{AB697F88-25D7-7E4E-91DA-57125152F457}" type="datetime1">
+              <a:rPr lang="hu-HU" smtClean="0"/>
+              <a:t>2025. 11. 05.</a:t>
+            </a:fld>
+            <a:endParaRPr lang="hu-HU"/>
+          </a:p>
+        </p:txBody>
+      </p:sp>
+      <p:sp>
+        <p:nvSpPr>
+          <p:cNvPr id="5" name="Dia számának helye 4">
+            <a:extLst>
+              <a:ext uri="{FF2B5EF4-FFF2-40B4-BE49-F238E27FC236}">
+                <a16:creationId xmlns:a16="http://schemas.microsoft.com/office/drawing/2014/main" id="{46600EDC-9C01-C620-C471-730F3E688246}"/>
+              </a:ext>
+            </a:extLst>
+          </p:cNvPr>
+          <p:cNvSpPr>
+            <a:spLocks noGrp="1"/>
+          </p:cNvSpPr>
+          <p:nvPr>
+            <p:ph type="sldNum" sz="quarter" idx="12"/>
+          </p:nvPr>
+        </p:nvSpPr>
+        <p:spPr/>
+        <p:txBody>
+          <a:bodyPr/>
+          <a:lstStyle/>
+          <a:p>
+            <a:fld id="{61F88ADF-3301-4598-B089-C6A4CC92BE83}" type="slidenum">
+              <a:rPr lang="hu-HU" smtClean="0"/>
+              <a:t>14</a:t>
             </a:fld>
             <a:r>
               <a:rPr lang="hu-HU" dirty="0"/>
               <a:t>/14</a:t>
             </a:r>
+          </a:p>
+        </p:txBody>
+      </p:sp>
+      <p:sp>
+        <p:nvSpPr>
+          <p:cNvPr id="6" name="Tartalom helye 5">
+            <a:extLst>
+              <a:ext uri="{FF2B5EF4-FFF2-40B4-BE49-F238E27FC236}">
+                <a16:creationId xmlns:a16="http://schemas.microsoft.com/office/drawing/2014/main" id="{C67A0D2D-9C09-8E77-2B9B-FAA7BB687E2A}"/>
+              </a:ext>
+            </a:extLst>
+          </p:cNvPr>
+          <p:cNvSpPr>
+            <a:spLocks noGrp="1"/>
+          </p:cNvSpPr>
+          <p:nvPr>
+            <p:ph idx="1"/>
+          </p:nvPr>
+        </p:nvSpPr>
+        <p:spPr/>
+        <p:txBody>
+          <a:bodyPr/>
+          <a:lstStyle/>
+          <a:p>
+            <a:endParaRPr lang="hu-HU" dirty="0"/>
           </a:p>
         </p:txBody>
       </p:sp>
@@ -4551,7 +5118,7 @@
 </p:sld>
 </file>
 
-<file path=ppt/slides/slide13.xml><?xml version="1.0" encoding="utf-8"?>
+<file path=ppt/slides/slide15.xml><?xml version="1.0" encoding="utf-8"?>
 <p:sld xmlns:a="http://schemas.openxmlformats.org/drawingml/2006/main" xmlns:r="http://schemas.openxmlformats.org/officeDocument/2006/relationships" xmlns:p="http://schemas.openxmlformats.org/presentationml/2006/main">
   <p:cSld>
     <p:bg>
@@ -5455,7 +6022,7 @@
                   <a:spcPts val="600"/>
                 </a:spcAft>
               </a:pPr>
-              <a:t>2025. 10. 16.</a:t>
+              <a:t>2025. 11. 05.</a:t>
             </a:fld>
             <a:endParaRPr lang="hu-HU"/>
           </a:p>
@@ -5501,7 +6068,7 @@
                   <a:spcPts val="600"/>
                 </a:spcAft>
               </a:pPr>
-              <a:t>13</a:t>
+              <a:t>15</a:t>
             </a:fld>
             <a:r>
               <a:rPr lang="hu-HU" dirty="0"/>
@@ -5524,7 +6091,7 @@
 </p:sld>
 </file>
 
-<file path=ppt/slides/slide14.xml><?xml version="1.0" encoding="utf-8"?>
+<file path=ppt/slides/slide16.xml><?xml version="1.0" encoding="utf-8"?>
 <p:sld xmlns:a="http://schemas.openxmlformats.org/drawingml/2006/main" xmlns:r="http://schemas.openxmlformats.org/officeDocument/2006/relationships" xmlns:p="http://schemas.openxmlformats.org/presentationml/2006/main">
   <p:cSld>
     <p:bg>
@@ -6064,7 +6631,7 @@
 </p:sld>
 </file>
 
-<file path=ppt/slides/slide15.xml><?xml version="1.0" encoding="utf-8"?>
+<file path=ppt/slides/slide17.xml><?xml version="1.0" encoding="utf-8"?>
 <p:sld xmlns:a="http://schemas.openxmlformats.org/drawingml/2006/main" xmlns:r="http://schemas.openxmlformats.org/officeDocument/2006/relationships" xmlns:p="http://schemas.openxmlformats.org/presentationml/2006/main">
   <p:cSld>
     <p:spTree>
@@ -6325,7 +6892,7 @@
           <a:p>
             <a:fld id="{A3369F3F-A62C-A143-BDC3-1E7D9C7303DA}" type="datetime1">
               <a:rPr lang="hu-HU" smtClean="0"/>
-              <a:t>2025. 10. 16.</a:t>
+              <a:t>2025. 11. 05.</a:t>
             </a:fld>
             <a:endParaRPr lang="hu-HU"/>
           </a:p>
@@ -6354,7 +6921,7 @@
           <a:p>
             <a:fld id="{61F88ADF-3301-4598-B089-C6A4CC92BE83}" type="slidenum">
               <a:rPr lang="hu-HU" smtClean="0"/>
-              <a:t>15</a:t>
+              <a:t>17</a:t>
             </a:fld>
             <a:r>
               <a:rPr lang="hu-HU" dirty="0"/>
@@ -6847,12 +7414,73 @@
           </a:p>
         </p:txBody>
       </p:sp>
+      <p:sp>
+        <p:nvSpPr>
+          <p:cNvPr id="6" name="Dátum helye 5">
+            <a:extLst>
+              <a:ext uri="{FF2B5EF4-FFF2-40B4-BE49-F238E27FC236}">
+                <a16:creationId xmlns:a16="http://schemas.microsoft.com/office/drawing/2014/main" id="{6484474F-5500-8FDB-CF4B-D9EE49C3C53C}"/>
+              </a:ext>
+            </a:extLst>
+          </p:cNvPr>
+          <p:cNvSpPr>
+            <a:spLocks noGrp="1"/>
+          </p:cNvSpPr>
+          <p:nvPr>
+            <p:ph type="dt" sz="half" idx="10"/>
+          </p:nvPr>
+        </p:nvSpPr>
+        <p:spPr/>
+        <p:txBody>
+          <a:bodyPr/>
+          <a:lstStyle/>
+          <a:p>
+            <a:fld id="{5C85A438-3713-F446-BD7A-55D18856C613}" type="datetime1">
+              <a:rPr lang="hu-HU" smtClean="0"/>
+              <a:t>2025. 11. 05.</a:t>
+            </a:fld>
+            <a:endParaRPr lang="hu-HU"/>
+          </a:p>
+        </p:txBody>
+      </p:sp>
+      <p:sp>
+        <p:nvSpPr>
+          <p:cNvPr id="7" name="Dia számának helye 6">
+            <a:extLst>
+              <a:ext uri="{FF2B5EF4-FFF2-40B4-BE49-F238E27FC236}">
+                <a16:creationId xmlns:a16="http://schemas.microsoft.com/office/drawing/2014/main" id="{15212F9E-E412-BF89-1EF4-37D10781E699}"/>
+              </a:ext>
+            </a:extLst>
+          </p:cNvPr>
+          <p:cNvSpPr>
+            <a:spLocks noGrp="1"/>
+          </p:cNvSpPr>
+          <p:nvPr>
+            <p:ph type="sldNum" sz="quarter" idx="12"/>
+          </p:nvPr>
+        </p:nvSpPr>
+        <p:spPr/>
+        <p:txBody>
+          <a:bodyPr/>
+          <a:lstStyle/>
+          <a:p>
+            <a:fld id="{61F88ADF-3301-4598-B089-C6A4CC92BE83}" type="slidenum">
+              <a:rPr lang="hu-HU" smtClean="0"/>
+              <a:t>2</a:t>
+            </a:fld>
+            <a:r>
+              <a:rPr lang="hu-HU" dirty="0"/>
+              <a:t>/14</a:t>
+            </a:r>
+          </a:p>
+        </p:txBody>
+      </p:sp>
       <p:pic>
         <p:nvPicPr>
-          <p:cNvPr id="5" name="Tartalom helye 4">
-            <a:extLst>
-              <a:ext uri="{FF2B5EF4-FFF2-40B4-BE49-F238E27FC236}">
-                <a16:creationId xmlns:a16="http://schemas.microsoft.com/office/drawing/2014/main" id="{7D3F269C-6C4A-9EFF-8421-ACE6A59C7DC7}"/>
+          <p:cNvPr id="14" name="Tartalom helye 13" descr="A képen képernyőkép, diagram, tervezés látható&#10;&#10;Automatikusan generált leírás">
+            <a:extLst>
+              <a:ext uri="{FF2B5EF4-FFF2-40B4-BE49-F238E27FC236}">
+                <a16:creationId xmlns:a16="http://schemas.microsoft.com/office/drawing/2014/main" id="{39C365F9-1952-04F6-0DD6-246F05AEF7A6}"/>
               </a:ext>
             </a:extLst>
           </p:cNvPr>
@@ -6877,75 +7505,11 @@
         </p:blipFill>
         <p:spPr>
           <a:xfrm>
-            <a:off x="320040" y="2679882"/>
-            <a:ext cx="11548872" cy="3493533"/>
+            <a:off x="200175" y="2297565"/>
+            <a:ext cx="11787051" cy="3428190"/>
           </a:xfrm>
-          <a:prstGeom prst="rect">
-            <a:avLst/>
-          </a:prstGeom>
         </p:spPr>
       </p:pic>
-      <p:sp>
-        <p:nvSpPr>
-          <p:cNvPr id="6" name="Dátum helye 5">
-            <a:extLst>
-              <a:ext uri="{FF2B5EF4-FFF2-40B4-BE49-F238E27FC236}">
-                <a16:creationId xmlns:a16="http://schemas.microsoft.com/office/drawing/2014/main" id="{6484474F-5500-8FDB-CF4B-D9EE49C3C53C}"/>
-              </a:ext>
-            </a:extLst>
-          </p:cNvPr>
-          <p:cNvSpPr>
-            <a:spLocks noGrp="1"/>
-          </p:cNvSpPr>
-          <p:nvPr>
-            <p:ph type="dt" sz="half" idx="10"/>
-          </p:nvPr>
-        </p:nvSpPr>
-        <p:spPr/>
-        <p:txBody>
-          <a:bodyPr/>
-          <a:lstStyle/>
-          <a:p>
-            <a:fld id="{5C85A438-3713-F446-BD7A-55D18856C613}" type="datetime1">
-              <a:rPr lang="hu-HU" smtClean="0"/>
-              <a:t>2025. 10. 16.</a:t>
-            </a:fld>
-            <a:endParaRPr lang="hu-HU"/>
-          </a:p>
-        </p:txBody>
-      </p:sp>
-      <p:sp>
-        <p:nvSpPr>
-          <p:cNvPr id="7" name="Dia számának helye 6">
-            <a:extLst>
-              <a:ext uri="{FF2B5EF4-FFF2-40B4-BE49-F238E27FC236}">
-                <a16:creationId xmlns:a16="http://schemas.microsoft.com/office/drawing/2014/main" id="{15212F9E-E412-BF89-1EF4-37D10781E699}"/>
-              </a:ext>
-            </a:extLst>
-          </p:cNvPr>
-          <p:cNvSpPr>
-            <a:spLocks noGrp="1"/>
-          </p:cNvSpPr>
-          <p:nvPr>
-            <p:ph type="sldNum" sz="quarter" idx="12"/>
-          </p:nvPr>
-        </p:nvSpPr>
-        <p:spPr/>
-        <p:txBody>
-          <a:bodyPr/>
-          <a:lstStyle/>
-          <a:p>
-            <a:fld id="{61F88ADF-3301-4598-B089-C6A4CC92BE83}" type="slidenum">
-              <a:rPr lang="hu-HU" smtClean="0"/>
-              <a:t>2</a:t>
-            </a:fld>
-            <a:r>
-              <a:rPr lang="hu-HU" dirty="0"/>
-              <a:t>/14</a:t>
-            </a:r>
-          </a:p>
-        </p:txBody>
-      </p:sp>
     </p:spTree>
     <p:extLst>
       <p:ext uri="{BB962C8B-B14F-4D97-AF65-F5344CB8AC3E}">
@@ -7794,43 +8358,22 @@
               <a:rPr lang="hu-HU" sz="2200" dirty="0"/>
               <a:t>Szövegtisztítás</a:t>
             </a:r>
+            <a:endParaRPr lang="hu-HU" sz="1800" dirty="0"/>
           </a:p>
           <a:p>
             <a:pPr lvl="1"/>
             <a:r>
-              <a:rPr lang="hu-HU" sz="2200" dirty="0" err="1"/>
+              <a:rPr lang="hu-HU" sz="1800" dirty="0" err="1"/>
+              <a:t>Semantic</a:t>
+            </a:r>
+            <a:r>
+              <a:rPr lang="hu-HU" sz="1800" dirty="0"/>
+              <a:t> </a:t>
+            </a:r>
+            <a:r>
+              <a:rPr lang="hu-HU" sz="1800" dirty="0" err="1"/>
               <a:t>Chunking</a:t>
             </a:r>
-            <a:r>
-              <a:rPr lang="hu-HU" sz="2200" dirty="0"/>
-              <a:t>:</a:t>
-            </a:r>
-          </a:p>
-          <a:p>
-            <a:pPr lvl="2"/>
-            <a:r>
-              <a:rPr lang="hu-HU" sz="2200" dirty="0" err="1"/>
-              <a:t>Sliding</a:t>
-            </a:r>
-            <a:r>
-              <a:rPr lang="hu-HU" sz="2200" dirty="0"/>
-              <a:t> </a:t>
-            </a:r>
-            <a:r>
-              <a:rPr lang="hu-HU" sz="2200" dirty="0" err="1"/>
-              <a:t>window</a:t>
-            </a:r>
-            <a:endParaRPr lang="hu-HU" sz="2200" dirty="0"/>
-          </a:p>
-          <a:p>
-            <a:pPr lvl="2"/>
-            <a:r>
-              <a:rPr lang="hu-HU" sz="2200" dirty="0" err="1"/>
-              <a:t>Semantic</a:t>
-            </a:r>
-            <a:endParaRPr lang="hu-HU" sz="2200" dirty="0"/>
-          </a:p>
-          <a:p>
             <a:endParaRPr lang="hu-HU" sz="2200" dirty="0"/>
           </a:p>
         </p:txBody>
@@ -7858,7 +8401,7 @@
           <a:p>
             <a:fld id="{308DC56D-A89B-7A46-BB67-D506DBA2B2C4}" type="datetime1">
               <a:rPr lang="hu-HU" smtClean="0"/>
-              <a:t>2025. 10. 16.</a:t>
+              <a:t>2025. 11. 05.</a:t>
             </a:fld>
             <a:endParaRPr lang="hu-HU"/>
           </a:p>
@@ -8448,7 +8991,7 @@
           <a:p>
             <a:fld id="{4FAACB8C-8A8C-8F41-B579-E127A30BCC8D}" type="datetime1">
               <a:rPr lang="hu-HU" smtClean="0"/>
-              <a:t>2025. 10. 16.</a:t>
+              <a:t>2025. 11. 05.</a:t>
             </a:fld>
             <a:endParaRPr lang="hu-HU"/>
           </a:p>
@@ -8701,7 +9244,7 @@
           <a:p>
             <a:fld id="{4368D167-9427-CA44-9384-E35089ED55DF}" type="datetime1">
               <a:rPr lang="hu-HU" smtClean="0"/>
-              <a:t>2025. 10. 16.</a:t>
+              <a:t>2025. 11. 05.</a:t>
             </a:fld>
             <a:endParaRPr lang="hu-HU"/>
           </a:p>
@@ -8779,7 +9322,7 @@
       </p:grpSpPr>
       <p:sp useBgFill="1">
         <p:nvSpPr>
-          <p:cNvPr id="19" name="Rectangle 18">
+          <p:cNvPr id="26" name="Rectangle 25">
             <a:extLst>
               <a:ext uri="{FF2B5EF4-FFF2-40B4-BE49-F238E27FC236}">
                 <a16:creationId xmlns:a16="http://schemas.microsoft.com/office/drawing/2014/main" id="{BCED4D40-4B67-4331-AC48-79B82B4A47D8}"/>
@@ -8867,7 +9410,7 @@
           <a:p>
             <a:pPr algn="ctr"/>
             <a:r>
-              <a:rPr lang="en-US" sz="4800" b="1" kern="1200" dirty="0" err="1">
+              <a:rPr lang="en-US" sz="6600" b="1" kern="1200" dirty="0" err="1">
                 <a:solidFill>
                   <a:schemeClr val="tx1"/>
                 </a:solidFill>
@@ -8878,7 +9421,7 @@
               <a:t>Javasolt</a:t>
             </a:r>
             <a:r>
-              <a:rPr lang="en-US" sz="4800" b="1" kern="1200" dirty="0">
+              <a:rPr lang="en-US" sz="6600" b="1" kern="1200" dirty="0">
                 <a:solidFill>
                   <a:schemeClr val="tx1"/>
                 </a:solidFill>
@@ -8889,7 +9432,7 @@
               <a:t> RAG-</a:t>
             </a:r>
             <a:r>
-              <a:rPr lang="en-US" sz="4800" b="1" kern="1200" dirty="0" err="1">
+              <a:rPr lang="en-US" sz="6600" b="1" kern="1200" dirty="0" err="1">
                 <a:solidFill>
                   <a:schemeClr val="tx1"/>
                 </a:solidFill>
@@ -8899,7 +9442,7 @@
               </a:rPr>
               <a:t>folyamat</a:t>
             </a:r>
-            <a:endParaRPr lang="en-US" sz="4800" b="1" kern="1200" dirty="0">
+            <a:endParaRPr lang="en-US" sz="6600" b="1" kern="1200" dirty="0">
               <a:solidFill>
                 <a:schemeClr val="tx1"/>
               </a:solidFill>
@@ -8912,7 +9455,7 @@
       </p:sp>
       <p:sp>
         <p:nvSpPr>
-          <p:cNvPr id="21" name="sketch line">
+          <p:cNvPr id="28" name="sketch line">
             <a:extLst>
               <a:ext uri="{FF2B5EF4-FFF2-40B4-BE49-F238E27FC236}">
                 <a16:creationId xmlns:a16="http://schemas.microsoft.com/office/drawing/2014/main" id="{670CEDEF-4F34-412E-84EE-329C1E936AF5}"/>
@@ -9255,17 +9798,19 @@
       </p:sp>
       <p:pic>
         <p:nvPicPr>
-          <p:cNvPr id="5" name="Tartalom helye 4">
-            <a:extLst>
-              <a:ext uri="{FF2B5EF4-FFF2-40B4-BE49-F238E27FC236}">
-                <a16:creationId xmlns:a16="http://schemas.microsoft.com/office/drawing/2014/main" id="{0975B880-7113-7A2B-5797-9ECF16D81832}"/>
+          <p:cNvPr id="3" name="Tartalom helye 8" descr="A képen képernyőkép, diagram, sor, Post-it cetli látható&#10;&#10;Automatikusan generált leírás">
+            <a:extLst>
+              <a:ext uri="{FF2B5EF4-FFF2-40B4-BE49-F238E27FC236}">
+                <a16:creationId xmlns:a16="http://schemas.microsoft.com/office/drawing/2014/main" id="{A9ED6514-68CD-D91D-24B7-55E20E55B3BF}"/>
               </a:ext>
             </a:extLst>
           </p:cNvPr>
           <p:cNvPicPr>
-            <a:picLocks noChangeAspect="1"/>
+            <a:picLocks noGrp="1" noChangeAspect="1"/>
           </p:cNvPicPr>
-          <p:nvPr/>
+          <p:nvPr>
+            <p:ph idx="1"/>
+          </p:nvPr>
         </p:nvPicPr>
         <p:blipFill>
           <a:blip r:embed="rId2">
@@ -9281,8 +9826,8 @@
         </p:blipFill>
         <p:spPr>
           <a:xfrm>
-            <a:off x="334111" y="2389808"/>
-            <a:ext cx="11519180" cy="3830125"/>
+            <a:off x="120940" y="2218074"/>
+            <a:ext cx="11945522" cy="4001751"/>
           </a:xfrm>
           <a:prstGeom prst="rect">
             <a:avLst/>
@@ -9305,16 +9850,45 @@
             <p:ph type="dt" sz="half" idx="10"/>
           </p:nvPr>
         </p:nvSpPr>
-        <p:spPr/>
-        <p:txBody>
-          <a:bodyPr/>
-          <a:lstStyle/>
-          <a:p>
+        <p:spPr>
+          <a:xfrm>
+            <a:off x="838200" y="6356350"/>
+            <a:ext cx="2743200" cy="365125"/>
+          </a:xfrm>
+        </p:spPr>
+        <p:txBody>
+          <a:bodyPr vert="horz" lIns="91440" tIns="45720" rIns="91440" bIns="45720" rtlCol="0" anchor="ctr">
+            <a:normAutofit/>
+          </a:bodyPr>
+          <a:lstStyle/>
+          <a:p>
+            <a:pPr>
+              <a:spcAft>
+                <a:spcPts val="600"/>
+              </a:spcAft>
+            </a:pPr>
             <a:fld id="{C410DB5E-A372-294A-ADC7-737DED99DBCB}" type="datetime1">
-              <a:rPr lang="hu-HU" smtClean="0"/>
-              <a:t>2025. 10. 16.</a:t>
+              <a:rPr lang="en-US" smtClean="0">
+                <a:solidFill>
+                  <a:schemeClr val="tx1">
+                    <a:tint val="75000"/>
+                  </a:schemeClr>
+                </a:solidFill>
+              </a:rPr>
+              <a:pPr>
+                <a:spcAft>
+                  <a:spcPts val="600"/>
+                </a:spcAft>
+              </a:pPr>
+              <a:t>11/5/25</a:t>
             </a:fld>
-            <a:endParaRPr lang="hu-HU"/>
+            <a:endParaRPr lang="en-US">
+              <a:solidFill>
+                <a:schemeClr val="tx1">
+                  <a:tint val="75000"/>
+                </a:schemeClr>
+              </a:solidFill>
+            </a:endParaRPr>
           </a:p>
         </p:txBody>
       </p:sp>
@@ -9334,17 +9908,46 @@
             <p:ph type="sldNum" sz="quarter" idx="12"/>
           </p:nvPr>
         </p:nvSpPr>
-        <p:spPr/>
-        <p:txBody>
-          <a:bodyPr/>
-          <a:lstStyle/>
-          <a:p>
+        <p:spPr>
+          <a:xfrm>
+            <a:off x="8610600" y="6356350"/>
+            <a:ext cx="2743200" cy="365125"/>
+          </a:xfrm>
+        </p:spPr>
+        <p:txBody>
+          <a:bodyPr vert="horz" lIns="91440" tIns="45720" rIns="91440" bIns="45720" rtlCol="0" anchor="ctr">
+            <a:normAutofit/>
+          </a:bodyPr>
+          <a:lstStyle/>
+          <a:p>
+            <a:pPr>
+              <a:spcAft>
+                <a:spcPts val="600"/>
+              </a:spcAft>
+            </a:pPr>
             <a:fld id="{61F88ADF-3301-4598-B089-C6A4CC92BE83}" type="slidenum">
-              <a:rPr lang="hu-HU" smtClean="0"/>
+              <a:rPr lang="en-US" smtClean="0">
+                <a:solidFill>
+                  <a:schemeClr val="tx1">
+                    <a:tint val="75000"/>
+                  </a:schemeClr>
+                </a:solidFill>
+              </a:rPr>
+              <a:pPr>
+                <a:spcAft>
+                  <a:spcPts val="600"/>
+                </a:spcAft>
+              </a:pPr>
               <a:t>6</a:t>
             </a:fld>
             <a:r>
-              <a:rPr lang="hu-HU" dirty="0"/>
+              <a:rPr lang="en-US">
+                <a:solidFill>
+                  <a:schemeClr val="tx1">
+                    <a:tint val="75000"/>
+                  </a:schemeClr>
+                </a:solidFill>
+              </a:rPr>
               <a:t>/14</a:t>
             </a:r>
           </a:p>
@@ -10284,7 +10887,7 @@
             </a:pPr>
             <a:fld id="{ACB4A642-E289-D849-9780-C21666DBF77C}" type="datetime1">
               <a:rPr lang="hu-HU" smtClean="0"/>
-              <a:t>2025. 10. 16.</a:t>
+              <a:t>2025. 11. 05.</a:t>
             </a:fld>
             <a:endParaRPr lang="hu-HU"/>
           </a:p>
@@ -10466,7 +11069,7 @@
           <a:lstStyle/>
           <a:p>
             <a:r>
-              <a:rPr lang="hu-HU" sz="4600" b="1"/>
+              <a:rPr lang="hu-HU" sz="4600" b="1" dirty="0"/>
               <a:t>Dinamikusan változó dokumentumtér kezelése</a:t>
             </a:r>
           </a:p>
@@ -10966,10 +11569,10 @@
       </p:sp>
       <p:pic>
         <p:nvPicPr>
-          <p:cNvPr id="6" name="Kép 5" descr="A képen szöveg, képernyőkép, diagram, virág látható&#10;&#10;Automatikusan generált leírás">
-            <a:extLst>
-              <a:ext uri="{FF2B5EF4-FFF2-40B4-BE49-F238E27FC236}">
-                <a16:creationId xmlns:a16="http://schemas.microsoft.com/office/drawing/2014/main" id="{245F4905-3F8F-943C-C1CA-D7CE1257A465}"/>
+          <p:cNvPr id="10" name="Kép 9">
+            <a:extLst>
+              <a:ext uri="{FF2B5EF4-FFF2-40B4-BE49-F238E27FC236}">
+                <a16:creationId xmlns:a16="http://schemas.microsoft.com/office/drawing/2014/main" id="{DA26DC97-398A-863A-3107-51A57D9EDD00}"/>
               </a:ext>
             </a:extLst>
           </p:cNvPr>
@@ -10979,43 +11582,7 @@
           <p:nvPr/>
         </p:nvPicPr>
         <p:blipFill>
-          <a:blip r:embed="rId2" cstate="print">
-            <a:extLst>
-              <a:ext uri="{28A0092B-C50C-407E-A947-70E740481C1C}">
-                <a14:useLocalDpi xmlns:a14="http://schemas.microsoft.com/office/drawing/2010/main" val="0"/>
-              </a:ext>
-            </a:extLst>
-          </a:blip>
-          <a:stretch>
-            <a:fillRect/>
-          </a:stretch>
-        </p:blipFill>
-        <p:spPr>
-          <a:xfrm>
-            <a:off x="6535533" y="1972615"/>
-            <a:ext cx="5528519" cy="4422811"/>
-          </a:xfrm>
-          <a:prstGeom prst="rect">
-            <a:avLst/>
-          </a:prstGeom>
-        </p:spPr>
-      </p:pic>
-      <p:pic>
-        <p:nvPicPr>
-          <p:cNvPr id="10" name="Kép 9">
-            <a:extLst>
-              <a:ext uri="{FF2B5EF4-FFF2-40B4-BE49-F238E27FC236}">
-                <a16:creationId xmlns:a16="http://schemas.microsoft.com/office/drawing/2014/main" id="{DA26DC97-398A-863A-3107-51A57D9EDD00}"/>
-              </a:ext>
-            </a:extLst>
-          </p:cNvPr>
-          <p:cNvPicPr>
-            <a:picLocks noChangeAspect="1"/>
-          </p:cNvPicPr>
-          <p:nvPr/>
-        </p:nvPicPr>
-        <p:blipFill>
-          <a:blip r:embed="rId3">
+          <a:blip r:embed="rId2">
             <a:extLst>
               <a:ext uri="{28A0092B-C50C-407E-A947-70E740481C1C}">
                 <a14:useLocalDpi xmlns:a14="http://schemas.microsoft.com/office/drawing/2010/main" val="0"/>
@@ -11071,7 +11638,7 @@
             </a:pPr>
             <a:fld id="{93B65CD1-5108-2149-AD8B-F412A6622A91}" type="datetime1">
               <a:rPr lang="hu-HU" smtClean="0"/>
-              <a:t>2025. 10. 16.</a:t>
+              <a:t>2025. 11. 05.</a:t>
             </a:fld>
             <a:endParaRPr lang="hu-HU"/>
           </a:p>
@@ -11126,6 +11693,42 @@
           </a:p>
         </p:txBody>
       </p:sp>
+      <p:pic>
+        <p:nvPicPr>
+          <p:cNvPr id="8" name="Kép 7" descr="A képen szöveg, virág, képernyőkép látható&#10;&#10;Automatikusan generált leírás">
+            <a:extLst>
+              <a:ext uri="{FF2B5EF4-FFF2-40B4-BE49-F238E27FC236}">
+                <a16:creationId xmlns:a16="http://schemas.microsoft.com/office/drawing/2014/main" id="{47A3CB95-E303-4CC1-F4D5-60EBAF4B287E}"/>
+              </a:ext>
+            </a:extLst>
+          </p:cNvPr>
+          <p:cNvPicPr>
+            <a:picLocks noChangeAspect="1"/>
+          </p:cNvPicPr>
+          <p:nvPr/>
+        </p:nvPicPr>
+        <p:blipFill>
+          <a:blip r:embed="rId3">
+            <a:extLst>
+              <a:ext uri="{28A0092B-C50C-407E-A947-70E740481C1C}">
+                <a14:useLocalDpi xmlns:a14="http://schemas.microsoft.com/office/drawing/2010/main" val="0"/>
+              </a:ext>
+            </a:extLst>
+          </a:blip>
+          <a:stretch>
+            <a:fillRect/>
+          </a:stretch>
+        </p:blipFill>
+        <p:spPr>
+          <a:xfrm>
+            <a:off x="6535533" y="1936713"/>
+            <a:ext cx="5613795" cy="4478420"/>
+          </a:xfrm>
+          <a:prstGeom prst="rect">
+            <a:avLst/>
+          </a:prstGeom>
+        </p:spPr>
+      </p:pic>
     </p:spTree>
     <p:extLst>
       <p:ext uri="{BB962C8B-B14F-4D97-AF65-F5344CB8AC3E}">
@@ -11161,7 +11764,7 @@
           <p:cNvPr id="2" name="Cím 1">
             <a:extLst>
               <a:ext uri="{FF2B5EF4-FFF2-40B4-BE49-F238E27FC236}">
-                <a16:creationId xmlns:a16="http://schemas.microsoft.com/office/drawing/2014/main" id="{B525F4D4-ED51-2820-49AF-F3EC1E6A2C4D}"/>
+                <a16:creationId xmlns:a16="http://schemas.microsoft.com/office/drawing/2014/main" id="{C4C5B991-DADF-8037-2F70-760F6DF25FD0}"/>
               </a:ext>
             </a:extLst>
           </p:cNvPr>
@@ -11172,21 +11775,23 @@
             <p:ph type="title"/>
           </p:nvPr>
         </p:nvSpPr>
-        <p:spPr>
-          <a:xfrm>
-            <a:off x="838200" y="365125"/>
-            <a:ext cx="10515600" cy="885177"/>
-          </a:xfrm>
-        </p:spPr>
+        <p:spPr/>
         <p:txBody>
           <a:bodyPr/>
           <a:lstStyle/>
           <a:p>
             <a:r>
-              <a:rPr lang="hu-HU" b="1"/>
-              <a:t>Klaszterezési algoritmusok futásideje</a:t>
-            </a:r>
-            <a:endParaRPr lang="hu-HU" b="1" dirty="0"/>
+              <a:rPr lang="hu-HU" b="1" dirty="0"/>
+              <a:t>Online </a:t>
+            </a:r>
+            <a:r>
+              <a:rPr lang="hu-HU" b="1" dirty="0" err="1"/>
+              <a:t>KMeans</a:t>
+            </a:r>
+            <a:r>
+              <a:rPr lang="hu-HU" b="1" dirty="0"/>
+              <a:t> algoritmusom</a:t>
+            </a:r>
           </a:p>
         </p:txBody>
       </p:sp>
@@ -11195,7 +11800,7 @@
           <p:cNvPr id="4" name="Dátum helye 3">
             <a:extLst>
               <a:ext uri="{FF2B5EF4-FFF2-40B4-BE49-F238E27FC236}">
-                <a16:creationId xmlns:a16="http://schemas.microsoft.com/office/drawing/2014/main" id="{6BD0C8C3-871B-8446-5A95-F46A71244B8B}"/>
+                <a16:creationId xmlns:a16="http://schemas.microsoft.com/office/drawing/2014/main" id="{E9B4EA16-1807-1461-C3A0-9C7A7B680ABF}"/>
               </a:ext>
             </a:extLst>
           </p:cNvPr>
@@ -11211,9 +11816,9 @@
           <a:bodyPr/>
           <a:lstStyle/>
           <a:p>
-            <a:fld id="{604F7F41-D779-A547-A1A3-0928E654DA43}" type="datetime1">
+            <a:fld id="{AB697F88-25D7-7E4E-91DA-57125152F457}" type="datetime1">
               <a:rPr lang="hu-HU" smtClean="0"/>
-              <a:t>2025. 10. 16.</a:t>
+              <a:t>2025. 11. 05.</a:t>
             </a:fld>
             <a:endParaRPr lang="hu-HU"/>
           </a:p>
@@ -11224,7 +11829,7 @@
           <p:cNvPr id="5" name="Dia számának helye 4">
             <a:extLst>
               <a:ext uri="{FF2B5EF4-FFF2-40B4-BE49-F238E27FC236}">
-                <a16:creationId xmlns:a16="http://schemas.microsoft.com/office/drawing/2014/main" id="{0869A216-EF38-C2EE-C5A0-862D630A857E}"/>
+                <a16:creationId xmlns:a16="http://schemas.microsoft.com/office/drawing/2014/main" id="{5B584BDD-2D8D-647B-59AD-888BF154AB3D}"/>
               </a:ext>
             </a:extLst>
           </p:cNvPr>
@@ -11244,81 +11849,59 @@
               <a:rPr lang="hu-HU" smtClean="0"/>
               <a:t>9</a:t>
             </a:fld>
-            <a:r>
-              <a:rPr lang="hu-HU" dirty="0"/>
-              <a:t>/14</a:t>
-            </a:r>
+            <a:endParaRPr lang="hu-HU"/>
+          </a:p>
+        </p:txBody>
+      </p:sp>
+      <p:sp>
+        <p:nvSpPr>
+          <p:cNvPr id="8" name="Tartalom helye 7">
+            <a:extLst>
+              <a:ext uri="{FF2B5EF4-FFF2-40B4-BE49-F238E27FC236}">
+                <a16:creationId xmlns:a16="http://schemas.microsoft.com/office/drawing/2014/main" id="{3C25C462-0493-14FC-7AFB-DF71D4745B53}"/>
+              </a:ext>
+            </a:extLst>
+          </p:cNvPr>
+          <p:cNvSpPr>
+            <a:spLocks noGrp="1"/>
+          </p:cNvSpPr>
+          <p:nvPr>
+            <p:ph idx="1"/>
+          </p:nvPr>
+        </p:nvSpPr>
+        <p:spPr/>
+        <p:txBody>
+          <a:bodyPr/>
+          <a:lstStyle/>
+          <a:p>
+            <a:endParaRPr lang="hu-HU"/>
           </a:p>
         </p:txBody>
       </p:sp>
       <p:pic>
         <p:nvPicPr>
-          <p:cNvPr id="6" name="Tartalom helye 5" descr="A képen szöveg, sor, Diagram, lejtő látható&#10;&#10;Automatikusan generált leírás">
-            <a:extLst>
-              <a:ext uri="{FF2B5EF4-FFF2-40B4-BE49-F238E27FC236}">
-                <a16:creationId xmlns:a16="http://schemas.microsoft.com/office/drawing/2014/main" id="{3078236B-B827-03F9-A54C-3F005ABEBE2A}"/>
+          <p:cNvPr id="9" name="Kép 8">
+            <a:extLst>
+              <a:ext uri="{FF2B5EF4-FFF2-40B4-BE49-F238E27FC236}">
+                <a16:creationId xmlns:a16="http://schemas.microsoft.com/office/drawing/2014/main" id="{D6A99B93-22A6-9F32-8B40-D36FE50F547D}"/>
               </a:ext>
             </a:extLst>
           </p:cNvPr>
           <p:cNvPicPr>
-            <a:picLocks noGrp="1" noChangeAspect="1"/>
+            <a:picLocks noChangeAspect="1"/>
           </p:cNvPicPr>
-          <p:nvPr>
-            <p:ph idx="1"/>
-          </p:nvPr>
+          <p:nvPr/>
         </p:nvPicPr>
         <p:blipFill>
-          <a:blip r:embed="rId2">
-            <a:extLst>
-              <a:ext uri="{28A0092B-C50C-407E-A947-70E740481C1C}">
-                <a14:useLocalDpi xmlns:a14="http://schemas.microsoft.com/office/drawing/2010/main" val="0"/>
-              </a:ext>
-            </a:extLst>
-          </a:blip>
+          <a:blip r:embed="rId2"/>
           <a:stretch>
             <a:fillRect/>
           </a:stretch>
         </p:blipFill>
         <p:spPr>
           <a:xfrm>
-            <a:off x="582094" y="1181826"/>
-            <a:ext cx="6561807" cy="2643521"/>
-          </a:xfrm>
-          <a:prstGeom prst="rect">
-            <a:avLst/>
-          </a:prstGeom>
-        </p:spPr>
-      </p:pic>
-      <p:pic>
-        <p:nvPicPr>
-          <p:cNvPr id="7" name="Kép 6" descr="A képen sor, szöveg, Diagram, diagram látható&#10;&#10;Automatikusan generált leírás">
-            <a:extLst>
-              <a:ext uri="{FF2B5EF4-FFF2-40B4-BE49-F238E27FC236}">
-                <a16:creationId xmlns:a16="http://schemas.microsoft.com/office/drawing/2014/main" id="{E294BD32-45DE-6C53-8895-3CA78EF15B4D}"/>
-              </a:ext>
-            </a:extLst>
-          </p:cNvPr>
-          <p:cNvPicPr>
-            <a:picLocks noChangeAspect="1"/>
-          </p:cNvPicPr>
-          <p:nvPr/>
-        </p:nvPicPr>
-        <p:blipFill>
-          <a:blip r:embed="rId3">
-            <a:extLst>
-              <a:ext uri="{28A0092B-C50C-407E-A947-70E740481C1C}">
-                <a14:useLocalDpi xmlns:a14="http://schemas.microsoft.com/office/drawing/2010/main" val="0"/>
-              </a:ext>
-            </a:extLst>
-          </a:blip>
-          <a:stretch>
-            <a:fillRect/>
-          </a:stretch>
-        </p:blipFill>
-        <p:spPr>
-          <a:xfrm>
-            <a:off x="582093" y="3596820"/>
-            <a:ext cx="6555825" cy="2643521"/>
+            <a:off x="496390" y="1492664"/>
+            <a:ext cx="10857410" cy="4684299"/>
           </a:xfrm>
           <a:prstGeom prst="rect">
             <a:avLst/>
@@ -11328,7 +11911,7 @@
     </p:spTree>
     <p:extLst>
       <p:ext uri="{BB962C8B-B14F-4D97-AF65-F5344CB8AC3E}">
-        <p14:creationId xmlns:p14="http://schemas.microsoft.com/office/powerpoint/2010/main" val="2878426958"/>
+        <p14:creationId xmlns:p14="http://schemas.microsoft.com/office/powerpoint/2010/main" val="2097320334"/>
       </p:ext>
     </p:extLst>
   </p:cSld>

--- a/tdk/tdk_v1.pptx
+++ b/tdk/tdk_v1.pptx
@@ -5,7 +5,7 @@
     <p:sldMasterId id="2147483648" r:id="rId1"/>
   </p:sldMasterIdLst>
   <p:notesMasterIdLst>
-    <p:notesMasterId r:id="rId19"/>
+    <p:notesMasterId r:id="rId24"/>
   </p:notesMasterIdLst>
   <p:sldIdLst>
     <p:sldId id="256" r:id="rId2"/>
@@ -17,14 +17,19 @@
     <p:sldId id="262" r:id="rId8"/>
     <p:sldId id="264" r:id="rId9"/>
     <p:sldId id="271" r:id="rId10"/>
-    <p:sldId id="265" r:id="rId11"/>
-    <p:sldId id="266" r:id="rId12"/>
-    <p:sldId id="267" r:id="rId13"/>
-    <p:sldId id="272" r:id="rId14"/>
-    <p:sldId id="270" r:id="rId15"/>
-    <p:sldId id="269" r:id="rId16"/>
-    <p:sldId id="268" r:id="rId17"/>
-    <p:sldId id="260" r:id="rId18"/>
+    <p:sldId id="273" r:id="rId11"/>
+    <p:sldId id="265" r:id="rId12"/>
+    <p:sldId id="274" r:id="rId13"/>
+    <p:sldId id="266" r:id="rId14"/>
+    <p:sldId id="275" r:id="rId15"/>
+    <p:sldId id="267" r:id="rId16"/>
+    <p:sldId id="272" r:id="rId17"/>
+    <p:sldId id="270" r:id="rId18"/>
+    <p:sldId id="276" r:id="rId19"/>
+    <p:sldId id="277" r:id="rId20"/>
+    <p:sldId id="269" r:id="rId21"/>
+    <p:sldId id="268" r:id="rId22"/>
+    <p:sldId id="260" r:id="rId23"/>
   </p:sldIdLst>
   <p:sldSz cx="12192000" cy="6858000"/>
   <p:notesSz cx="6858000" cy="9144000"/>
@@ -213,7 +218,7 @@
           <a:p>
             <a:fld id="{0AB5BC8E-5813-4F4E-B35B-0E3B0D0BF7D5}" type="datetimeFigureOut">
               <a:rPr lang="hu-HU" smtClean="0"/>
-              <a:t>2025. 11. 05.</a:t>
+              <a:t>2025. 11. 06.</a:t>
             </a:fld>
             <a:endParaRPr lang="hu-HU"/>
           </a:p>
@@ -627,7 +632,7 @@
           <a:p>
             <a:fld id="{B7571CAD-6F13-184D-A3E8-750FE35B9EBC}" type="datetime1">
               <a:rPr lang="hu-HU" smtClean="0"/>
-              <a:t>2025. 11. 05.</a:t>
+              <a:t>2025. 11. 06.</a:t>
             </a:fld>
             <a:endParaRPr lang="hu-HU"/>
           </a:p>
@@ -828,7 +833,7 @@
           <a:p>
             <a:fld id="{DA747407-E380-7C4C-956A-D6E19B9BA48E}" type="datetime1">
               <a:rPr lang="hu-HU" smtClean="0"/>
-              <a:t>2025. 11. 05.</a:t>
+              <a:t>2025. 11. 06.</a:t>
             </a:fld>
             <a:endParaRPr lang="hu-HU"/>
           </a:p>
@@ -1036,7 +1041,7 @@
           <a:p>
             <a:fld id="{DE8A1641-DB98-1945-938C-2D56ADE4DCEF}" type="datetime1">
               <a:rPr lang="hu-HU" smtClean="0"/>
-              <a:t>2025. 11. 05.</a:t>
+              <a:t>2025. 11. 06.</a:t>
             </a:fld>
             <a:endParaRPr lang="hu-HU"/>
           </a:p>
@@ -1234,7 +1239,7 @@
           <a:p>
             <a:fld id="{AB697F88-25D7-7E4E-91DA-57125152F457}" type="datetime1">
               <a:rPr lang="hu-HU" smtClean="0"/>
-              <a:t>2025. 11. 05.</a:t>
+              <a:t>2025. 11. 06.</a:t>
             </a:fld>
             <a:endParaRPr lang="hu-HU"/>
           </a:p>
@@ -1509,7 +1514,7 @@
           <a:p>
             <a:fld id="{BB9243F7-EB01-1C49-8DF4-B5E7D3EDCB05}" type="datetime1">
               <a:rPr lang="hu-HU" smtClean="0"/>
-              <a:t>2025. 11. 05.</a:t>
+              <a:t>2025. 11. 06.</a:t>
             </a:fld>
             <a:endParaRPr lang="hu-HU"/>
           </a:p>
@@ -1774,7 +1779,7 @@
           <a:p>
             <a:fld id="{293A0E93-9A86-7044-A356-C546BEFBED63}" type="datetime1">
               <a:rPr lang="hu-HU" smtClean="0"/>
-              <a:t>2025. 11. 05.</a:t>
+              <a:t>2025. 11. 06.</a:t>
             </a:fld>
             <a:endParaRPr lang="hu-HU"/>
           </a:p>
@@ -2186,7 +2191,7 @@
           <a:p>
             <a:fld id="{E4744146-0A6C-8F43-AB21-D823E7CB24D4}" type="datetime1">
               <a:rPr lang="hu-HU" smtClean="0"/>
-              <a:t>2025. 11. 05.</a:t>
+              <a:t>2025. 11. 06.</a:t>
             </a:fld>
             <a:endParaRPr lang="hu-HU"/>
           </a:p>
@@ -2327,7 +2332,7 @@
           <a:p>
             <a:fld id="{8EF3C242-AF4E-0F4E-B1A5-0050A5B92112}" type="datetime1">
               <a:rPr lang="hu-HU" smtClean="0"/>
-              <a:t>2025. 11. 05.</a:t>
+              <a:t>2025. 11. 06.</a:t>
             </a:fld>
             <a:endParaRPr lang="hu-HU"/>
           </a:p>
@@ -2440,7 +2445,7 @@
           <a:p>
             <a:fld id="{B6DD6928-E8BB-F645-9B89-505C65382616}" type="datetime1">
               <a:rPr lang="hu-HU" smtClean="0"/>
-              <a:t>2025. 11. 05.</a:t>
+              <a:t>2025. 11. 06.</a:t>
             </a:fld>
             <a:endParaRPr lang="hu-HU"/>
           </a:p>
@@ -2751,7 +2756,7 @@
           <a:p>
             <a:fld id="{FC32935B-306A-AF4A-83C7-5ACF2C37EC40}" type="datetime1">
               <a:rPr lang="hu-HU" smtClean="0"/>
-              <a:t>2025. 11. 05.</a:t>
+              <a:t>2025. 11. 06.</a:t>
             </a:fld>
             <a:endParaRPr lang="hu-HU"/>
           </a:p>
@@ -3039,7 +3044,7 @@
           <a:p>
             <a:fld id="{DF03F5C2-BC5C-E946-BE19-5970FFE88346}" type="datetime1">
               <a:rPr lang="hu-HU" smtClean="0"/>
-              <a:t>2025. 11. 05.</a:t>
+              <a:t>2025. 11. 06.</a:t>
             </a:fld>
             <a:endParaRPr lang="hu-HU"/>
           </a:p>
@@ -3280,7 +3285,7 @@
           <a:p>
             <a:fld id="{F1EA9AB3-3E45-1F4D-91EA-19B6CDD7EF89}" type="datetime1">
               <a:rPr lang="hu-HU" smtClean="0"/>
-              <a:t>2025. 11. 05.</a:t>
+              <a:t>2025. 11. 06.</a:t>
             </a:fld>
             <a:endParaRPr lang="hu-HU" dirty="0"/>
           </a:p>
@@ -4080,6 +4085,217 @@
           <p:cNvPr id="2" name="Cím 1">
             <a:extLst>
               <a:ext uri="{FF2B5EF4-FFF2-40B4-BE49-F238E27FC236}">
+                <a16:creationId xmlns:a16="http://schemas.microsoft.com/office/drawing/2014/main" id="{D91CC8E9-356E-2A8A-498D-1B17C279FD6B}"/>
+              </a:ext>
+            </a:extLst>
+          </p:cNvPr>
+          <p:cNvSpPr>
+            <a:spLocks noGrp="1"/>
+          </p:cNvSpPr>
+          <p:nvPr>
+            <p:ph type="title"/>
+          </p:nvPr>
+        </p:nvSpPr>
+        <p:spPr/>
+        <p:txBody>
+          <a:bodyPr/>
+          <a:lstStyle/>
+          <a:p>
+            <a:r>
+              <a:rPr lang="hu-HU" b="1" dirty="0" err="1"/>
+              <a:t>Klaszterezési</a:t>
+            </a:r>
+            <a:r>
+              <a:rPr lang="hu-HU" b="1" dirty="0"/>
+              <a:t> algoritmusok futásideje</a:t>
+            </a:r>
+            <a:endParaRPr lang="hu-HU" dirty="0"/>
+          </a:p>
+        </p:txBody>
+      </p:sp>
+      <p:sp>
+        <p:nvSpPr>
+          <p:cNvPr id="3" name="Tartalom helye 2">
+            <a:extLst>
+              <a:ext uri="{FF2B5EF4-FFF2-40B4-BE49-F238E27FC236}">
+                <a16:creationId xmlns:a16="http://schemas.microsoft.com/office/drawing/2014/main" id="{B93B8D71-B18A-E16D-5FBE-EF862C7BB665}"/>
+              </a:ext>
+            </a:extLst>
+          </p:cNvPr>
+          <p:cNvSpPr>
+            <a:spLocks noGrp="1"/>
+          </p:cNvSpPr>
+          <p:nvPr>
+            <p:ph idx="1"/>
+          </p:nvPr>
+        </p:nvSpPr>
+        <p:spPr/>
+        <p:txBody>
+          <a:bodyPr/>
+          <a:lstStyle/>
+          <a:p>
+            <a:r>
+              <a:rPr lang="hu-HU" dirty="0"/>
+              <a:t>Kiértékelés menete:</a:t>
+            </a:r>
+          </a:p>
+          <a:p>
+            <a:pPr lvl="1"/>
+            <a:r>
+              <a:rPr lang="hu-HU" dirty="0"/>
+              <a:t>84.007 </a:t>
+            </a:r>
+            <a:r>
+              <a:rPr lang="hu-HU" dirty="0" err="1"/>
+              <a:t>embedding</a:t>
+            </a:r>
+            <a:r>
+              <a:rPr lang="hu-HU" dirty="0"/>
+              <a:t> (18.891 dokumentumból) vektor </a:t>
+            </a:r>
+            <a:r>
+              <a:rPr lang="hu-HU" dirty="0" err="1"/>
+              <a:t>klaszterezése</a:t>
+            </a:r>
+            <a:r>
+              <a:rPr lang="hu-HU" dirty="0"/>
+              <a:t> változó klaszterszámokra.</a:t>
+            </a:r>
+          </a:p>
+          <a:p>
+            <a:pPr lvl="1"/>
+            <a:r>
+              <a:rPr lang="hu-HU" dirty="0"/>
+              <a:t>Algoritmusok:</a:t>
+            </a:r>
+          </a:p>
+          <a:p>
+            <a:pPr lvl="2"/>
+            <a:r>
+              <a:rPr lang="hu-HU" dirty="0" err="1"/>
+              <a:t>Kmeans</a:t>
+            </a:r>
+            <a:endParaRPr lang="hu-HU" dirty="0"/>
+          </a:p>
+          <a:p>
+            <a:pPr lvl="2"/>
+            <a:r>
+              <a:rPr lang="hu-HU" dirty="0" err="1"/>
+              <a:t>MiniBatchKMeans</a:t>
+            </a:r>
+            <a:endParaRPr lang="hu-HU" dirty="0"/>
+          </a:p>
+          <a:p>
+            <a:pPr lvl="2"/>
+            <a:r>
+              <a:rPr lang="hu-HU" dirty="0" err="1"/>
+              <a:t>OnlineKMeans</a:t>
+            </a:r>
+            <a:endParaRPr lang="hu-HU" dirty="0"/>
+          </a:p>
+          <a:p>
+            <a:pPr lvl="1"/>
+            <a:endParaRPr lang="hu-HU" dirty="0"/>
+          </a:p>
+          <a:p>
+            <a:pPr lvl="1"/>
+            <a:endParaRPr lang="hu-HU" dirty="0"/>
+          </a:p>
+        </p:txBody>
+      </p:sp>
+      <p:sp>
+        <p:nvSpPr>
+          <p:cNvPr id="4" name="Dátum helye 3">
+            <a:extLst>
+              <a:ext uri="{FF2B5EF4-FFF2-40B4-BE49-F238E27FC236}">
+                <a16:creationId xmlns:a16="http://schemas.microsoft.com/office/drawing/2014/main" id="{8877D505-C77A-3697-A926-4FDA6C789F2B}"/>
+              </a:ext>
+            </a:extLst>
+          </p:cNvPr>
+          <p:cNvSpPr>
+            <a:spLocks noGrp="1"/>
+          </p:cNvSpPr>
+          <p:nvPr>
+            <p:ph type="dt" sz="half" idx="10"/>
+          </p:nvPr>
+        </p:nvSpPr>
+        <p:spPr/>
+        <p:txBody>
+          <a:bodyPr/>
+          <a:lstStyle/>
+          <a:p>
+            <a:fld id="{AB697F88-25D7-7E4E-91DA-57125152F457}" type="datetime1">
+              <a:rPr lang="hu-HU" smtClean="0"/>
+              <a:t>2025. 11. 06.</a:t>
+            </a:fld>
+            <a:endParaRPr lang="hu-HU"/>
+          </a:p>
+        </p:txBody>
+      </p:sp>
+      <p:sp>
+        <p:nvSpPr>
+          <p:cNvPr id="5" name="Dia számának helye 4">
+            <a:extLst>
+              <a:ext uri="{FF2B5EF4-FFF2-40B4-BE49-F238E27FC236}">
+                <a16:creationId xmlns:a16="http://schemas.microsoft.com/office/drawing/2014/main" id="{F1F55054-6EE2-F770-6B80-2C7A6299BD94}"/>
+              </a:ext>
+            </a:extLst>
+          </p:cNvPr>
+          <p:cNvSpPr>
+            <a:spLocks noGrp="1"/>
+          </p:cNvSpPr>
+          <p:nvPr>
+            <p:ph type="sldNum" sz="quarter" idx="12"/>
+          </p:nvPr>
+        </p:nvSpPr>
+        <p:spPr/>
+        <p:txBody>
+          <a:bodyPr/>
+          <a:lstStyle/>
+          <a:p>
+            <a:fld id="{61F88ADF-3301-4598-B089-C6A4CC92BE83}" type="slidenum">
+              <a:rPr lang="hu-HU" smtClean="0"/>
+              <a:t>10</a:t>
+            </a:fld>
+            <a:endParaRPr lang="hu-HU"/>
+          </a:p>
+        </p:txBody>
+      </p:sp>
+    </p:spTree>
+    <p:extLst>
+      <p:ext uri="{BB962C8B-B14F-4D97-AF65-F5344CB8AC3E}">
+        <p14:creationId xmlns:p14="http://schemas.microsoft.com/office/powerpoint/2010/main" val="3425339727"/>
+      </p:ext>
+    </p:extLst>
+  </p:cSld>
+  <p:clrMapOvr>
+    <a:masterClrMapping/>
+  </p:clrMapOvr>
+</p:sld>
+</file>
+
+<file path=ppt/slides/slide11.xml><?xml version="1.0" encoding="utf-8"?>
+<p:sld xmlns:a="http://schemas.openxmlformats.org/drawingml/2006/main" xmlns:r="http://schemas.openxmlformats.org/officeDocument/2006/relationships" xmlns:p="http://schemas.openxmlformats.org/presentationml/2006/main">
+  <p:cSld>
+    <p:spTree>
+      <p:nvGrpSpPr>
+        <p:cNvPr id="1" name=""/>
+        <p:cNvGrpSpPr/>
+        <p:nvPr/>
+      </p:nvGrpSpPr>
+      <p:grpSpPr>
+        <a:xfrm>
+          <a:off x="0" y="0"/>
+          <a:ext cx="0" cy="0"/>
+          <a:chOff x="0" y="0"/>
+          <a:chExt cx="0" cy="0"/>
+        </a:xfrm>
+      </p:grpSpPr>
+      <p:sp>
+        <p:nvSpPr>
+          <p:cNvPr id="2" name="Cím 1">
+            <a:extLst>
+              <a:ext uri="{FF2B5EF4-FFF2-40B4-BE49-F238E27FC236}">
                 <a16:creationId xmlns:a16="http://schemas.microsoft.com/office/drawing/2014/main" id="{B525F4D4-ED51-2820-49AF-F3EC1E6A2C4D}"/>
               </a:ext>
             </a:extLst>
@@ -4102,10 +4318,13 @@
           <a:lstStyle/>
           <a:p>
             <a:r>
-              <a:rPr lang="hu-HU" b="1"/>
-              <a:t>Klaszterezési algoritmusok futásideje</a:t>
-            </a:r>
-            <a:endParaRPr lang="hu-HU" b="1" dirty="0"/>
+              <a:rPr lang="hu-HU" b="1" dirty="0" err="1"/>
+              <a:t>Klaszterezési</a:t>
+            </a:r>
+            <a:r>
+              <a:rPr lang="hu-HU" b="1" dirty="0"/>
+              <a:t> algoritmusok futásideje</a:t>
+            </a:r>
           </a:p>
         </p:txBody>
       </p:sp>
@@ -4132,7 +4351,7 @@
           <a:p>
             <a:fld id="{604F7F41-D779-A547-A1A3-0928E654DA43}" type="datetime1">
               <a:rPr lang="hu-HU" smtClean="0"/>
-              <a:t>2025. 11. 05.</a:t>
+              <a:t>2025. 11. 06.</a:t>
             </a:fld>
             <a:endParaRPr lang="hu-HU"/>
           </a:p>
@@ -4161,7 +4380,7 @@
           <a:p>
             <a:fld id="{61F88ADF-3301-4598-B089-C6A4CC92BE83}" type="slidenum">
               <a:rPr lang="hu-HU" smtClean="0"/>
-              <a:t>10</a:t>
+              <a:t>11</a:t>
             </a:fld>
             <a:r>
               <a:rPr lang="hu-HU" dirty="0"/>
@@ -4330,7 +4549,7 @@
 </p:sld>
 </file>
 
-<file path=ppt/slides/slide11.xml><?xml version="1.0" encoding="utf-8"?>
+<file path=ppt/slides/slide12.xml><?xml version="1.0" encoding="utf-8"?>
 <p:sld xmlns:a="http://schemas.openxmlformats.org/drawingml/2006/main" xmlns:r="http://schemas.openxmlformats.org/officeDocument/2006/relationships" xmlns:p="http://schemas.openxmlformats.org/presentationml/2006/main">
   <p:cSld>
     <p:spTree>
@@ -4352,7 +4571,7 @@
           <p:cNvPr id="2" name="Cím 1">
             <a:extLst>
               <a:ext uri="{FF2B5EF4-FFF2-40B4-BE49-F238E27FC236}">
-                <a16:creationId xmlns:a16="http://schemas.microsoft.com/office/drawing/2014/main" id="{55C9B2F7-33BF-5C12-61DB-2CD68A814566}"/>
+                <a16:creationId xmlns:a16="http://schemas.microsoft.com/office/drawing/2014/main" id="{A18C4855-CAF2-5DD9-532A-7A0D88048004}"/>
               </a:ext>
             </a:extLst>
           </p:cNvPr>
@@ -4376,6 +4595,257 @@
               <a:rPr lang="hu-HU" b="1" dirty="0"/>
               <a:t> algoritmusok pontossága</a:t>
             </a:r>
+            <a:endParaRPr lang="hu-HU" dirty="0"/>
+          </a:p>
+        </p:txBody>
+      </p:sp>
+      <p:sp>
+        <p:nvSpPr>
+          <p:cNvPr id="3" name="Tartalom helye 2">
+            <a:extLst>
+              <a:ext uri="{FF2B5EF4-FFF2-40B4-BE49-F238E27FC236}">
+                <a16:creationId xmlns:a16="http://schemas.microsoft.com/office/drawing/2014/main" id="{DB538570-B920-9406-9988-BB1C0443BDB0}"/>
+              </a:ext>
+            </a:extLst>
+          </p:cNvPr>
+          <p:cNvSpPr>
+            <a:spLocks noGrp="1"/>
+          </p:cNvSpPr>
+          <p:nvPr>
+            <p:ph idx="1"/>
+          </p:nvPr>
+        </p:nvSpPr>
+        <p:spPr/>
+        <p:txBody>
+          <a:bodyPr/>
+          <a:lstStyle/>
+          <a:p>
+            <a:r>
+              <a:rPr lang="hu-HU" dirty="0"/>
+              <a:t>Kiértékelés menete:</a:t>
+            </a:r>
+          </a:p>
+          <a:p>
+            <a:pPr lvl="1"/>
+            <a:r>
+              <a:rPr lang="hu-HU" dirty="0"/>
+              <a:t>Szintetikus adathalmaz:</a:t>
+            </a:r>
+          </a:p>
+          <a:p>
+            <a:pPr lvl="2"/>
+            <a:r>
+              <a:rPr lang="hu-HU" dirty="0"/>
+              <a:t>500 dimenziós vektorok</a:t>
+            </a:r>
+          </a:p>
+          <a:p>
+            <a:pPr lvl="2"/>
+            <a:r>
+              <a:rPr lang="hu-HU" dirty="0"/>
+              <a:t>10.000 adatpont</a:t>
+            </a:r>
+          </a:p>
+          <a:p>
+            <a:pPr lvl="2"/>
+            <a:r>
+              <a:rPr lang="hu-HU" dirty="0"/>
+              <a:t>200, 300, 400, 500, 800 klaszter</a:t>
+            </a:r>
+          </a:p>
+          <a:p>
+            <a:pPr lvl="2"/>
+            <a:r>
+              <a:rPr lang="hu-HU" dirty="0"/>
+              <a:t>Minden klaszterszámra </a:t>
+            </a:r>
+            <a:r>
+              <a:rPr lang="el-GR" dirty="0">
+                <a:solidFill>
+                  <a:srgbClr val="000000"/>
+                </a:solidFill>
+                <a:effectLst/>
+                <a:latin typeface="Times New Roman" panose="02020603050405020304" pitchFamily="18" charset="0"/>
+              </a:rPr>
+              <a:t>σ = 2,</a:t>
+            </a:r>
+            <a:r>
+              <a:rPr lang="hu-HU" dirty="0">
+                <a:solidFill>
+                  <a:srgbClr val="000000"/>
+                </a:solidFill>
+                <a:effectLst/>
+                <a:latin typeface="Times New Roman" panose="02020603050405020304" pitchFamily="18" charset="0"/>
+              </a:rPr>
+              <a:t> </a:t>
+            </a:r>
+            <a:r>
+              <a:rPr lang="el-GR" dirty="0">
+                <a:solidFill>
+                  <a:srgbClr val="000000"/>
+                </a:solidFill>
+                <a:effectLst/>
+                <a:latin typeface="Times New Roman" panose="02020603050405020304" pitchFamily="18" charset="0"/>
+              </a:rPr>
+              <a:t>4, 6, 8 </a:t>
+            </a:r>
+            <a:r>
+              <a:rPr lang="hu-HU" dirty="0">
+                <a:solidFill>
+                  <a:srgbClr val="000000"/>
+                </a:solidFill>
+                <a:effectLst/>
+                <a:latin typeface="Times New Roman" panose="02020603050405020304" pitchFamily="18" charset="0"/>
+              </a:rPr>
+              <a:t>és 10 szórással</a:t>
+            </a:r>
+          </a:p>
+          <a:p>
+            <a:pPr lvl="2"/>
+            <a:r>
+              <a:rPr lang="hu-HU" dirty="0">
+                <a:solidFill>
+                  <a:srgbClr val="000000"/>
+                </a:solidFill>
+                <a:latin typeface="Times New Roman" panose="02020603050405020304" pitchFamily="18" charset="0"/>
+              </a:rPr>
+              <a:t>Inicializálás 1.000 adatponton</a:t>
+            </a:r>
+            <a:endParaRPr lang="hu-HU" dirty="0">
+              <a:solidFill>
+                <a:srgbClr val="000000"/>
+              </a:solidFill>
+              <a:effectLst/>
+              <a:latin typeface="Times New Roman" panose="02020603050405020304" pitchFamily="18" charset="0"/>
+            </a:endParaRPr>
+          </a:p>
+          <a:p>
+            <a:pPr lvl="2"/>
+            <a:endParaRPr lang="hu-HU" dirty="0"/>
+          </a:p>
+          <a:p>
+            <a:pPr lvl="2"/>
+            <a:endParaRPr lang="hu-HU" dirty="0"/>
+          </a:p>
+        </p:txBody>
+      </p:sp>
+      <p:sp>
+        <p:nvSpPr>
+          <p:cNvPr id="4" name="Dátum helye 3">
+            <a:extLst>
+              <a:ext uri="{FF2B5EF4-FFF2-40B4-BE49-F238E27FC236}">
+                <a16:creationId xmlns:a16="http://schemas.microsoft.com/office/drawing/2014/main" id="{97B084F8-7887-3ADC-D4D8-A26425144373}"/>
+              </a:ext>
+            </a:extLst>
+          </p:cNvPr>
+          <p:cNvSpPr>
+            <a:spLocks noGrp="1"/>
+          </p:cNvSpPr>
+          <p:nvPr>
+            <p:ph type="dt" sz="half" idx="10"/>
+          </p:nvPr>
+        </p:nvSpPr>
+        <p:spPr/>
+        <p:txBody>
+          <a:bodyPr/>
+          <a:lstStyle/>
+          <a:p>
+            <a:fld id="{AB697F88-25D7-7E4E-91DA-57125152F457}" type="datetime1">
+              <a:rPr lang="hu-HU" smtClean="0"/>
+              <a:t>2025. 11. 06.</a:t>
+            </a:fld>
+            <a:endParaRPr lang="hu-HU"/>
+          </a:p>
+        </p:txBody>
+      </p:sp>
+      <p:sp>
+        <p:nvSpPr>
+          <p:cNvPr id="5" name="Dia számának helye 4">
+            <a:extLst>
+              <a:ext uri="{FF2B5EF4-FFF2-40B4-BE49-F238E27FC236}">
+                <a16:creationId xmlns:a16="http://schemas.microsoft.com/office/drawing/2014/main" id="{C49B74D0-CF8E-A658-AA33-4DF54D917350}"/>
+              </a:ext>
+            </a:extLst>
+          </p:cNvPr>
+          <p:cNvSpPr>
+            <a:spLocks noGrp="1"/>
+          </p:cNvSpPr>
+          <p:nvPr>
+            <p:ph type="sldNum" sz="quarter" idx="12"/>
+          </p:nvPr>
+        </p:nvSpPr>
+        <p:spPr/>
+        <p:txBody>
+          <a:bodyPr/>
+          <a:lstStyle/>
+          <a:p>
+            <a:fld id="{61F88ADF-3301-4598-B089-C6A4CC92BE83}" type="slidenum">
+              <a:rPr lang="hu-HU" smtClean="0"/>
+              <a:t>12</a:t>
+            </a:fld>
+            <a:endParaRPr lang="hu-HU"/>
+          </a:p>
+        </p:txBody>
+      </p:sp>
+    </p:spTree>
+    <p:extLst>
+      <p:ext uri="{BB962C8B-B14F-4D97-AF65-F5344CB8AC3E}">
+        <p14:creationId xmlns:p14="http://schemas.microsoft.com/office/powerpoint/2010/main" val="1625220533"/>
+      </p:ext>
+    </p:extLst>
+  </p:cSld>
+  <p:clrMapOvr>
+    <a:masterClrMapping/>
+  </p:clrMapOvr>
+</p:sld>
+</file>
+
+<file path=ppt/slides/slide13.xml><?xml version="1.0" encoding="utf-8"?>
+<p:sld xmlns:a="http://schemas.openxmlformats.org/drawingml/2006/main" xmlns:r="http://schemas.openxmlformats.org/officeDocument/2006/relationships" xmlns:p="http://schemas.openxmlformats.org/presentationml/2006/main">
+  <p:cSld>
+    <p:spTree>
+      <p:nvGrpSpPr>
+        <p:cNvPr id="1" name=""/>
+        <p:cNvGrpSpPr/>
+        <p:nvPr/>
+      </p:nvGrpSpPr>
+      <p:grpSpPr>
+        <a:xfrm>
+          <a:off x="0" y="0"/>
+          <a:ext cx="0" cy="0"/>
+          <a:chOff x="0" y="0"/>
+          <a:chExt cx="0" cy="0"/>
+        </a:xfrm>
+      </p:grpSpPr>
+      <p:sp>
+        <p:nvSpPr>
+          <p:cNvPr id="2" name="Cím 1">
+            <a:extLst>
+              <a:ext uri="{FF2B5EF4-FFF2-40B4-BE49-F238E27FC236}">
+                <a16:creationId xmlns:a16="http://schemas.microsoft.com/office/drawing/2014/main" id="{55C9B2F7-33BF-5C12-61DB-2CD68A814566}"/>
+              </a:ext>
+            </a:extLst>
+          </p:cNvPr>
+          <p:cNvSpPr>
+            <a:spLocks noGrp="1"/>
+          </p:cNvSpPr>
+          <p:nvPr>
+            <p:ph type="title"/>
+          </p:nvPr>
+        </p:nvSpPr>
+        <p:spPr/>
+        <p:txBody>
+          <a:bodyPr/>
+          <a:lstStyle/>
+          <a:p>
+            <a:r>
+              <a:rPr lang="hu-HU" b="1" dirty="0" err="1"/>
+              <a:t>Klaszterezési</a:t>
+            </a:r>
+            <a:r>
+              <a:rPr lang="hu-HU" b="1" dirty="0"/>
+              <a:t> algoritmusok pontossága</a:t>
+            </a:r>
           </a:p>
         </p:txBody>
       </p:sp>
@@ -4402,7 +4872,7 @@
           <a:p>
             <a:fld id="{1D89F031-1307-194F-983A-F3429BE6CD69}" type="datetime1">
               <a:rPr lang="hu-HU" smtClean="0"/>
-              <a:t>2025. 11. 05.</a:t>
+              <a:t>2025. 11. 06.</a:t>
             </a:fld>
             <a:endParaRPr lang="hu-HU"/>
           </a:p>
@@ -4431,7 +4901,7 @@
           <a:p>
             <a:fld id="{61F88ADF-3301-4598-B089-C6A4CC92BE83}" type="slidenum">
               <a:rPr lang="hu-HU" smtClean="0"/>
-              <a:t>11</a:t>
+              <a:t>13</a:t>
             </a:fld>
             <a:r>
               <a:rPr lang="hu-HU" dirty="0"/>
@@ -4488,7 +4958,7 @@
 </p:sld>
 </file>
 
-<file path=ppt/slides/slide12.xml><?xml version="1.0" encoding="utf-8"?>
+<file path=ppt/slides/slide14.xml><?xml version="1.0" encoding="utf-8"?>
 <p:sld xmlns:a="http://schemas.openxmlformats.org/drawingml/2006/main" xmlns:r="http://schemas.openxmlformats.org/officeDocument/2006/relationships" xmlns:p="http://schemas.openxmlformats.org/presentationml/2006/main">
   <p:cSld>
     <p:spTree>
@@ -4510,7 +4980,7 @@
           <p:cNvPr id="2" name="Cím 1">
             <a:extLst>
               <a:ext uri="{FF2B5EF4-FFF2-40B4-BE49-F238E27FC236}">
-                <a16:creationId xmlns:a16="http://schemas.microsoft.com/office/drawing/2014/main" id="{8D9D9E66-EAAD-305B-FE2A-DC7CD4764041}"/>
+                <a16:creationId xmlns:a16="http://schemas.microsoft.com/office/drawing/2014/main" id="{B16C46A4-6D8D-D412-17FC-B034421735DF}"/>
               </a:ext>
             </a:extLst>
           </p:cNvPr>
@@ -4550,6 +5020,201 @@
               <a:rPr lang="hu-HU" b="1" dirty="0"/>
               <a:t> eredményei</a:t>
             </a:r>
+            <a:endParaRPr lang="hu-HU" dirty="0"/>
+          </a:p>
+        </p:txBody>
+      </p:sp>
+      <p:sp>
+        <p:nvSpPr>
+          <p:cNvPr id="3" name="Tartalom helye 2">
+            <a:extLst>
+              <a:ext uri="{FF2B5EF4-FFF2-40B4-BE49-F238E27FC236}">
+                <a16:creationId xmlns:a16="http://schemas.microsoft.com/office/drawing/2014/main" id="{689235CC-06AC-C5E8-688B-C1936A5D3FD3}"/>
+              </a:ext>
+            </a:extLst>
+          </p:cNvPr>
+          <p:cNvSpPr>
+            <a:spLocks noGrp="1"/>
+          </p:cNvSpPr>
+          <p:nvPr>
+            <p:ph idx="1"/>
+          </p:nvPr>
+        </p:nvSpPr>
+        <p:spPr/>
+        <p:txBody>
+          <a:bodyPr/>
+          <a:lstStyle/>
+          <a:p>
+            <a:r>
+              <a:rPr lang="hu-HU" dirty="0"/>
+              <a:t>Kiértékelés menete:</a:t>
+            </a:r>
+          </a:p>
+          <a:p>
+            <a:pPr lvl="1"/>
+            <a:r>
+              <a:rPr lang="hu-HU" dirty="0"/>
+              <a:t>Cél: Minden </a:t>
+            </a:r>
+            <a:r>
+              <a:rPr lang="hu-HU" dirty="0" err="1"/>
+              <a:t>query-hez</a:t>
+            </a:r>
+            <a:r>
+              <a:rPr lang="hu-HU" dirty="0"/>
+              <a:t> (87.599) megtalálni a legrelevánsabb </a:t>
+            </a:r>
+            <a:r>
+              <a:rPr lang="hu-HU" dirty="0" err="1"/>
+              <a:t>embedding</a:t>
+            </a:r>
+            <a:r>
+              <a:rPr lang="hu-HU" dirty="0"/>
+              <a:t> vektort.</a:t>
+            </a:r>
+          </a:p>
+          <a:p>
+            <a:pPr lvl="1"/>
+            <a:r>
+              <a:rPr lang="hu-HU" dirty="0"/>
+              <a:t>Kérdések 15%-ára nincs válasz.</a:t>
+            </a:r>
+          </a:p>
+        </p:txBody>
+      </p:sp>
+      <p:sp>
+        <p:nvSpPr>
+          <p:cNvPr id="4" name="Dátum helye 3">
+            <a:extLst>
+              <a:ext uri="{FF2B5EF4-FFF2-40B4-BE49-F238E27FC236}">
+                <a16:creationId xmlns:a16="http://schemas.microsoft.com/office/drawing/2014/main" id="{720F0211-477B-15E0-2EBF-2A47A202C6E1}"/>
+              </a:ext>
+            </a:extLst>
+          </p:cNvPr>
+          <p:cNvSpPr>
+            <a:spLocks noGrp="1"/>
+          </p:cNvSpPr>
+          <p:nvPr>
+            <p:ph type="dt" sz="half" idx="10"/>
+          </p:nvPr>
+        </p:nvSpPr>
+        <p:spPr/>
+        <p:txBody>
+          <a:bodyPr/>
+          <a:lstStyle/>
+          <a:p>
+            <a:fld id="{AB697F88-25D7-7E4E-91DA-57125152F457}" type="datetime1">
+              <a:rPr lang="hu-HU" smtClean="0"/>
+              <a:t>2025. 11. 06.</a:t>
+            </a:fld>
+            <a:endParaRPr lang="hu-HU"/>
+          </a:p>
+        </p:txBody>
+      </p:sp>
+      <p:sp>
+        <p:nvSpPr>
+          <p:cNvPr id="5" name="Dia számának helye 4">
+            <a:extLst>
+              <a:ext uri="{FF2B5EF4-FFF2-40B4-BE49-F238E27FC236}">
+                <a16:creationId xmlns:a16="http://schemas.microsoft.com/office/drawing/2014/main" id="{BB189B6E-7E3F-3280-6C58-EF7283E05090}"/>
+              </a:ext>
+            </a:extLst>
+          </p:cNvPr>
+          <p:cNvSpPr>
+            <a:spLocks noGrp="1"/>
+          </p:cNvSpPr>
+          <p:nvPr>
+            <p:ph type="sldNum" sz="quarter" idx="12"/>
+          </p:nvPr>
+        </p:nvSpPr>
+        <p:spPr/>
+        <p:txBody>
+          <a:bodyPr/>
+          <a:lstStyle/>
+          <a:p>
+            <a:fld id="{61F88ADF-3301-4598-B089-C6A4CC92BE83}" type="slidenum">
+              <a:rPr lang="hu-HU" smtClean="0"/>
+              <a:t>14</a:t>
+            </a:fld>
+            <a:endParaRPr lang="hu-HU"/>
+          </a:p>
+        </p:txBody>
+      </p:sp>
+    </p:spTree>
+    <p:extLst>
+      <p:ext uri="{BB962C8B-B14F-4D97-AF65-F5344CB8AC3E}">
+        <p14:creationId xmlns:p14="http://schemas.microsoft.com/office/powerpoint/2010/main" val="2554584894"/>
+      </p:ext>
+    </p:extLst>
+  </p:cSld>
+  <p:clrMapOvr>
+    <a:masterClrMapping/>
+  </p:clrMapOvr>
+</p:sld>
+</file>
+
+<file path=ppt/slides/slide15.xml><?xml version="1.0" encoding="utf-8"?>
+<p:sld xmlns:a="http://schemas.openxmlformats.org/drawingml/2006/main" xmlns:r="http://schemas.openxmlformats.org/officeDocument/2006/relationships" xmlns:p="http://schemas.openxmlformats.org/presentationml/2006/main">
+  <p:cSld>
+    <p:spTree>
+      <p:nvGrpSpPr>
+        <p:cNvPr id="1" name=""/>
+        <p:cNvGrpSpPr/>
+        <p:nvPr/>
+      </p:nvGrpSpPr>
+      <p:grpSpPr>
+        <a:xfrm>
+          <a:off x="0" y="0"/>
+          <a:ext cx="0" cy="0"/>
+          <a:chOff x="0" y="0"/>
+          <a:chExt cx="0" cy="0"/>
+        </a:xfrm>
+      </p:grpSpPr>
+      <p:sp>
+        <p:nvSpPr>
+          <p:cNvPr id="2" name="Cím 1">
+            <a:extLst>
+              <a:ext uri="{FF2B5EF4-FFF2-40B4-BE49-F238E27FC236}">
+                <a16:creationId xmlns:a16="http://schemas.microsoft.com/office/drawing/2014/main" id="{8D9D9E66-EAAD-305B-FE2A-DC7CD4764041}"/>
+              </a:ext>
+            </a:extLst>
+          </p:cNvPr>
+          <p:cNvSpPr>
+            <a:spLocks noGrp="1"/>
+          </p:cNvSpPr>
+          <p:nvPr>
+            <p:ph type="title"/>
+          </p:nvPr>
+        </p:nvSpPr>
+        <p:spPr/>
+        <p:txBody>
+          <a:bodyPr/>
+          <a:lstStyle/>
+          <a:p>
+            <a:r>
+              <a:rPr lang="hu-HU" b="1" dirty="0" err="1"/>
+              <a:t>Klaszterezést</a:t>
+            </a:r>
+            <a:r>
+              <a:rPr lang="hu-HU" b="1" dirty="0"/>
+              <a:t> használó </a:t>
+            </a:r>
+            <a:r>
+              <a:rPr lang="hu-HU" b="1" dirty="0" err="1"/>
+              <a:t>retrieval</a:t>
+            </a:r>
+            <a:r>
+              <a:rPr lang="hu-HU" b="1" dirty="0"/>
+              <a:t> </a:t>
+            </a:r>
+            <a:r>
+              <a:rPr lang="hu-HU" b="1" dirty="0" err="1"/>
+              <a:t>pipeline</a:t>
+            </a:r>
+            <a:r>
+              <a:rPr lang="hu-HU" b="1" dirty="0"/>
+              <a:t> eredményei</a:t>
+            </a:r>
           </a:p>
         </p:txBody>
       </p:sp>
@@ -4576,7 +5241,7 @@
           <a:p>
             <a:fld id="{23789548-D724-1F48-B49D-E29266C4BD81}" type="datetime1">
               <a:rPr lang="hu-HU" smtClean="0"/>
-              <a:t>2025. 11. 05.</a:t>
+              <a:t>2025. 11. 06.</a:t>
             </a:fld>
             <a:endParaRPr lang="hu-HU"/>
           </a:p>
@@ -4605,7 +5270,7 @@
           <a:p>
             <a:fld id="{61F88ADF-3301-4598-B089-C6A4CC92BE83}" type="slidenum">
               <a:rPr lang="hu-HU" smtClean="0"/>
-              <a:t>12</a:t>
+              <a:t>15</a:t>
             </a:fld>
             <a:r>
               <a:rPr lang="hu-HU"/>
@@ -4774,7 +5439,7 @@
 </p:sld>
 </file>
 
-<file path=ppt/slides/slide13.xml><?xml version="1.0" encoding="utf-8"?>
+<file path=ppt/slides/slide16.xml><?xml version="1.0" encoding="utf-8"?>
 <p:sld xmlns:a="http://schemas.openxmlformats.org/drawingml/2006/main" xmlns:r="http://schemas.openxmlformats.org/officeDocument/2006/relationships" xmlns:p="http://schemas.openxmlformats.org/presentationml/2006/main">
   <p:cSld>
     <p:spTree>
@@ -4834,61 +5499,47 @@
             </a:r>
             <a:r>
               <a:rPr lang="hu-HU" b="1" dirty="0"/>
-              <a:t> eredményei</a:t>
+              <a:t> visszakeresési ideje</a:t>
             </a:r>
             <a:endParaRPr lang="hu-HU" dirty="0"/>
           </a:p>
         </p:txBody>
       </p:sp>
-      <p:sp>
-        <p:nvSpPr>
-          <p:cNvPr id="3" name="Tartalom helye 2">
-            <a:extLst>
-              <a:ext uri="{FF2B5EF4-FFF2-40B4-BE49-F238E27FC236}">
-                <a16:creationId xmlns:a16="http://schemas.microsoft.com/office/drawing/2014/main" id="{82CAFC7B-C4DD-DE6F-672D-171841A8A539}"/>
-              </a:ext>
-            </a:extLst>
-          </p:cNvPr>
-          <p:cNvSpPr>
-            <a:spLocks noGrp="1"/>
-          </p:cNvSpPr>
+      <p:pic>
+        <p:nvPicPr>
+          <p:cNvPr id="11" name="Tartalom helye 10">
+            <a:extLst>
+              <a:ext uri="{FF2B5EF4-FFF2-40B4-BE49-F238E27FC236}">
+                <a16:creationId xmlns:a16="http://schemas.microsoft.com/office/drawing/2014/main" id="{46DB39A6-DB0D-DE97-078A-A43CA47E474B}"/>
+              </a:ext>
+            </a:extLst>
+          </p:cNvPr>
+          <p:cNvPicPr>
+            <a:picLocks noGrp="1" noChangeAspect="1"/>
+          </p:cNvPicPr>
           <p:nvPr>
             <p:ph idx="1"/>
           </p:nvPr>
-        </p:nvSpPr>
-        <p:spPr/>
-        <p:txBody>
-          <a:bodyPr/>
-          <a:lstStyle/>
-          <a:p>
-            <a:r>
-              <a:rPr lang="hu-HU" dirty="0"/>
-              <a:t>TODO: </a:t>
-            </a:r>
-            <a:r>
-              <a:rPr lang="hu-HU" dirty="0" err="1"/>
-              <a:t>retrieval</a:t>
-            </a:r>
-            <a:r>
-              <a:rPr lang="hu-HU" dirty="0"/>
-              <a:t> </a:t>
-            </a:r>
-            <a:r>
-              <a:rPr lang="hu-HU" dirty="0" err="1"/>
-              <a:t>times</a:t>
-            </a:r>
-            <a:r>
-              <a:rPr lang="hu-HU" dirty="0"/>
-              <a:t> </a:t>
-            </a:r>
-            <a:r>
-              <a:rPr lang="hu-HU"/>
-              <a:t>picture</a:t>
-            </a:r>
-            <a:endParaRPr lang="hu-HU" dirty="0"/>
-          </a:p>
-        </p:txBody>
-      </p:sp>
+        </p:nvPicPr>
+        <p:blipFill>
+          <a:blip r:embed="rId2">
+            <a:extLst>
+              <a:ext uri="{28A0092B-C50C-407E-A947-70E740481C1C}">
+                <a14:useLocalDpi xmlns:a14="http://schemas.microsoft.com/office/drawing/2010/main" val="0"/>
+              </a:ext>
+            </a:extLst>
+          </a:blip>
+          <a:stretch>
+            <a:fillRect/>
+          </a:stretch>
+        </p:blipFill>
+        <p:spPr>
+          <a:xfrm>
+            <a:off x="413232" y="1584615"/>
+            <a:ext cx="11365536" cy="4683600"/>
+          </a:xfrm>
+        </p:spPr>
+      </p:pic>
       <p:sp>
         <p:nvSpPr>
           <p:cNvPr id="4" name="Dátum helye 3">
@@ -4912,7 +5563,7 @@
           <a:p>
             <a:fld id="{AB697F88-25D7-7E4E-91DA-57125152F457}" type="datetime1">
               <a:rPr lang="hu-HU" smtClean="0"/>
-              <a:t>2025. 11. 05.</a:t>
+              <a:t>2025. 11. 06.</a:t>
             </a:fld>
             <a:endParaRPr lang="hu-HU"/>
           </a:p>
@@ -4941,7 +5592,7 @@
           <a:p>
             <a:fld id="{61F88ADF-3301-4598-B089-C6A4CC92BE83}" type="slidenum">
               <a:rPr lang="hu-HU" smtClean="0"/>
-              <a:t>13</a:t>
+              <a:t>16</a:t>
             </a:fld>
             <a:endParaRPr lang="hu-HU"/>
           </a:p>
@@ -4960,7 +5611,7 @@
 </p:sld>
 </file>
 
-<file path=ppt/slides/slide14.xml><?xml version="1.0" encoding="utf-8"?>
+<file path=ppt/slides/slide17.xml><?xml version="1.0" encoding="utf-8"?>
 <p:sld xmlns:a="http://schemas.openxmlformats.org/drawingml/2006/main" xmlns:r="http://schemas.openxmlformats.org/officeDocument/2006/relationships" xmlns:p="http://schemas.openxmlformats.org/presentationml/2006/main">
   <p:cSld>
     <p:spTree>
@@ -4996,24 +5647,24 @@
         <p:spPr/>
         <p:txBody>
           <a:bodyPr>
-            <a:normAutofit fontScale="90000"/>
+            <a:normAutofit/>
           </a:bodyPr>
           <a:lstStyle/>
           <a:p>
             <a:r>
-              <a:rPr lang="hu-HU" sz="4800" b="1" dirty="0" err="1"/>
+              <a:rPr lang="hu-HU" b="1" dirty="0" err="1"/>
               <a:t>Retrieval</a:t>
             </a:r>
             <a:r>
-              <a:rPr lang="hu-HU" sz="4800" b="1" dirty="0"/>
+              <a:rPr lang="hu-HU" b="1" dirty="0"/>
               <a:t> </a:t>
             </a:r>
             <a:r>
-              <a:rPr lang="hu-HU" sz="4800" b="1" dirty="0" err="1"/>
+              <a:rPr lang="hu-HU" b="1" dirty="0" err="1"/>
               <a:t>pipeline</a:t>
             </a:r>
             <a:r>
-              <a:rPr lang="hu-HU" sz="4800" b="1" dirty="0"/>
+              <a:rPr lang="hu-HU" b="1" dirty="0"/>
               <a:t> változó dokumentum halmazzal</a:t>
             </a:r>
           </a:p>
@@ -5042,7 +5693,7 @@
           <a:p>
             <a:fld id="{AB697F88-25D7-7E4E-91DA-57125152F457}" type="datetime1">
               <a:rPr lang="hu-HU" smtClean="0"/>
-              <a:t>2025. 11. 05.</a:t>
+              <a:t>2025. 11. 06.</a:t>
             </a:fld>
             <a:endParaRPr lang="hu-HU"/>
           </a:p>
@@ -5071,7 +5722,7 @@
           <a:p>
             <a:fld id="{61F88ADF-3301-4598-B089-C6A4CC92BE83}" type="slidenum">
               <a:rPr lang="hu-HU" smtClean="0"/>
-              <a:t>14</a:t>
+              <a:t>17</a:t>
             </a:fld>
             <a:r>
               <a:rPr lang="hu-HU" dirty="0"/>
@@ -5098,10 +5749,106 @@
         </p:nvSpPr>
         <p:spPr/>
         <p:txBody>
-          <a:bodyPr/>
-          <a:lstStyle/>
-          <a:p>
+          <a:bodyPr>
+            <a:normAutofit/>
+          </a:bodyPr>
+          <a:lstStyle/>
+          <a:p>
+            <a:r>
+              <a:rPr lang="hu-HU" dirty="0"/>
+              <a:t>Kiértékelés menete:</a:t>
+            </a:r>
+          </a:p>
+          <a:p>
+            <a:pPr lvl="1"/>
+            <a:r>
+              <a:rPr lang="hu-HU" dirty="0"/>
+              <a:t>84.007 </a:t>
+            </a:r>
+            <a:r>
+              <a:rPr lang="hu-HU" dirty="0" err="1"/>
+              <a:t>embedding</a:t>
+            </a:r>
+            <a:r>
+              <a:rPr lang="hu-HU" dirty="0"/>
+              <a:t> vektor, 87.599 </a:t>
+            </a:r>
+            <a:r>
+              <a:rPr lang="hu-HU" dirty="0" err="1"/>
+              <a:t>query</a:t>
+            </a:r>
+            <a:r>
+              <a:rPr lang="hu-HU" dirty="0"/>
+              <a:t>.</a:t>
+            </a:r>
+          </a:p>
+          <a:p>
+            <a:pPr lvl="1"/>
+            <a:r>
+              <a:rPr lang="hu-HU" dirty="0"/>
+              <a:t>Inicializálás </a:t>
+            </a:r>
+            <a:r>
+              <a:rPr lang="hu-HU" dirty="0" err="1"/>
+              <a:t>embeddingek</a:t>
+            </a:r>
+            <a:r>
+              <a:rPr lang="hu-HU" dirty="0"/>
+              <a:t> 50%-án.</a:t>
+            </a:r>
+          </a:p>
+          <a:p>
+            <a:pPr lvl="1"/>
+            <a:r>
+              <a:rPr lang="hu-HU" dirty="0"/>
+              <a:t>Új adatok 2.000-es batch-</a:t>
+            </a:r>
+            <a:r>
+              <a:rPr lang="hu-HU" dirty="0" err="1"/>
+              <a:t>ekben</a:t>
+            </a:r>
+            <a:r>
+              <a:rPr lang="hu-HU" dirty="0"/>
+              <a:t>.</a:t>
+            </a:r>
+          </a:p>
+          <a:p>
+            <a:pPr lvl="1"/>
+            <a:r>
+              <a:rPr lang="hu-HU" dirty="0"/>
+              <a:t>Vizsgált algoritmusok:</a:t>
+            </a:r>
+          </a:p>
+          <a:p>
+            <a:pPr lvl="2"/>
+            <a:r>
+              <a:rPr lang="hu-HU" dirty="0" err="1"/>
+              <a:t>Kmeans</a:t>
+            </a:r>
             <a:endParaRPr lang="hu-HU" dirty="0"/>
+          </a:p>
+          <a:p>
+            <a:pPr lvl="2"/>
+            <a:r>
+              <a:rPr lang="hu-HU" dirty="0" err="1"/>
+              <a:t>MiniBatchKMeans</a:t>
+            </a:r>
+            <a:endParaRPr lang="hu-HU" dirty="0"/>
+          </a:p>
+          <a:p>
+            <a:pPr lvl="2"/>
+            <a:r>
+              <a:rPr lang="hu-HU" dirty="0" err="1"/>
+              <a:t>OnlineKMeans</a:t>
+            </a:r>
+            <a:endParaRPr lang="hu-HU" dirty="0"/>
+          </a:p>
+          <a:p>
+            <a:pPr lvl="2"/>
+            <a:r>
+              <a:rPr lang="hu-HU" dirty="0"/>
+              <a:t>FAISS (HNSW)</a:t>
+            </a:r>
           </a:p>
         </p:txBody>
       </p:sp>
@@ -5118,7 +5865,1139 @@
 </p:sld>
 </file>
 
-<file path=ppt/slides/slide15.xml><?xml version="1.0" encoding="utf-8"?>
+<file path=ppt/slides/slide18.xml><?xml version="1.0" encoding="utf-8"?>
+<p:sld xmlns:a="http://schemas.openxmlformats.org/drawingml/2006/main" xmlns:r="http://schemas.openxmlformats.org/officeDocument/2006/relationships" xmlns:p="http://schemas.openxmlformats.org/presentationml/2006/main">
+  <p:cSld>
+    <p:spTree>
+      <p:nvGrpSpPr>
+        <p:cNvPr id="1" name=""/>
+        <p:cNvGrpSpPr/>
+        <p:nvPr/>
+      </p:nvGrpSpPr>
+      <p:grpSpPr>
+        <a:xfrm>
+          <a:off x="0" y="0"/>
+          <a:ext cx="0" cy="0"/>
+          <a:chOff x="0" y="0"/>
+          <a:chExt cx="0" cy="0"/>
+        </a:xfrm>
+      </p:grpSpPr>
+      <p:sp>
+        <p:nvSpPr>
+          <p:cNvPr id="2" name="Cím 1">
+            <a:extLst>
+              <a:ext uri="{FF2B5EF4-FFF2-40B4-BE49-F238E27FC236}">
+                <a16:creationId xmlns:a16="http://schemas.microsoft.com/office/drawing/2014/main" id="{13BED8F0-B3A5-60F7-E321-B144BD435B16}"/>
+              </a:ext>
+            </a:extLst>
+          </p:cNvPr>
+          <p:cNvSpPr>
+            <a:spLocks noGrp="1"/>
+          </p:cNvSpPr>
+          <p:nvPr>
+            <p:ph type="title"/>
+          </p:nvPr>
+        </p:nvSpPr>
+        <p:spPr/>
+        <p:txBody>
+          <a:bodyPr>
+            <a:normAutofit/>
+          </a:bodyPr>
+          <a:lstStyle/>
+          <a:p>
+            <a:r>
+              <a:rPr lang="hu-HU" b="1" dirty="0" err="1"/>
+              <a:t>Retrieval</a:t>
+            </a:r>
+            <a:r>
+              <a:rPr lang="hu-HU" b="1" dirty="0"/>
+              <a:t> </a:t>
+            </a:r>
+            <a:r>
+              <a:rPr lang="hu-HU" b="1" dirty="0" err="1"/>
+              <a:t>pipeline</a:t>
+            </a:r>
+            <a:r>
+              <a:rPr lang="hu-HU" b="1" dirty="0"/>
+              <a:t> változó dokumentum halmazzal</a:t>
+            </a:r>
+            <a:endParaRPr lang="hu-HU" dirty="0"/>
+          </a:p>
+        </p:txBody>
+      </p:sp>
+      <p:pic>
+        <p:nvPicPr>
+          <p:cNvPr id="7" name="Tartalom helye 6">
+            <a:extLst>
+              <a:ext uri="{FF2B5EF4-FFF2-40B4-BE49-F238E27FC236}">
+                <a16:creationId xmlns:a16="http://schemas.microsoft.com/office/drawing/2014/main" id="{2814D4FF-37CA-07CC-4917-A39068E708F4}"/>
+              </a:ext>
+            </a:extLst>
+          </p:cNvPr>
+          <p:cNvPicPr>
+            <a:picLocks noGrp="1" noChangeAspect="1"/>
+          </p:cNvPicPr>
+          <p:nvPr>
+            <p:ph idx="1"/>
+          </p:nvPr>
+        </p:nvPicPr>
+        <p:blipFill>
+          <a:blip r:embed="rId2">
+            <a:extLst>
+              <a:ext uri="{28A0092B-C50C-407E-A947-70E740481C1C}">
+                <a14:useLocalDpi xmlns:a14="http://schemas.microsoft.com/office/drawing/2010/main" val="0"/>
+              </a:ext>
+            </a:extLst>
+          </a:blip>
+          <a:stretch>
+            <a:fillRect/>
+          </a:stretch>
+        </p:blipFill>
+        <p:spPr>
+          <a:xfrm>
+            <a:off x="838200" y="1576512"/>
+            <a:ext cx="10303920" cy="4683600"/>
+          </a:xfrm>
+        </p:spPr>
+      </p:pic>
+      <p:sp>
+        <p:nvSpPr>
+          <p:cNvPr id="4" name="Dátum helye 3">
+            <a:extLst>
+              <a:ext uri="{FF2B5EF4-FFF2-40B4-BE49-F238E27FC236}">
+                <a16:creationId xmlns:a16="http://schemas.microsoft.com/office/drawing/2014/main" id="{75C52C96-71A3-7B11-9A08-97D6BE641363}"/>
+              </a:ext>
+            </a:extLst>
+          </p:cNvPr>
+          <p:cNvSpPr>
+            <a:spLocks noGrp="1"/>
+          </p:cNvSpPr>
+          <p:nvPr>
+            <p:ph type="dt" sz="half" idx="10"/>
+          </p:nvPr>
+        </p:nvSpPr>
+        <p:spPr/>
+        <p:txBody>
+          <a:bodyPr/>
+          <a:lstStyle/>
+          <a:p>
+            <a:fld id="{AB697F88-25D7-7E4E-91DA-57125152F457}" type="datetime1">
+              <a:rPr lang="hu-HU" smtClean="0"/>
+              <a:t>2025. 11. 06.</a:t>
+            </a:fld>
+            <a:endParaRPr lang="hu-HU"/>
+          </a:p>
+        </p:txBody>
+      </p:sp>
+      <p:sp>
+        <p:nvSpPr>
+          <p:cNvPr id="5" name="Dia számának helye 4">
+            <a:extLst>
+              <a:ext uri="{FF2B5EF4-FFF2-40B4-BE49-F238E27FC236}">
+                <a16:creationId xmlns:a16="http://schemas.microsoft.com/office/drawing/2014/main" id="{90EFBDA3-F08B-8523-65E6-5283DDC38FB7}"/>
+              </a:ext>
+            </a:extLst>
+          </p:cNvPr>
+          <p:cNvSpPr>
+            <a:spLocks noGrp="1"/>
+          </p:cNvSpPr>
+          <p:nvPr>
+            <p:ph type="sldNum" sz="quarter" idx="12"/>
+          </p:nvPr>
+        </p:nvSpPr>
+        <p:spPr/>
+        <p:txBody>
+          <a:bodyPr/>
+          <a:lstStyle/>
+          <a:p>
+            <a:fld id="{61F88ADF-3301-4598-B089-C6A4CC92BE83}" type="slidenum">
+              <a:rPr lang="hu-HU" smtClean="0"/>
+              <a:t>18</a:t>
+            </a:fld>
+            <a:endParaRPr lang="hu-HU"/>
+          </a:p>
+        </p:txBody>
+      </p:sp>
+      <p:pic>
+        <p:nvPicPr>
+          <p:cNvPr id="9" name="Kép 8">
+            <a:extLst>
+              <a:ext uri="{FF2B5EF4-FFF2-40B4-BE49-F238E27FC236}">
+                <a16:creationId xmlns:a16="http://schemas.microsoft.com/office/drawing/2014/main" id="{2296B4B3-EF9B-7160-D129-A1B840E03F50}"/>
+              </a:ext>
+            </a:extLst>
+          </p:cNvPr>
+          <p:cNvPicPr>
+            <a:picLocks noChangeAspect="1"/>
+          </p:cNvPicPr>
+          <p:nvPr/>
+        </p:nvPicPr>
+        <p:blipFill>
+          <a:blip r:embed="rId3">
+            <a:extLst>
+              <a:ext uri="{28A0092B-C50C-407E-A947-70E740481C1C}">
+                <a14:useLocalDpi xmlns:a14="http://schemas.microsoft.com/office/drawing/2010/main" val="0"/>
+              </a:ext>
+            </a:extLst>
+          </a:blip>
+          <a:stretch>
+            <a:fillRect/>
+          </a:stretch>
+        </p:blipFill>
+        <p:spPr>
+          <a:xfrm>
+            <a:off x="838200" y="1576512"/>
+            <a:ext cx="10303920" cy="4683600"/>
+          </a:xfrm>
+          <a:prstGeom prst="rect">
+            <a:avLst/>
+          </a:prstGeom>
+        </p:spPr>
+      </p:pic>
+    </p:spTree>
+    <p:extLst>
+      <p:ext uri="{BB962C8B-B14F-4D97-AF65-F5344CB8AC3E}">
+        <p14:creationId xmlns:p14="http://schemas.microsoft.com/office/powerpoint/2010/main" val="3507657180"/>
+      </p:ext>
+    </p:extLst>
+  </p:cSld>
+  <p:clrMapOvr>
+    <a:masterClrMapping/>
+  </p:clrMapOvr>
+  <p:timing>
+    <p:tnLst>
+      <p:par>
+        <p:cTn id="1" dur="indefinite" restart="never" nodeType="tmRoot">
+          <p:childTnLst>
+            <p:seq concurrent="1" nextAc="seek">
+              <p:cTn id="2" dur="indefinite" nodeType="mainSeq">
+                <p:childTnLst>
+                  <p:par>
+                    <p:cTn id="3" fill="hold">
+                      <p:stCondLst>
+                        <p:cond delay="indefinite"/>
+                      </p:stCondLst>
+                      <p:childTnLst>
+                        <p:par>
+                          <p:cTn id="4" fill="hold">
+                            <p:stCondLst>
+                              <p:cond delay="0"/>
+                            </p:stCondLst>
+                            <p:childTnLst>
+                              <p:par>
+                                <p:cTn id="5" presetID="1" presetClass="entr" presetSubtype="0" fill="hold" nodeType="clickEffect">
+                                  <p:stCondLst>
+                                    <p:cond delay="0"/>
+                                  </p:stCondLst>
+                                  <p:childTnLst>
+                                    <p:set>
+                                      <p:cBhvr>
+                                        <p:cTn id="6" dur="1" fill="hold">
+                                          <p:stCondLst>
+                                            <p:cond delay="0"/>
+                                          </p:stCondLst>
+                                        </p:cTn>
+                                        <p:tgtEl>
+                                          <p:spTgt spid="9"/>
+                                        </p:tgtEl>
+                                        <p:attrNameLst>
+                                          <p:attrName>style.visibility</p:attrName>
+                                        </p:attrNameLst>
+                                      </p:cBhvr>
+                                      <p:to>
+                                        <p:strVal val="visible"/>
+                                      </p:to>
+                                    </p:set>
+                                  </p:childTnLst>
+                                </p:cTn>
+                              </p:par>
+                            </p:childTnLst>
+                          </p:cTn>
+                        </p:par>
+                      </p:childTnLst>
+                    </p:cTn>
+                  </p:par>
+                </p:childTnLst>
+              </p:cTn>
+              <p:prevCondLst>
+                <p:cond evt="onPrev" delay="0">
+                  <p:tgtEl>
+                    <p:sldTgt/>
+                  </p:tgtEl>
+                </p:cond>
+              </p:prevCondLst>
+              <p:nextCondLst>
+                <p:cond evt="onNext" delay="0">
+                  <p:tgtEl>
+                    <p:sldTgt/>
+                  </p:tgtEl>
+                </p:cond>
+              </p:nextCondLst>
+            </p:seq>
+          </p:childTnLst>
+        </p:cTn>
+      </p:par>
+    </p:tnLst>
+  </p:timing>
+</p:sld>
+</file>
+
+<file path=ppt/slides/slide19.xml><?xml version="1.0" encoding="utf-8"?>
+<p:sld xmlns:a="http://schemas.openxmlformats.org/drawingml/2006/main" xmlns:r="http://schemas.openxmlformats.org/officeDocument/2006/relationships" xmlns:p="http://schemas.openxmlformats.org/presentationml/2006/main">
+  <p:cSld>
+    <p:spTree>
+      <p:nvGrpSpPr>
+        <p:cNvPr id="1" name=""/>
+        <p:cNvGrpSpPr/>
+        <p:nvPr/>
+      </p:nvGrpSpPr>
+      <p:grpSpPr>
+        <a:xfrm>
+          <a:off x="0" y="0"/>
+          <a:ext cx="0" cy="0"/>
+          <a:chOff x="0" y="0"/>
+          <a:chExt cx="0" cy="0"/>
+        </a:xfrm>
+      </p:grpSpPr>
+      <p:sp>
+        <p:nvSpPr>
+          <p:cNvPr id="2" name="Cím 1">
+            <a:extLst>
+              <a:ext uri="{FF2B5EF4-FFF2-40B4-BE49-F238E27FC236}">
+                <a16:creationId xmlns:a16="http://schemas.microsoft.com/office/drawing/2014/main" id="{C22C004D-1D65-EB37-2448-8EE4997B489E}"/>
+              </a:ext>
+            </a:extLst>
+          </p:cNvPr>
+          <p:cNvSpPr>
+            <a:spLocks noGrp="1"/>
+          </p:cNvSpPr>
+          <p:nvPr>
+            <p:ph type="title"/>
+          </p:nvPr>
+        </p:nvSpPr>
+        <p:spPr/>
+        <p:txBody>
+          <a:bodyPr/>
+          <a:lstStyle/>
+          <a:p>
+            <a:r>
+              <a:rPr lang="hu-HU" b="1" dirty="0" err="1"/>
+              <a:t>Retrieval</a:t>
+            </a:r>
+            <a:r>
+              <a:rPr lang="hu-HU" b="1" dirty="0"/>
+              <a:t> </a:t>
+            </a:r>
+            <a:r>
+              <a:rPr lang="hu-HU" b="1" dirty="0" err="1"/>
+              <a:t>pipeline</a:t>
+            </a:r>
+            <a:r>
+              <a:rPr lang="hu-HU" b="1" dirty="0"/>
+              <a:t> változó dokumentum halmazzal</a:t>
+            </a:r>
+            <a:endParaRPr lang="hu-HU" dirty="0"/>
+          </a:p>
+        </p:txBody>
+      </p:sp>
+      <p:pic>
+        <p:nvPicPr>
+          <p:cNvPr id="7" name="Tartalom helye 6" descr="A képen szöveg, képernyőkép, sor, Diagram látható&#10;&#10;Automatikusan generált leírás">
+            <a:extLst>
+              <a:ext uri="{FF2B5EF4-FFF2-40B4-BE49-F238E27FC236}">
+                <a16:creationId xmlns:a16="http://schemas.microsoft.com/office/drawing/2014/main" id="{09BA973A-3273-5842-7415-0A51D97B199C}"/>
+              </a:ext>
+            </a:extLst>
+          </p:cNvPr>
+          <p:cNvPicPr>
+            <a:picLocks noGrp="1" noChangeAspect="1"/>
+          </p:cNvPicPr>
+          <p:nvPr>
+            <p:ph idx="1"/>
+          </p:nvPr>
+        </p:nvPicPr>
+        <p:blipFill>
+          <a:blip r:embed="rId2">
+            <a:extLst>
+              <a:ext uri="{28A0092B-C50C-407E-A947-70E740481C1C}">
+                <a14:useLocalDpi xmlns:a14="http://schemas.microsoft.com/office/drawing/2010/main" val="0"/>
+              </a:ext>
+            </a:extLst>
+          </a:blip>
+          <a:stretch>
+            <a:fillRect/>
+          </a:stretch>
+        </p:blipFill>
+        <p:spPr>
+          <a:xfrm>
+            <a:off x="1772258" y="1552193"/>
+            <a:ext cx="8647483" cy="4804157"/>
+          </a:xfrm>
+        </p:spPr>
+      </p:pic>
+      <p:sp>
+        <p:nvSpPr>
+          <p:cNvPr id="4" name="Dátum helye 3">
+            <a:extLst>
+              <a:ext uri="{FF2B5EF4-FFF2-40B4-BE49-F238E27FC236}">
+                <a16:creationId xmlns:a16="http://schemas.microsoft.com/office/drawing/2014/main" id="{118FBCE9-D862-C9E2-701F-A747EB892D45}"/>
+              </a:ext>
+            </a:extLst>
+          </p:cNvPr>
+          <p:cNvSpPr>
+            <a:spLocks noGrp="1"/>
+          </p:cNvSpPr>
+          <p:nvPr>
+            <p:ph type="dt" sz="half" idx="10"/>
+          </p:nvPr>
+        </p:nvSpPr>
+        <p:spPr/>
+        <p:txBody>
+          <a:bodyPr/>
+          <a:lstStyle/>
+          <a:p>
+            <a:fld id="{AB697F88-25D7-7E4E-91DA-57125152F457}" type="datetime1">
+              <a:rPr lang="hu-HU" smtClean="0"/>
+              <a:t>2025. 11. 06.</a:t>
+            </a:fld>
+            <a:endParaRPr lang="hu-HU"/>
+          </a:p>
+        </p:txBody>
+      </p:sp>
+      <p:sp>
+        <p:nvSpPr>
+          <p:cNvPr id="5" name="Dia számának helye 4">
+            <a:extLst>
+              <a:ext uri="{FF2B5EF4-FFF2-40B4-BE49-F238E27FC236}">
+                <a16:creationId xmlns:a16="http://schemas.microsoft.com/office/drawing/2014/main" id="{63732086-E6AD-86B0-13EA-3E994DC61017}"/>
+              </a:ext>
+            </a:extLst>
+          </p:cNvPr>
+          <p:cNvSpPr>
+            <a:spLocks noGrp="1"/>
+          </p:cNvSpPr>
+          <p:nvPr>
+            <p:ph type="sldNum" sz="quarter" idx="12"/>
+          </p:nvPr>
+        </p:nvSpPr>
+        <p:spPr/>
+        <p:txBody>
+          <a:bodyPr/>
+          <a:lstStyle/>
+          <a:p>
+            <a:fld id="{61F88ADF-3301-4598-B089-C6A4CC92BE83}" type="slidenum">
+              <a:rPr lang="hu-HU" smtClean="0"/>
+              <a:t>19</a:t>
+            </a:fld>
+            <a:endParaRPr lang="hu-HU"/>
+          </a:p>
+        </p:txBody>
+      </p:sp>
+      <p:pic>
+        <p:nvPicPr>
+          <p:cNvPr id="9" name="Kép 8" descr="A képen szöveg, sor, Diagram, diagram látható&#10;&#10;Automatikusan generált leírás">
+            <a:extLst>
+              <a:ext uri="{FF2B5EF4-FFF2-40B4-BE49-F238E27FC236}">
+                <a16:creationId xmlns:a16="http://schemas.microsoft.com/office/drawing/2014/main" id="{D65EAF16-EDB2-9027-5E8C-1AF7E77075EE}"/>
+              </a:ext>
+            </a:extLst>
+          </p:cNvPr>
+          <p:cNvPicPr>
+            <a:picLocks noChangeAspect="1"/>
+          </p:cNvPicPr>
+          <p:nvPr/>
+        </p:nvPicPr>
+        <p:blipFill>
+          <a:blip r:embed="rId3">
+            <a:extLst>
+              <a:ext uri="{28A0092B-C50C-407E-A947-70E740481C1C}">
+                <a14:useLocalDpi xmlns:a14="http://schemas.microsoft.com/office/drawing/2010/main" val="0"/>
+              </a:ext>
+            </a:extLst>
+          </a:blip>
+          <a:stretch>
+            <a:fillRect/>
+          </a:stretch>
+        </p:blipFill>
+        <p:spPr>
+          <a:xfrm>
+            <a:off x="1768941" y="1557316"/>
+            <a:ext cx="8650800" cy="4806000"/>
+          </a:xfrm>
+          <a:prstGeom prst="rect">
+            <a:avLst/>
+          </a:prstGeom>
+        </p:spPr>
+      </p:pic>
+    </p:spTree>
+    <p:extLst>
+      <p:ext uri="{BB962C8B-B14F-4D97-AF65-F5344CB8AC3E}">
+        <p14:creationId xmlns:p14="http://schemas.microsoft.com/office/powerpoint/2010/main" val="2934091421"/>
+      </p:ext>
+    </p:extLst>
+  </p:cSld>
+  <p:clrMapOvr>
+    <a:masterClrMapping/>
+  </p:clrMapOvr>
+  <p:timing>
+    <p:tnLst>
+      <p:par>
+        <p:cTn id="1" dur="indefinite" restart="never" nodeType="tmRoot">
+          <p:childTnLst>
+            <p:seq concurrent="1" nextAc="seek">
+              <p:cTn id="2" dur="indefinite" nodeType="mainSeq">
+                <p:childTnLst>
+                  <p:par>
+                    <p:cTn id="3" fill="hold">
+                      <p:stCondLst>
+                        <p:cond delay="indefinite"/>
+                      </p:stCondLst>
+                      <p:childTnLst>
+                        <p:par>
+                          <p:cTn id="4" fill="hold">
+                            <p:stCondLst>
+                              <p:cond delay="0"/>
+                            </p:stCondLst>
+                            <p:childTnLst>
+                              <p:par>
+                                <p:cTn id="5" presetID="1" presetClass="entr" presetSubtype="0" fill="hold" nodeType="clickEffect">
+                                  <p:stCondLst>
+                                    <p:cond delay="0"/>
+                                  </p:stCondLst>
+                                  <p:childTnLst>
+                                    <p:set>
+                                      <p:cBhvr>
+                                        <p:cTn id="6" dur="1" fill="hold">
+                                          <p:stCondLst>
+                                            <p:cond delay="0"/>
+                                          </p:stCondLst>
+                                        </p:cTn>
+                                        <p:tgtEl>
+                                          <p:spTgt spid="9"/>
+                                        </p:tgtEl>
+                                        <p:attrNameLst>
+                                          <p:attrName>style.visibility</p:attrName>
+                                        </p:attrNameLst>
+                                      </p:cBhvr>
+                                      <p:to>
+                                        <p:strVal val="visible"/>
+                                      </p:to>
+                                    </p:set>
+                                  </p:childTnLst>
+                                </p:cTn>
+                              </p:par>
+                            </p:childTnLst>
+                          </p:cTn>
+                        </p:par>
+                      </p:childTnLst>
+                    </p:cTn>
+                  </p:par>
+                </p:childTnLst>
+              </p:cTn>
+              <p:prevCondLst>
+                <p:cond evt="onPrev" delay="0">
+                  <p:tgtEl>
+                    <p:sldTgt/>
+                  </p:tgtEl>
+                </p:cond>
+              </p:prevCondLst>
+              <p:nextCondLst>
+                <p:cond evt="onNext" delay="0">
+                  <p:tgtEl>
+                    <p:sldTgt/>
+                  </p:tgtEl>
+                </p:cond>
+              </p:nextCondLst>
+            </p:seq>
+          </p:childTnLst>
+        </p:cTn>
+      </p:par>
+    </p:tnLst>
+  </p:timing>
+</p:sld>
+</file>
+
+<file path=ppt/slides/slide2.xml><?xml version="1.0" encoding="utf-8"?>
+<p:sld xmlns:a="http://schemas.openxmlformats.org/drawingml/2006/main" xmlns:r="http://schemas.openxmlformats.org/officeDocument/2006/relationships" xmlns:p="http://schemas.openxmlformats.org/presentationml/2006/main">
+  <p:cSld>
+    <p:bg>
+      <p:bgPr>
+        <a:solidFill>
+          <a:schemeClr val="bg1"/>
+        </a:solidFill>
+        <a:effectLst/>
+      </p:bgPr>
+    </p:bg>
+    <p:spTree>
+      <p:nvGrpSpPr>
+        <p:cNvPr id="1" name=""/>
+        <p:cNvGrpSpPr/>
+        <p:nvPr/>
+      </p:nvGrpSpPr>
+      <p:grpSpPr>
+        <a:xfrm>
+          <a:off x="0" y="0"/>
+          <a:ext cx="0" cy="0"/>
+          <a:chOff x="0" y="0"/>
+          <a:chExt cx="0" cy="0"/>
+        </a:xfrm>
+      </p:grpSpPr>
+      <p:sp useBgFill="1">
+        <p:nvSpPr>
+          <p:cNvPr id="10" name="Rectangle 9">
+            <a:extLst>
+              <a:ext uri="{FF2B5EF4-FFF2-40B4-BE49-F238E27FC236}">
+                <a16:creationId xmlns:a16="http://schemas.microsoft.com/office/drawing/2014/main" id="{BCED4D40-4B67-4331-AC48-79B82B4A47D8}"/>
+              </a:ext>
+              <a:ext uri="{C183D7F6-B498-43B3-948B-1728B52AA6E4}">
+                <adec:decorative xmlns:adec="http://schemas.microsoft.com/office/drawing/2017/decorative" val="1"/>
+              </a:ext>
+            </a:extLst>
+          </p:cNvPr>
+          <p:cNvSpPr>
+            <a:spLocks noGrp="1" noRot="1" noChangeAspect="1" noMove="1" noResize="1" noEditPoints="1" noAdjustHandles="1" noChangeArrowheads="1" noChangeShapeType="1" noTextEdit="1"/>
+          </p:cNvSpPr>
+          <p:nvPr>
+            <p:extLst>
+              <p:ext uri="{386F3935-93C4-4BCD-93E2-E3B085C9AB24}">
+                <p16:designElem xmlns:p16="http://schemas.microsoft.com/office/powerpoint/2015/main" val="1"/>
+              </p:ext>
+            </p:extLst>
+          </p:nvPr>
+        </p:nvSpPr>
+        <p:spPr>
+          <a:xfrm>
+            <a:off x="0" y="0"/>
+            <a:ext cx="12192000" cy="6858000"/>
+          </a:xfrm>
+          <a:prstGeom prst="rect">
+            <a:avLst/>
+          </a:prstGeom>
+          <a:ln>
+            <a:noFill/>
+          </a:ln>
+        </p:spPr>
+        <p:style>
+          <a:lnRef idx="2">
+            <a:schemeClr val="accent1">
+              <a:shade val="50000"/>
+            </a:schemeClr>
+          </a:lnRef>
+          <a:fillRef idx="1">
+            <a:schemeClr val="accent1"/>
+          </a:fillRef>
+          <a:effectRef idx="0">
+            <a:schemeClr val="accent1"/>
+          </a:effectRef>
+          <a:fontRef idx="minor">
+            <a:schemeClr val="lt1"/>
+          </a:fontRef>
+        </p:style>
+        <p:txBody>
+          <a:bodyPr rtlCol="0" anchor="ctr"/>
+          <a:lstStyle/>
+          <a:p>
+            <a:pPr algn="ctr"/>
+            <a:endParaRPr lang="en-US"/>
+          </a:p>
+        </p:txBody>
+      </p:sp>
+      <p:sp>
+        <p:nvSpPr>
+          <p:cNvPr id="2" name="Cím 1">
+            <a:extLst>
+              <a:ext uri="{FF2B5EF4-FFF2-40B4-BE49-F238E27FC236}">
+                <a16:creationId xmlns:a16="http://schemas.microsoft.com/office/drawing/2014/main" id="{776A5C5B-9E91-0643-44A3-847AC216A035}"/>
+              </a:ext>
+            </a:extLst>
+          </p:cNvPr>
+          <p:cNvSpPr>
+            <a:spLocks noGrp="1"/>
+          </p:cNvSpPr>
+          <p:nvPr>
+            <p:ph type="title"/>
+          </p:nvPr>
+        </p:nvSpPr>
+        <p:spPr>
+          <a:xfrm>
+            <a:off x="638881" y="417576"/>
+            <a:ext cx="10909640" cy="1249394"/>
+          </a:xfrm>
+        </p:spPr>
+        <p:txBody>
+          <a:bodyPr vert="horz" lIns="91440" tIns="45720" rIns="91440" bIns="45720" rtlCol="0" anchor="ctr">
+            <a:normAutofit/>
+          </a:bodyPr>
+          <a:lstStyle/>
+          <a:p>
+            <a:pPr algn="ctr"/>
+            <a:r>
+              <a:rPr lang="en-US" sz="6100" b="1" kern="1200" dirty="0">
+                <a:solidFill>
+                  <a:schemeClr val="tx1"/>
+                </a:solidFill>
+                <a:latin typeface="+mj-lt"/>
+                <a:ea typeface="+mj-ea"/>
+                <a:cs typeface="+mj-cs"/>
+              </a:rPr>
+              <a:t>Retrieval Augmented Generation</a:t>
+            </a:r>
+          </a:p>
+        </p:txBody>
+      </p:sp>
+      <p:sp>
+        <p:nvSpPr>
+          <p:cNvPr id="16" name="sketch line">
+            <a:extLst>
+              <a:ext uri="{FF2B5EF4-FFF2-40B4-BE49-F238E27FC236}">
+                <a16:creationId xmlns:a16="http://schemas.microsoft.com/office/drawing/2014/main" id="{670CEDEF-4F34-412E-84EE-329C1E936AF5}"/>
+              </a:ext>
+              <a:ext uri="{C183D7F6-B498-43B3-948B-1728B52AA6E4}">
+                <adec:decorative xmlns:adec="http://schemas.microsoft.com/office/drawing/2017/decorative" val="1"/>
+              </a:ext>
+            </a:extLst>
+          </p:cNvPr>
+          <p:cNvSpPr>
+            <a:spLocks noGrp="1" noRot="1" noChangeAspect="1" noMove="1" noResize="1" noEditPoints="1" noAdjustHandles="1" noChangeArrowheads="1" noChangeShapeType="1" noTextEdit="1"/>
+          </p:cNvSpPr>
+          <p:nvPr>
+            <p:extLst>
+              <p:ext uri="{386F3935-93C4-4BCD-93E2-E3B085C9AB24}">
+                <p16:designElem xmlns:p16="http://schemas.microsoft.com/office/powerpoint/2015/main" val="1"/>
+              </p:ext>
+            </p:extLst>
+          </p:nvPr>
+        </p:nvSpPr>
+        <p:spPr>
+          <a:xfrm>
+            <a:off x="3807702" y="1733454"/>
+            <a:ext cx="4572000" cy="18288"/>
+          </a:xfrm>
+          <a:custGeom>
+            <a:avLst/>
+            <a:gdLst>
+              <a:gd name="connsiteX0" fmla="*/ 0 w 4572000"/>
+              <a:gd name="connsiteY0" fmla="*/ 0 h 18288"/>
+              <a:gd name="connsiteX1" fmla="*/ 515983 w 4572000"/>
+              <a:gd name="connsiteY1" fmla="*/ 0 h 18288"/>
+              <a:gd name="connsiteX2" fmla="*/ 1031966 w 4572000"/>
+              <a:gd name="connsiteY2" fmla="*/ 0 h 18288"/>
+              <a:gd name="connsiteX3" fmla="*/ 1639389 w 4572000"/>
+              <a:gd name="connsiteY3" fmla="*/ 0 h 18288"/>
+              <a:gd name="connsiteX4" fmla="*/ 2383971 w 4572000"/>
+              <a:gd name="connsiteY4" fmla="*/ 0 h 18288"/>
+              <a:gd name="connsiteX5" fmla="*/ 2945674 w 4572000"/>
+              <a:gd name="connsiteY5" fmla="*/ 0 h 18288"/>
+              <a:gd name="connsiteX6" fmla="*/ 3507377 w 4572000"/>
+              <a:gd name="connsiteY6" fmla="*/ 0 h 18288"/>
+              <a:gd name="connsiteX7" fmla="*/ 4572000 w 4572000"/>
+              <a:gd name="connsiteY7" fmla="*/ 0 h 18288"/>
+              <a:gd name="connsiteX8" fmla="*/ 4572000 w 4572000"/>
+              <a:gd name="connsiteY8" fmla="*/ 18288 h 18288"/>
+              <a:gd name="connsiteX9" fmla="*/ 3873137 w 4572000"/>
+              <a:gd name="connsiteY9" fmla="*/ 18288 h 18288"/>
+              <a:gd name="connsiteX10" fmla="*/ 3311434 w 4572000"/>
+              <a:gd name="connsiteY10" fmla="*/ 18288 h 18288"/>
+              <a:gd name="connsiteX11" fmla="*/ 2749731 w 4572000"/>
+              <a:gd name="connsiteY11" fmla="*/ 18288 h 18288"/>
+              <a:gd name="connsiteX12" fmla="*/ 2050869 w 4572000"/>
+              <a:gd name="connsiteY12" fmla="*/ 18288 h 18288"/>
+              <a:gd name="connsiteX13" fmla="*/ 1306286 w 4572000"/>
+              <a:gd name="connsiteY13" fmla="*/ 18288 h 18288"/>
+              <a:gd name="connsiteX14" fmla="*/ 790303 w 4572000"/>
+              <a:gd name="connsiteY14" fmla="*/ 18288 h 18288"/>
+              <a:gd name="connsiteX15" fmla="*/ 0 w 4572000"/>
+              <a:gd name="connsiteY15" fmla="*/ 18288 h 18288"/>
+              <a:gd name="connsiteX16" fmla="*/ 0 w 4572000"/>
+              <a:gd name="connsiteY16" fmla="*/ 0 h 18288"/>
+            </a:gdLst>
+            <a:ahLst/>
+            <a:cxnLst>
+              <a:cxn ang="0">
+                <a:pos x="connsiteX0" y="connsiteY0"/>
+              </a:cxn>
+              <a:cxn ang="0">
+                <a:pos x="connsiteX1" y="connsiteY1"/>
+              </a:cxn>
+              <a:cxn ang="0">
+                <a:pos x="connsiteX2" y="connsiteY2"/>
+              </a:cxn>
+              <a:cxn ang="0">
+                <a:pos x="connsiteX3" y="connsiteY3"/>
+              </a:cxn>
+              <a:cxn ang="0">
+                <a:pos x="connsiteX4" y="connsiteY4"/>
+              </a:cxn>
+              <a:cxn ang="0">
+                <a:pos x="connsiteX5" y="connsiteY5"/>
+              </a:cxn>
+              <a:cxn ang="0">
+                <a:pos x="connsiteX6" y="connsiteY6"/>
+              </a:cxn>
+              <a:cxn ang="0">
+                <a:pos x="connsiteX7" y="connsiteY7"/>
+              </a:cxn>
+              <a:cxn ang="0">
+                <a:pos x="connsiteX8" y="connsiteY8"/>
+              </a:cxn>
+              <a:cxn ang="0">
+                <a:pos x="connsiteX9" y="connsiteY9"/>
+              </a:cxn>
+              <a:cxn ang="0">
+                <a:pos x="connsiteX10" y="connsiteY10"/>
+              </a:cxn>
+              <a:cxn ang="0">
+                <a:pos x="connsiteX11" y="connsiteY11"/>
+              </a:cxn>
+              <a:cxn ang="0">
+                <a:pos x="connsiteX12" y="connsiteY12"/>
+              </a:cxn>
+              <a:cxn ang="0">
+                <a:pos x="connsiteX13" y="connsiteY13"/>
+              </a:cxn>
+              <a:cxn ang="0">
+                <a:pos x="connsiteX14" y="connsiteY14"/>
+              </a:cxn>
+              <a:cxn ang="0">
+                <a:pos x="connsiteX15" y="connsiteY15"/>
+              </a:cxn>
+              <a:cxn ang="0">
+                <a:pos x="connsiteX16" y="connsiteY16"/>
+              </a:cxn>
+            </a:cxnLst>
+            <a:rect l="l" t="t" r="r" b="b"/>
+            <a:pathLst>
+              <a:path w="4572000" h="18288" fill="none" extrusionOk="0">
+                <a:moveTo>
+                  <a:pt x="0" y="0"/>
+                </a:moveTo>
+                <a:cubicBezTo>
+                  <a:pt x="105156" y="-20963"/>
+                  <a:pt x="340432" y="822"/>
+                  <a:pt x="515983" y="0"/>
+                </a:cubicBezTo>
+                <a:cubicBezTo>
+                  <a:pt x="691534" y="-822"/>
+                  <a:pt x="850679" y="16479"/>
+                  <a:pt x="1031966" y="0"/>
+                </a:cubicBezTo>
+                <a:cubicBezTo>
+                  <a:pt x="1213253" y="-16479"/>
+                  <a:pt x="1443646" y="-18730"/>
+                  <a:pt x="1639389" y="0"/>
+                </a:cubicBezTo>
+                <a:cubicBezTo>
+                  <a:pt x="1835132" y="18730"/>
+                  <a:pt x="2159975" y="18531"/>
+                  <a:pt x="2383971" y="0"/>
+                </a:cubicBezTo>
+                <a:cubicBezTo>
+                  <a:pt x="2607967" y="-18531"/>
+                  <a:pt x="2719096" y="-12030"/>
+                  <a:pt x="2945674" y="0"/>
+                </a:cubicBezTo>
+                <a:cubicBezTo>
+                  <a:pt x="3172252" y="12030"/>
+                  <a:pt x="3269167" y="27666"/>
+                  <a:pt x="3507377" y="0"/>
+                </a:cubicBezTo>
+                <a:cubicBezTo>
+                  <a:pt x="3745587" y="-27666"/>
+                  <a:pt x="4116741" y="18705"/>
+                  <a:pt x="4572000" y="0"/>
+                </a:cubicBezTo>
+                <a:cubicBezTo>
+                  <a:pt x="4572895" y="8974"/>
+                  <a:pt x="4571454" y="9359"/>
+                  <a:pt x="4572000" y="18288"/>
+                </a:cubicBezTo>
+                <a:cubicBezTo>
+                  <a:pt x="4374698" y="3942"/>
+                  <a:pt x="4098874" y="-11042"/>
+                  <a:pt x="3873137" y="18288"/>
+                </a:cubicBezTo>
+                <a:cubicBezTo>
+                  <a:pt x="3647400" y="47618"/>
+                  <a:pt x="3517055" y="5421"/>
+                  <a:pt x="3311434" y="18288"/>
+                </a:cubicBezTo>
+                <a:cubicBezTo>
+                  <a:pt x="3105813" y="31155"/>
+                  <a:pt x="3025168" y="17856"/>
+                  <a:pt x="2749731" y="18288"/>
+                </a:cubicBezTo>
+                <a:cubicBezTo>
+                  <a:pt x="2474294" y="18720"/>
+                  <a:pt x="2291766" y="-14168"/>
+                  <a:pt x="2050869" y="18288"/>
+                </a:cubicBezTo>
+                <a:cubicBezTo>
+                  <a:pt x="1809972" y="50744"/>
+                  <a:pt x="1540276" y="46798"/>
+                  <a:pt x="1306286" y="18288"/>
+                </a:cubicBezTo>
+                <a:cubicBezTo>
+                  <a:pt x="1072296" y="-10222"/>
+                  <a:pt x="972445" y="19645"/>
+                  <a:pt x="790303" y="18288"/>
+                </a:cubicBezTo>
+                <a:cubicBezTo>
+                  <a:pt x="608161" y="16931"/>
+                  <a:pt x="200981" y="8241"/>
+                  <a:pt x="0" y="18288"/>
+                </a:cubicBezTo>
+                <a:cubicBezTo>
+                  <a:pt x="-229" y="14222"/>
+                  <a:pt x="509" y="5816"/>
+                  <a:pt x="0" y="0"/>
+                </a:cubicBezTo>
+                <a:close/>
+              </a:path>
+              <a:path w="4572000" h="18288" stroke="0" extrusionOk="0">
+                <a:moveTo>
+                  <a:pt x="0" y="0"/>
+                </a:moveTo>
+                <a:cubicBezTo>
+                  <a:pt x="143285" y="-9565"/>
+                  <a:pt x="327959" y="-11498"/>
+                  <a:pt x="561703" y="0"/>
+                </a:cubicBezTo>
+                <a:cubicBezTo>
+                  <a:pt x="795447" y="11498"/>
+                  <a:pt x="838260" y="18255"/>
+                  <a:pt x="1077686" y="0"/>
+                </a:cubicBezTo>
+                <a:cubicBezTo>
+                  <a:pt x="1317112" y="-18255"/>
+                  <a:pt x="1437472" y="23514"/>
+                  <a:pt x="1639389" y="0"/>
+                </a:cubicBezTo>
+                <a:cubicBezTo>
+                  <a:pt x="1841306" y="-23514"/>
+                  <a:pt x="2037142" y="-12551"/>
+                  <a:pt x="2292531" y="0"/>
+                </a:cubicBezTo>
+                <a:cubicBezTo>
+                  <a:pt x="2547920" y="12551"/>
+                  <a:pt x="2810436" y="-20352"/>
+                  <a:pt x="2991394" y="0"/>
+                </a:cubicBezTo>
+                <a:cubicBezTo>
+                  <a:pt x="3172352" y="20352"/>
+                  <a:pt x="3530025" y="-13347"/>
+                  <a:pt x="3735977" y="0"/>
+                </a:cubicBezTo>
+                <a:cubicBezTo>
+                  <a:pt x="3941929" y="13347"/>
+                  <a:pt x="4161497" y="34086"/>
+                  <a:pt x="4572000" y="0"/>
+                </a:cubicBezTo>
+                <a:cubicBezTo>
+                  <a:pt x="4571545" y="6162"/>
+                  <a:pt x="4571903" y="11775"/>
+                  <a:pt x="4572000" y="18288"/>
+                </a:cubicBezTo>
+                <a:cubicBezTo>
+                  <a:pt x="4228040" y="36490"/>
+                  <a:pt x="4199736" y="42557"/>
+                  <a:pt x="3873137" y="18288"/>
+                </a:cubicBezTo>
+                <a:cubicBezTo>
+                  <a:pt x="3546538" y="-5981"/>
+                  <a:pt x="3472124" y="16809"/>
+                  <a:pt x="3128554" y="18288"/>
+                </a:cubicBezTo>
+                <a:cubicBezTo>
+                  <a:pt x="2784984" y="19767"/>
+                  <a:pt x="2735896" y="-17781"/>
+                  <a:pt x="2383971" y="18288"/>
+                </a:cubicBezTo>
+                <a:cubicBezTo>
+                  <a:pt x="2032046" y="54357"/>
+                  <a:pt x="2019324" y="2920"/>
+                  <a:pt x="1867989" y="18288"/>
+                </a:cubicBezTo>
+                <a:cubicBezTo>
+                  <a:pt x="1716654" y="33656"/>
+                  <a:pt x="1418675" y="32575"/>
+                  <a:pt x="1169126" y="18288"/>
+                </a:cubicBezTo>
+                <a:cubicBezTo>
+                  <a:pt x="919577" y="4001"/>
+                  <a:pt x="798537" y="16165"/>
+                  <a:pt x="561703" y="18288"/>
+                </a:cubicBezTo>
+                <a:cubicBezTo>
+                  <a:pt x="324869" y="20411"/>
+                  <a:pt x="221395" y="-912"/>
+                  <a:pt x="0" y="18288"/>
+                </a:cubicBezTo>
+                <a:cubicBezTo>
+                  <a:pt x="766" y="10800"/>
+                  <a:pt x="-457" y="8180"/>
+                  <a:pt x="0" y="0"/>
+                </a:cubicBezTo>
+                <a:close/>
+              </a:path>
+            </a:pathLst>
+          </a:custGeom>
+          <a:solidFill>
+            <a:schemeClr val="accent2"/>
+          </a:solidFill>
+          <a:ln w="41275" cap="rnd">
+            <a:solidFill>
+              <a:schemeClr val="accent2"/>
+            </a:solidFill>
+            <a:round/>
+            <a:extLst>
+              <a:ext uri="{C807C97D-BFC1-408E-A445-0C87EB9F89A2}">
+                <ask:lineSketchStyleProps xmlns:ask="http://schemas.microsoft.com/office/drawing/2018/sketchyshapes" sd="2727557108">
+                  <a:prstGeom prst="rect">
+                    <a:avLst/>
+                  </a:prstGeom>
+                  <ask:type>
+                    <ask:lineSketchFreehand/>
+                  </ask:type>
+                </ask:lineSketchStyleProps>
+              </a:ext>
+            </a:extLst>
+          </a:ln>
+        </p:spPr>
+        <p:style>
+          <a:lnRef idx="2">
+            <a:schemeClr val="accent1">
+              <a:shade val="50000"/>
+            </a:schemeClr>
+          </a:lnRef>
+          <a:fillRef idx="1">
+            <a:schemeClr val="accent1"/>
+          </a:fillRef>
+          <a:effectRef idx="0">
+            <a:schemeClr val="accent1"/>
+          </a:effectRef>
+          <a:fontRef idx="minor">
+            <a:schemeClr val="lt1"/>
+          </a:fontRef>
+        </p:style>
+        <p:txBody>
+          <a:bodyPr rtlCol="0" anchor="ctr"/>
+          <a:lstStyle/>
+          <a:p>
+            <a:pPr algn="ctr"/>
+            <a:endParaRPr lang="en-US"/>
+          </a:p>
+        </p:txBody>
+      </p:sp>
+      <p:sp>
+        <p:nvSpPr>
+          <p:cNvPr id="6" name="Dátum helye 5">
+            <a:extLst>
+              <a:ext uri="{FF2B5EF4-FFF2-40B4-BE49-F238E27FC236}">
+                <a16:creationId xmlns:a16="http://schemas.microsoft.com/office/drawing/2014/main" id="{6484474F-5500-8FDB-CF4B-D9EE49C3C53C}"/>
+              </a:ext>
+            </a:extLst>
+          </p:cNvPr>
+          <p:cNvSpPr>
+            <a:spLocks noGrp="1"/>
+          </p:cNvSpPr>
+          <p:nvPr>
+            <p:ph type="dt" sz="half" idx="10"/>
+          </p:nvPr>
+        </p:nvSpPr>
+        <p:spPr/>
+        <p:txBody>
+          <a:bodyPr/>
+          <a:lstStyle/>
+          <a:p>
+            <a:fld id="{5C85A438-3713-F446-BD7A-55D18856C613}" type="datetime1">
+              <a:rPr lang="hu-HU" smtClean="0"/>
+              <a:t>2025. 11. 06.</a:t>
+            </a:fld>
+            <a:endParaRPr lang="hu-HU"/>
+          </a:p>
+        </p:txBody>
+      </p:sp>
+      <p:sp>
+        <p:nvSpPr>
+          <p:cNvPr id="7" name="Dia számának helye 6">
+            <a:extLst>
+              <a:ext uri="{FF2B5EF4-FFF2-40B4-BE49-F238E27FC236}">
+                <a16:creationId xmlns:a16="http://schemas.microsoft.com/office/drawing/2014/main" id="{15212F9E-E412-BF89-1EF4-37D10781E699}"/>
+              </a:ext>
+            </a:extLst>
+          </p:cNvPr>
+          <p:cNvSpPr>
+            <a:spLocks noGrp="1"/>
+          </p:cNvSpPr>
+          <p:nvPr>
+            <p:ph type="sldNum" sz="quarter" idx="12"/>
+          </p:nvPr>
+        </p:nvSpPr>
+        <p:spPr/>
+        <p:txBody>
+          <a:bodyPr/>
+          <a:lstStyle/>
+          <a:p>
+            <a:fld id="{61F88ADF-3301-4598-B089-C6A4CC92BE83}" type="slidenum">
+              <a:rPr lang="hu-HU" smtClean="0"/>
+              <a:t>2</a:t>
+            </a:fld>
+            <a:r>
+              <a:rPr lang="hu-HU" dirty="0"/>
+              <a:t>/14</a:t>
+            </a:r>
+          </a:p>
+        </p:txBody>
+      </p:sp>
+      <p:pic>
+        <p:nvPicPr>
+          <p:cNvPr id="14" name="Tartalom helye 13" descr="A képen képernyőkép, diagram, tervezés látható&#10;&#10;Automatikusan generált leírás">
+            <a:extLst>
+              <a:ext uri="{FF2B5EF4-FFF2-40B4-BE49-F238E27FC236}">
+                <a16:creationId xmlns:a16="http://schemas.microsoft.com/office/drawing/2014/main" id="{39C365F9-1952-04F6-0DD6-246F05AEF7A6}"/>
+              </a:ext>
+            </a:extLst>
+          </p:cNvPr>
+          <p:cNvPicPr>
+            <a:picLocks noGrp="1" noChangeAspect="1"/>
+          </p:cNvPicPr>
+          <p:nvPr>
+            <p:ph idx="1"/>
+          </p:nvPr>
+        </p:nvPicPr>
+        <p:blipFill>
+          <a:blip r:embed="rId2">
+            <a:extLst>
+              <a:ext uri="{28A0092B-C50C-407E-A947-70E740481C1C}">
+                <a14:useLocalDpi xmlns:a14="http://schemas.microsoft.com/office/drawing/2010/main" val="0"/>
+              </a:ext>
+            </a:extLst>
+          </a:blip>
+          <a:stretch>
+            <a:fillRect/>
+          </a:stretch>
+        </p:blipFill>
+        <p:spPr>
+          <a:xfrm>
+            <a:off x="200175" y="2297565"/>
+            <a:ext cx="11787051" cy="3428190"/>
+          </a:xfrm>
+        </p:spPr>
+      </p:pic>
+    </p:spTree>
+    <p:extLst>
+      <p:ext uri="{BB962C8B-B14F-4D97-AF65-F5344CB8AC3E}">
+        <p14:creationId xmlns:p14="http://schemas.microsoft.com/office/powerpoint/2010/main" val="2090047926"/>
+      </p:ext>
+    </p:extLst>
+  </p:cSld>
+  <p:clrMapOvr>
+    <a:masterClrMapping/>
+  </p:clrMapOvr>
+</p:sld>
+</file>
+
+<file path=ppt/slides/slide20.xml><?xml version="1.0" encoding="utf-8"?>
 <p:sld xmlns:a="http://schemas.openxmlformats.org/drawingml/2006/main" xmlns:r="http://schemas.openxmlformats.org/officeDocument/2006/relationships" xmlns:p="http://schemas.openxmlformats.org/presentationml/2006/main">
   <p:cSld>
     <p:bg>
@@ -5955,25 +7834,6 @@
             <a:endParaRPr lang="hu-HU" sz="2200" dirty="0"/>
           </a:p>
           <a:p>
-            <a:r>
-              <a:rPr lang="hu-HU" sz="2200" dirty="0"/>
-              <a:t>Esetleg </a:t>
-            </a:r>
-            <a:r>
-              <a:rPr lang="hu-HU" sz="2200" dirty="0" err="1"/>
-              <a:t>vsi</a:t>
-            </a:r>
-            <a:r>
-              <a:rPr lang="hu-HU" sz="2200" dirty="0"/>
-              <a:t> táblák kipróbálása és használata online </a:t>
-            </a:r>
-            <a:r>
-              <a:rPr lang="hu-HU" sz="2200" dirty="0" err="1"/>
-              <a:t>klaszterezéssel</a:t>
-            </a:r>
-            <a:endParaRPr lang="hu-HU" sz="2200" dirty="0"/>
-          </a:p>
-          <a:p>
             <a:pPr marL="1371600" lvl="2" indent="-457200">
               <a:buFont typeface="+mj-lt"/>
               <a:buAutoNum type="arabicPeriod"/>
@@ -6022,7 +7882,7 @@
                   <a:spcPts val="600"/>
                 </a:spcAft>
               </a:pPr>
-              <a:t>2025. 11. 05.</a:t>
+              <a:t>2025. 11. 06.</a:t>
             </a:fld>
             <a:endParaRPr lang="hu-HU"/>
           </a:p>
@@ -6068,7 +7928,7 @@
                   <a:spcPts val="600"/>
                 </a:spcAft>
               </a:pPr>
-              <a:t>15</a:t>
+              <a:t>20</a:t>
             </a:fld>
             <a:r>
               <a:rPr lang="hu-HU" dirty="0"/>
@@ -6091,7 +7951,7 @@
 </p:sld>
 </file>
 
-<file path=ppt/slides/slide16.xml><?xml version="1.0" encoding="utf-8"?>
+<file path=ppt/slides/slide21.xml><?xml version="1.0" encoding="utf-8"?>
 <p:sld xmlns:a="http://schemas.openxmlformats.org/drawingml/2006/main" xmlns:r="http://schemas.openxmlformats.org/officeDocument/2006/relationships" xmlns:p="http://schemas.openxmlformats.org/presentationml/2006/main">
   <p:cSld>
     <p:bg>
@@ -6631,7 +8491,7 @@
 </p:sld>
 </file>
 
-<file path=ppt/slides/slide17.xml><?xml version="1.0" encoding="utf-8"?>
+<file path=ppt/slides/slide22.xml><?xml version="1.0" encoding="utf-8"?>
 <p:sld xmlns:a="http://schemas.openxmlformats.org/drawingml/2006/main" xmlns:r="http://schemas.openxmlformats.org/officeDocument/2006/relationships" xmlns:p="http://schemas.openxmlformats.org/presentationml/2006/main">
   <p:cSld>
     <p:spTree>
@@ -6892,7 +8752,7 @@
           <a:p>
             <a:fld id="{A3369F3F-A62C-A143-BDC3-1E7D9C7303DA}" type="datetime1">
               <a:rPr lang="hu-HU" smtClean="0"/>
-              <a:t>2025. 11. 05.</a:t>
+              <a:t>2025. 11. 06.</a:t>
             </a:fld>
             <a:endParaRPr lang="hu-HU"/>
           </a:p>
@@ -6921,7 +8781,7 @@
           <a:p>
             <a:fld id="{61F88ADF-3301-4598-B089-C6A4CC92BE83}" type="slidenum">
               <a:rPr lang="hu-HU" smtClean="0"/>
-              <a:t>17</a:t>
+              <a:t>22</a:t>
             </a:fld>
             <a:r>
               <a:rPr lang="hu-HU" dirty="0"/>
@@ -6934,586 +8794,6 @@
     <p:extLst>
       <p:ext uri="{BB962C8B-B14F-4D97-AF65-F5344CB8AC3E}">
         <p14:creationId xmlns:p14="http://schemas.microsoft.com/office/powerpoint/2010/main" val="2015096485"/>
-      </p:ext>
-    </p:extLst>
-  </p:cSld>
-  <p:clrMapOvr>
-    <a:masterClrMapping/>
-  </p:clrMapOvr>
-</p:sld>
-</file>
-
-<file path=ppt/slides/slide2.xml><?xml version="1.0" encoding="utf-8"?>
-<p:sld xmlns:a="http://schemas.openxmlformats.org/drawingml/2006/main" xmlns:r="http://schemas.openxmlformats.org/officeDocument/2006/relationships" xmlns:p="http://schemas.openxmlformats.org/presentationml/2006/main">
-  <p:cSld>
-    <p:bg>
-      <p:bgPr>
-        <a:solidFill>
-          <a:schemeClr val="bg1"/>
-        </a:solidFill>
-        <a:effectLst/>
-      </p:bgPr>
-    </p:bg>
-    <p:spTree>
-      <p:nvGrpSpPr>
-        <p:cNvPr id="1" name=""/>
-        <p:cNvGrpSpPr/>
-        <p:nvPr/>
-      </p:nvGrpSpPr>
-      <p:grpSpPr>
-        <a:xfrm>
-          <a:off x="0" y="0"/>
-          <a:ext cx="0" cy="0"/>
-          <a:chOff x="0" y="0"/>
-          <a:chExt cx="0" cy="0"/>
-        </a:xfrm>
-      </p:grpSpPr>
-      <p:sp useBgFill="1">
-        <p:nvSpPr>
-          <p:cNvPr id="10" name="Rectangle 9">
-            <a:extLst>
-              <a:ext uri="{FF2B5EF4-FFF2-40B4-BE49-F238E27FC236}">
-                <a16:creationId xmlns:a16="http://schemas.microsoft.com/office/drawing/2014/main" id="{BCED4D40-4B67-4331-AC48-79B82B4A47D8}"/>
-              </a:ext>
-              <a:ext uri="{C183D7F6-B498-43B3-948B-1728B52AA6E4}">
-                <adec:decorative xmlns:adec="http://schemas.microsoft.com/office/drawing/2017/decorative" val="1"/>
-              </a:ext>
-            </a:extLst>
-          </p:cNvPr>
-          <p:cNvSpPr>
-            <a:spLocks noGrp="1" noRot="1" noChangeAspect="1" noMove="1" noResize="1" noEditPoints="1" noAdjustHandles="1" noChangeArrowheads="1" noChangeShapeType="1" noTextEdit="1"/>
-          </p:cNvSpPr>
-          <p:nvPr>
-            <p:extLst>
-              <p:ext uri="{386F3935-93C4-4BCD-93E2-E3B085C9AB24}">
-                <p16:designElem xmlns:p16="http://schemas.microsoft.com/office/powerpoint/2015/main" val="1"/>
-              </p:ext>
-            </p:extLst>
-          </p:nvPr>
-        </p:nvSpPr>
-        <p:spPr>
-          <a:xfrm>
-            <a:off x="0" y="0"/>
-            <a:ext cx="12192000" cy="6858000"/>
-          </a:xfrm>
-          <a:prstGeom prst="rect">
-            <a:avLst/>
-          </a:prstGeom>
-          <a:ln>
-            <a:noFill/>
-          </a:ln>
-        </p:spPr>
-        <p:style>
-          <a:lnRef idx="2">
-            <a:schemeClr val="accent1">
-              <a:shade val="50000"/>
-            </a:schemeClr>
-          </a:lnRef>
-          <a:fillRef idx="1">
-            <a:schemeClr val="accent1"/>
-          </a:fillRef>
-          <a:effectRef idx="0">
-            <a:schemeClr val="accent1"/>
-          </a:effectRef>
-          <a:fontRef idx="minor">
-            <a:schemeClr val="lt1"/>
-          </a:fontRef>
-        </p:style>
-        <p:txBody>
-          <a:bodyPr rtlCol="0" anchor="ctr"/>
-          <a:lstStyle/>
-          <a:p>
-            <a:pPr algn="ctr"/>
-            <a:endParaRPr lang="en-US"/>
-          </a:p>
-        </p:txBody>
-      </p:sp>
-      <p:sp>
-        <p:nvSpPr>
-          <p:cNvPr id="2" name="Cím 1">
-            <a:extLst>
-              <a:ext uri="{FF2B5EF4-FFF2-40B4-BE49-F238E27FC236}">
-                <a16:creationId xmlns:a16="http://schemas.microsoft.com/office/drawing/2014/main" id="{776A5C5B-9E91-0643-44A3-847AC216A035}"/>
-              </a:ext>
-            </a:extLst>
-          </p:cNvPr>
-          <p:cNvSpPr>
-            <a:spLocks noGrp="1"/>
-          </p:cNvSpPr>
-          <p:nvPr>
-            <p:ph type="title"/>
-          </p:nvPr>
-        </p:nvSpPr>
-        <p:spPr>
-          <a:xfrm>
-            <a:off x="638881" y="417576"/>
-            <a:ext cx="10909640" cy="1249394"/>
-          </a:xfrm>
-        </p:spPr>
-        <p:txBody>
-          <a:bodyPr vert="horz" lIns="91440" tIns="45720" rIns="91440" bIns="45720" rtlCol="0" anchor="ctr">
-            <a:normAutofit/>
-          </a:bodyPr>
-          <a:lstStyle/>
-          <a:p>
-            <a:pPr algn="ctr"/>
-            <a:r>
-              <a:rPr lang="en-US" sz="6100" b="1" kern="1200" dirty="0">
-                <a:solidFill>
-                  <a:schemeClr val="tx1"/>
-                </a:solidFill>
-                <a:latin typeface="+mj-lt"/>
-                <a:ea typeface="+mj-ea"/>
-                <a:cs typeface="+mj-cs"/>
-              </a:rPr>
-              <a:t>Retrieval Augmented Generation</a:t>
-            </a:r>
-          </a:p>
-        </p:txBody>
-      </p:sp>
-      <p:sp>
-        <p:nvSpPr>
-          <p:cNvPr id="16" name="sketch line">
-            <a:extLst>
-              <a:ext uri="{FF2B5EF4-FFF2-40B4-BE49-F238E27FC236}">
-                <a16:creationId xmlns:a16="http://schemas.microsoft.com/office/drawing/2014/main" id="{670CEDEF-4F34-412E-84EE-329C1E936AF5}"/>
-              </a:ext>
-              <a:ext uri="{C183D7F6-B498-43B3-948B-1728B52AA6E4}">
-                <adec:decorative xmlns:adec="http://schemas.microsoft.com/office/drawing/2017/decorative" val="1"/>
-              </a:ext>
-            </a:extLst>
-          </p:cNvPr>
-          <p:cNvSpPr>
-            <a:spLocks noGrp="1" noRot="1" noChangeAspect="1" noMove="1" noResize="1" noEditPoints="1" noAdjustHandles="1" noChangeArrowheads="1" noChangeShapeType="1" noTextEdit="1"/>
-          </p:cNvSpPr>
-          <p:nvPr>
-            <p:extLst>
-              <p:ext uri="{386F3935-93C4-4BCD-93E2-E3B085C9AB24}">
-                <p16:designElem xmlns:p16="http://schemas.microsoft.com/office/powerpoint/2015/main" val="1"/>
-              </p:ext>
-            </p:extLst>
-          </p:nvPr>
-        </p:nvSpPr>
-        <p:spPr>
-          <a:xfrm>
-            <a:off x="3807702" y="1733454"/>
-            <a:ext cx="4572000" cy="18288"/>
-          </a:xfrm>
-          <a:custGeom>
-            <a:avLst/>
-            <a:gdLst>
-              <a:gd name="connsiteX0" fmla="*/ 0 w 4572000"/>
-              <a:gd name="connsiteY0" fmla="*/ 0 h 18288"/>
-              <a:gd name="connsiteX1" fmla="*/ 515983 w 4572000"/>
-              <a:gd name="connsiteY1" fmla="*/ 0 h 18288"/>
-              <a:gd name="connsiteX2" fmla="*/ 1031966 w 4572000"/>
-              <a:gd name="connsiteY2" fmla="*/ 0 h 18288"/>
-              <a:gd name="connsiteX3" fmla="*/ 1639389 w 4572000"/>
-              <a:gd name="connsiteY3" fmla="*/ 0 h 18288"/>
-              <a:gd name="connsiteX4" fmla="*/ 2383971 w 4572000"/>
-              <a:gd name="connsiteY4" fmla="*/ 0 h 18288"/>
-              <a:gd name="connsiteX5" fmla="*/ 2945674 w 4572000"/>
-              <a:gd name="connsiteY5" fmla="*/ 0 h 18288"/>
-              <a:gd name="connsiteX6" fmla="*/ 3507377 w 4572000"/>
-              <a:gd name="connsiteY6" fmla="*/ 0 h 18288"/>
-              <a:gd name="connsiteX7" fmla="*/ 4572000 w 4572000"/>
-              <a:gd name="connsiteY7" fmla="*/ 0 h 18288"/>
-              <a:gd name="connsiteX8" fmla="*/ 4572000 w 4572000"/>
-              <a:gd name="connsiteY8" fmla="*/ 18288 h 18288"/>
-              <a:gd name="connsiteX9" fmla="*/ 3873137 w 4572000"/>
-              <a:gd name="connsiteY9" fmla="*/ 18288 h 18288"/>
-              <a:gd name="connsiteX10" fmla="*/ 3311434 w 4572000"/>
-              <a:gd name="connsiteY10" fmla="*/ 18288 h 18288"/>
-              <a:gd name="connsiteX11" fmla="*/ 2749731 w 4572000"/>
-              <a:gd name="connsiteY11" fmla="*/ 18288 h 18288"/>
-              <a:gd name="connsiteX12" fmla="*/ 2050869 w 4572000"/>
-              <a:gd name="connsiteY12" fmla="*/ 18288 h 18288"/>
-              <a:gd name="connsiteX13" fmla="*/ 1306286 w 4572000"/>
-              <a:gd name="connsiteY13" fmla="*/ 18288 h 18288"/>
-              <a:gd name="connsiteX14" fmla="*/ 790303 w 4572000"/>
-              <a:gd name="connsiteY14" fmla="*/ 18288 h 18288"/>
-              <a:gd name="connsiteX15" fmla="*/ 0 w 4572000"/>
-              <a:gd name="connsiteY15" fmla="*/ 18288 h 18288"/>
-              <a:gd name="connsiteX16" fmla="*/ 0 w 4572000"/>
-              <a:gd name="connsiteY16" fmla="*/ 0 h 18288"/>
-            </a:gdLst>
-            <a:ahLst/>
-            <a:cxnLst>
-              <a:cxn ang="0">
-                <a:pos x="connsiteX0" y="connsiteY0"/>
-              </a:cxn>
-              <a:cxn ang="0">
-                <a:pos x="connsiteX1" y="connsiteY1"/>
-              </a:cxn>
-              <a:cxn ang="0">
-                <a:pos x="connsiteX2" y="connsiteY2"/>
-              </a:cxn>
-              <a:cxn ang="0">
-                <a:pos x="connsiteX3" y="connsiteY3"/>
-              </a:cxn>
-              <a:cxn ang="0">
-                <a:pos x="connsiteX4" y="connsiteY4"/>
-              </a:cxn>
-              <a:cxn ang="0">
-                <a:pos x="connsiteX5" y="connsiteY5"/>
-              </a:cxn>
-              <a:cxn ang="0">
-                <a:pos x="connsiteX6" y="connsiteY6"/>
-              </a:cxn>
-              <a:cxn ang="0">
-                <a:pos x="connsiteX7" y="connsiteY7"/>
-              </a:cxn>
-              <a:cxn ang="0">
-                <a:pos x="connsiteX8" y="connsiteY8"/>
-              </a:cxn>
-              <a:cxn ang="0">
-                <a:pos x="connsiteX9" y="connsiteY9"/>
-              </a:cxn>
-              <a:cxn ang="0">
-                <a:pos x="connsiteX10" y="connsiteY10"/>
-              </a:cxn>
-              <a:cxn ang="0">
-                <a:pos x="connsiteX11" y="connsiteY11"/>
-              </a:cxn>
-              <a:cxn ang="0">
-                <a:pos x="connsiteX12" y="connsiteY12"/>
-              </a:cxn>
-              <a:cxn ang="0">
-                <a:pos x="connsiteX13" y="connsiteY13"/>
-              </a:cxn>
-              <a:cxn ang="0">
-                <a:pos x="connsiteX14" y="connsiteY14"/>
-              </a:cxn>
-              <a:cxn ang="0">
-                <a:pos x="connsiteX15" y="connsiteY15"/>
-              </a:cxn>
-              <a:cxn ang="0">
-                <a:pos x="connsiteX16" y="connsiteY16"/>
-              </a:cxn>
-            </a:cxnLst>
-            <a:rect l="l" t="t" r="r" b="b"/>
-            <a:pathLst>
-              <a:path w="4572000" h="18288" fill="none" extrusionOk="0">
-                <a:moveTo>
-                  <a:pt x="0" y="0"/>
-                </a:moveTo>
-                <a:cubicBezTo>
-                  <a:pt x="105156" y="-20963"/>
-                  <a:pt x="340432" y="822"/>
-                  <a:pt x="515983" y="0"/>
-                </a:cubicBezTo>
-                <a:cubicBezTo>
-                  <a:pt x="691534" y="-822"/>
-                  <a:pt x="850679" y="16479"/>
-                  <a:pt x="1031966" y="0"/>
-                </a:cubicBezTo>
-                <a:cubicBezTo>
-                  <a:pt x="1213253" y="-16479"/>
-                  <a:pt x="1443646" y="-18730"/>
-                  <a:pt x="1639389" y="0"/>
-                </a:cubicBezTo>
-                <a:cubicBezTo>
-                  <a:pt x="1835132" y="18730"/>
-                  <a:pt x="2159975" y="18531"/>
-                  <a:pt x="2383971" y="0"/>
-                </a:cubicBezTo>
-                <a:cubicBezTo>
-                  <a:pt x="2607967" y="-18531"/>
-                  <a:pt x="2719096" y="-12030"/>
-                  <a:pt x="2945674" y="0"/>
-                </a:cubicBezTo>
-                <a:cubicBezTo>
-                  <a:pt x="3172252" y="12030"/>
-                  <a:pt x="3269167" y="27666"/>
-                  <a:pt x="3507377" y="0"/>
-                </a:cubicBezTo>
-                <a:cubicBezTo>
-                  <a:pt x="3745587" y="-27666"/>
-                  <a:pt x="4116741" y="18705"/>
-                  <a:pt x="4572000" y="0"/>
-                </a:cubicBezTo>
-                <a:cubicBezTo>
-                  <a:pt x="4572895" y="8974"/>
-                  <a:pt x="4571454" y="9359"/>
-                  <a:pt x="4572000" y="18288"/>
-                </a:cubicBezTo>
-                <a:cubicBezTo>
-                  <a:pt x="4374698" y="3942"/>
-                  <a:pt x="4098874" y="-11042"/>
-                  <a:pt x="3873137" y="18288"/>
-                </a:cubicBezTo>
-                <a:cubicBezTo>
-                  <a:pt x="3647400" y="47618"/>
-                  <a:pt x="3517055" y="5421"/>
-                  <a:pt x="3311434" y="18288"/>
-                </a:cubicBezTo>
-                <a:cubicBezTo>
-                  <a:pt x="3105813" y="31155"/>
-                  <a:pt x="3025168" y="17856"/>
-                  <a:pt x="2749731" y="18288"/>
-                </a:cubicBezTo>
-                <a:cubicBezTo>
-                  <a:pt x="2474294" y="18720"/>
-                  <a:pt x="2291766" y="-14168"/>
-                  <a:pt x="2050869" y="18288"/>
-                </a:cubicBezTo>
-                <a:cubicBezTo>
-                  <a:pt x="1809972" y="50744"/>
-                  <a:pt x="1540276" y="46798"/>
-                  <a:pt x="1306286" y="18288"/>
-                </a:cubicBezTo>
-                <a:cubicBezTo>
-                  <a:pt x="1072296" y="-10222"/>
-                  <a:pt x="972445" y="19645"/>
-                  <a:pt x="790303" y="18288"/>
-                </a:cubicBezTo>
-                <a:cubicBezTo>
-                  <a:pt x="608161" y="16931"/>
-                  <a:pt x="200981" y="8241"/>
-                  <a:pt x="0" y="18288"/>
-                </a:cubicBezTo>
-                <a:cubicBezTo>
-                  <a:pt x="-229" y="14222"/>
-                  <a:pt x="509" y="5816"/>
-                  <a:pt x="0" y="0"/>
-                </a:cubicBezTo>
-                <a:close/>
-              </a:path>
-              <a:path w="4572000" h="18288" stroke="0" extrusionOk="0">
-                <a:moveTo>
-                  <a:pt x="0" y="0"/>
-                </a:moveTo>
-                <a:cubicBezTo>
-                  <a:pt x="143285" y="-9565"/>
-                  <a:pt x="327959" y="-11498"/>
-                  <a:pt x="561703" y="0"/>
-                </a:cubicBezTo>
-                <a:cubicBezTo>
-                  <a:pt x="795447" y="11498"/>
-                  <a:pt x="838260" y="18255"/>
-                  <a:pt x="1077686" y="0"/>
-                </a:cubicBezTo>
-                <a:cubicBezTo>
-                  <a:pt x="1317112" y="-18255"/>
-                  <a:pt x="1437472" y="23514"/>
-                  <a:pt x="1639389" y="0"/>
-                </a:cubicBezTo>
-                <a:cubicBezTo>
-                  <a:pt x="1841306" y="-23514"/>
-                  <a:pt x="2037142" y="-12551"/>
-                  <a:pt x="2292531" y="0"/>
-                </a:cubicBezTo>
-                <a:cubicBezTo>
-                  <a:pt x="2547920" y="12551"/>
-                  <a:pt x="2810436" y="-20352"/>
-                  <a:pt x="2991394" y="0"/>
-                </a:cubicBezTo>
-                <a:cubicBezTo>
-                  <a:pt x="3172352" y="20352"/>
-                  <a:pt x="3530025" y="-13347"/>
-                  <a:pt x="3735977" y="0"/>
-                </a:cubicBezTo>
-                <a:cubicBezTo>
-                  <a:pt x="3941929" y="13347"/>
-                  <a:pt x="4161497" y="34086"/>
-                  <a:pt x="4572000" y="0"/>
-                </a:cubicBezTo>
-                <a:cubicBezTo>
-                  <a:pt x="4571545" y="6162"/>
-                  <a:pt x="4571903" y="11775"/>
-                  <a:pt x="4572000" y="18288"/>
-                </a:cubicBezTo>
-                <a:cubicBezTo>
-                  <a:pt x="4228040" y="36490"/>
-                  <a:pt x="4199736" y="42557"/>
-                  <a:pt x="3873137" y="18288"/>
-                </a:cubicBezTo>
-                <a:cubicBezTo>
-                  <a:pt x="3546538" y="-5981"/>
-                  <a:pt x="3472124" y="16809"/>
-                  <a:pt x="3128554" y="18288"/>
-                </a:cubicBezTo>
-                <a:cubicBezTo>
-                  <a:pt x="2784984" y="19767"/>
-                  <a:pt x="2735896" y="-17781"/>
-                  <a:pt x="2383971" y="18288"/>
-                </a:cubicBezTo>
-                <a:cubicBezTo>
-                  <a:pt x="2032046" y="54357"/>
-                  <a:pt x="2019324" y="2920"/>
-                  <a:pt x="1867989" y="18288"/>
-                </a:cubicBezTo>
-                <a:cubicBezTo>
-                  <a:pt x="1716654" y="33656"/>
-                  <a:pt x="1418675" y="32575"/>
-                  <a:pt x="1169126" y="18288"/>
-                </a:cubicBezTo>
-                <a:cubicBezTo>
-                  <a:pt x="919577" y="4001"/>
-                  <a:pt x="798537" y="16165"/>
-                  <a:pt x="561703" y="18288"/>
-                </a:cubicBezTo>
-                <a:cubicBezTo>
-                  <a:pt x="324869" y="20411"/>
-                  <a:pt x="221395" y="-912"/>
-                  <a:pt x="0" y="18288"/>
-                </a:cubicBezTo>
-                <a:cubicBezTo>
-                  <a:pt x="766" y="10800"/>
-                  <a:pt x="-457" y="8180"/>
-                  <a:pt x="0" y="0"/>
-                </a:cubicBezTo>
-                <a:close/>
-              </a:path>
-            </a:pathLst>
-          </a:custGeom>
-          <a:solidFill>
-            <a:schemeClr val="accent2"/>
-          </a:solidFill>
-          <a:ln w="41275" cap="rnd">
-            <a:solidFill>
-              <a:schemeClr val="accent2"/>
-            </a:solidFill>
-            <a:round/>
-            <a:extLst>
-              <a:ext uri="{C807C97D-BFC1-408E-A445-0C87EB9F89A2}">
-                <ask:lineSketchStyleProps xmlns:ask="http://schemas.microsoft.com/office/drawing/2018/sketchyshapes" sd="2727557108">
-                  <a:prstGeom prst="rect">
-                    <a:avLst/>
-                  </a:prstGeom>
-                  <ask:type>
-                    <ask:lineSketchFreehand/>
-                  </ask:type>
-                </ask:lineSketchStyleProps>
-              </a:ext>
-            </a:extLst>
-          </a:ln>
-        </p:spPr>
-        <p:style>
-          <a:lnRef idx="2">
-            <a:schemeClr val="accent1">
-              <a:shade val="50000"/>
-            </a:schemeClr>
-          </a:lnRef>
-          <a:fillRef idx="1">
-            <a:schemeClr val="accent1"/>
-          </a:fillRef>
-          <a:effectRef idx="0">
-            <a:schemeClr val="accent1"/>
-          </a:effectRef>
-          <a:fontRef idx="minor">
-            <a:schemeClr val="lt1"/>
-          </a:fontRef>
-        </p:style>
-        <p:txBody>
-          <a:bodyPr rtlCol="0" anchor="ctr"/>
-          <a:lstStyle/>
-          <a:p>
-            <a:pPr algn="ctr"/>
-            <a:endParaRPr lang="en-US"/>
-          </a:p>
-        </p:txBody>
-      </p:sp>
-      <p:sp>
-        <p:nvSpPr>
-          <p:cNvPr id="6" name="Dátum helye 5">
-            <a:extLst>
-              <a:ext uri="{FF2B5EF4-FFF2-40B4-BE49-F238E27FC236}">
-                <a16:creationId xmlns:a16="http://schemas.microsoft.com/office/drawing/2014/main" id="{6484474F-5500-8FDB-CF4B-D9EE49C3C53C}"/>
-              </a:ext>
-            </a:extLst>
-          </p:cNvPr>
-          <p:cNvSpPr>
-            <a:spLocks noGrp="1"/>
-          </p:cNvSpPr>
-          <p:nvPr>
-            <p:ph type="dt" sz="half" idx="10"/>
-          </p:nvPr>
-        </p:nvSpPr>
-        <p:spPr/>
-        <p:txBody>
-          <a:bodyPr/>
-          <a:lstStyle/>
-          <a:p>
-            <a:fld id="{5C85A438-3713-F446-BD7A-55D18856C613}" type="datetime1">
-              <a:rPr lang="hu-HU" smtClean="0"/>
-              <a:t>2025. 11. 05.</a:t>
-            </a:fld>
-            <a:endParaRPr lang="hu-HU"/>
-          </a:p>
-        </p:txBody>
-      </p:sp>
-      <p:sp>
-        <p:nvSpPr>
-          <p:cNvPr id="7" name="Dia számának helye 6">
-            <a:extLst>
-              <a:ext uri="{FF2B5EF4-FFF2-40B4-BE49-F238E27FC236}">
-                <a16:creationId xmlns:a16="http://schemas.microsoft.com/office/drawing/2014/main" id="{15212F9E-E412-BF89-1EF4-37D10781E699}"/>
-              </a:ext>
-            </a:extLst>
-          </p:cNvPr>
-          <p:cNvSpPr>
-            <a:spLocks noGrp="1"/>
-          </p:cNvSpPr>
-          <p:nvPr>
-            <p:ph type="sldNum" sz="quarter" idx="12"/>
-          </p:nvPr>
-        </p:nvSpPr>
-        <p:spPr/>
-        <p:txBody>
-          <a:bodyPr/>
-          <a:lstStyle/>
-          <a:p>
-            <a:fld id="{61F88ADF-3301-4598-B089-C6A4CC92BE83}" type="slidenum">
-              <a:rPr lang="hu-HU" smtClean="0"/>
-              <a:t>2</a:t>
-            </a:fld>
-            <a:r>
-              <a:rPr lang="hu-HU" dirty="0"/>
-              <a:t>/14</a:t>
-            </a:r>
-          </a:p>
-        </p:txBody>
-      </p:sp>
-      <p:pic>
-        <p:nvPicPr>
-          <p:cNvPr id="14" name="Tartalom helye 13" descr="A képen képernyőkép, diagram, tervezés látható&#10;&#10;Automatikusan generált leírás">
-            <a:extLst>
-              <a:ext uri="{FF2B5EF4-FFF2-40B4-BE49-F238E27FC236}">
-                <a16:creationId xmlns:a16="http://schemas.microsoft.com/office/drawing/2014/main" id="{39C365F9-1952-04F6-0DD6-246F05AEF7A6}"/>
-              </a:ext>
-            </a:extLst>
-          </p:cNvPr>
-          <p:cNvPicPr>
-            <a:picLocks noGrp="1" noChangeAspect="1"/>
-          </p:cNvPicPr>
-          <p:nvPr>
-            <p:ph idx="1"/>
-          </p:nvPr>
-        </p:nvPicPr>
-        <p:blipFill>
-          <a:blip r:embed="rId2">
-            <a:extLst>
-              <a:ext uri="{28A0092B-C50C-407E-A947-70E740481C1C}">
-                <a14:useLocalDpi xmlns:a14="http://schemas.microsoft.com/office/drawing/2010/main" val="0"/>
-              </a:ext>
-            </a:extLst>
-          </a:blip>
-          <a:stretch>
-            <a:fillRect/>
-          </a:stretch>
-        </p:blipFill>
-        <p:spPr>
-          <a:xfrm>
-            <a:off x="200175" y="2297565"/>
-            <a:ext cx="11787051" cy="3428190"/>
-          </a:xfrm>
-        </p:spPr>
-      </p:pic>
-    </p:spTree>
-    <p:extLst>
-      <p:ext uri="{BB962C8B-B14F-4D97-AF65-F5344CB8AC3E}">
-        <p14:creationId xmlns:p14="http://schemas.microsoft.com/office/powerpoint/2010/main" val="2090047926"/>
       </p:ext>
     </p:extLst>
   </p:cSld>
@@ -8363,15 +9643,15 @@
           <a:p>
             <a:pPr lvl="1"/>
             <a:r>
-              <a:rPr lang="hu-HU" sz="1800" dirty="0" err="1"/>
+              <a:rPr lang="hu-HU" sz="2200" dirty="0" err="1"/>
               <a:t>Semantic</a:t>
             </a:r>
             <a:r>
-              <a:rPr lang="hu-HU" sz="1800" dirty="0"/>
+              <a:rPr lang="hu-HU" sz="2200" dirty="0"/>
               <a:t> </a:t>
             </a:r>
             <a:r>
-              <a:rPr lang="hu-HU" sz="1800" dirty="0" err="1"/>
+              <a:rPr lang="hu-HU" sz="2200" dirty="0" err="1"/>
               <a:t>Chunking</a:t>
             </a:r>
             <a:endParaRPr lang="hu-HU" sz="2200" dirty="0"/>
@@ -8401,7 +9681,7 @@
           <a:p>
             <a:fld id="{308DC56D-A89B-7A46-BB67-D506DBA2B2C4}" type="datetime1">
               <a:rPr lang="hu-HU" smtClean="0"/>
-              <a:t>2025. 11. 05.</a:t>
+              <a:t>2025. 11. 06.</a:t>
             </a:fld>
             <a:endParaRPr lang="hu-HU"/>
           </a:p>
@@ -8991,7 +10271,7 @@
           <a:p>
             <a:fld id="{4FAACB8C-8A8C-8F41-B579-E127A30BCC8D}" type="datetime1">
               <a:rPr lang="hu-HU" smtClean="0"/>
-              <a:t>2025. 11. 05.</a:t>
+              <a:t>2025. 11. 06.</a:t>
             </a:fld>
             <a:endParaRPr lang="hu-HU"/>
           </a:p>
@@ -9087,7 +10367,7 @@
           <a:p>
             <a:r>
               <a:rPr lang="hu-HU" b="1" dirty="0"/>
-              <a:t>Hasonlóság mérési technikák</a:t>
+              <a:t>Hasonlóságmérési technikák</a:t>
             </a:r>
           </a:p>
         </p:txBody>
@@ -9244,7 +10524,7 @@
           <a:p>
             <a:fld id="{4368D167-9427-CA44-9384-E35089ED55DF}" type="datetime1">
               <a:rPr lang="hu-HU" smtClean="0"/>
-              <a:t>2025. 11. 05.</a:t>
+              <a:t>2025. 11. 06.</a:t>
             </a:fld>
             <a:endParaRPr lang="hu-HU"/>
           </a:p>
@@ -9880,7 +11160,7 @@
                   <a:spcPts val="600"/>
                 </a:spcAft>
               </a:pPr>
-              <a:t>11/5/25</a:t>
+              <a:t>11/6/25</a:t>
             </a:fld>
             <a:endParaRPr lang="en-US">
               <a:solidFill>
@@ -10776,6 +12056,10 @@
               <a:rPr lang="en-US" sz="2400" dirty="0" err="1"/>
               <a:t>embeddingen</a:t>
             </a:r>
+            <a:r>
+              <a:rPr lang="en-US" sz="2400" dirty="0"/>
+              <a:t> (Brute force)</a:t>
+            </a:r>
             <a:endParaRPr lang="hu-HU" sz="2400" dirty="0"/>
           </a:p>
           <a:p>
@@ -10887,7 +12171,7 @@
             </a:pPr>
             <a:fld id="{ACB4A642-E289-D849-9780-C21666DBF77C}" type="datetime1">
               <a:rPr lang="hu-HU" smtClean="0"/>
-              <a:t>2025. 11. 05.</a:t>
+              <a:t>2025. 11. 06.</a:t>
             </a:fld>
             <a:endParaRPr lang="hu-HU"/>
           </a:p>
@@ -11638,7 +12922,7 @@
             </a:pPr>
             <a:fld id="{93B65CD1-5108-2149-AD8B-F412A6622A91}" type="datetime1">
               <a:rPr lang="hu-HU" smtClean="0"/>
-              <a:t>2025. 11. 05.</a:t>
+              <a:t>2025. 11. 06.</a:t>
             </a:fld>
             <a:endParaRPr lang="hu-HU"/>
           </a:p>
@@ -11818,7 +13102,7 @@
           <a:p>
             <a:fld id="{AB697F88-25D7-7E4E-91DA-57125152F457}" type="datetime1">
               <a:rPr lang="hu-HU" smtClean="0"/>
-              <a:t>2025. 11. 05.</a:t>
+              <a:t>2025. 11. 06.</a:t>
             </a:fld>
             <a:endParaRPr lang="hu-HU"/>
           </a:p>
@@ -11900,7 +13184,7 @@
         </p:blipFill>
         <p:spPr>
           <a:xfrm>
-            <a:off x="496390" y="1492664"/>
+            <a:off x="667295" y="1659144"/>
             <a:ext cx="10857410" cy="4684299"/>
           </a:xfrm>
           <a:prstGeom prst="rect">

--- a/tdk/tdk_v1.pptx
+++ b/tdk/tdk_v1.pptx
@@ -13,8 +13,8 @@
     <p:sldId id="258" r:id="rId4"/>
     <p:sldId id="259" r:id="rId5"/>
     <p:sldId id="263" r:id="rId6"/>
-    <p:sldId id="261" r:id="rId7"/>
-    <p:sldId id="262" r:id="rId8"/>
+    <p:sldId id="262" r:id="rId7"/>
+    <p:sldId id="261" r:id="rId8"/>
     <p:sldId id="264" r:id="rId9"/>
     <p:sldId id="271" r:id="rId10"/>
     <p:sldId id="273" r:id="rId11"/>
@@ -27,8 +27,8 @@
     <p:sldId id="270" r:id="rId18"/>
     <p:sldId id="276" r:id="rId19"/>
     <p:sldId id="277" r:id="rId20"/>
-    <p:sldId id="269" r:id="rId21"/>
-    <p:sldId id="268" r:id="rId22"/>
+    <p:sldId id="278" r:id="rId21"/>
+    <p:sldId id="279" r:id="rId22"/>
     <p:sldId id="260" r:id="rId23"/>
   </p:sldIdLst>
   <p:sldSz cx="12192000" cy="6858000"/>
@@ -218,7 +218,7 @@
           <a:p>
             <a:fld id="{0AB5BC8E-5813-4F4E-B35B-0E3B0D0BF7D5}" type="datetimeFigureOut">
               <a:rPr lang="hu-HU" smtClean="0"/>
-              <a:t>2025. 11. 06.</a:t>
+              <a:t>2025. 11. 08.</a:t>
             </a:fld>
             <a:endParaRPr lang="hu-HU"/>
           </a:p>
@@ -485,6 +485,3445 @@
 </p:notesMaster>
 </file>
 
+<file path=ppt/notesSlides/notesSlide1.xml><?xml version="1.0" encoding="utf-8"?>
+<p:notes xmlns:a="http://schemas.openxmlformats.org/drawingml/2006/main" xmlns:r="http://schemas.openxmlformats.org/officeDocument/2006/relationships" xmlns:p="http://schemas.openxmlformats.org/presentationml/2006/main">
+  <p:cSld>
+    <p:spTree>
+      <p:nvGrpSpPr>
+        <p:cNvPr id="1" name=""/>
+        <p:cNvGrpSpPr/>
+        <p:nvPr/>
+      </p:nvGrpSpPr>
+      <p:grpSpPr>
+        <a:xfrm>
+          <a:off x="0" y="0"/>
+          <a:ext cx="0" cy="0"/>
+          <a:chOff x="0" y="0"/>
+          <a:chExt cx="0" cy="0"/>
+        </a:xfrm>
+      </p:grpSpPr>
+      <p:sp>
+        <p:nvSpPr>
+          <p:cNvPr id="2" name="Diakép helye 1"/>
+          <p:cNvSpPr>
+            <a:spLocks noGrp="1" noRot="1" noChangeAspect="1"/>
+          </p:cNvSpPr>
+          <p:nvPr>
+            <p:ph type="sldImg"/>
+          </p:nvPr>
+        </p:nvSpPr>
+        <p:spPr/>
+      </p:sp>
+      <p:sp>
+        <p:nvSpPr>
+          <p:cNvPr id="3" name="Jegyzetek helye 2"/>
+          <p:cNvSpPr>
+            <a:spLocks noGrp="1"/>
+          </p:cNvSpPr>
+          <p:nvPr>
+            <p:ph type="body" idx="1"/>
+          </p:nvPr>
+        </p:nvSpPr>
+        <p:spPr/>
+        <p:txBody>
+          <a:bodyPr/>
+          <a:lstStyle/>
+          <a:p>
+            <a:r>
+              <a:rPr lang="hu-HU" sz="1600" dirty="0"/>
+              <a:t>Köszöntök mindenkit.</a:t>
+            </a:r>
+          </a:p>
+          <a:p>
+            <a:r>
+              <a:rPr lang="hu-HU" sz="1600" dirty="0"/>
+              <a:t>A nevem </a:t>
+            </a:r>
+            <a:r>
+              <a:rPr lang="hu-HU" sz="1600" dirty="0" err="1"/>
+              <a:t>Czotter</a:t>
+            </a:r>
+            <a:r>
+              <a:rPr lang="hu-HU" sz="1600" dirty="0"/>
+              <a:t> Benedek , és a '</a:t>
+            </a:r>
+            <a:r>
+              <a:rPr lang="hu-HU" sz="1600" dirty="0" err="1"/>
+              <a:t>Klaszterezési</a:t>
+            </a:r>
+            <a:r>
+              <a:rPr lang="hu-HU" sz="1600" dirty="0"/>
+              <a:t> stratégiák RAG rendszerek hatékonyságának növelésére' című munkámat szeretném bemutatni, amely Dr. Szűcs Gábor konzulensi vezetésével készült.</a:t>
+            </a:r>
+          </a:p>
+          <a:p>
+            <a:endParaRPr lang="hu-HU" sz="1600" dirty="0"/>
+          </a:p>
+          <a:p>
+            <a:r>
+              <a:rPr lang="hu-HU" sz="2400" dirty="0"/>
+              <a:t>A nagy nyelvi modellek forradalmasították a szövegértést, de komoly korlátjuk, hogy a tudásuk be van fagyasztva a tanítási adatokba, és hajlamosak 'hallucinálni', vagyis valótlan dolgokat állítani. Erre a problémára nyújt megoldást a RAG.</a:t>
+            </a:r>
+            <a:endParaRPr lang="hu-HU" sz="1600" dirty="0"/>
+          </a:p>
+        </p:txBody>
+      </p:sp>
+      <p:sp>
+        <p:nvSpPr>
+          <p:cNvPr id="4" name="Dia számának helye 3"/>
+          <p:cNvSpPr>
+            <a:spLocks noGrp="1"/>
+          </p:cNvSpPr>
+          <p:nvPr>
+            <p:ph type="sldNum" sz="quarter" idx="5"/>
+          </p:nvPr>
+        </p:nvSpPr>
+        <p:spPr/>
+        <p:txBody>
+          <a:bodyPr/>
+          <a:lstStyle/>
+          <a:p>
+            <a:fld id="{FEBF544B-8942-4253-A6F4-42DBF943B8C6}" type="slidenum">
+              <a:rPr lang="hu-HU" smtClean="0"/>
+              <a:t>1</a:t>
+            </a:fld>
+            <a:endParaRPr lang="hu-HU"/>
+          </a:p>
+        </p:txBody>
+      </p:sp>
+    </p:spTree>
+    <p:extLst>
+      <p:ext uri="{BB962C8B-B14F-4D97-AF65-F5344CB8AC3E}">
+        <p14:creationId xmlns:p14="http://schemas.microsoft.com/office/powerpoint/2010/main" val="3564051564"/>
+      </p:ext>
+    </p:extLst>
+  </p:cSld>
+  <p:clrMapOvr>
+    <a:masterClrMapping/>
+  </p:clrMapOvr>
+</p:notes>
+</file>
+
+<file path=ppt/notesSlides/notesSlide10.xml><?xml version="1.0" encoding="utf-8"?>
+<p:notes xmlns:a="http://schemas.openxmlformats.org/drawingml/2006/main" xmlns:r="http://schemas.openxmlformats.org/officeDocument/2006/relationships" xmlns:p="http://schemas.openxmlformats.org/presentationml/2006/main">
+  <p:cSld>
+    <p:spTree>
+      <p:nvGrpSpPr>
+        <p:cNvPr id="1" name=""/>
+        <p:cNvGrpSpPr/>
+        <p:nvPr/>
+      </p:nvGrpSpPr>
+      <p:grpSpPr>
+        <a:xfrm>
+          <a:off x="0" y="0"/>
+          <a:ext cx="0" cy="0"/>
+          <a:chOff x="0" y="0"/>
+          <a:chExt cx="0" cy="0"/>
+        </a:xfrm>
+      </p:grpSpPr>
+      <p:sp>
+        <p:nvSpPr>
+          <p:cNvPr id="2" name="Diakép helye 1"/>
+          <p:cNvSpPr>
+            <a:spLocks noGrp="1" noRot="1" noChangeAspect="1"/>
+          </p:cNvSpPr>
+          <p:nvPr>
+            <p:ph type="sldImg"/>
+          </p:nvPr>
+        </p:nvSpPr>
+        <p:spPr/>
+      </p:sp>
+      <p:sp>
+        <p:nvSpPr>
+          <p:cNvPr id="3" name="Jegyzetek helye 2"/>
+          <p:cNvSpPr>
+            <a:spLocks noGrp="1"/>
+          </p:cNvSpPr>
+          <p:nvPr>
+            <p:ph type="body" idx="1"/>
+          </p:nvPr>
+        </p:nvSpPr>
+        <p:spPr/>
+        <p:txBody>
+          <a:bodyPr/>
+          <a:lstStyle/>
+          <a:p>
+            <a:r>
+              <a:rPr lang="hu-HU" dirty="0"/>
+              <a:t>Az első és legfontosabb kérdés: valóban gyorsabbak-e az online módszerek? Ennek mérésére végeztem egy futásidő-elemzést.</a:t>
+            </a:r>
+          </a:p>
+          <a:p>
+            <a:endParaRPr lang="hu-HU" dirty="0"/>
+          </a:p>
+          <a:p>
+            <a:r>
+              <a:rPr lang="hu-HU" dirty="0"/>
+              <a:t>kísérletben a </a:t>
+            </a:r>
+            <a:r>
+              <a:rPr lang="hu-HU" dirty="0" err="1"/>
+              <a:t>SQuAD</a:t>
+            </a:r>
+            <a:r>
+              <a:rPr lang="hu-HU" dirty="0"/>
+              <a:t> adathalmazból származó 84 ezer </a:t>
+            </a:r>
+            <a:r>
+              <a:rPr lang="hu-HU" dirty="0" err="1"/>
+              <a:t>embedding</a:t>
+            </a:r>
+            <a:r>
+              <a:rPr lang="hu-HU" dirty="0"/>
+              <a:t> vektort </a:t>
+            </a:r>
+            <a:r>
+              <a:rPr lang="hu-HU" dirty="0" err="1"/>
+              <a:t>klasztereztem</a:t>
+            </a:r>
+            <a:r>
+              <a:rPr lang="hu-HU" dirty="0"/>
+              <a:t>, egyre növekvő klaszterszámmal.</a:t>
+            </a:r>
+          </a:p>
+          <a:p>
+            <a:endParaRPr lang="hu-HU" dirty="0"/>
+          </a:p>
+          <a:p>
+            <a:r>
+              <a:rPr lang="hu-HU" dirty="0"/>
+              <a:t>Három algoritmust hasonlítottam össze: a hagyományos '</a:t>
+            </a:r>
+            <a:r>
+              <a:rPr lang="hu-HU" dirty="0" err="1"/>
+              <a:t>KMeans</a:t>
+            </a:r>
+            <a:r>
+              <a:rPr lang="hu-HU" dirty="0"/>
+              <a:t>'-t , a '</a:t>
+            </a:r>
+            <a:r>
+              <a:rPr lang="hu-HU" dirty="0" err="1"/>
+              <a:t>MiniBatchKMeans</a:t>
+            </a:r>
+            <a:r>
+              <a:rPr lang="hu-HU" dirty="0"/>
+              <a:t>'-t (ami a </a:t>
+            </a:r>
+            <a:r>
+              <a:rPr lang="hu-HU" dirty="0" err="1"/>
+              <a:t>KMeans</a:t>
+            </a:r>
+            <a:r>
+              <a:rPr lang="hu-HU" dirty="0"/>
+              <a:t> egy gyorsított, de kevésbé pontos változata), és az általam implementált '</a:t>
+            </a:r>
+            <a:r>
+              <a:rPr lang="hu-HU" dirty="0" err="1"/>
+              <a:t>OnlineKMeans</a:t>
+            </a:r>
+            <a:r>
+              <a:rPr lang="hu-HU" dirty="0"/>
+              <a:t>'-t.</a:t>
+            </a:r>
+          </a:p>
+        </p:txBody>
+      </p:sp>
+      <p:sp>
+        <p:nvSpPr>
+          <p:cNvPr id="4" name="Dia számának helye 3"/>
+          <p:cNvSpPr>
+            <a:spLocks noGrp="1"/>
+          </p:cNvSpPr>
+          <p:nvPr>
+            <p:ph type="sldNum" sz="quarter" idx="5"/>
+          </p:nvPr>
+        </p:nvSpPr>
+        <p:spPr/>
+        <p:txBody>
+          <a:bodyPr/>
+          <a:lstStyle/>
+          <a:p>
+            <a:fld id="{FEBF544B-8942-4253-A6F4-42DBF943B8C6}" type="slidenum">
+              <a:rPr lang="hu-HU" smtClean="0"/>
+              <a:t>10</a:t>
+            </a:fld>
+            <a:endParaRPr lang="hu-HU"/>
+          </a:p>
+        </p:txBody>
+      </p:sp>
+    </p:spTree>
+    <p:extLst>
+      <p:ext uri="{BB962C8B-B14F-4D97-AF65-F5344CB8AC3E}">
+        <p14:creationId xmlns:p14="http://schemas.microsoft.com/office/powerpoint/2010/main" val="1283707978"/>
+      </p:ext>
+    </p:extLst>
+  </p:cSld>
+  <p:clrMapOvr>
+    <a:masterClrMapping/>
+  </p:clrMapOvr>
+</p:notes>
+</file>
+
+<file path=ppt/notesSlides/notesSlide11.xml><?xml version="1.0" encoding="utf-8"?>
+<p:notes xmlns:a="http://schemas.openxmlformats.org/drawingml/2006/main" xmlns:r="http://schemas.openxmlformats.org/officeDocument/2006/relationships" xmlns:p="http://schemas.openxmlformats.org/presentationml/2006/main">
+  <p:cSld>
+    <p:spTree>
+      <p:nvGrpSpPr>
+        <p:cNvPr id="1" name=""/>
+        <p:cNvGrpSpPr/>
+        <p:nvPr/>
+      </p:nvGrpSpPr>
+      <p:grpSpPr>
+        <a:xfrm>
+          <a:off x="0" y="0"/>
+          <a:ext cx="0" cy="0"/>
+          <a:chOff x="0" y="0"/>
+          <a:chExt cx="0" cy="0"/>
+        </a:xfrm>
+      </p:grpSpPr>
+      <p:sp>
+        <p:nvSpPr>
+          <p:cNvPr id="2" name="Diakép helye 1"/>
+          <p:cNvSpPr>
+            <a:spLocks noGrp="1" noRot="1" noChangeAspect="1"/>
+          </p:cNvSpPr>
+          <p:nvPr>
+            <p:ph type="sldImg"/>
+          </p:nvPr>
+        </p:nvSpPr>
+        <p:spPr/>
+      </p:sp>
+      <p:sp>
+        <p:nvSpPr>
+          <p:cNvPr id="3" name="Jegyzetek helye 2"/>
+          <p:cNvSpPr>
+            <a:spLocks noGrp="1"/>
+          </p:cNvSpPr>
+          <p:nvPr>
+            <p:ph type="body" idx="1"/>
+          </p:nvPr>
+        </p:nvSpPr>
+        <p:spPr/>
+        <p:txBody>
+          <a:bodyPr/>
+          <a:lstStyle/>
+          <a:p>
+            <a:r>
+              <a:rPr lang="hu-HU" dirty="0"/>
+              <a:t>A felső ábrán a piros vonal (</a:t>
+            </a:r>
+            <a:r>
+              <a:rPr lang="hu-HU" dirty="0" err="1"/>
+              <a:t>KMeans</a:t>
+            </a:r>
+            <a:r>
+              <a:rPr lang="hu-HU" dirty="0"/>
+              <a:t>) futásideje szinte lineárisan nő a klaszterek számának növekedésével.</a:t>
+            </a:r>
+          </a:p>
+          <a:p>
+            <a:endParaRPr lang="hu-HU" dirty="0"/>
+          </a:p>
+          <a:p>
+            <a:r>
+              <a:rPr lang="hu-HU" dirty="0"/>
+              <a:t>Az alsó ábra ugyanez, csak kinagyítva a 'gyors' algoritmusokra. A zöld (</a:t>
+            </a:r>
+            <a:r>
+              <a:rPr lang="hu-HU" dirty="0" err="1"/>
+              <a:t>OnlineKMeans</a:t>
+            </a:r>
+            <a:r>
+              <a:rPr lang="hu-HU" dirty="0"/>
+              <a:t>) és a kék (</a:t>
+            </a:r>
+            <a:r>
+              <a:rPr lang="hu-HU" dirty="0" err="1"/>
+              <a:t>MiniBatchKMeans</a:t>
+            </a:r>
+            <a:r>
+              <a:rPr lang="hu-HU" dirty="0"/>
+              <a:t>) vonalak alig emelkednek.</a:t>
+            </a:r>
+          </a:p>
+          <a:p>
+            <a:endParaRPr lang="hu-HU" dirty="0"/>
+          </a:p>
+          <a:p>
+            <a:r>
+              <a:rPr lang="hu-HU" dirty="0"/>
+              <a:t>Az </a:t>
+            </a:r>
+            <a:r>
+              <a:rPr lang="hu-HU" dirty="0" err="1"/>
+              <a:t>OnlineKMeans</a:t>
+            </a:r>
+            <a:r>
+              <a:rPr lang="hu-HU" dirty="0"/>
+              <a:t> és a </a:t>
+            </a:r>
+            <a:r>
+              <a:rPr lang="hu-HU" dirty="0" err="1"/>
+              <a:t>MiniBatchKMeans</a:t>
+            </a:r>
+            <a:r>
+              <a:rPr lang="hu-HU" dirty="0"/>
+              <a:t> nagyságrendekkel gyorsabb, mint a hagyományos </a:t>
+            </a:r>
+            <a:r>
+              <a:rPr lang="hu-HU" dirty="0" err="1"/>
+              <a:t>KMeans</a:t>
+            </a:r>
+            <a:r>
+              <a:rPr lang="hu-HU" dirty="0"/>
+              <a:t>.</a:t>
+            </a:r>
+          </a:p>
+        </p:txBody>
+      </p:sp>
+      <p:sp>
+        <p:nvSpPr>
+          <p:cNvPr id="4" name="Dia számának helye 3"/>
+          <p:cNvSpPr>
+            <a:spLocks noGrp="1"/>
+          </p:cNvSpPr>
+          <p:nvPr>
+            <p:ph type="sldNum" sz="quarter" idx="5"/>
+          </p:nvPr>
+        </p:nvSpPr>
+        <p:spPr/>
+        <p:txBody>
+          <a:bodyPr/>
+          <a:lstStyle/>
+          <a:p>
+            <a:fld id="{FEBF544B-8942-4253-A6F4-42DBF943B8C6}" type="slidenum">
+              <a:rPr lang="hu-HU" smtClean="0"/>
+              <a:t>11</a:t>
+            </a:fld>
+            <a:endParaRPr lang="hu-HU"/>
+          </a:p>
+        </p:txBody>
+      </p:sp>
+    </p:spTree>
+    <p:extLst>
+      <p:ext uri="{BB962C8B-B14F-4D97-AF65-F5344CB8AC3E}">
+        <p14:creationId xmlns:p14="http://schemas.microsoft.com/office/powerpoint/2010/main" val="2059771048"/>
+      </p:ext>
+    </p:extLst>
+  </p:cSld>
+  <p:clrMapOvr>
+    <a:masterClrMapping/>
+  </p:clrMapOvr>
+</p:notes>
+</file>
+
+<file path=ppt/notesSlides/notesSlide12.xml><?xml version="1.0" encoding="utf-8"?>
+<p:notes xmlns:a="http://schemas.openxmlformats.org/drawingml/2006/main" xmlns:r="http://schemas.openxmlformats.org/officeDocument/2006/relationships" xmlns:p="http://schemas.openxmlformats.org/presentationml/2006/main">
+  <p:cSld>
+    <p:spTree>
+      <p:nvGrpSpPr>
+        <p:cNvPr id="1" name=""/>
+        <p:cNvGrpSpPr/>
+        <p:nvPr/>
+      </p:nvGrpSpPr>
+      <p:grpSpPr>
+        <a:xfrm>
+          <a:off x="0" y="0"/>
+          <a:ext cx="0" cy="0"/>
+          <a:chOff x="0" y="0"/>
+          <a:chExt cx="0" cy="0"/>
+        </a:xfrm>
+      </p:grpSpPr>
+      <p:sp>
+        <p:nvSpPr>
+          <p:cNvPr id="2" name="Diakép helye 1"/>
+          <p:cNvSpPr>
+            <a:spLocks noGrp="1" noRot="1" noChangeAspect="1"/>
+          </p:cNvSpPr>
+          <p:nvPr>
+            <p:ph type="sldImg"/>
+          </p:nvPr>
+        </p:nvSpPr>
+        <p:spPr/>
+      </p:sp>
+      <p:sp>
+        <p:nvSpPr>
+          <p:cNvPr id="3" name="Jegyzetek helye 2"/>
+          <p:cNvSpPr>
+            <a:spLocks noGrp="1"/>
+          </p:cNvSpPr>
+          <p:nvPr>
+            <p:ph type="body" idx="1"/>
+          </p:nvPr>
+        </p:nvSpPr>
+        <p:spPr/>
+        <p:txBody>
+          <a:bodyPr/>
+          <a:lstStyle/>
+          <a:p>
+            <a:r>
+              <a:rPr lang="hu-HU" dirty="0"/>
+              <a:t>A sebesség önmagában nem minden. Vizsgáljuk meg a pontosságot? Egy gyors, de rossz </a:t>
+            </a:r>
+            <a:r>
+              <a:rPr lang="hu-HU" dirty="0" err="1"/>
+              <a:t>klaszterezés</a:t>
+            </a:r>
+            <a:r>
+              <a:rPr lang="hu-HU" dirty="0"/>
+              <a:t> </a:t>
+            </a:r>
+            <a:r>
+              <a:rPr lang="hu-HU" dirty="0" err="1"/>
+              <a:t>tönkretenné</a:t>
+            </a:r>
+            <a:r>
+              <a:rPr lang="hu-HU" dirty="0"/>
+              <a:t> a RAG rendszerünket.</a:t>
+            </a:r>
+          </a:p>
+          <a:p>
+            <a:endParaRPr lang="hu-HU" dirty="0"/>
+          </a:p>
+          <a:p>
+            <a:r>
+              <a:rPr lang="hu-HU" dirty="0"/>
+              <a:t>A pontosság méréséhez szintetikus adathalmazt generáltam, ahol </a:t>
+            </a:r>
+            <a:r>
+              <a:rPr lang="hu-HU" i="1" dirty="0"/>
+              <a:t>pontosan tudtam</a:t>
+            </a:r>
+            <a:r>
+              <a:rPr lang="hu-HU" dirty="0"/>
+              <a:t>, hogy melyik adatpont melyik klaszterbe tartozik.</a:t>
+            </a:r>
+          </a:p>
+          <a:p>
+            <a:endParaRPr lang="hu-HU" dirty="0"/>
+          </a:p>
+          <a:p>
+            <a:r>
+              <a:rPr lang="hu-HU" dirty="0"/>
+              <a:t>500 dimenziós vektorokat hoztam létre, 10 000 adatponttal , különböző klaszterszámokkal (200-tól 800-ig) , és különböző szórás mellett (minél nagyobb a szórás, annál 'egybe-</a:t>
+            </a:r>
+            <a:r>
+              <a:rPr lang="hu-HU" dirty="0" err="1"/>
+              <a:t>folytabbak</a:t>
+            </a:r>
+            <a:r>
+              <a:rPr lang="hu-HU" dirty="0"/>
+              <a:t>', nehezebben elkülöníthetők a klaszterek</a:t>
+            </a:r>
+          </a:p>
+        </p:txBody>
+      </p:sp>
+      <p:sp>
+        <p:nvSpPr>
+          <p:cNvPr id="4" name="Dia számának helye 3"/>
+          <p:cNvSpPr>
+            <a:spLocks noGrp="1"/>
+          </p:cNvSpPr>
+          <p:nvPr>
+            <p:ph type="sldNum" sz="quarter" idx="5"/>
+          </p:nvPr>
+        </p:nvSpPr>
+        <p:spPr/>
+        <p:txBody>
+          <a:bodyPr/>
+          <a:lstStyle/>
+          <a:p>
+            <a:fld id="{FEBF544B-8942-4253-A6F4-42DBF943B8C6}" type="slidenum">
+              <a:rPr lang="hu-HU" smtClean="0"/>
+              <a:t>12</a:t>
+            </a:fld>
+            <a:endParaRPr lang="hu-HU"/>
+          </a:p>
+        </p:txBody>
+      </p:sp>
+    </p:spTree>
+    <p:extLst>
+      <p:ext uri="{BB962C8B-B14F-4D97-AF65-F5344CB8AC3E}">
+        <p14:creationId xmlns:p14="http://schemas.microsoft.com/office/powerpoint/2010/main" val="1004928881"/>
+      </p:ext>
+    </p:extLst>
+  </p:cSld>
+  <p:clrMapOvr>
+    <a:masterClrMapping/>
+  </p:clrMapOvr>
+</p:notes>
+</file>
+
+<file path=ppt/notesSlides/notesSlide13.xml><?xml version="1.0" encoding="utf-8"?>
+<p:notes xmlns:a="http://schemas.openxmlformats.org/drawingml/2006/main" xmlns:r="http://schemas.openxmlformats.org/officeDocument/2006/relationships" xmlns:p="http://schemas.openxmlformats.org/presentationml/2006/main">
+  <p:cSld>
+    <p:spTree>
+      <p:nvGrpSpPr>
+        <p:cNvPr id="1" name=""/>
+        <p:cNvGrpSpPr/>
+        <p:nvPr/>
+      </p:nvGrpSpPr>
+      <p:grpSpPr>
+        <a:xfrm>
+          <a:off x="0" y="0"/>
+          <a:ext cx="0" cy="0"/>
+          <a:chOff x="0" y="0"/>
+          <a:chExt cx="0" cy="0"/>
+        </a:xfrm>
+      </p:grpSpPr>
+      <p:sp>
+        <p:nvSpPr>
+          <p:cNvPr id="2" name="Diakép helye 1"/>
+          <p:cNvSpPr>
+            <a:spLocks noGrp="1" noRot="1" noChangeAspect="1"/>
+          </p:cNvSpPr>
+          <p:nvPr>
+            <p:ph type="sldImg"/>
+          </p:nvPr>
+        </p:nvSpPr>
+        <p:spPr/>
+      </p:sp>
+      <p:sp>
+        <p:nvSpPr>
+          <p:cNvPr id="3" name="Jegyzetek helye 2"/>
+          <p:cNvSpPr>
+            <a:spLocks noGrp="1"/>
+          </p:cNvSpPr>
+          <p:nvPr>
+            <p:ph type="body" idx="1"/>
+          </p:nvPr>
+        </p:nvSpPr>
+        <p:spPr/>
+        <p:txBody>
+          <a:bodyPr/>
+          <a:lstStyle/>
+          <a:p>
+            <a:r>
+              <a:rPr lang="hu-HU" dirty="0"/>
+              <a:t>Ez a táblázat a pontossági eredményeket mutatja két metrika (ARI és NMI) alapján. Az 1.0 a tökéletes egyezést jelenti.</a:t>
+            </a:r>
+          </a:p>
+          <a:p>
+            <a:endParaRPr lang="hu-HU" dirty="0"/>
+          </a:p>
+          <a:p>
+            <a:endParaRPr lang="hu-HU" dirty="0"/>
+          </a:p>
+          <a:p>
+            <a:r>
+              <a:rPr lang="hu-HU" dirty="0"/>
+              <a:t>Az </a:t>
+            </a:r>
+            <a:r>
+              <a:rPr lang="hu-HU" dirty="0" err="1"/>
+              <a:t>OnlineKMeans</a:t>
+            </a:r>
+            <a:r>
+              <a:rPr lang="hu-HU" dirty="0"/>
+              <a:t> képes megtartani a klasszikus </a:t>
+            </a:r>
+            <a:r>
+              <a:rPr lang="hu-HU" dirty="0" err="1"/>
+              <a:t>Kmeans-hez</a:t>
+            </a:r>
+            <a:r>
+              <a:rPr lang="hu-HU" dirty="0"/>
+              <a:t> közeli pontosságot, míg a </a:t>
+            </a:r>
+            <a:r>
+              <a:rPr lang="hu-HU" dirty="0" err="1"/>
+              <a:t>MiniBatchKMeans</a:t>
+            </a:r>
+            <a:r>
+              <a:rPr lang="hu-HU" dirty="0"/>
+              <a:t> </a:t>
+            </a:r>
+            <a:r>
+              <a:rPr lang="hu-HU" b="1" dirty="0"/>
+              <a:t>streaming</a:t>
+            </a:r>
+            <a:r>
+              <a:rPr lang="hu-HU" dirty="0"/>
+              <a:t> környezetben leromlik.</a:t>
+            </a:r>
+          </a:p>
+        </p:txBody>
+      </p:sp>
+      <p:sp>
+        <p:nvSpPr>
+          <p:cNvPr id="4" name="Dia számának helye 3"/>
+          <p:cNvSpPr>
+            <a:spLocks noGrp="1"/>
+          </p:cNvSpPr>
+          <p:nvPr>
+            <p:ph type="sldNum" sz="quarter" idx="5"/>
+          </p:nvPr>
+        </p:nvSpPr>
+        <p:spPr/>
+        <p:txBody>
+          <a:bodyPr/>
+          <a:lstStyle/>
+          <a:p>
+            <a:fld id="{FEBF544B-8942-4253-A6F4-42DBF943B8C6}" type="slidenum">
+              <a:rPr lang="hu-HU" smtClean="0"/>
+              <a:t>13</a:t>
+            </a:fld>
+            <a:endParaRPr lang="hu-HU"/>
+          </a:p>
+        </p:txBody>
+      </p:sp>
+    </p:spTree>
+    <p:extLst>
+      <p:ext uri="{BB962C8B-B14F-4D97-AF65-F5344CB8AC3E}">
+        <p14:creationId xmlns:p14="http://schemas.microsoft.com/office/powerpoint/2010/main" val="4247703277"/>
+      </p:ext>
+    </p:extLst>
+  </p:cSld>
+  <p:clrMapOvr>
+    <a:masterClrMapping/>
+  </p:clrMapOvr>
+</p:notes>
+</file>
+
+<file path=ppt/notesSlides/notesSlide14.xml><?xml version="1.0" encoding="utf-8"?>
+<p:notes xmlns:a="http://schemas.openxmlformats.org/drawingml/2006/main" xmlns:r="http://schemas.openxmlformats.org/officeDocument/2006/relationships" xmlns:p="http://schemas.openxmlformats.org/presentationml/2006/main">
+  <p:cSld>
+    <p:spTree>
+      <p:nvGrpSpPr>
+        <p:cNvPr id="1" name=""/>
+        <p:cNvGrpSpPr/>
+        <p:nvPr/>
+      </p:nvGrpSpPr>
+      <p:grpSpPr>
+        <a:xfrm>
+          <a:off x="0" y="0"/>
+          <a:ext cx="0" cy="0"/>
+          <a:chOff x="0" y="0"/>
+          <a:chExt cx="0" cy="0"/>
+        </a:xfrm>
+      </p:grpSpPr>
+      <p:sp>
+        <p:nvSpPr>
+          <p:cNvPr id="2" name="Diakép helye 1"/>
+          <p:cNvSpPr>
+            <a:spLocks noGrp="1" noRot="1" noChangeAspect="1"/>
+          </p:cNvSpPr>
+          <p:nvPr>
+            <p:ph type="sldImg"/>
+          </p:nvPr>
+        </p:nvSpPr>
+        <p:spPr/>
+      </p:sp>
+      <p:sp>
+        <p:nvSpPr>
+          <p:cNvPr id="3" name="Jegyzetek helye 2"/>
+          <p:cNvSpPr>
+            <a:spLocks noGrp="1"/>
+          </p:cNvSpPr>
+          <p:nvPr>
+            <p:ph type="body" idx="1"/>
+          </p:nvPr>
+        </p:nvSpPr>
+        <p:spPr/>
+        <p:txBody>
+          <a:bodyPr/>
+          <a:lstStyle/>
+          <a:p>
+            <a:r>
+              <a:rPr lang="hu-HU" dirty="0"/>
+              <a:t>Vizsgáljuk meg, hogyan teljesítenek az algoritmusok az éles RAG rendszerben.</a:t>
+            </a:r>
+          </a:p>
+          <a:p>
+            <a:endParaRPr lang="hu-HU" dirty="0"/>
+          </a:p>
+          <a:p>
+            <a:r>
+              <a:rPr lang="hu-HU" dirty="0"/>
+              <a:t>A cél az volt, hogy mind a 87 ezer </a:t>
+            </a:r>
+            <a:r>
+              <a:rPr lang="hu-HU" dirty="0" err="1"/>
+              <a:t>SQuAD</a:t>
+            </a:r>
+            <a:r>
+              <a:rPr lang="hu-HU" dirty="0"/>
+              <a:t> kérdéshez megtaláljuk a helyes választ tartalmazó </a:t>
+            </a:r>
+            <a:r>
+              <a:rPr lang="hu-HU" dirty="0" err="1"/>
+              <a:t>embedding</a:t>
+            </a:r>
+            <a:r>
+              <a:rPr lang="hu-HU" dirty="0"/>
+              <a:t> vektort.</a:t>
+            </a:r>
+          </a:p>
+        </p:txBody>
+      </p:sp>
+      <p:sp>
+        <p:nvSpPr>
+          <p:cNvPr id="4" name="Dia számának helye 3"/>
+          <p:cNvSpPr>
+            <a:spLocks noGrp="1"/>
+          </p:cNvSpPr>
+          <p:nvPr>
+            <p:ph type="sldNum" sz="quarter" idx="5"/>
+          </p:nvPr>
+        </p:nvSpPr>
+        <p:spPr/>
+        <p:txBody>
+          <a:bodyPr/>
+          <a:lstStyle/>
+          <a:p>
+            <a:fld id="{FEBF544B-8942-4253-A6F4-42DBF943B8C6}" type="slidenum">
+              <a:rPr lang="hu-HU" smtClean="0"/>
+              <a:t>14</a:t>
+            </a:fld>
+            <a:endParaRPr lang="hu-HU"/>
+          </a:p>
+        </p:txBody>
+      </p:sp>
+    </p:spTree>
+    <p:extLst>
+      <p:ext uri="{BB962C8B-B14F-4D97-AF65-F5344CB8AC3E}">
+        <p14:creationId xmlns:p14="http://schemas.microsoft.com/office/powerpoint/2010/main" val="3741182153"/>
+      </p:ext>
+    </p:extLst>
+  </p:cSld>
+  <p:clrMapOvr>
+    <a:masterClrMapping/>
+  </p:clrMapOvr>
+</p:notes>
+</file>
+
+<file path=ppt/notesSlides/notesSlide15.xml><?xml version="1.0" encoding="utf-8"?>
+<p:notes xmlns:a="http://schemas.openxmlformats.org/drawingml/2006/main" xmlns:r="http://schemas.openxmlformats.org/officeDocument/2006/relationships" xmlns:p="http://schemas.openxmlformats.org/presentationml/2006/main">
+  <p:cSld>
+    <p:spTree>
+      <p:nvGrpSpPr>
+        <p:cNvPr id="1" name=""/>
+        <p:cNvGrpSpPr/>
+        <p:nvPr/>
+      </p:nvGrpSpPr>
+      <p:grpSpPr>
+        <a:xfrm>
+          <a:off x="0" y="0"/>
+          <a:ext cx="0" cy="0"/>
+          <a:chOff x="0" y="0"/>
+          <a:chExt cx="0" cy="0"/>
+        </a:xfrm>
+      </p:grpSpPr>
+      <p:sp>
+        <p:nvSpPr>
+          <p:cNvPr id="2" name="Diakép helye 1"/>
+          <p:cNvSpPr>
+            <a:spLocks noGrp="1" noRot="1" noChangeAspect="1"/>
+          </p:cNvSpPr>
+          <p:nvPr>
+            <p:ph type="sldImg"/>
+          </p:nvPr>
+        </p:nvSpPr>
+        <p:spPr/>
+      </p:sp>
+      <p:sp>
+        <p:nvSpPr>
+          <p:cNvPr id="3" name="Jegyzetek helye 2"/>
+          <p:cNvSpPr>
+            <a:spLocks noGrp="1"/>
+          </p:cNvSpPr>
+          <p:nvPr>
+            <p:ph type="body" idx="1"/>
+          </p:nvPr>
+        </p:nvSpPr>
+        <p:spPr/>
+        <p:txBody>
+          <a:bodyPr/>
+          <a:lstStyle/>
+          <a:p>
+            <a:r>
+              <a:rPr lang="hu-HU" dirty="0"/>
+              <a:t>Először </a:t>
+            </a:r>
+            <a:r>
+              <a:rPr lang="hu-HU" dirty="0" err="1"/>
+              <a:t>accuracy</a:t>
+            </a:r>
+            <a:r>
+              <a:rPr lang="hu-HU" dirty="0"/>
+              <a:t> tekintetében.</a:t>
+            </a:r>
+          </a:p>
+          <a:p>
+            <a:endParaRPr lang="hu-HU" dirty="0"/>
+          </a:p>
+          <a:p>
+            <a:r>
+              <a:rPr lang="hu-HU" dirty="0"/>
+              <a:t>Három módszert vetettem össze: '</a:t>
+            </a:r>
+            <a:r>
+              <a:rPr lang="hu-HU" dirty="0" err="1"/>
+              <a:t>Clustering-based</a:t>
+            </a:r>
+            <a:r>
+              <a:rPr lang="hu-HU" dirty="0"/>
+              <a:t>' (az én módszerem), '</a:t>
+            </a:r>
+            <a:r>
+              <a:rPr lang="hu-HU" dirty="0" err="1"/>
+              <a:t>Brute</a:t>
+            </a:r>
+            <a:r>
+              <a:rPr lang="hu-HU" dirty="0"/>
+              <a:t> </a:t>
+            </a:r>
+            <a:r>
+              <a:rPr lang="hu-HU" dirty="0" err="1"/>
+              <a:t>force</a:t>
+            </a:r>
+            <a:r>
+              <a:rPr lang="hu-HU" dirty="0"/>
+              <a:t>' (minden vektort összehasonlít), és 'FAISS' (egy iparági sztenderd, gyors keresőkönyvtár).</a:t>
+            </a:r>
+          </a:p>
+          <a:p>
+            <a:endParaRPr lang="hu-HU" dirty="0"/>
+          </a:p>
+          <a:p>
+            <a:r>
+              <a:rPr lang="hu-HU" dirty="0"/>
+              <a:t>Facebook AI </a:t>
+            </a:r>
+            <a:r>
+              <a:rPr lang="hu-HU" dirty="0" err="1"/>
+              <a:t>Similarity</a:t>
+            </a:r>
+            <a:r>
+              <a:rPr lang="hu-HU" dirty="0"/>
+              <a:t> </a:t>
+            </a:r>
+            <a:r>
+              <a:rPr lang="hu-HU" dirty="0" err="1"/>
+              <a:t>Search</a:t>
+            </a:r>
+            <a:r>
+              <a:rPr lang="hu-HU" dirty="0"/>
+              <a:t> </a:t>
+            </a:r>
+            <a:r>
+              <a:rPr lang="hu-HU" dirty="0" err="1">
+                <a:solidFill>
+                  <a:srgbClr val="000000"/>
+                </a:solidFill>
+                <a:effectLst/>
+                <a:latin typeface="Times New Roman" panose="02020603050405020304" pitchFamily="18" charset="0"/>
+              </a:rPr>
+              <a:t>Hierarchical</a:t>
+            </a:r>
+            <a:r>
+              <a:rPr lang="hu-HU" dirty="0">
+                <a:solidFill>
+                  <a:srgbClr val="000000"/>
+                </a:solidFill>
+                <a:effectLst/>
+                <a:latin typeface="Times New Roman" panose="02020603050405020304" pitchFamily="18" charset="0"/>
+              </a:rPr>
+              <a:t> </a:t>
+            </a:r>
+            <a:r>
+              <a:rPr lang="hu-HU" dirty="0" err="1">
+                <a:solidFill>
+                  <a:srgbClr val="000000"/>
+                </a:solidFill>
+                <a:effectLst/>
+                <a:latin typeface="Times New Roman" panose="02020603050405020304" pitchFamily="18" charset="0"/>
+              </a:rPr>
+              <a:t>Navigable</a:t>
+            </a:r>
+            <a:r>
+              <a:rPr lang="hu-HU" dirty="0">
+                <a:solidFill>
+                  <a:srgbClr val="000000"/>
+                </a:solidFill>
+                <a:effectLst/>
+                <a:latin typeface="Times New Roman" panose="02020603050405020304" pitchFamily="18" charset="0"/>
+              </a:rPr>
+              <a:t> </a:t>
+            </a:r>
+            <a:r>
+              <a:rPr lang="hu-HU" dirty="0" err="1">
+                <a:solidFill>
+                  <a:srgbClr val="000000"/>
+                </a:solidFill>
+                <a:effectLst/>
+                <a:latin typeface="Times New Roman" panose="02020603050405020304" pitchFamily="18" charset="0"/>
+              </a:rPr>
+              <a:t>Small</a:t>
+            </a:r>
+            <a:r>
+              <a:rPr lang="hu-HU" dirty="0">
+                <a:solidFill>
+                  <a:srgbClr val="000000"/>
+                </a:solidFill>
+                <a:effectLst/>
+                <a:latin typeface="Times New Roman" panose="02020603050405020304" pitchFamily="18" charset="0"/>
+              </a:rPr>
+              <a:t> World </a:t>
+            </a:r>
+            <a:r>
+              <a:rPr lang="hu-HU" dirty="0" err="1">
+                <a:solidFill>
+                  <a:srgbClr val="000000"/>
+                </a:solidFill>
+                <a:effectLst/>
+                <a:latin typeface="Times New Roman" panose="02020603050405020304" pitchFamily="18" charset="0"/>
+              </a:rPr>
+              <a:t>graphs</a:t>
+            </a:r>
+            <a:endParaRPr lang="hu-HU" dirty="0">
+              <a:solidFill>
+                <a:srgbClr val="000000"/>
+              </a:solidFill>
+              <a:effectLst/>
+              <a:latin typeface="Times New Roman" panose="02020603050405020304" pitchFamily="18" charset="0"/>
+            </a:endParaRPr>
+          </a:p>
+          <a:p>
+            <a:endParaRPr lang="hu-HU" dirty="0">
+              <a:solidFill>
+                <a:srgbClr val="000000"/>
+              </a:solidFill>
+              <a:effectLst/>
+              <a:latin typeface="Times New Roman" panose="02020603050405020304" pitchFamily="18" charset="0"/>
+            </a:endParaRPr>
+          </a:p>
+          <a:p>
+            <a:r>
+              <a:rPr lang="hu-HU" dirty="0"/>
+              <a:t>A '</a:t>
+            </a:r>
+            <a:r>
+              <a:rPr lang="hu-HU" dirty="0" err="1"/>
+              <a:t>Clustering-based</a:t>
+            </a:r>
+            <a:r>
+              <a:rPr lang="hu-HU" dirty="0"/>
+              <a:t>' (bal oldali ábra) pontossága és </a:t>
+            </a:r>
+            <a:r>
+              <a:rPr lang="hu-HU" dirty="0" err="1"/>
+              <a:t>recall</a:t>
+            </a:r>
+            <a:r>
+              <a:rPr lang="hu-HU" dirty="0"/>
+              <a:t>-ja szinte tökéletesen megegyezik a '</a:t>
+            </a:r>
+            <a:r>
+              <a:rPr lang="hu-HU" dirty="0" err="1"/>
+              <a:t>Brute</a:t>
+            </a:r>
+            <a:r>
+              <a:rPr lang="hu-HU" dirty="0"/>
+              <a:t> </a:t>
+            </a:r>
+            <a:r>
+              <a:rPr lang="hu-HU" dirty="0" err="1"/>
+              <a:t>force</a:t>
+            </a:r>
+            <a:r>
+              <a:rPr lang="hu-HU" dirty="0"/>
+              <a:t>' és a 'FAISS' eredményeivel. Ez azt jelenti, hogy </a:t>
+            </a:r>
+            <a:r>
+              <a:rPr lang="hu-HU" b="1" dirty="0"/>
+              <a:t>a pontosság terén nem kötöttünk kompromisszumot.</a:t>
+            </a:r>
+          </a:p>
+          <a:p>
+            <a:endParaRPr lang="hu-HU" b="1" dirty="0">
+              <a:solidFill>
+                <a:srgbClr val="000000"/>
+              </a:solidFill>
+              <a:effectLst/>
+              <a:latin typeface="Times New Roman" panose="02020603050405020304" pitchFamily="18" charset="0"/>
+            </a:endParaRPr>
+          </a:p>
+          <a:p>
+            <a:r>
+              <a:rPr lang="hu-HU" b="0" dirty="0">
+                <a:solidFill>
+                  <a:srgbClr val="000000"/>
+                </a:solidFill>
+                <a:effectLst/>
+                <a:latin typeface="Times New Roman" panose="02020603050405020304" pitchFamily="18" charset="0"/>
+              </a:rPr>
+              <a:t>Ugyanez az eredmény látható </a:t>
+            </a:r>
+            <a:r>
+              <a:rPr lang="hu-HU" b="0" dirty="0" err="1">
+                <a:solidFill>
+                  <a:srgbClr val="000000"/>
+                </a:solidFill>
+                <a:effectLst/>
+                <a:latin typeface="Times New Roman" panose="02020603050405020304" pitchFamily="18" charset="0"/>
+              </a:rPr>
+              <a:t>recall</a:t>
+            </a:r>
+            <a:r>
+              <a:rPr lang="hu-HU" b="0" dirty="0">
+                <a:solidFill>
+                  <a:srgbClr val="000000"/>
+                </a:solidFill>
+                <a:effectLst/>
+                <a:latin typeface="Times New Roman" panose="02020603050405020304" pitchFamily="18" charset="0"/>
+              </a:rPr>
+              <a:t> </a:t>
+            </a:r>
+            <a:r>
+              <a:rPr lang="hu-HU" b="0" dirty="0" err="1">
+                <a:solidFill>
+                  <a:srgbClr val="000000"/>
+                </a:solidFill>
+                <a:effectLst/>
+                <a:latin typeface="Times New Roman" panose="02020603050405020304" pitchFamily="18" charset="0"/>
+              </a:rPr>
+              <a:t>tekinetében</a:t>
+            </a:r>
+            <a:r>
+              <a:rPr lang="hu-HU" b="0" dirty="0">
+                <a:solidFill>
+                  <a:srgbClr val="000000"/>
+                </a:solidFill>
+                <a:effectLst/>
+                <a:latin typeface="Times New Roman" panose="02020603050405020304" pitchFamily="18" charset="0"/>
+              </a:rPr>
+              <a:t> is.</a:t>
+            </a:r>
+          </a:p>
+          <a:p>
+            <a:endParaRPr lang="hu-HU" dirty="0"/>
+          </a:p>
+          <a:p>
+            <a:endParaRPr lang="hu-HU" dirty="0"/>
+          </a:p>
+          <a:p>
+            <a:endParaRPr lang="hu-HU" dirty="0"/>
+          </a:p>
+        </p:txBody>
+      </p:sp>
+      <p:sp>
+        <p:nvSpPr>
+          <p:cNvPr id="4" name="Dia számának helye 3"/>
+          <p:cNvSpPr>
+            <a:spLocks noGrp="1"/>
+          </p:cNvSpPr>
+          <p:nvPr>
+            <p:ph type="sldNum" sz="quarter" idx="5"/>
+          </p:nvPr>
+        </p:nvSpPr>
+        <p:spPr/>
+        <p:txBody>
+          <a:bodyPr/>
+          <a:lstStyle/>
+          <a:p>
+            <a:fld id="{FEBF544B-8942-4253-A6F4-42DBF943B8C6}" type="slidenum">
+              <a:rPr lang="hu-HU" smtClean="0"/>
+              <a:t>15</a:t>
+            </a:fld>
+            <a:endParaRPr lang="hu-HU"/>
+          </a:p>
+        </p:txBody>
+      </p:sp>
+    </p:spTree>
+    <p:extLst>
+      <p:ext uri="{BB962C8B-B14F-4D97-AF65-F5344CB8AC3E}">
+        <p14:creationId xmlns:p14="http://schemas.microsoft.com/office/powerpoint/2010/main" val="2477207061"/>
+      </p:ext>
+    </p:extLst>
+  </p:cSld>
+  <p:clrMapOvr>
+    <a:masterClrMapping/>
+  </p:clrMapOvr>
+</p:notes>
+</file>
+
+<file path=ppt/notesSlides/notesSlide16.xml><?xml version="1.0" encoding="utf-8"?>
+<p:notes xmlns:a="http://schemas.openxmlformats.org/drawingml/2006/main" xmlns:r="http://schemas.openxmlformats.org/officeDocument/2006/relationships" xmlns:p="http://schemas.openxmlformats.org/presentationml/2006/main">
+  <p:cSld>
+    <p:spTree>
+      <p:nvGrpSpPr>
+        <p:cNvPr id="1" name=""/>
+        <p:cNvGrpSpPr/>
+        <p:nvPr/>
+      </p:nvGrpSpPr>
+      <p:grpSpPr>
+        <a:xfrm>
+          <a:off x="0" y="0"/>
+          <a:ext cx="0" cy="0"/>
+          <a:chOff x="0" y="0"/>
+          <a:chExt cx="0" cy="0"/>
+        </a:xfrm>
+      </p:grpSpPr>
+      <p:sp>
+        <p:nvSpPr>
+          <p:cNvPr id="2" name="Diakép helye 1"/>
+          <p:cNvSpPr>
+            <a:spLocks noGrp="1" noRot="1" noChangeAspect="1"/>
+          </p:cNvSpPr>
+          <p:nvPr>
+            <p:ph type="sldImg"/>
+          </p:nvPr>
+        </p:nvSpPr>
+        <p:spPr/>
+      </p:sp>
+      <p:sp>
+        <p:nvSpPr>
+          <p:cNvPr id="3" name="Jegyzetek helye 2"/>
+          <p:cNvSpPr>
+            <a:spLocks noGrp="1"/>
+          </p:cNvSpPr>
+          <p:nvPr>
+            <p:ph type="body" idx="1"/>
+          </p:nvPr>
+        </p:nvSpPr>
+        <p:spPr/>
+        <p:txBody>
+          <a:bodyPr/>
+          <a:lstStyle/>
+          <a:p>
+            <a:r>
+              <a:rPr lang="hu-HU" dirty="0"/>
+              <a:t>Ez az ábra a visszakeresés </a:t>
+            </a:r>
+            <a:r>
+              <a:rPr lang="hu-HU" i="1" dirty="0"/>
+              <a:t>idejét</a:t>
+            </a:r>
+            <a:r>
+              <a:rPr lang="hu-HU" dirty="0"/>
+              <a:t> mutatja másodpercben egy darab </a:t>
+            </a:r>
+            <a:r>
+              <a:rPr lang="hu-HU" dirty="0" err="1"/>
+              <a:t>query-hez</a:t>
+            </a:r>
+            <a:r>
+              <a:rPr lang="hu-HU" dirty="0"/>
+              <a:t>.</a:t>
+            </a:r>
+          </a:p>
+          <a:p>
+            <a:endParaRPr lang="hu-HU" dirty="0"/>
+          </a:p>
+          <a:p>
+            <a:r>
+              <a:rPr lang="hu-HU" dirty="0"/>
+              <a:t>A '</a:t>
+            </a:r>
+            <a:r>
+              <a:rPr lang="hu-HU" dirty="0" err="1"/>
+              <a:t>Brute</a:t>
+            </a:r>
+            <a:r>
+              <a:rPr lang="hu-HU" dirty="0"/>
+              <a:t> </a:t>
+            </a:r>
+            <a:r>
+              <a:rPr lang="hu-HU" dirty="0" err="1"/>
+              <a:t>Force</a:t>
+            </a:r>
+            <a:r>
+              <a:rPr lang="hu-HU" dirty="0"/>
+              <a:t>' (kék) kb. 0.11 másodperc kérdésenként.</a:t>
+            </a:r>
+          </a:p>
+          <a:p>
+            <a:endParaRPr lang="hu-HU" dirty="0"/>
+          </a:p>
+          <a:p>
+            <a:r>
+              <a:rPr lang="hu-HU" dirty="0"/>
+              <a:t>A 'FAISS' (narancs) és a mi '</a:t>
+            </a:r>
+            <a:r>
+              <a:rPr lang="hu-HU" dirty="0" err="1"/>
+              <a:t>Clustering-based</a:t>
+            </a:r>
+            <a:r>
+              <a:rPr lang="hu-HU" dirty="0"/>
+              <a:t>' (zöld) módszerünk ezzel szemben 0.02-0.04 másodperc között teljesít.</a:t>
+            </a:r>
+          </a:p>
+          <a:p>
+            <a:endParaRPr lang="hu-HU" dirty="0"/>
+          </a:p>
+          <a:p>
+            <a:r>
+              <a:rPr lang="hu-HU" dirty="0"/>
+              <a:t>A </a:t>
+            </a:r>
+            <a:r>
+              <a:rPr lang="hu-HU" dirty="0" err="1"/>
+              <a:t>klaszterezés</a:t>
+            </a:r>
+            <a:r>
+              <a:rPr lang="hu-HU" dirty="0"/>
+              <a:t>-alapú módszer minimálisan gyengébb </a:t>
+            </a:r>
+            <a:r>
+              <a:rPr lang="hu-HU" b="1" dirty="0"/>
+              <a:t>pontosságot hozza, mint a </a:t>
+            </a:r>
+            <a:r>
+              <a:rPr lang="hu-HU" b="1" dirty="0" err="1"/>
+              <a:t>Brute</a:t>
+            </a:r>
+            <a:r>
+              <a:rPr lang="hu-HU" b="1" dirty="0"/>
+              <a:t> </a:t>
+            </a:r>
+            <a:r>
+              <a:rPr lang="hu-HU" b="1" dirty="0" err="1"/>
+              <a:t>Force</a:t>
+            </a:r>
+            <a:r>
+              <a:rPr lang="hu-HU" b="1" dirty="0"/>
+              <a:t>, de 3-5x gyorsabban.</a:t>
+            </a:r>
+            <a:endParaRPr lang="hu-HU" dirty="0"/>
+          </a:p>
+        </p:txBody>
+      </p:sp>
+      <p:sp>
+        <p:nvSpPr>
+          <p:cNvPr id="4" name="Dia számának helye 3"/>
+          <p:cNvSpPr>
+            <a:spLocks noGrp="1"/>
+          </p:cNvSpPr>
+          <p:nvPr>
+            <p:ph type="sldNum" sz="quarter" idx="5"/>
+          </p:nvPr>
+        </p:nvSpPr>
+        <p:spPr/>
+        <p:txBody>
+          <a:bodyPr/>
+          <a:lstStyle/>
+          <a:p>
+            <a:fld id="{FEBF544B-8942-4253-A6F4-42DBF943B8C6}" type="slidenum">
+              <a:rPr lang="hu-HU" smtClean="0"/>
+              <a:t>16</a:t>
+            </a:fld>
+            <a:endParaRPr lang="hu-HU"/>
+          </a:p>
+        </p:txBody>
+      </p:sp>
+    </p:spTree>
+    <p:extLst>
+      <p:ext uri="{BB962C8B-B14F-4D97-AF65-F5344CB8AC3E}">
+        <p14:creationId xmlns:p14="http://schemas.microsoft.com/office/powerpoint/2010/main" val="5914927"/>
+      </p:ext>
+    </p:extLst>
+  </p:cSld>
+  <p:clrMapOvr>
+    <a:masterClrMapping/>
+  </p:clrMapOvr>
+</p:notes>
+</file>
+
+<file path=ppt/notesSlides/notesSlide17.xml><?xml version="1.0" encoding="utf-8"?>
+<p:notes xmlns:a="http://schemas.openxmlformats.org/drawingml/2006/main" xmlns:r="http://schemas.openxmlformats.org/officeDocument/2006/relationships" xmlns:p="http://schemas.openxmlformats.org/presentationml/2006/main">
+  <p:cSld>
+    <p:spTree>
+      <p:nvGrpSpPr>
+        <p:cNvPr id="1" name=""/>
+        <p:cNvGrpSpPr/>
+        <p:nvPr/>
+      </p:nvGrpSpPr>
+      <p:grpSpPr>
+        <a:xfrm>
+          <a:off x="0" y="0"/>
+          <a:ext cx="0" cy="0"/>
+          <a:chOff x="0" y="0"/>
+          <a:chExt cx="0" cy="0"/>
+        </a:xfrm>
+      </p:grpSpPr>
+      <p:sp>
+        <p:nvSpPr>
+          <p:cNvPr id="2" name="Diakép helye 1"/>
+          <p:cNvSpPr>
+            <a:spLocks noGrp="1" noRot="1" noChangeAspect="1"/>
+          </p:cNvSpPr>
+          <p:nvPr>
+            <p:ph type="sldImg"/>
+          </p:nvPr>
+        </p:nvSpPr>
+        <p:spPr/>
+      </p:sp>
+      <p:sp>
+        <p:nvSpPr>
+          <p:cNvPr id="3" name="Jegyzetek helye 2"/>
+          <p:cNvSpPr>
+            <a:spLocks noGrp="1"/>
+          </p:cNvSpPr>
+          <p:nvPr>
+            <p:ph type="body" idx="1"/>
+          </p:nvPr>
+        </p:nvSpPr>
+        <p:spPr/>
+        <p:txBody>
+          <a:bodyPr/>
+          <a:lstStyle/>
+          <a:p>
+            <a:r>
+              <a:rPr lang="hu-HU" dirty="0"/>
+              <a:t>Az utolsó, és talán legfontosabb kísérlet a dinamikusan változó adathalmaz vizsgálata volt. Mi történik, ha folyamatosan érkeznek új adatok?</a:t>
+            </a:r>
+          </a:p>
+          <a:p>
+            <a:endParaRPr lang="hu-HU" dirty="0"/>
+          </a:p>
+          <a:p>
+            <a:r>
+              <a:rPr lang="hu-HU" dirty="0"/>
+              <a:t>A kísérletben az adatok 50%-án inicializáltam a rendszereket , majd a maradék 50%-ot 2000-es 'batch'-</a:t>
+            </a:r>
+            <a:r>
+              <a:rPr lang="hu-HU" dirty="0" err="1"/>
+              <a:t>ekben</a:t>
+            </a:r>
+            <a:r>
+              <a:rPr lang="hu-HU" dirty="0"/>
+              <a:t>, fokozatosan adtam hozzájuk, mintha új dokumentumok érkeznének.</a:t>
+            </a:r>
+          </a:p>
+          <a:p>
+            <a:endParaRPr lang="hu-HU" dirty="0"/>
+          </a:p>
+          <a:p>
+            <a:r>
+              <a:rPr lang="hu-HU" dirty="0"/>
+              <a:t>Itt már összehasonlítottam az '</a:t>
+            </a:r>
+            <a:r>
+              <a:rPr lang="hu-HU" dirty="0" err="1"/>
+              <a:t>OnlineKMeans</a:t>
+            </a:r>
+            <a:r>
+              <a:rPr lang="hu-HU" dirty="0"/>
+              <a:t>'-t a '</a:t>
+            </a:r>
+            <a:r>
+              <a:rPr lang="hu-HU" dirty="0" err="1"/>
+              <a:t>KMeans</a:t>
+            </a:r>
+            <a:r>
+              <a:rPr lang="hu-HU" dirty="0"/>
+              <a:t>'-szel (aminek minden batch után teljesen újra kell futnia) és ahogy a korábbiakban is a 'FAISS'-szel és </a:t>
+            </a:r>
+            <a:r>
+              <a:rPr lang="hu-HU" dirty="0" err="1"/>
+              <a:t>MiniBatchKMeans</a:t>
+            </a:r>
+            <a:r>
+              <a:rPr lang="hu-HU" dirty="0"/>
+              <a:t>-szel is.</a:t>
+            </a:r>
+          </a:p>
+          <a:p>
+            <a:endParaRPr lang="hu-HU" dirty="0"/>
+          </a:p>
+          <a:p>
+            <a:endParaRPr lang="hu-HU" dirty="0"/>
+          </a:p>
+        </p:txBody>
+      </p:sp>
+      <p:sp>
+        <p:nvSpPr>
+          <p:cNvPr id="4" name="Dia számának helye 3"/>
+          <p:cNvSpPr>
+            <a:spLocks noGrp="1"/>
+          </p:cNvSpPr>
+          <p:nvPr>
+            <p:ph type="sldNum" sz="quarter" idx="5"/>
+          </p:nvPr>
+        </p:nvSpPr>
+        <p:spPr/>
+        <p:txBody>
+          <a:bodyPr/>
+          <a:lstStyle/>
+          <a:p>
+            <a:fld id="{FEBF544B-8942-4253-A6F4-42DBF943B8C6}" type="slidenum">
+              <a:rPr lang="hu-HU" smtClean="0"/>
+              <a:t>17</a:t>
+            </a:fld>
+            <a:endParaRPr lang="hu-HU"/>
+          </a:p>
+        </p:txBody>
+      </p:sp>
+    </p:spTree>
+    <p:extLst>
+      <p:ext uri="{BB962C8B-B14F-4D97-AF65-F5344CB8AC3E}">
+        <p14:creationId xmlns:p14="http://schemas.microsoft.com/office/powerpoint/2010/main" val="3329294170"/>
+      </p:ext>
+    </p:extLst>
+  </p:cSld>
+  <p:clrMapOvr>
+    <a:masterClrMapping/>
+  </p:clrMapOvr>
+</p:notes>
+</file>
+
+<file path=ppt/notesSlides/notesSlide18.xml><?xml version="1.0" encoding="utf-8"?>
+<p:notes xmlns:a="http://schemas.openxmlformats.org/drawingml/2006/main" xmlns:r="http://schemas.openxmlformats.org/officeDocument/2006/relationships" xmlns:p="http://schemas.openxmlformats.org/presentationml/2006/main">
+  <p:cSld>
+    <p:spTree>
+      <p:nvGrpSpPr>
+        <p:cNvPr id="1" name=""/>
+        <p:cNvGrpSpPr/>
+        <p:nvPr/>
+      </p:nvGrpSpPr>
+      <p:grpSpPr>
+        <a:xfrm>
+          <a:off x="0" y="0"/>
+          <a:ext cx="0" cy="0"/>
+          <a:chOff x="0" y="0"/>
+          <a:chExt cx="0" cy="0"/>
+        </a:xfrm>
+      </p:grpSpPr>
+      <p:sp>
+        <p:nvSpPr>
+          <p:cNvPr id="2" name="Diakép helye 1"/>
+          <p:cNvSpPr>
+            <a:spLocks noGrp="1" noRot="1" noChangeAspect="1"/>
+          </p:cNvSpPr>
+          <p:nvPr>
+            <p:ph type="sldImg"/>
+          </p:nvPr>
+        </p:nvSpPr>
+        <p:spPr/>
+      </p:sp>
+      <p:sp>
+        <p:nvSpPr>
+          <p:cNvPr id="3" name="Jegyzetek helye 2"/>
+          <p:cNvSpPr>
+            <a:spLocks noGrp="1"/>
+          </p:cNvSpPr>
+          <p:nvPr>
+            <p:ph type="body" idx="1"/>
+          </p:nvPr>
+        </p:nvSpPr>
+        <p:spPr/>
+        <p:txBody>
+          <a:bodyPr/>
+          <a:lstStyle/>
+          <a:p>
+            <a:r>
+              <a:rPr lang="hu-HU" dirty="0"/>
+              <a:t>Vizsgáljuk először a pontosságot.</a:t>
+            </a:r>
+          </a:p>
+          <a:p>
+            <a:endParaRPr lang="hu-HU" dirty="0"/>
+          </a:p>
+          <a:p>
+            <a:r>
+              <a:rPr lang="hu-HU" dirty="0"/>
+              <a:t>Ez az ábra mutatja a pontosságot (</a:t>
+            </a:r>
+            <a:r>
+              <a:rPr lang="hu-HU" dirty="0" err="1"/>
+              <a:t>Accuracy</a:t>
+            </a:r>
+            <a:r>
+              <a:rPr lang="hu-HU" dirty="0"/>
+              <a:t> ) az idő függvényében, ahogy egyre több batch-</a:t>
+            </a:r>
+            <a:r>
+              <a:rPr lang="hu-HU" dirty="0" err="1"/>
+              <a:t>et</a:t>
+            </a:r>
+            <a:r>
+              <a:rPr lang="hu-HU" dirty="0"/>
+              <a:t> adunk hozzá.</a:t>
+            </a:r>
+          </a:p>
+          <a:p>
+            <a:endParaRPr lang="hu-HU" dirty="0"/>
+          </a:p>
+          <a:p>
+            <a:r>
+              <a:rPr lang="hu-HU" dirty="0"/>
+              <a:t>A zöld (FAISS) a legjobb, ami várható. De nézzük a </a:t>
+            </a:r>
+            <a:r>
+              <a:rPr lang="hu-HU" dirty="0" err="1"/>
+              <a:t>klaszterezőket</a:t>
+            </a:r>
+            <a:r>
+              <a:rPr lang="hu-HU" dirty="0"/>
+              <a:t>: Az </a:t>
+            </a:r>
+            <a:r>
+              <a:rPr lang="hu-HU" dirty="0" err="1"/>
+              <a:t>KMeans</a:t>
+            </a:r>
+            <a:r>
+              <a:rPr lang="hu-HU" dirty="0"/>
+              <a:t>' (narancs) mindkét ábrán stabilan jobban teljesít, mint az ‚</a:t>
+            </a:r>
+            <a:r>
+              <a:rPr lang="hu-HU" dirty="0" err="1"/>
+              <a:t>OnlineKMeans</a:t>
+            </a:r>
+            <a:r>
+              <a:rPr lang="hu-HU" dirty="0"/>
+              <a:t>' (piros) és a '</a:t>
+            </a:r>
+            <a:r>
+              <a:rPr lang="hu-HU" dirty="0" err="1"/>
+              <a:t>MiniBatchKMeans</a:t>
+            </a:r>
+            <a:r>
+              <a:rPr lang="hu-HU" dirty="0"/>
+              <a:t>' (kék).</a:t>
+            </a:r>
+          </a:p>
+          <a:p>
+            <a:endParaRPr lang="hu-HU" dirty="0"/>
+          </a:p>
+          <a:p>
+            <a:r>
+              <a:rPr lang="hu-HU" dirty="0" err="1"/>
+              <a:t>Recall</a:t>
+            </a:r>
+            <a:r>
+              <a:rPr lang="hu-HU" dirty="0"/>
+              <a:t>-t tekintve ugyanezt a kimenetet láthatjuk.</a:t>
+            </a:r>
+          </a:p>
+          <a:p>
+            <a:endParaRPr lang="hu-HU" dirty="0"/>
+          </a:p>
+          <a:p>
+            <a:endParaRPr lang="hu-HU" dirty="0"/>
+          </a:p>
+        </p:txBody>
+      </p:sp>
+      <p:sp>
+        <p:nvSpPr>
+          <p:cNvPr id="4" name="Dia számának helye 3"/>
+          <p:cNvSpPr>
+            <a:spLocks noGrp="1"/>
+          </p:cNvSpPr>
+          <p:nvPr>
+            <p:ph type="sldNum" sz="quarter" idx="5"/>
+          </p:nvPr>
+        </p:nvSpPr>
+        <p:spPr/>
+        <p:txBody>
+          <a:bodyPr/>
+          <a:lstStyle/>
+          <a:p>
+            <a:fld id="{FEBF544B-8942-4253-A6F4-42DBF943B8C6}" type="slidenum">
+              <a:rPr lang="hu-HU" smtClean="0"/>
+              <a:t>18</a:t>
+            </a:fld>
+            <a:endParaRPr lang="hu-HU"/>
+          </a:p>
+        </p:txBody>
+      </p:sp>
+    </p:spTree>
+    <p:extLst>
+      <p:ext uri="{BB962C8B-B14F-4D97-AF65-F5344CB8AC3E}">
+        <p14:creationId xmlns:p14="http://schemas.microsoft.com/office/powerpoint/2010/main" val="1431850186"/>
+      </p:ext>
+    </p:extLst>
+  </p:cSld>
+  <p:clrMapOvr>
+    <a:masterClrMapping/>
+  </p:clrMapOvr>
+</p:notes>
+</file>
+
+<file path=ppt/notesSlides/notesSlide19.xml><?xml version="1.0" encoding="utf-8"?>
+<p:notes xmlns:a="http://schemas.openxmlformats.org/drawingml/2006/main" xmlns:r="http://schemas.openxmlformats.org/officeDocument/2006/relationships" xmlns:p="http://schemas.openxmlformats.org/presentationml/2006/main">
+  <p:cSld>
+    <p:spTree>
+      <p:nvGrpSpPr>
+        <p:cNvPr id="1" name=""/>
+        <p:cNvGrpSpPr/>
+        <p:nvPr/>
+      </p:nvGrpSpPr>
+      <p:grpSpPr>
+        <a:xfrm>
+          <a:off x="0" y="0"/>
+          <a:ext cx="0" cy="0"/>
+          <a:chOff x="0" y="0"/>
+          <a:chExt cx="0" cy="0"/>
+        </a:xfrm>
+      </p:grpSpPr>
+      <p:sp>
+        <p:nvSpPr>
+          <p:cNvPr id="2" name="Diakép helye 1"/>
+          <p:cNvSpPr>
+            <a:spLocks noGrp="1" noRot="1" noChangeAspect="1"/>
+          </p:cNvSpPr>
+          <p:nvPr>
+            <p:ph type="sldImg"/>
+          </p:nvPr>
+        </p:nvSpPr>
+        <p:spPr/>
+      </p:sp>
+      <p:sp>
+        <p:nvSpPr>
+          <p:cNvPr id="3" name="Jegyzetek helye 2"/>
+          <p:cNvSpPr>
+            <a:spLocks noGrp="1"/>
+          </p:cNvSpPr>
+          <p:nvPr>
+            <p:ph type="body" idx="1"/>
+          </p:nvPr>
+        </p:nvSpPr>
+        <p:spPr/>
+        <p:txBody>
+          <a:bodyPr/>
+          <a:lstStyle/>
+          <a:p>
+            <a:r>
+              <a:rPr lang="hu-HU" dirty="0"/>
+              <a:t>Nézzük meg a frissítési időt, ami azt mutatja meg.</a:t>
+            </a:r>
+          </a:p>
+          <a:p>
+            <a:endParaRPr lang="hu-HU" dirty="0"/>
+          </a:p>
+          <a:p>
+            <a:r>
+              <a:rPr lang="hu-HU" dirty="0"/>
+              <a:t>Mennyi ideig tart egy új batch (2000 adatpont) hozzáadása.</a:t>
+            </a:r>
+          </a:p>
+          <a:p>
+            <a:endParaRPr lang="hu-HU" dirty="0"/>
+          </a:p>
+          <a:p>
+            <a:r>
+              <a:rPr lang="hu-HU" dirty="0"/>
+              <a:t>A narancssárga vonal a '</a:t>
+            </a:r>
+            <a:r>
+              <a:rPr lang="hu-HU" dirty="0" err="1"/>
+              <a:t>KMeans</a:t>
+            </a:r>
+            <a:r>
+              <a:rPr lang="hu-HU" dirty="0"/>
+              <a:t>'. Mivel minden alkalommal a </a:t>
+            </a:r>
+            <a:r>
+              <a:rPr lang="hu-HU" i="1" dirty="0"/>
+              <a:t>teljes</a:t>
+            </a:r>
+            <a:r>
+              <a:rPr lang="hu-HU" dirty="0"/>
+              <a:t> adathalmazon újra kell futnia, nagyon lassú lesz, ez streaming adatokkal nem használható.</a:t>
+            </a:r>
+          </a:p>
+          <a:p>
+            <a:endParaRPr lang="hu-HU" dirty="0"/>
+          </a:p>
+          <a:p>
+            <a:r>
+              <a:rPr lang="hu-HU" dirty="0"/>
+              <a:t>Itt látjuk a gyors algoritmusokat. A 'FAISS' (zöld) gyors, de az '</a:t>
+            </a:r>
+            <a:r>
+              <a:rPr lang="hu-HU" dirty="0" err="1"/>
+              <a:t>OnlineKMeans</a:t>
+            </a:r>
+            <a:r>
+              <a:rPr lang="hu-HU" dirty="0"/>
+              <a:t>' (piros) és a '</a:t>
+            </a:r>
+            <a:r>
+              <a:rPr lang="hu-HU" dirty="0" err="1"/>
+              <a:t>MiniBatchKMeans</a:t>
+            </a:r>
+            <a:r>
+              <a:rPr lang="hu-HU" dirty="0"/>
+              <a:t>' (kék) azonban </a:t>
+            </a:r>
+            <a:r>
+              <a:rPr lang="hu-HU" i="1" dirty="0"/>
+              <a:t>extrém gyorsak és </a:t>
+            </a:r>
+            <a:r>
+              <a:rPr lang="hu-HU" i="1" dirty="0" err="1"/>
+              <a:t>stabilak</a:t>
+            </a:r>
+            <a:r>
+              <a:rPr lang="hu-HU" dirty="0"/>
+              <a:t>, 0.1 másodperc alatt maradnak.</a:t>
+            </a:r>
+          </a:p>
+        </p:txBody>
+      </p:sp>
+      <p:sp>
+        <p:nvSpPr>
+          <p:cNvPr id="4" name="Dia számának helye 3"/>
+          <p:cNvSpPr>
+            <a:spLocks noGrp="1"/>
+          </p:cNvSpPr>
+          <p:nvPr>
+            <p:ph type="sldNum" sz="quarter" idx="5"/>
+          </p:nvPr>
+        </p:nvSpPr>
+        <p:spPr/>
+        <p:txBody>
+          <a:bodyPr/>
+          <a:lstStyle/>
+          <a:p>
+            <a:fld id="{FEBF544B-8942-4253-A6F4-42DBF943B8C6}" type="slidenum">
+              <a:rPr lang="hu-HU" smtClean="0"/>
+              <a:t>19</a:t>
+            </a:fld>
+            <a:endParaRPr lang="hu-HU"/>
+          </a:p>
+        </p:txBody>
+      </p:sp>
+    </p:spTree>
+    <p:extLst>
+      <p:ext uri="{BB962C8B-B14F-4D97-AF65-F5344CB8AC3E}">
+        <p14:creationId xmlns:p14="http://schemas.microsoft.com/office/powerpoint/2010/main" val="1072573456"/>
+      </p:ext>
+    </p:extLst>
+  </p:cSld>
+  <p:clrMapOvr>
+    <a:masterClrMapping/>
+  </p:clrMapOvr>
+</p:notes>
+</file>
+
+<file path=ppt/notesSlides/notesSlide2.xml><?xml version="1.0" encoding="utf-8"?>
+<p:notes xmlns:a="http://schemas.openxmlformats.org/drawingml/2006/main" xmlns:r="http://schemas.openxmlformats.org/officeDocument/2006/relationships" xmlns:p="http://schemas.openxmlformats.org/presentationml/2006/main">
+  <p:cSld>
+    <p:spTree>
+      <p:nvGrpSpPr>
+        <p:cNvPr id="1" name=""/>
+        <p:cNvGrpSpPr/>
+        <p:nvPr/>
+      </p:nvGrpSpPr>
+      <p:grpSpPr>
+        <a:xfrm>
+          <a:off x="0" y="0"/>
+          <a:ext cx="0" cy="0"/>
+          <a:chOff x="0" y="0"/>
+          <a:chExt cx="0" cy="0"/>
+        </a:xfrm>
+      </p:grpSpPr>
+      <p:sp>
+        <p:nvSpPr>
+          <p:cNvPr id="2" name="Diakép helye 1"/>
+          <p:cNvSpPr>
+            <a:spLocks noGrp="1" noRot="1" noChangeAspect="1"/>
+          </p:cNvSpPr>
+          <p:nvPr>
+            <p:ph type="sldImg"/>
+          </p:nvPr>
+        </p:nvSpPr>
+        <p:spPr/>
+      </p:sp>
+      <p:sp>
+        <p:nvSpPr>
+          <p:cNvPr id="3" name="Jegyzetek helye 2"/>
+          <p:cNvSpPr>
+            <a:spLocks noGrp="1"/>
+          </p:cNvSpPr>
+          <p:nvPr>
+            <p:ph type="body" idx="1"/>
+          </p:nvPr>
+        </p:nvSpPr>
+        <p:spPr/>
+        <p:txBody>
+          <a:bodyPr/>
+          <a:lstStyle/>
+          <a:p>
+            <a:r>
+              <a:rPr lang="hu-HU" dirty="0"/>
+              <a:t>Mielőtt a fejlesztésekre rátérnénk, nézzük meg, mi az a </a:t>
+            </a:r>
+            <a:r>
+              <a:rPr lang="hu-HU" dirty="0" err="1"/>
+              <a:t>Retrieval</a:t>
+            </a:r>
+            <a:r>
+              <a:rPr lang="hu-HU" dirty="0"/>
+              <a:t> </a:t>
+            </a:r>
+            <a:r>
+              <a:rPr lang="hu-HU" dirty="0" err="1"/>
+              <a:t>Augmented</a:t>
+            </a:r>
+            <a:r>
+              <a:rPr lang="hu-HU" dirty="0"/>
+              <a:t> </a:t>
+            </a:r>
+            <a:r>
+              <a:rPr lang="hu-HU" dirty="0" err="1"/>
+              <a:t>Generation</a:t>
+            </a:r>
+            <a:r>
+              <a:rPr lang="hu-HU" dirty="0"/>
+              <a:t>, vagyis RAG. Ez egy olyan architektúra, ami kiegészíti a nyelvi modelleket egy külső tudásbázissal.</a:t>
+            </a:r>
+          </a:p>
+          <a:p>
+            <a:endParaRPr lang="hu-HU" dirty="0"/>
+          </a:p>
+          <a:p>
+            <a:r>
+              <a:rPr lang="hu-HU" dirty="0"/>
+              <a:t>1. A felhasználó elküld egy kérdést.</a:t>
+            </a:r>
+          </a:p>
+          <a:p>
+            <a:r>
+              <a:rPr lang="hu-HU" dirty="0"/>
+              <a:t>2. Ahelyett, hogy ez egyből az LLM-</a:t>
+            </a:r>
+            <a:r>
+              <a:rPr lang="hu-HU" dirty="0" err="1"/>
+              <a:t>hez</a:t>
+            </a:r>
+            <a:r>
+              <a:rPr lang="hu-HU" dirty="0"/>
+              <a:t> menne, a rendszer először egy '</a:t>
+            </a:r>
+            <a:r>
+              <a:rPr lang="hu-HU" dirty="0" err="1"/>
+              <a:t>Retrieval</a:t>
+            </a:r>
+            <a:r>
+              <a:rPr lang="hu-HU" dirty="0"/>
+              <a:t>', azaz visszakeresési lépést végez. A kérdés alapján megkeresi a legrelevánsabb információkat egy dokumentumtárból, ami egy 'Vektor adatbázisban' van tárolva.</a:t>
+            </a:r>
+          </a:p>
+          <a:p>
+            <a:r>
+              <a:rPr lang="hu-HU" dirty="0"/>
+              <a:t>3. A rendszer kiválasztja a legjobb </a:t>
+            </a:r>
+            <a:r>
+              <a:rPr lang="hu-HU" dirty="0" err="1"/>
+              <a:t>K</a:t>
+            </a:r>
+            <a:r>
+              <a:rPr lang="hu-HU" dirty="0"/>
+              <a:t> darab releváns szövegrészletet, vagy '</a:t>
+            </a:r>
+            <a:r>
+              <a:rPr lang="hu-HU" dirty="0" err="1"/>
+              <a:t>chunk</a:t>
+            </a:r>
+            <a:r>
+              <a:rPr lang="hu-HU" dirty="0"/>
+              <a:t>-ot’.</a:t>
+            </a:r>
+          </a:p>
+          <a:p>
+            <a:r>
+              <a:rPr lang="hu-HU" dirty="0"/>
+              <a:t>4. Végül ezeket a szövegrészleteket, a felhasználó eredeti kérdésével együtt, elküldi a nyelvi modellnek.</a:t>
+            </a:r>
+          </a:p>
+          <a:p>
+            <a:r>
+              <a:rPr lang="hu-HU" dirty="0"/>
+              <a:t>5. Az LLM így már a friss, releváns kontextus alapján generál egy pontos választ.</a:t>
+            </a:r>
+          </a:p>
+          <a:p>
+            <a:endParaRPr lang="hu-HU" dirty="0"/>
+          </a:p>
+          <a:p>
+            <a:endParaRPr lang="hu-HU" dirty="0"/>
+          </a:p>
+          <a:p>
+            <a:r>
+              <a:rPr lang="hu-HU" dirty="0"/>
+              <a:t>Ez a módszer csökkenti a hallucinációt és lehetővé teszi, hogy a modell naprakész adatokból dolgozzon.</a:t>
+            </a:r>
+          </a:p>
+        </p:txBody>
+      </p:sp>
+      <p:sp>
+        <p:nvSpPr>
+          <p:cNvPr id="4" name="Dia számának helye 3"/>
+          <p:cNvSpPr>
+            <a:spLocks noGrp="1"/>
+          </p:cNvSpPr>
+          <p:nvPr>
+            <p:ph type="sldNum" sz="quarter" idx="5"/>
+          </p:nvPr>
+        </p:nvSpPr>
+        <p:spPr/>
+        <p:txBody>
+          <a:bodyPr/>
+          <a:lstStyle/>
+          <a:p>
+            <a:fld id="{FEBF544B-8942-4253-A6F4-42DBF943B8C6}" type="slidenum">
+              <a:rPr lang="hu-HU" smtClean="0"/>
+              <a:t>2</a:t>
+            </a:fld>
+            <a:endParaRPr lang="hu-HU"/>
+          </a:p>
+        </p:txBody>
+      </p:sp>
+    </p:spTree>
+    <p:extLst>
+      <p:ext uri="{BB962C8B-B14F-4D97-AF65-F5344CB8AC3E}">
+        <p14:creationId xmlns:p14="http://schemas.microsoft.com/office/powerpoint/2010/main" val="2827021072"/>
+      </p:ext>
+    </p:extLst>
+  </p:cSld>
+  <p:clrMapOvr>
+    <a:masterClrMapping/>
+  </p:clrMapOvr>
+</p:notes>
+</file>
+
+<file path=ppt/notesSlides/notesSlide20.xml><?xml version="1.0" encoding="utf-8"?>
+<p:notes xmlns:a="http://schemas.openxmlformats.org/drawingml/2006/main" xmlns:r="http://schemas.openxmlformats.org/officeDocument/2006/relationships" xmlns:p="http://schemas.openxmlformats.org/presentationml/2006/main">
+  <p:cSld>
+    <p:spTree>
+      <p:nvGrpSpPr>
+        <p:cNvPr id="1" name=""/>
+        <p:cNvGrpSpPr/>
+        <p:nvPr/>
+      </p:nvGrpSpPr>
+      <p:grpSpPr>
+        <a:xfrm>
+          <a:off x="0" y="0"/>
+          <a:ext cx="0" cy="0"/>
+          <a:chOff x="0" y="0"/>
+          <a:chExt cx="0" cy="0"/>
+        </a:xfrm>
+      </p:grpSpPr>
+      <p:sp>
+        <p:nvSpPr>
+          <p:cNvPr id="2" name="Diakép helye 1"/>
+          <p:cNvSpPr>
+            <a:spLocks noGrp="1" noRot="1" noChangeAspect="1"/>
+          </p:cNvSpPr>
+          <p:nvPr>
+            <p:ph type="sldImg"/>
+          </p:nvPr>
+        </p:nvSpPr>
+        <p:spPr/>
+      </p:sp>
+      <p:sp>
+        <p:nvSpPr>
+          <p:cNvPr id="3" name="Jegyzetek helye 2"/>
+          <p:cNvSpPr>
+            <a:spLocks noGrp="1"/>
+          </p:cNvSpPr>
+          <p:nvPr>
+            <p:ph type="body" idx="1"/>
+          </p:nvPr>
+        </p:nvSpPr>
+        <p:spPr/>
+        <p:txBody>
+          <a:bodyPr/>
+          <a:lstStyle/>
+          <a:p>
+            <a:r>
+              <a:rPr lang="hu-HU" dirty="0"/>
+              <a:t>Megvalósítottunk egy '</a:t>
+            </a:r>
+            <a:r>
+              <a:rPr lang="hu-HU" dirty="0" err="1"/>
+              <a:t>OnlineKMeans</a:t>
+            </a:r>
+            <a:r>
+              <a:rPr lang="hu-HU" dirty="0"/>
+              <a:t>' algoritmust , ami gyors és pontos.</a:t>
+            </a:r>
+          </a:p>
+          <a:p>
+            <a:endParaRPr lang="hu-HU" dirty="0"/>
+          </a:p>
+          <a:p>
+            <a:r>
+              <a:rPr lang="hu-HU" dirty="0"/>
+              <a:t>Bebizonyítottuk, hogy a </a:t>
+            </a:r>
+            <a:r>
+              <a:rPr lang="hu-HU" dirty="0" err="1"/>
+              <a:t>klaszterezés</a:t>
+            </a:r>
+            <a:r>
+              <a:rPr lang="hu-HU" dirty="0"/>
+              <a:t>-alapú visszakeresés hatékony alternatívája a </a:t>
+            </a:r>
+            <a:r>
+              <a:rPr lang="hu-HU" dirty="0" err="1"/>
+              <a:t>brute-force</a:t>
+            </a:r>
+            <a:r>
+              <a:rPr lang="hu-HU" dirty="0"/>
+              <a:t> keresésnek, hasonló pontosságot nyújt jelentősen gyorsabb keresési idő mellett.</a:t>
+            </a:r>
+          </a:p>
+          <a:p>
+            <a:r>
+              <a:rPr lang="hu-HU" dirty="0"/>
+              <a:t>Képes felvenni a versenyt bizonyos helyzetekben a FAISS indexszel.</a:t>
+            </a:r>
+          </a:p>
+          <a:p>
+            <a:endParaRPr lang="hu-HU" dirty="0"/>
+          </a:p>
+          <a:p>
+            <a:endParaRPr lang="hu-HU" dirty="0"/>
+          </a:p>
+          <a:p>
+            <a:r>
+              <a:rPr lang="hu-HU" dirty="0"/>
+              <a:t>Az </a:t>
+            </a:r>
+            <a:r>
+              <a:rPr lang="hu-HU" dirty="0" err="1"/>
+              <a:t>OnlineKMeans</a:t>
+            </a:r>
+            <a:r>
+              <a:rPr lang="hu-HU" dirty="0"/>
+              <a:t> kiválóan alkalmas az újonnan érkező dokumentumok gyors és hatékony integrálására.</a:t>
+            </a:r>
+          </a:p>
+          <a:p>
+            <a:endParaRPr lang="hu-HU" dirty="0"/>
+          </a:p>
+          <a:p>
+            <a:endParaRPr lang="hu-HU" dirty="0"/>
+          </a:p>
+          <a:p>
+            <a:r>
+              <a:rPr lang="hu-HU" dirty="0"/>
+              <a:t>Jövőbeli fejlesztésként az algoritmust kiegészíthetjük azzal, hogy ne csak összevonni tudjon klasztereket, hanem a túl nagy szórású klasztereket automatikusan fel is bontsa.</a:t>
+            </a:r>
+          </a:p>
+        </p:txBody>
+      </p:sp>
+      <p:sp>
+        <p:nvSpPr>
+          <p:cNvPr id="4" name="Dia számának helye 3"/>
+          <p:cNvSpPr>
+            <a:spLocks noGrp="1"/>
+          </p:cNvSpPr>
+          <p:nvPr>
+            <p:ph type="sldNum" sz="quarter" idx="5"/>
+          </p:nvPr>
+        </p:nvSpPr>
+        <p:spPr/>
+        <p:txBody>
+          <a:bodyPr/>
+          <a:lstStyle/>
+          <a:p>
+            <a:fld id="{FEBF544B-8942-4253-A6F4-42DBF943B8C6}" type="slidenum">
+              <a:rPr lang="hu-HU" smtClean="0"/>
+              <a:t>20</a:t>
+            </a:fld>
+            <a:endParaRPr lang="hu-HU"/>
+          </a:p>
+        </p:txBody>
+      </p:sp>
+    </p:spTree>
+    <p:extLst>
+      <p:ext uri="{BB962C8B-B14F-4D97-AF65-F5344CB8AC3E}">
+        <p14:creationId xmlns:p14="http://schemas.microsoft.com/office/powerpoint/2010/main" val="3139540107"/>
+      </p:ext>
+    </p:extLst>
+  </p:cSld>
+  <p:clrMapOvr>
+    <a:masterClrMapping/>
+  </p:clrMapOvr>
+</p:notes>
+</file>
+
+<file path=ppt/notesSlides/notesSlide21.xml><?xml version="1.0" encoding="utf-8"?>
+<p:notes xmlns:a="http://schemas.openxmlformats.org/drawingml/2006/main" xmlns:r="http://schemas.openxmlformats.org/officeDocument/2006/relationships" xmlns:p="http://schemas.openxmlformats.org/presentationml/2006/main">
+  <p:cSld>
+    <p:spTree>
+      <p:nvGrpSpPr>
+        <p:cNvPr id="1" name=""/>
+        <p:cNvGrpSpPr/>
+        <p:nvPr/>
+      </p:nvGrpSpPr>
+      <p:grpSpPr>
+        <a:xfrm>
+          <a:off x="0" y="0"/>
+          <a:ext cx="0" cy="0"/>
+          <a:chOff x="0" y="0"/>
+          <a:chExt cx="0" cy="0"/>
+        </a:xfrm>
+      </p:grpSpPr>
+      <p:sp>
+        <p:nvSpPr>
+          <p:cNvPr id="2" name="Diakép helye 1"/>
+          <p:cNvSpPr>
+            <a:spLocks noGrp="1" noRot="1" noChangeAspect="1"/>
+          </p:cNvSpPr>
+          <p:nvPr>
+            <p:ph type="sldImg"/>
+          </p:nvPr>
+        </p:nvSpPr>
+        <p:spPr/>
+      </p:sp>
+      <p:sp>
+        <p:nvSpPr>
+          <p:cNvPr id="3" name="Jegyzetek helye 2"/>
+          <p:cNvSpPr>
+            <a:spLocks noGrp="1"/>
+          </p:cNvSpPr>
+          <p:nvPr>
+            <p:ph type="body" idx="1"/>
+          </p:nvPr>
+        </p:nvSpPr>
+        <p:spPr/>
+        <p:txBody>
+          <a:bodyPr/>
+          <a:lstStyle/>
+          <a:p>
+            <a:r>
+              <a:rPr lang="hu-HU" dirty="0"/>
+              <a:t>Köszönöm szépen a figyelmet! </a:t>
+            </a:r>
+          </a:p>
+          <a:p>
+            <a:endParaRPr lang="hu-HU" dirty="0"/>
+          </a:p>
+          <a:p>
+            <a:r>
+              <a:rPr lang="hu-HU" dirty="0"/>
+              <a:t>Várom </a:t>
+            </a:r>
+            <a:r>
+              <a:rPr lang="hu-HU"/>
+              <a:t>a kérdéseket.</a:t>
+            </a:r>
+          </a:p>
+        </p:txBody>
+      </p:sp>
+      <p:sp>
+        <p:nvSpPr>
+          <p:cNvPr id="4" name="Dia számának helye 3"/>
+          <p:cNvSpPr>
+            <a:spLocks noGrp="1"/>
+          </p:cNvSpPr>
+          <p:nvPr>
+            <p:ph type="sldNum" sz="quarter" idx="5"/>
+          </p:nvPr>
+        </p:nvSpPr>
+        <p:spPr/>
+        <p:txBody>
+          <a:bodyPr/>
+          <a:lstStyle/>
+          <a:p>
+            <a:fld id="{FEBF544B-8942-4253-A6F4-42DBF943B8C6}" type="slidenum">
+              <a:rPr lang="hu-HU" smtClean="0"/>
+              <a:t>21</a:t>
+            </a:fld>
+            <a:endParaRPr lang="hu-HU"/>
+          </a:p>
+        </p:txBody>
+      </p:sp>
+    </p:spTree>
+    <p:extLst>
+      <p:ext uri="{BB962C8B-B14F-4D97-AF65-F5344CB8AC3E}">
+        <p14:creationId xmlns:p14="http://schemas.microsoft.com/office/powerpoint/2010/main" val="2781281872"/>
+      </p:ext>
+    </p:extLst>
+  </p:cSld>
+  <p:clrMapOvr>
+    <a:masterClrMapping/>
+  </p:clrMapOvr>
+</p:notes>
+</file>
+
+<file path=ppt/notesSlides/notesSlide3.xml><?xml version="1.0" encoding="utf-8"?>
+<p:notes xmlns:a="http://schemas.openxmlformats.org/drawingml/2006/main" xmlns:r="http://schemas.openxmlformats.org/officeDocument/2006/relationships" xmlns:p="http://schemas.openxmlformats.org/presentationml/2006/main">
+  <p:cSld>
+    <p:spTree>
+      <p:nvGrpSpPr>
+        <p:cNvPr id="1" name=""/>
+        <p:cNvGrpSpPr/>
+        <p:nvPr/>
+      </p:nvGrpSpPr>
+      <p:grpSpPr>
+        <a:xfrm>
+          <a:off x="0" y="0"/>
+          <a:ext cx="0" cy="0"/>
+          <a:chOff x="0" y="0"/>
+          <a:chExt cx="0" cy="0"/>
+        </a:xfrm>
+      </p:grpSpPr>
+      <p:sp>
+        <p:nvSpPr>
+          <p:cNvPr id="2" name="Diakép helye 1"/>
+          <p:cNvSpPr>
+            <a:spLocks noGrp="1" noRot="1" noChangeAspect="1"/>
+          </p:cNvSpPr>
+          <p:nvPr>
+            <p:ph type="sldImg"/>
+          </p:nvPr>
+        </p:nvSpPr>
+        <p:spPr/>
+      </p:sp>
+      <p:sp>
+        <p:nvSpPr>
+          <p:cNvPr id="3" name="Jegyzetek helye 2"/>
+          <p:cNvSpPr>
+            <a:spLocks noGrp="1"/>
+          </p:cNvSpPr>
+          <p:nvPr>
+            <p:ph type="body" idx="1"/>
+          </p:nvPr>
+        </p:nvSpPr>
+        <p:spPr/>
+        <p:txBody>
+          <a:bodyPr/>
+          <a:lstStyle/>
+          <a:p>
+            <a:r>
+              <a:rPr lang="hu-HU" dirty="0"/>
+              <a:t>A munkám során a </a:t>
+            </a:r>
+            <a:r>
+              <a:rPr lang="hu-HU" dirty="0" err="1"/>
+              <a:t>SQuAD</a:t>
+            </a:r>
+            <a:r>
+              <a:rPr lang="hu-HU" dirty="0"/>
+              <a:t>, vagyis a Stanford </a:t>
+            </a:r>
+            <a:r>
+              <a:rPr lang="hu-HU" dirty="0" err="1"/>
+              <a:t>Question</a:t>
+            </a:r>
+            <a:r>
+              <a:rPr lang="hu-HU" dirty="0"/>
+              <a:t> </a:t>
+            </a:r>
+            <a:r>
+              <a:rPr lang="hu-HU" dirty="0" err="1"/>
+              <a:t>Answering</a:t>
+            </a:r>
+            <a:r>
+              <a:rPr lang="hu-HU" dirty="0"/>
+              <a:t> </a:t>
+            </a:r>
+            <a:r>
+              <a:rPr lang="hu-HU" dirty="0" err="1"/>
+              <a:t>Datasetet</a:t>
+            </a:r>
+            <a:r>
+              <a:rPr lang="hu-HU" dirty="0"/>
+              <a:t> használtam, amely szövegeket és hozzájuk tartozó kérdéseket tartalmaz.</a:t>
+            </a:r>
+          </a:p>
+          <a:p>
+            <a:endParaRPr lang="hu-HU" dirty="0"/>
+          </a:p>
+          <a:p>
+            <a:r>
+              <a:rPr lang="hu-HU" dirty="0"/>
+              <a:t>Az adatok előfeldolgozása két fő lépésből állt:</a:t>
+            </a:r>
+          </a:p>
+          <a:p>
+            <a:r>
+              <a:rPr lang="hu-HU" dirty="0"/>
+              <a:t>	1. Először egy általános szövegtisztítást végeztem.</a:t>
+            </a:r>
+          </a:p>
+          <a:p>
+            <a:r>
+              <a:rPr lang="hu-HU" dirty="0"/>
+              <a:t>	2. Ezután '</a:t>
+            </a:r>
+            <a:r>
+              <a:rPr lang="hu-HU" dirty="0" err="1"/>
+              <a:t>Semantic</a:t>
+            </a:r>
+            <a:r>
+              <a:rPr lang="hu-HU" dirty="0"/>
+              <a:t> </a:t>
+            </a:r>
+            <a:r>
+              <a:rPr lang="hu-HU" dirty="0" err="1"/>
+              <a:t>Chunking</a:t>
+            </a:r>
+            <a:r>
+              <a:rPr lang="hu-HU" dirty="0"/>
+              <a:t>'-ot, vagyis szemantikus darabolást alkalmaztam. Ez azért fontos, mert nem csak fix méretű darabokra vágjuk a szöveget, hanem megpróbáljuk a logikailag összetartozó 	 	részeket egyben tartani. Ez nagyban segíti a későbbi visszakeresés pontosságát.</a:t>
+            </a:r>
+          </a:p>
+        </p:txBody>
+      </p:sp>
+      <p:sp>
+        <p:nvSpPr>
+          <p:cNvPr id="4" name="Dia számának helye 3"/>
+          <p:cNvSpPr>
+            <a:spLocks noGrp="1"/>
+          </p:cNvSpPr>
+          <p:nvPr>
+            <p:ph type="sldNum" sz="quarter" idx="5"/>
+          </p:nvPr>
+        </p:nvSpPr>
+        <p:spPr/>
+        <p:txBody>
+          <a:bodyPr/>
+          <a:lstStyle/>
+          <a:p>
+            <a:fld id="{FEBF544B-8942-4253-A6F4-42DBF943B8C6}" type="slidenum">
+              <a:rPr lang="hu-HU" smtClean="0"/>
+              <a:t>3</a:t>
+            </a:fld>
+            <a:endParaRPr lang="hu-HU"/>
+          </a:p>
+        </p:txBody>
+      </p:sp>
+    </p:spTree>
+    <p:extLst>
+      <p:ext uri="{BB962C8B-B14F-4D97-AF65-F5344CB8AC3E}">
+        <p14:creationId xmlns:p14="http://schemas.microsoft.com/office/powerpoint/2010/main" val="1396004850"/>
+      </p:ext>
+    </p:extLst>
+  </p:cSld>
+  <p:clrMapOvr>
+    <a:masterClrMapping/>
+  </p:clrMapOvr>
+</p:notes>
+</file>
+
+<file path=ppt/notesSlides/notesSlide4.xml><?xml version="1.0" encoding="utf-8"?>
+<p:notes xmlns:a="http://schemas.openxmlformats.org/drawingml/2006/main" xmlns:r="http://schemas.openxmlformats.org/officeDocument/2006/relationships" xmlns:p="http://schemas.openxmlformats.org/presentationml/2006/main">
+  <p:cSld>
+    <p:spTree>
+      <p:nvGrpSpPr>
+        <p:cNvPr id="1" name=""/>
+        <p:cNvGrpSpPr/>
+        <p:nvPr/>
+      </p:nvGrpSpPr>
+      <p:grpSpPr>
+        <a:xfrm>
+          <a:off x="0" y="0"/>
+          <a:ext cx="0" cy="0"/>
+          <a:chOff x="0" y="0"/>
+          <a:chExt cx="0" cy="0"/>
+        </a:xfrm>
+      </p:grpSpPr>
+      <p:sp>
+        <p:nvSpPr>
+          <p:cNvPr id="2" name="Diakép helye 1"/>
+          <p:cNvSpPr>
+            <a:spLocks noGrp="1" noRot="1" noChangeAspect="1"/>
+          </p:cNvSpPr>
+          <p:nvPr>
+            <p:ph type="sldImg"/>
+          </p:nvPr>
+        </p:nvSpPr>
+        <p:spPr/>
+      </p:sp>
+      <p:sp>
+        <p:nvSpPr>
+          <p:cNvPr id="3" name="Jegyzetek helye 2"/>
+          <p:cNvSpPr>
+            <a:spLocks noGrp="1"/>
+          </p:cNvSpPr>
+          <p:nvPr>
+            <p:ph type="body" idx="1"/>
+          </p:nvPr>
+        </p:nvSpPr>
+        <p:spPr/>
+        <p:txBody>
+          <a:bodyPr/>
+          <a:lstStyle/>
+          <a:p>
+            <a:r>
+              <a:rPr lang="hu-HU" dirty="0"/>
+              <a:t>Miután megvannak a szövegdarabok, azokat 'vektoros reprezentációvá' kell alakítani. Ezt nevezzük szövegbeágyazásnak vagy más szóval </a:t>
+            </a:r>
+            <a:r>
+              <a:rPr lang="hu-HU" dirty="0" err="1"/>
+              <a:t>embedding-nek</a:t>
+            </a:r>
+            <a:r>
+              <a:rPr lang="hu-HU" dirty="0"/>
+              <a:t>.</a:t>
+            </a:r>
+          </a:p>
+          <a:p>
+            <a:endParaRPr lang="hu-HU" dirty="0"/>
+          </a:p>
+          <a:p>
+            <a:r>
+              <a:rPr lang="hu-HU" dirty="0"/>
+              <a:t>Egy </a:t>
+            </a:r>
+            <a:r>
+              <a:rPr lang="hu-HU" dirty="0" err="1"/>
+              <a:t>embedding</a:t>
+            </a:r>
+            <a:r>
+              <a:rPr lang="hu-HU" dirty="0"/>
+              <a:t> modell minden szövegrészlethez hozzárendel egy több száz dimenziós vektort. A modell lényege, hogy a hasonló jelentésű szövegek (mint pl. '</a:t>
+            </a:r>
+            <a:r>
+              <a:rPr lang="hu-HU" dirty="0" err="1"/>
+              <a:t>cat</a:t>
+            </a:r>
+            <a:r>
+              <a:rPr lang="hu-HU" dirty="0"/>
+              <a:t>' és 'kitten') közel kerülnek egymáshoz ebben a vektortérben, míg az eltérő jelentésűek (mint '</a:t>
+            </a:r>
+            <a:r>
+              <a:rPr lang="hu-HU" dirty="0" err="1"/>
+              <a:t>cat</a:t>
+            </a:r>
+            <a:r>
+              <a:rPr lang="hu-HU" dirty="0"/>
+              <a:t>' és '</a:t>
+            </a:r>
+            <a:r>
+              <a:rPr lang="hu-HU" dirty="0" err="1"/>
+              <a:t>houses</a:t>
+            </a:r>
+            <a:r>
+              <a:rPr lang="hu-HU" dirty="0"/>
+              <a:t>') távol.</a:t>
+            </a:r>
+          </a:p>
+          <a:p>
+            <a:endParaRPr lang="hu-HU" dirty="0"/>
+          </a:p>
+          <a:p>
+            <a:r>
+              <a:rPr lang="hu-HU" dirty="0"/>
+              <a:t>Én két modellt vizsgáltam: egy kisebb, 384 dimenziós '</a:t>
+            </a:r>
+            <a:r>
+              <a:rPr lang="hu-HU" dirty="0" err="1"/>
+              <a:t>all-MiniLM</a:t>
+            </a:r>
+            <a:r>
+              <a:rPr lang="hu-HU" dirty="0"/>
+              <a:t>' modellt, és egy nagyobb, 1024 dimenziós '</a:t>
+            </a:r>
+            <a:r>
+              <a:rPr lang="hu-HU" dirty="0" err="1"/>
+              <a:t>Snowflake</a:t>
+            </a:r>
+            <a:r>
+              <a:rPr lang="hu-HU" dirty="0"/>
+              <a:t> </a:t>
+            </a:r>
+            <a:r>
+              <a:rPr lang="hu-HU" dirty="0" err="1"/>
+              <a:t>Arctic-embed</a:t>
+            </a:r>
+            <a:r>
+              <a:rPr lang="hu-HU" dirty="0"/>
+              <a:t>' modellt.</a:t>
+            </a:r>
+          </a:p>
+        </p:txBody>
+      </p:sp>
+      <p:sp>
+        <p:nvSpPr>
+          <p:cNvPr id="4" name="Dia számának helye 3"/>
+          <p:cNvSpPr>
+            <a:spLocks noGrp="1"/>
+          </p:cNvSpPr>
+          <p:nvPr>
+            <p:ph type="sldNum" sz="quarter" idx="5"/>
+          </p:nvPr>
+        </p:nvSpPr>
+        <p:spPr/>
+        <p:txBody>
+          <a:bodyPr/>
+          <a:lstStyle/>
+          <a:p>
+            <a:fld id="{FEBF544B-8942-4253-A6F4-42DBF943B8C6}" type="slidenum">
+              <a:rPr lang="hu-HU" smtClean="0"/>
+              <a:t>4</a:t>
+            </a:fld>
+            <a:endParaRPr lang="hu-HU"/>
+          </a:p>
+        </p:txBody>
+      </p:sp>
+    </p:spTree>
+    <p:extLst>
+      <p:ext uri="{BB962C8B-B14F-4D97-AF65-F5344CB8AC3E}">
+        <p14:creationId xmlns:p14="http://schemas.microsoft.com/office/powerpoint/2010/main" val="4054069239"/>
+      </p:ext>
+    </p:extLst>
+  </p:cSld>
+  <p:clrMapOvr>
+    <a:masterClrMapping/>
+  </p:clrMapOvr>
+</p:notes>
+</file>
+
+<file path=ppt/notesSlides/notesSlide5.xml><?xml version="1.0" encoding="utf-8"?>
+<p:notes xmlns:a="http://schemas.openxmlformats.org/drawingml/2006/main" xmlns:r="http://schemas.openxmlformats.org/officeDocument/2006/relationships" xmlns:p="http://schemas.openxmlformats.org/presentationml/2006/main">
+  <p:cSld>
+    <p:spTree>
+      <p:nvGrpSpPr>
+        <p:cNvPr id="1" name=""/>
+        <p:cNvGrpSpPr/>
+        <p:nvPr/>
+      </p:nvGrpSpPr>
+      <p:grpSpPr>
+        <a:xfrm>
+          <a:off x="0" y="0"/>
+          <a:ext cx="0" cy="0"/>
+          <a:chOff x="0" y="0"/>
+          <a:chExt cx="0" cy="0"/>
+        </a:xfrm>
+      </p:grpSpPr>
+      <p:sp>
+        <p:nvSpPr>
+          <p:cNvPr id="2" name="Diakép helye 1"/>
+          <p:cNvSpPr>
+            <a:spLocks noGrp="1" noRot="1" noChangeAspect="1"/>
+          </p:cNvSpPr>
+          <p:nvPr>
+            <p:ph type="sldImg"/>
+          </p:nvPr>
+        </p:nvSpPr>
+        <p:spPr/>
+      </p:sp>
+      <p:sp>
+        <p:nvSpPr>
+          <p:cNvPr id="3" name="Jegyzetek helye 2"/>
+          <p:cNvSpPr>
+            <a:spLocks noGrp="1"/>
+          </p:cNvSpPr>
+          <p:nvPr>
+            <p:ph type="body" idx="1"/>
+          </p:nvPr>
+        </p:nvSpPr>
+        <p:spPr/>
+        <p:txBody>
+          <a:bodyPr/>
+          <a:lstStyle/>
+          <a:p>
+            <a:r>
+              <a:rPr lang="hu-HU" dirty="0"/>
+              <a:t>Különböző hasonlóságmérési technikák léteznek, hogy ebben a vektortérben közelséget lehessen vizsgálni.</a:t>
+            </a:r>
+          </a:p>
+          <a:p>
+            <a:endParaRPr lang="hu-HU" dirty="0"/>
+          </a:p>
+          <a:p>
+            <a:r>
+              <a:rPr lang="hu-HU" dirty="0"/>
+              <a:t>A két leggyakoribb a </a:t>
+            </a:r>
+            <a:r>
+              <a:rPr lang="hu-HU" b="1" dirty="0"/>
+              <a:t>Koszinusz hasonlóság</a:t>
+            </a:r>
+            <a:r>
+              <a:rPr lang="hu-HU" dirty="0"/>
+              <a:t> , ami a két vektor által bezárt szöget méri.</a:t>
+            </a:r>
+          </a:p>
+          <a:p>
+            <a:endParaRPr lang="hu-HU" dirty="0"/>
+          </a:p>
+          <a:p>
+            <a:r>
+              <a:rPr lang="hu-HU" dirty="0"/>
+              <a:t>és az </a:t>
+            </a:r>
+            <a:r>
+              <a:rPr lang="hu-HU" b="1" dirty="0"/>
+              <a:t>Euklideszi távolság</a:t>
+            </a:r>
+            <a:r>
+              <a:rPr lang="hu-HU" dirty="0"/>
+              <a:t>, ami a két vektorvégpont közötti egyenes távolságot méri.</a:t>
+            </a:r>
+          </a:p>
+          <a:p>
+            <a:endParaRPr lang="hu-HU" dirty="0"/>
+          </a:p>
+          <a:p>
+            <a:r>
+              <a:rPr lang="hu-HU" dirty="0"/>
+              <a:t>Magas dimenziós vektor terekben a koszinusz hasonlóság használata a gyakoribb.</a:t>
+            </a:r>
+          </a:p>
+        </p:txBody>
+      </p:sp>
+      <p:sp>
+        <p:nvSpPr>
+          <p:cNvPr id="4" name="Dia számának helye 3"/>
+          <p:cNvSpPr>
+            <a:spLocks noGrp="1"/>
+          </p:cNvSpPr>
+          <p:nvPr>
+            <p:ph type="sldNum" sz="quarter" idx="5"/>
+          </p:nvPr>
+        </p:nvSpPr>
+        <p:spPr/>
+        <p:txBody>
+          <a:bodyPr/>
+          <a:lstStyle/>
+          <a:p>
+            <a:fld id="{FEBF544B-8942-4253-A6F4-42DBF943B8C6}" type="slidenum">
+              <a:rPr lang="hu-HU" smtClean="0"/>
+              <a:t>5</a:t>
+            </a:fld>
+            <a:endParaRPr lang="hu-HU"/>
+          </a:p>
+        </p:txBody>
+      </p:sp>
+    </p:spTree>
+    <p:extLst>
+      <p:ext uri="{BB962C8B-B14F-4D97-AF65-F5344CB8AC3E}">
+        <p14:creationId xmlns:p14="http://schemas.microsoft.com/office/powerpoint/2010/main" val="1085938812"/>
+      </p:ext>
+    </p:extLst>
+  </p:cSld>
+  <p:clrMapOvr>
+    <a:masterClrMapping/>
+  </p:clrMapOvr>
+</p:notes>
+</file>
+
+<file path=ppt/notesSlides/notesSlide6.xml><?xml version="1.0" encoding="utf-8"?>
+<p:notes xmlns:a="http://schemas.openxmlformats.org/drawingml/2006/main" xmlns:r="http://schemas.openxmlformats.org/officeDocument/2006/relationships" xmlns:p="http://schemas.openxmlformats.org/presentationml/2006/main">
+  <p:cSld>
+    <p:spTree>
+      <p:nvGrpSpPr>
+        <p:cNvPr id="1" name=""/>
+        <p:cNvGrpSpPr/>
+        <p:nvPr/>
+      </p:nvGrpSpPr>
+      <p:grpSpPr>
+        <a:xfrm>
+          <a:off x="0" y="0"/>
+          <a:ext cx="0" cy="0"/>
+          <a:chOff x="0" y="0"/>
+          <a:chExt cx="0" cy="0"/>
+        </a:xfrm>
+      </p:grpSpPr>
+      <p:sp>
+        <p:nvSpPr>
+          <p:cNvPr id="2" name="Diakép helye 1"/>
+          <p:cNvSpPr>
+            <a:spLocks noGrp="1" noRot="1" noChangeAspect="1"/>
+          </p:cNvSpPr>
+          <p:nvPr>
+            <p:ph type="sldImg"/>
+          </p:nvPr>
+        </p:nvSpPr>
+        <p:spPr/>
+      </p:sp>
+      <p:sp>
+        <p:nvSpPr>
+          <p:cNvPr id="3" name="Jegyzetek helye 2"/>
+          <p:cNvSpPr>
+            <a:spLocks noGrp="1"/>
+          </p:cNvSpPr>
+          <p:nvPr>
+            <p:ph type="body" idx="1"/>
+          </p:nvPr>
+        </p:nvSpPr>
+        <p:spPr/>
+        <p:txBody>
+          <a:bodyPr/>
+          <a:lstStyle/>
+          <a:p>
+            <a:r>
+              <a:rPr lang="hu-HU" dirty="0"/>
+              <a:t>És itt érkezünk el a kutatásom központi problémájához. Az alapértelmezett megközelítés a '</a:t>
+            </a:r>
+            <a:r>
+              <a:rPr lang="hu-HU" dirty="0" err="1"/>
+              <a:t>Brute</a:t>
+            </a:r>
+            <a:r>
+              <a:rPr lang="hu-HU" dirty="0"/>
+              <a:t> </a:t>
+            </a:r>
+            <a:r>
+              <a:rPr lang="hu-HU" dirty="0" err="1"/>
+              <a:t>force</a:t>
+            </a:r>
+            <a:r>
+              <a:rPr lang="hu-HU" dirty="0"/>
+              <a:t>' keresés. Ez azt jelenti, hogy minden egyes felhasználói kérdésnél a rendszer a kérdés </a:t>
+            </a:r>
+            <a:r>
+              <a:rPr lang="hu-HU" dirty="0" err="1"/>
+              <a:t>vektorát</a:t>
+            </a:r>
+            <a:r>
+              <a:rPr lang="hu-HU" dirty="0"/>
+              <a:t> összehasonlítja az adatbázisban lévő </a:t>
+            </a:r>
+            <a:r>
+              <a:rPr lang="hu-HU" i="1" dirty="0"/>
+              <a:t>összes</a:t>
+            </a:r>
+            <a:r>
+              <a:rPr lang="hu-HU" dirty="0"/>
+              <a:t> (akár több millió) szövegdarab </a:t>
+            </a:r>
+            <a:r>
+              <a:rPr lang="hu-HU" dirty="0" err="1"/>
+              <a:t>vektorával</a:t>
+            </a:r>
+            <a:r>
+              <a:rPr lang="hu-HU" dirty="0"/>
+              <a:t>. Ez rendkívül pontos, de nagyon lassú és számításigényes.</a:t>
+            </a:r>
+          </a:p>
+          <a:p>
+            <a:endParaRPr lang="hu-HU" dirty="0"/>
+          </a:p>
+          <a:p>
+            <a:r>
+              <a:rPr lang="hu-HU" dirty="0"/>
+              <a:t>Az én javasolt módszerem a </a:t>
+            </a:r>
+            <a:r>
+              <a:rPr lang="hu-HU" dirty="0" err="1"/>
+              <a:t>klaszterezésen</a:t>
+            </a:r>
+            <a:r>
+              <a:rPr lang="hu-HU" dirty="0"/>
+              <a:t> alapul.</a:t>
+            </a:r>
+          </a:p>
+          <a:p>
+            <a:endParaRPr lang="hu-HU" dirty="0"/>
+          </a:p>
+          <a:p>
+            <a:pPr marL="228600" indent="-228600">
+              <a:buAutoNum type="arabicPeriod"/>
+            </a:pPr>
+            <a:r>
+              <a:rPr lang="hu-HU" dirty="0"/>
+              <a:t>Először is, az összes </a:t>
+            </a:r>
+            <a:r>
+              <a:rPr lang="hu-HU" dirty="0" err="1"/>
+              <a:t>embedding</a:t>
+            </a:r>
+            <a:r>
+              <a:rPr lang="hu-HU" dirty="0"/>
+              <a:t> vektort előre </a:t>
+            </a:r>
+            <a:r>
+              <a:rPr lang="hu-HU" dirty="0" err="1"/>
+              <a:t>klaszterezzük</a:t>
+            </a:r>
+            <a:r>
+              <a:rPr lang="hu-HU" dirty="0"/>
+              <a:t>.</a:t>
+            </a:r>
+          </a:p>
+          <a:p>
+            <a:pPr marL="228600" indent="-228600">
+              <a:buAutoNum type="arabicPeriod"/>
+            </a:pPr>
+            <a:endParaRPr lang="hu-HU" dirty="0"/>
+          </a:p>
+          <a:p>
+            <a:r>
+              <a:rPr lang="hu-HU" dirty="0"/>
+              <a:t>2. Amikor bejön egy kérdés, először csak a klaszterek középpontjaihoz hasonlítjuk. Ez egy nagyon gyors keresés, mert mondjuk 10 millió vektor helyett csak 500 </a:t>
+            </a:r>
+            <a:r>
+              <a:rPr lang="hu-HU" dirty="0" err="1"/>
+              <a:t>centroidot</a:t>
+            </a:r>
+            <a:r>
+              <a:rPr lang="hu-HU" dirty="0"/>
+              <a:t> kell vizsgálni.</a:t>
+            </a:r>
+          </a:p>
+          <a:p>
+            <a:endParaRPr lang="hu-HU" dirty="0"/>
+          </a:p>
+          <a:p>
+            <a:r>
+              <a:rPr lang="hu-HU" dirty="0"/>
+              <a:t>3. Miután megtaláltuk a legrelevánsabb klasztereket, a részletes, lassabb keresést már </a:t>
+            </a:r>
+            <a:r>
+              <a:rPr lang="hu-HU" i="1" dirty="0"/>
+              <a:t>csak</a:t>
+            </a:r>
+            <a:r>
+              <a:rPr lang="hu-HU" dirty="0"/>
+              <a:t> ezeken a klasztereken belül végezzük el.</a:t>
+            </a:r>
+          </a:p>
+          <a:p>
+            <a:endParaRPr lang="hu-HU" dirty="0"/>
+          </a:p>
+          <a:p>
+            <a:r>
+              <a:rPr lang="hu-HU" dirty="0"/>
+              <a:t>Ez drasztikusan lecsökkenti a keresési teret. Fontos kihívás volt továbbá az újonnan érkező dokumentumok gyors integrálása is.</a:t>
+            </a:r>
+          </a:p>
+        </p:txBody>
+      </p:sp>
+      <p:sp>
+        <p:nvSpPr>
+          <p:cNvPr id="4" name="Dia számának helye 3"/>
+          <p:cNvSpPr>
+            <a:spLocks noGrp="1"/>
+          </p:cNvSpPr>
+          <p:nvPr>
+            <p:ph type="sldNum" sz="quarter" idx="5"/>
+          </p:nvPr>
+        </p:nvSpPr>
+        <p:spPr/>
+        <p:txBody>
+          <a:bodyPr/>
+          <a:lstStyle/>
+          <a:p>
+            <a:fld id="{FEBF544B-8942-4253-A6F4-42DBF943B8C6}" type="slidenum">
+              <a:rPr lang="hu-HU" smtClean="0"/>
+              <a:t>6</a:t>
+            </a:fld>
+            <a:endParaRPr lang="hu-HU"/>
+          </a:p>
+        </p:txBody>
+      </p:sp>
+    </p:spTree>
+    <p:extLst>
+      <p:ext uri="{BB962C8B-B14F-4D97-AF65-F5344CB8AC3E}">
+        <p14:creationId xmlns:p14="http://schemas.microsoft.com/office/powerpoint/2010/main" val="2761711622"/>
+      </p:ext>
+    </p:extLst>
+  </p:cSld>
+  <p:clrMapOvr>
+    <a:masterClrMapping/>
+  </p:clrMapOvr>
+</p:notes>
+</file>
+
+<file path=ppt/notesSlides/notesSlide7.xml><?xml version="1.0" encoding="utf-8"?>
+<p:notes xmlns:a="http://schemas.openxmlformats.org/drawingml/2006/main" xmlns:r="http://schemas.openxmlformats.org/officeDocument/2006/relationships" xmlns:p="http://schemas.openxmlformats.org/presentationml/2006/main">
+  <p:cSld>
+    <p:spTree>
+      <p:nvGrpSpPr>
+        <p:cNvPr id="1" name=""/>
+        <p:cNvGrpSpPr/>
+        <p:nvPr/>
+      </p:nvGrpSpPr>
+      <p:grpSpPr>
+        <a:xfrm>
+          <a:off x="0" y="0"/>
+          <a:ext cx="0" cy="0"/>
+          <a:chOff x="0" y="0"/>
+          <a:chExt cx="0" cy="0"/>
+        </a:xfrm>
+      </p:grpSpPr>
+      <p:sp>
+        <p:nvSpPr>
+          <p:cNvPr id="2" name="Diakép helye 1"/>
+          <p:cNvSpPr>
+            <a:spLocks noGrp="1" noRot="1" noChangeAspect="1"/>
+          </p:cNvSpPr>
+          <p:nvPr>
+            <p:ph type="sldImg"/>
+          </p:nvPr>
+        </p:nvSpPr>
+        <p:spPr/>
+      </p:sp>
+      <p:sp>
+        <p:nvSpPr>
+          <p:cNvPr id="3" name="Jegyzetek helye 2"/>
+          <p:cNvSpPr>
+            <a:spLocks noGrp="1"/>
+          </p:cNvSpPr>
+          <p:nvPr>
+            <p:ph type="body" idx="1"/>
+          </p:nvPr>
+        </p:nvSpPr>
+        <p:spPr/>
+        <p:txBody>
+          <a:bodyPr/>
+          <a:lstStyle/>
+          <a:p>
+            <a:r>
+              <a:rPr lang="hu-HU" dirty="0"/>
+              <a:t>Ez az ábra a teljes, javasolt RAG-folyamatot mutatja be, immár a </a:t>
+            </a:r>
+            <a:r>
+              <a:rPr lang="hu-HU" dirty="0" err="1"/>
+              <a:t>klaszterezéssel</a:t>
+            </a:r>
+            <a:r>
+              <a:rPr lang="hu-HU" dirty="0"/>
+              <a:t> kiegészítve.</a:t>
+            </a:r>
+          </a:p>
+          <a:p>
+            <a:endParaRPr lang="hu-HU" dirty="0"/>
+          </a:p>
+          <a:p>
+            <a:r>
+              <a:rPr lang="hu-HU" dirty="0"/>
+              <a:t>A '</a:t>
+            </a:r>
+            <a:r>
+              <a:rPr lang="hu-HU" dirty="0" err="1"/>
+              <a:t>User</a:t>
+            </a:r>
+            <a:r>
+              <a:rPr lang="hu-HU" dirty="0"/>
+              <a:t> </a:t>
+            </a:r>
+            <a:r>
+              <a:rPr lang="hu-HU" dirty="0" err="1"/>
+              <a:t>Query</a:t>
+            </a:r>
+            <a:r>
+              <a:rPr lang="hu-HU" dirty="0"/>
+              <a:t>' bejön, megkeressük a legjobb klasztereket, majd azokon belül a legjobb szövegrészeket, és ez megy az LLM-</a:t>
+            </a:r>
+            <a:r>
+              <a:rPr lang="hu-HU" dirty="0" err="1"/>
+              <a:t>nek</a:t>
+            </a:r>
+            <a:r>
+              <a:rPr lang="hu-HU" dirty="0"/>
+              <a:t>.</a:t>
+            </a:r>
+          </a:p>
+          <a:p>
+            <a:endParaRPr lang="hu-HU" dirty="0"/>
+          </a:p>
+          <a:p>
+            <a:r>
+              <a:rPr lang="hu-HU" dirty="0"/>
+              <a:t>Amikor új dokumentumok érkeznek, azokat feldolgozzuk, és egy online </a:t>
+            </a:r>
+            <a:r>
+              <a:rPr lang="hu-HU" dirty="0" err="1"/>
+              <a:t>klaszterezési</a:t>
+            </a:r>
+            <a:r>
+              <a:rPr lang="hu-HU" dirty="0"/>
+              <a:t> folyamat segítségével frissítjük a klasztereket a vektoradatbázisban. Ez a kulcsa a dinamikus tudásbázisnak.</a:t>
+            </a:r>
+          </a:p>
+        </p:txBody>
+      </p:sp>
+      <p:sp>
+        <p:nvSpPr>
+          <p:cNvPr id="4" name="Dia számának helye 3"/>
+          <p:cNvSpPr>
+            <a:spLocks noGrp="1"/>
+          </p:cNvSpPr>
+          <p:nvPr>
+            <p:ph type="sldNum" sz="quarter" idx="5"/>
+          </p:nvPr>
+        </p:nvSpPr>
+        <p:spPr/>
+        <p:txBody>
+          <a:bodyPr/>
+          <a:lstStyle/>
+          <a:p>
+            <a:fld id="{FEBF544B-8942-4253-A6F4-42DBF943B8C6}" type="slidenum">
+              <a:rPr lang="hu-HU" smtClean="0"/>
+              <a:t>7</a:t>
+            </a:fld>
+            <a:endParaRPr lang="hu-HU"/>
+          </a:p>
+        </p:txBody>
+      </p:sp>
+    </p:spTree>
+    <p:extLst>
+      <p:ext uri="{BB962C8B-B14F-4D97-AF65-F5344CB8AC3E}">
+        <p14:creationId xmlns:p14="http://schemas.microsoft.com/office/powerpoint/2010/main" val="3629280428"/>
+      </p:ext>
+    </p:extLst>
+  </p:cSld>
+  <p:clrMapOvr>
+    <a:masterClrMapping/>
+  </p:clrMapOvr>
+</p:notes>
+</file>
+
+<file path=ppt/notesSlides/notesSlide8.xml><?xml version="1.0" encoding="utf-8"?>
+<p:notes xmlns:a="http://schemas.openxmlformats.org/drawingml/2006/main" xmlns:r="http://schemas.openxmlformats.org/officeDocument/2006/relationships" xmlns:p="http://schemas.openxmlformats.org/presentationml/2006/main">
+  <p:cSld>
+    <p:spTree>
+      <p:nvGrpSpPr>
+        <p:cNvPr id="1" name=""/>
+        <p:cNvGrpSpPr/>
+        <p:nvPr/>
+      </p:nvGrpSpPr>
+      <p:grpSpPr>
+        <a:xfrm>
+          <a:off x="0" y="0"/>
+          <a:ext cx="0" cy="0"/>
+          <a:chOff x="0" y="0"/>
+          <a:chExt cx="0" cy="0"/>
+        </a:xfrm>
+      </p:grpSpPr>
+      <p:sp>
+        <p:nvSpPr>
+          <p:cNvPr id="2" name="Diakép helye 1"/>
+          <p:cNvSpPr>
+            <a:spLocks noGrp="1" noRot="1" noChangeAspect="1"/>
+          </p:cNvSpPr>
+          <p:nvPr>
+            <p:ph type="sldImg"/>
+          </p:nvPr>
+        </p:nvSpPr>
+        <p:spPr/>
+      </p:sp>
+      <p:sp>
+        <p:nvSpPr>
+          <p:cNvPr id="3" name="Jegyzetek helye 2"/>
+          <p:cNvSpPr>
+            <a:spLocks noGrp="1"/>
+          </p:cNvSpPr>
+          <p:nvPr>
+            <p:ph type="body" idx="1"/>
+          </p:nvPr>
+        </p:nvSpPr>
+        <p:spPr/>
+        <p:txBody>
+          <a:bodyPr/>
+          <a:lstStyle/>
+          <a:p>
+            <a:r>
+              <a:rPr lang="hu-HU" dirty="0"/>
+              <a:t>Hogyan kezeljük hatékonyan a beérkező új adatokat anélkül, hogy minden alkalommal újra kéne futtatni a teljes </a:t>
+            </a:r>
+            <a:r>
+              <a:rPr lang="hu-HU" dirty="0" err="1"/>
+              <a:t>klaszterezést</a:t>
+            </a:r>
+            <a:r>
+              <a:rPr lang="hu-HU" dirty="0"/>
+              <a:t>? Erre egy '</a:t>
+            </a:r>
+            <a:r>
+              <a:rPr lang="hu-HU" dirty="0" err="1"/>
+              <a:t>OnlineKMeans</a:t>
+            </a:r>
+            <a:r>
+              <a:rPr lang="hu-HU" dirty="0"/>
+              <a:t>' algoritmust valósítottam meg.</a:t>
+            </a:r>
+          </a:p>
+          <a:p>
+            <a:endParaRPr lang="hu-HU" dirty="0"/>
+          </a:p>
+          <a:p>
+            <a:r>
+              <a:rPr lang="hu-HU" dirty="0"/>
+              <a:t>A rendszer '</a:t>
+            </a:r>
+            <a:r>
+              <a:rPr lang="hu-HU" dirty="0" err="1"/>
+              <a:t>KMeans</a:t>
+            </a:r>
+            <a:r>
+              <a:rPr lang="hu-HU" dirty="0"/>
+              <a:t>++' inicializálással indul, majd az új adatok érkezésekor súlyozott átlagolással frissíti a </a:t>
+            </a:r>
+            <a:r>
+              <a:rPr lang="hu-HU" dirty="0" err="1"/>
+              <a:t>centroidokat</a:t>
+            </a:r>
+            <a:r>
+              <a:rPr lang="hu-HU" dirty="0"/>
+              <a:t>.</a:t>
+            </a:r>
+          </a:p>
+          <a:p>
+            <a:endParaRPr lang="hu-HU" dirty="0"/>
+          </a:p>
+          <a:p>
+            <a:r>
+              <a:rPr lang="hu-HU" dirty="0"/>
+              <a:t>Az algoritmus képes új klasztereket létrehozni , ha egy adat nagyon 'kilóg' a meglévőkből, és összevonni meglévő klasztereket, ha azok túl közel kerülnek egymáshoz.</a:t>
+            </a:r>
+          </a:p>
+          <a:p>
+            <a:endParaRPr lang="hu-HU" dirty="0"/>
+          </a:p>
+          <a:p>
+            <a:endParaRPr lang="hu-HU" dirty="0"/>
+          </a:p>
+          <a:p>
+            <a:r>
+              <a:rPr lang="hu-HU" dirty="0"/>
+              <a:t>Az ábrákon látszik, ahogy 250, 500, majd 1000 minta hozzáadásával az algoritmus fokozatosan 'megtalálja' a valódi klaszterközéppontokat.</a:t>
+            </a:r>
+          </a:p>
+        </p:txBody>
+      </p:sp>
+      <p:sp>
+        <p:nvSpPr>
+          <p:cNvPr id="4" name="Dia számának helye 3"/>
+          <p:cNvSpPr>
+            <a:spLocks noGrp="1"/>
+          </p:cNvSpPr>
+          <p:nvPr>
+            <p:ph type="sldNum" sz="quarter" idx="5"/>
+          </p:nvPr>
+        </p:nvSpPr>
+        <p:spPr/>
+        <p:txBody>
+          <a:bodyPr/>
+          <a:lstStyle/>
+          <a:p>
+            <a:fld id="{FEBF544B-8942-4253-A6F4-42DBF943B8C6}" type="slidenum">
+              <a:rPr lang="hu-HU" smtClean="0"/>
+              <a:t>8</a:t>
+            </a:fld>
+            <a:endParaRPr lang="hu-HU"/>
+          </a:p>
+        </p:txBody>
+      </p:sp>
+    </p:spTree>
+    <p:extLst>
+      <p:ext uri="{BB962C8B-B14F-4D97-AF65-F5344CB8AC3E}">
+        <p14:creationId xmlns:p14="http://schemas.microsoft.com/office/powerpoint/2010/main" val="551082719"/>
+      </p:ext>
+    </p:extLst>
+  </p:cSld>
+  <p:clrMapOvr>
+    <a:masterClrMapping/>
+  </p:clrMapOvr>
+</p:notes>
+</file>
+
+<file path=ppt/notesSlides/notesSlide9.xml><?xml version="1.0" encoding="utf-8"?>
+<p:notes xmlns:a="http://schemas.openxmlformats.org/drawingml/2006/main" xmlns:r="http://schemas.openxmlformats.org/officeDocument/2006/relationships" xmlns:p="http://schemas.openxmlformats.org/presentationml/2006/main">
+  <p:cSld>
+    <p:spTree>
+      <p:nvGrpSpPr>
+        <p:cNvPr id="1" name=""/>
+        <p:cNvGrpSpPr/>
+        <p:nvPr/>
+      </p:nvGrpSpPr>
+      <p:grpSpPr>
+        <a:xfrm>
+          <a:off x="0" y="0"/>
+          <a:ext cx="0" cy="0"/>
+          <a:chOff x="0" y="0"/>
+          <a:chExt cx="0" cy="0"/>
+        </a:xfrm>
+      </p:grpSpPr>
+      <p:sp>
+        <p:nvSpPr>
+          <p:cNvPr id="2" name="Diakép helye 1"/>
+          <p:cNvSpPr>
+            <a:spLocks noGrp="1" noRot="1" noChangeAspect="1"/>
+          </p:cNvSpPr>
+          <p:nvPr>
+            <p:ph type="sldImg"/>
+          </p:nvPr>
+        </p:nvSpPr>
+        <p:spPr/>
+      </p:sp>
+      <p:sp>
+        <p:nvSpPr>
+          <p:cNvPr id="3" name="Jegyzetek helye 2"/>
+          <p:cNvSpPr>
+            <a:spLocks noGrp="1"/>
+          </p:cNvSpPr>
+          <p:nvPr>
+            <p:ph type="body" idx="1"/>
+          </p:nvPr>
+        </p:nvSpPr>
+        <p:spPr/>
+        <p:txBody>
+          <a:bodyPr/>
+          <a:lstStyle/>
+          <a:p>
+            <a:r>
+              <a:rPr lang="hu-HU" dirty="0"/>
+              <a:t>Ezen a dián az általam implementált Online </a:t>
+            </a:r>
+            <a:r>
+              <a:rPr lang="hu-HU" dirty="0" err="1"/>
+              <a:t>KMeans</a:t>
+            </a:r>
+            <a:r>
+              <a:rPr lang="hu-HU" dirty="0"/>
+              <a:t> algoritmus </a:t>
+            </a:r>
+            <a:r>
+              <a:rPr lang="hu-HU" dirty="0" err="1"/>
+              <a:t>pszeudokódja</a:t>
+            </a:r>
+            <a:r>
+              <a:rPr lang="hu-HU" dirty="0"/>
+              <a:t> látható.</a:t>
+            </a:r>
+          </a:p>
+          <a:p>
+            <a:endParaRPr lang="hu-HU" dirty="0"/>
+          </a:p>
+          <a:p>
+            <a:endParaRPr lang="hu-HU" dirty="0"/>
+          </a:p>
+          <a:p>
+            <a:endParaRPr lang="hu-HU" dirty="0"/>
+          </a:p>
+          <a:p>
+            <a:pPr marL="228600" indent="-228600">
+              <a:buAutoNum type="arabicPeriod"/>
+            </a:pPr>
+            <a:r>
+              <a:rPr lang="hu-HU" dirty="0"/>
+              <a:t>Inicializálás</a:t>
+            </a:r>
+          </a:p>
+          <a:p>
+            <a:pPr marL="228600" indent="-228600">
+              <a:buAutoNum type="arabicPeriod"/>
+            </a:pPr>
+            <a:endParaRPr lang="hu-HU" dirty="0"/>
+          </a:p>
+          <a:p>
+            <a:pPr marL="228600" indent="-228600">
+              <a:buAutoNum type="arabicPeriod"/>
+            </a:pPr>
+            <a:r>
+              <a:rPr lang="hu-HU" dirty="0"/>
+              <a:t>Minden új adatpontnál megnézzük a legközelebbi </a:t>
+            </a:r>
+            <a:r>
+              <a:rPr lang="hu-HU" dirty="0" err="1"/>
+              <a:t>centroidot</a:t>
+            </a:r>
+            <a:r>
+              <a:rPr lang="hu-HU" dirty="0"/>
+              <a:t>. Ha a távolság nagyobb egy küszöbértéknél ('</a:t>
+            </a:r>
+            <a:r>
+              <a:rPr lang="hu-HU" dirty="0" err="1"/>
+              <a:t>new_cluster_threshold</a:t>
+            </a:r>
+            <a:r>
+              <a:rPr lang="hu-HU" dirty="0"/>
+              <a:t>'), akkor új klasztert hozunk létre. Különben a legközelebbihez rendeljük.</a:t>
+            </a:r>
+          </a:p>
+          <a:p>
+            <a:pPr marL="228600" indent="-228600">
+              <a:buAutoNum type="arabicPeriod"/>
+            </a:pPr>
+            <a:endParaRPr lang="hu-HU" dirty="0"/>
+          </a:p>
+          <a:p>
+            <a:pPr marL="228600" indent="-228600">
+              <a:buAutoNum type="arabicPeriod"/>
+            </a:pPr>
+            <a:r>
+              <a:rPr lang="hu-HU" dirty="0"/>
+              <a:t>Minden batch után frissítjük az érintett </a:t>
+            </a:r>
+            <a:r>
+              <a:rPr lang="hu-HU" dirty="0" err="1"/>
+              <a:t>centroidokat</a:t>
+            </a:r>
+            <a:r>
+              <a:rPr lang="hu-HU" dirty="0"/>
+              <a:t> (kombinált átlag).</a:t>
+            </a:r>
+          </a:p>
+          <a:p>
+            <a:pPr marL="228600" indent="-228600">
+              <a:buAutoNum type="arabicPeriod"/>
+            </a:pPr>
+            <a:endParaRPr lang="hu-HU" dirty="0"/>
+          </a:p>
+          <a:p>
+            <a:pPr marL="228600" indent="-228600">
+              <a:buAutoNum type="arabicPeriod"/>
+            </a:pPr>
+            <a:r>
+              <a:rPr lang="hu-HU" dirty="0"/>
+              <a:t>Végül ellenőrizzük, van-e két </a:t>
+            </a:r>
+            <a:r>
+              <a:rPr lang="hu-HU" dirty="0" err="1"/>
+              <a:t>centroid</a:t>
+            </a:r>
+            <a:r>
+              <a:rPr lang="hu-HU" dirty="0"/>
+              <a:t>, ami túl közel került ('</a:t>
+            </a:r>
+            <a:r>
+              <a:rPr lang="hu-HU" dirty="0" err="1"/>
+              <a:t>merge_threshold</a:t>
+            </a:r>
+            <a:r>
+              <a:rPr lang="hu-HU" dirty="0"/>
+              <a:t>'). Ha igen, összevonjuk őket.</a:t>
+            </a:r>
+          </a:p>
+        </p:txBody>
+      </p:sp>
+      <p:sp>
+        <p:nvSpPr>
+          <p:cNvPr id="4" name="Dia számának helye 3"/>
+          <p:cNvSpPr>
+            <a:spLocks noGrp="1"/>
+          </p:cNvSpPr>
+          <p:nvPr>
+            <p:ph type="sldNum" sz="quarter" idx="5"/>
+          </p:nvPr>
+        </p:nvSpPr>
+        <p:spPr/>
+        <p:txBody>
+          <a:bodyPr/>
+          <a:lstStyle/>
+          <a:p>
+            <a:fld id="{FEBF544B-8942-4253-A6F4-42DBF943B8C6}" type="slidenum">
+              <a:rPr lang="hu-HU" smtClean="0"/>
+              <a:t>9</a:t>
+            </a:fld>
+            <a:endParaRPr lang="hu-HU"/>
+          </a:p>
+        </p:txBody>
+      </p:sp>
+    </p:spTree>
+    <p:extLst>
+      <p:ext uri="{BB962C8B-B14F-4D97-AF65-F5344CB8AC3E}">
+        <p14:creationId xmlns:p14="http://schemas.microsoft.com/office/powerpoint/2010/main" val="3780855372"/>
+      </p:ext>
+    </p:extLst>
+  </p:cSld>
+  <p:clrMapOvr>
+    <a:masterClrMapping/>
+  </p:clrMapOvr>
+</p:notes>
+</file>
+
 <file path=ppt/slideLayouts/slideLayout1.xml><?xml version="1.0" encoding="utf-8"?>
 <p:sldLayout xmlns:a="http://schemas.openxmlformats.org/drawingml/2006/main" xmlns:r="http://schemas.openxmlformats.org/officeDocument/2006/relationships" xmlns:p="http://schemas.openxmlformats.org/presentationml/2006/main" type="title" preserve="1">
   <p:cSld name="Címdia">
@@ -632,7 +4071,7 @@
           <a:p>
             <a:fld id="{B7571CAD-6F13-184D-A3E8-750FE35B9EBC}" type="datetime1">
               <a:rPr lang="hu-HU" smtClean="0"/>
-              <a:t>2025. 11. 06.</a:t>
+              <a:t>2025. 11. 08.</a:t>
             </a:fld>
             <a:endParaRPr lang="hu-HU"/>
           </a:p>
@@ -833,7 +4272,7 @@
           <a:p>
             <a:fld id="{DA747407-E380-7C4C-956A-D6E19B9BA48E}" type="datetime1">
               <a:rPr lang="hu-HU" smtClean="0"/>
-              <a:t>2025. 11. 06.</a:t>
+              <a:t>2025. 11. 08.</a:t>
             </a:fld>
             <a:endParaRPr lang="hu-HU"/>
           </a:p>
@@ -1041,7 +4480,7 @@
           <a:p>
             <a:fld id="{DE8A1641-DB98-1945-938C-2D56ADE4DCEF}" type="datetime1">
               <a:rPr lang="hu-HU" smtClean="0"/>
-              <a:t>2025. 11. 06.</a:t>
+              <a:t>2025. 11. 08.</a:t>
             </a:fld>
             <a:endParaRPr lang="hu-HU"/>
           </a:p>
@@ -1239,7 +4678,7 @@
           <a:p>
             <a:fld id="{AB697F88-25D7-7E4E-91DA-57125152F457}" type="datetime1">
               <a:rPr lang="hu-HU" smtClean="0"/>
-              <a:t>2025. 11. 06.</a:t>
+              <a:t>2025. 11. 08.</a:t>
             </a:fld>
             <a:endParaRPr lang="hu-HU"/>
           </a:p>
@@ -1514,7 +4953,7 @@
           <a:p>
             <a:fld id="{BB9243F7-EB01-1C49-8DF4-B5E7D3EDCB05}" type="datetime1">
               <a:rPr lang="hu-HU" smtClean="0"/>
-              <a:t>2025. 11. 06.</a:t>
+              <a:t>2025. 11. 08.</a:t>
             </a:fld>
             <a:endParaRPr lang="hu-HU"/>
           </a:p>
@@ -1779,7 +5218,7 @@
           <a:p>
             <a:fld id="{293A0E93-9A86-7044-A356-C546BEFBED63}" type="datetime1">
               <a:rPr lang="hu-HU" smtClean="0"/>
-              <a:t>2025. 11. 06.</a:t>
+              <a:t>2025. 11. 08.</a:t>
             </a:fld>
             <a:endParaRPr lang="hu-HU"/>
           </a:p>
@@ -2191,7 +5630,7 @@
           <a:p>
             <a:fld id="{E4744146-0A6C-8F43-AB21-D823E7CB24D4}" type="datetime1">
               <a:rPr lang="hu-HU" smtClean="0"/>
-              <a:t>2025. 11. 06.</a:t>
+              <a:t>2025. 11. 08.</a:t>
             </a:fld>
             <a:endParaRPr lang="hu-HU"/>
           </a:p>
@@ -2332,7 +5771,7 @@
           <a:p>
             <a:fld id="{8EF3C242-AF4E-0F4E-B1A5-0050A5B92112}" type="datetime1">
               <a:rPr lang="hu-HU" smtClean="0"/>
-              <a:t>2025. 11. 06.</a:t>
+              <a:t>2025. 11. 08.</a:t>
             </a:fld>
             <a:endParaRPr lang="hu-HU"/>
           </a:p>
@@ -2445,7 +5884,7 @@
           <a:p>
             <a:fld id="{B6DD6928-E8BB-F645-9B89-505C65382616}" type="datetime1">
               <a:rPr lang="hu-HU" smtClean="0"/>
-              <a:t>2025. 11. 06.</a:t>
+              <a:t>2025. 11. 08.</a:t>
             </a:fld>
             <a:endParaRPr lang="hu-HU"/>
           </a:p>
@@ -2756,7 +6195,7 @@
           <a:p>
             <a:fld id="{FC32935B-306A-AF4A-83C7-5ACF2C37EC40}" type="datetime1">
               <a:rPr lang="hu-HU" smtClean="0"/>
-              <a:t>2025. 11. 06.</a:t>
+              <a:t>2025. 11. 08.</a:t>
             </a:fld>
             <a:endParaRPr lang="hu-HU"/>
           </a:p>
@@ -3044,7 +6483,7 @@
           <a:p>
             <a:fld id="{DF03F5C2-BC5C-E946-BE19-5970FFE88346}" type="datetime1">
               <a:rPr lang="hu-HU" smtClean="0"/>
-              <a:t>2025. 11. 06.</a:t>
+              <a:t>2025. 11. 08.</a:t>
             </a:fld>
             <a:endParaRPr lang="hu-HU"/>
           </a:p>
@@ -3285,7 +6724,7 @@
           <a:p>
             <a:fld id="{F1EA9AB3-3E45-1F4D-91EA-19B6CDD7EF89}" type="datetime1">
               <a:rPr lang="hu-HU" smtClean="0"/>
-              <a:t>2025. 11. 06.</a:t>
+              <a:t>2025. 11. 08.</a:t>
             </a:fld>
             <a:endParaRPr lang="hu-HU" dirty="0"/>
           </a:p>
@@ -4098,45 +7537,43 @@
         </p:nvSpPr>
         <p:spPr/>
         <p:txBody>
+          <a:bodyPr>
+            <a:normAutofit/>
+          </a:bodyPr>
+          <a:lstStyle/>
+          <a:p>
+            <a:r>
+              <a:rPr lang="hu-HU" sz="4100" b="1" dirty="0"/>
+              <a:t>Futásidő a klaszterek számának függvényében</a:t>
+            </a:r>
+            <a:endParaRPr lang="hu-HU" sz="4100" dirty="0"/>
+          </a:p>
+        </p:txBody>
+      </p:sp>
+      <p:sp>
+        <p:nvSpPr>
+          <p:cNvPr id="3" name="Tartalom helye 2">
+            <a:extLst>
+              <a:ext uri="{FF2B5EF4-FFF2-40B4-BE49-F238E27FC236}">
+                <a16:creationId xmlns:a16="http://schemas.microsoft.com/office/drawing/2014/main" id="{B93B8D71-B18A-E16D-5FBE-EF862C7BB665}"/>
+              </a:ext>
+            </a:extLst>
+          </p:cNvPr>
+          <p:cNvSpPr>
+            <a:spLocks noGrp="1"/>
+          </p:cNvSpPr>
+          <p:nvPr>
+            <p:ph idx="1"/>
+          </p:nvPr>
+        </p:nvSpPr>
+        <p:spPr/>
+        <p:txBody>
           <a:bodyPr/>
           <a:lstStyle/>
           <a:p>
             <a:r>
-              <a:rPr lang="hu-HU" b="1" dirty="0" err="1"/>
-              <a:t>Klaszterezési</a:t>
-            </a:r>
-            <a:r>
-              <a:rPr lang="hu-HU" b="1" dirty="0"/>
-              <a:t> algoritmusok futásideje</a:t>
-            </a:r>
-            <a:endParaRPr lang="hu-HU" dirty="0"/>
-          </a:p>
-        </p:txBody>
-      </p:sp>
-      <p:sp>
-        <p:nvSpPr>
-          <p:cNvPr id="3" name="Tartalom helye 2">
-            <a:extLst>
-              <a:ext uri="{FF2B5EF4-FFF2-40B4-BE49-F238E27FC236}">
-                <a16:creationId xmlns:a16="http://schemas.microsoft.com/office/drawing/2014/main" id="{B93B8D71-B18A-E16D-5FBE-EF862C7BB665}"/>
-              </a:ext>
-            </a:extLst>
-          </p:cNvPr>
-          <p:cNvSpPr>
-            <a:spLocks noGrp="1"/>
-          </p:cNvSpPr>
-          <p:nvPr>
-            <p:ph idx="1"/>
-          </p:nvPr>
-        </p:nvSpPr>
-        <p:spPr/>
-        <p:txBody>
-          <a:bodyPr/>
-          <a:lstStyle/>
-          <a:p>
-            <a:r>
-              <a:rPr lang="hu-HU" dirty="0"/>
-              <a:t>Kiértékelés menete:</a:t>
+              <a:rPr lang="hu-HU" dirty="0"/>
+              <a:t>Futásidő mérésének beállításai:</a:t>
             </a:r>
           </a:p>
           <a:p>
@@ -4151,7 +7588,7 @@
             </a:r>
             <a:r>
               <a:rPr lang="hu-HU" dirty="0"/>
-              <a:t> (18.891 dokumentumból) vektor </a:t>
+              <a:t> vektor (18.891 dokumentumból) </a:t>
             </a:r>
             <a:r>
               <a:rPr lang="hu-HU" dirty="0" err="1"/>
@@ -4226,7 +7663,7 @@
           <a:p>
             <a:fld id="{AB697F88-25D7-7E4E-91DA-57125152F457}" type="datetime1">
               <a:rPr lang="hu-HU" smtClean="0"/>
-              <a:t>2025. 11. 06.</a:t>
+              <a:t>2025. 11. 08.</a:t>
             </a:fld>
             <a:endParaRPr lang="hu-HU"/>
           </a:p>
@@ -4314,16 +7751,14 @@
           </a:xfrm>
         </p:spPr>
         <p:txBody>
-          <a:bodyPr/>
-          <a:lstStyle/>
-          <a:p>
-            <a:r>
-              <a:rPr lang="hu-HU" b="1" dirty="0" err="1"/>
-              <a:t>Klaszterezési</a:t>
-            </a:r>
-            <a:r>
-              <a:rPr lang="hu-HU" b="1" dirty="0"/>
-              <a:t> algoritmusok futásideje</a:t>
+          <a:bodyPr>
+            <a:normAutofit/>
+          </a:bodyPr>
+          <a:lstStyle/>
+          <a:p>
+            <a:r>
+              <a:rPr lang="hu-HU" sz="4100" b="1" dirty="0"/>
+              <a:t>Futásidő a klaszterek számának függvényében</a:t>
             </a:r>
           </a:p>
         </p:txBody>
@@ -4351,7 +7786,7 @@
           <a:p>
             <a:fld id="{604F7F41-D779-A547-A1A3-0928E654DA43}" type="datetime1">
               <a:rPr lang="hu-HU" smtClean="0"/>
-              <a:t>2025. 11. 06.</a:t>
+              <a:t>2025. 11. 08.</a:t>
             </a:fld>
             <a:endParaRPr lang="hu-HU"/>
           </a:p>
@@ -4404,7 +7839,7 @@
           <p:nvPr/>
         </p:nvPicPr>
         <p:blipFill>
-          <a:blip r:embed="rId2">
+          <a:blip r:embed="rId3">
             <a:extLst>
               <a:ext uri="{28A0092B-C50C-407E-A947-70E740481C1C}">
                 <a14:useLocalDpi xmlns:a14="http://schemas.microsoft.com/office/drawing/2010/main" val="0"/>
@@ -4440,7 +7875,7 @@
           <p:nvPr/>
         </p:nvPicPr>
         <p:blipFill>
-          <a:blip r:embed="rId3">
+          <a:blip r:embed="rId4">
             <a:extLst>
               <a:ext uri="{28A0092B-C50C-407E-A947-70E740481C1C}">
                 <a14:useLocalDpi xmlns:a14="http://schemas.microsoft.com/office/drawing/2010/main" val="0"/>
@@ -4622,7 +8057,7 @@
           <a:p>
             <a:r>
               <a:rPr lang="hu-HU" dirty="0"/>
-              <a:t>Kiértékelés menete:</a:t>
+              <a:t>Pontossági mérés beállításai:</a:t>
             </a:r>
           </a:p>
           <a:p>
@@ -4752,7 +8187,7 @@
           <a:p>
             <a:fld id="{AB697F88-25D7-7E4E-91DA-57125152F457}" type="datetime1">
               <a:rPr lang="hu-HU" smtClean="0"/>
-              <a:t>2025. 11. 06.</a:t>
+              <a:t>2025. 11. 08.</a:t>
             </a:fld>
             <a:endParaRPr lang="hu-HU"/>
           </a:p>
@@ -4839,12 +8274,8 @@
           <a:lstStyle/>
           <a:p>
             <a:r>
-              <a:rPr lang="hu-HU" b="1" dirty="0" err="1"/>
-              <a:t>Klaszterezési</a:t>
-            </a:r>
-            <a:r>
               <a:rPr lang="hu-HU" b="1" dirty="0"/>
-              <a:t> algoritmusok pontossága</a:t>
+              <a:t>Pontossági eredmények (ARI és NMI)</a:t>
             </a:r>
           </a:p>
         </p:txBody>
@@ -4872,7 +8303,7 @@
           <a:p>
             <a:fld id="{1D89F031-1307-194F-983A-F3429BE6CD69}" type="datetime1">
               <a:rPr lang="hu-HU" smtClean="0"/>
-              <a:t>2025. 11. 06.</a:t>
+              <a:t>2025. 11. 08.</a:t>
             </a:fld>
             <a:endParaRPr lang="hu-HU"/>
           </a:p>
@@ -4927,7 +8358,7 @@
           </p:nvPr>
         </p:nvPicPr>
         <p:blipFill>
-          <a:blip r:embed="rId2">
+          <a:blip r:embed="rId3">
             <a:extLst>
               <a:ext uri="{28A0092B-C50C-407E-A947-70E740481C1C}">
                 <a14:useLocalDpi xmlns:a14="http://schemas.microsoft.com/office/drawing/2010/main" val="0"/>
@@ -4993,61 +8424,58 @@
         </p:nvSpPr>
         <p:spPr/>
         <p:txBody>
+          <a:bodyPr>
+            <a:normAutofit/>
+          </a:bodyPr>
+          <a:lstStyle/>
+          <a:p>
+            <a:r>
+              <a:rPr lang="hu-HU" sz="4000" b="1" dirty="0"/>
+              <a:t>A visszakeresési folyamat (</a:t>
+            </a:r>
+            <a:r>
+              <a:rPr lang="hu-HU" sz="4000" b="1" dirty="0" err="1"/>
+              <a:t>retrieval</a:t>
+            </a:r>
+            <a:r>
+              <a:rPr lang="hu-HU" sz="4000" b="1" dirty="0"/>
+              <a:t> </a:t>
+            </a:r>
+            <a:r>
+              <a:rPr lang="hu-HU" sz="4000" b="1" dirty="0" err="1"/>
+              <a:t>pipeline</a:t>
+            </a:r>
+            <a:r>
+              <a:rPr lang="hu-HU" sz="4000" b="1" dirty="0"/>
+              <a:t>) kiértékelése</a:t>
+            </a:r>
+          </a:p>
+        </p:txBody>
+      </p:sp>
+      <p:sp>
+        <p:nvSpPr>
+          <p:cNvPr id="3" name="Tartalom helye 2">
+            <a:extLst>
+              <a:ext uri="{FF2B5EF4-FFF2-40B4-BE49-F238E27FC236}">
+                <a16:creationId xmlns:a16="http://schemas.microsoft.com/office/drawing/2014/main" id="{689235CC-06AC-C5E8-688B-C1936A5D3FD3}"/>
+              </a:ext>
+            </a:extLst>
+          </p:cNvPr>
+          <p:cNvSpPr>
+            <a:spLocks noGrp="1"/>
+          </p:cNvSpPr>
+          <p:nvPr>
+            <p:ph idx="1"/>
+          </p:nvPr>
+        </p:nvSpPr>
+        <p:spPr/>
+        <p:txBody>
           <a:bodyPr/>
           <a:lstStyle/>
           <a:p>
             <a:r>
-              <a:rPr lang="hu-HU" b="1" dirty="0" err="1"/>
-              <a:t>Klaszterezést</a:t>
-            </a:r>
-            <a:r>
-              <a:rPr lang="hu-HU" b="1" dirty="0"/>
-              <a:t> használó </a:t>
-            </a:r>
-            <a:r>
-              <a:rPr lang="hu-HU" b="1" dirty="0" err="1"/>
-              <a:t>retrieval</a:t>
-            </a:r>
-            <a:r>
-              <a:rPr lang="hu-HU" b="1" dirty="0"/>
-              <a:t> </a:t>
-            </a:r>
-            <a:r>
-              <a:rPr lang="hu-HU" b="1" dirty="0" err="1"/>
-              <a:t>pipeline</a:t>
-            </a:r>
-            <a:r>
-              <a:rPr lang="hu-HU" b="1" dirty="0"/>
-              <a:t> eredményei</a:t>
-            </a:r>
-            <a:endParaRPr lang="hu-HU" dirty="0"/>
-          </a:p>
-        </p:txBody>
-      </p:sp>
-      <p:sp>
-        <p:nvSpPr>
-          <p:cNvPr id="3" name="Tartalom helye 2">
-            <a:extLst>
-              <a:ext uri="{FF2B5EF4-FFF2-40B4-BE49-F238E27FC236}">
-                <a16:creationId xmlns:a16="http://schemas.microsoft.com/office/drawing/2014/main" id="{689235CC-06AC-C5E8-688B-C1936A5D3FD3}"/>
-              </a:ext>
-            </a:extLst>
-          </p:cNvPr>
-          <p:cNvSpPr>
-            <a:spLocks noGrp="1"/>
-          </p:cNvSpPr>
-          <p:nvPr>
-            <p:ph idx="1"/>
-          </p:nvPr>
-        </p:nvSpPr>
-        <p:spPr/>
-        <p:txBody>
-          <a:bodyPr/>
-          <a:lstStyle/>
-          <a:p>
-            <a:r>
-              <a:rPr lang="hu-HU" dirty="0"/>
-              <a:t>Kiértékelés menete:</a:t>
+              <a:rPr lang="hu-HU" dirty="0"/>
+              <a:t>A mérés beállításai:</a:t>
             </a:r>
           </a:p>
           <a:p>
@@ -5105,7 +8533,7 @@
           <a:p>
             <a:fld id="{AB697F88-25D7-7E4E-91DA-57125152F457}" type="datetime1">
               <a:rPr lang="hu-HU" smtClean="0"/>
-              <a:t>2025. 11. 06.</a:t>
+              <a:t>2025. 11. 08.</a:t>
             </a:fld>
             <a:endParaRPr lang="hu-HU"/>
           </a:p>
@@ -5188,32 +8616,30 @@
         </p:nvSpPr>
         <p:spPr/>
         <p:txBody>
-          <a:bodyPr/>
-          <a:lstStyle/>
-          <a:p>
-            <a:r>
-              <a:rPr lang="hu-HU" b="1" dirty="0" err="1"/>
-              <a:t>Klaszterezést</a:t>
-            </a:r>
-            <a:r>
-              <a:rPr lang="hu-HU" b="1" dirty="0"/>
-              <a:t> használó </a:t>
-            </a:r>
-            <a:r>
-              <a:rPr lang="hu-HU" b="1" dirty="0" err="1"/>
+          <a:bodyPr>
+            <a:normAutofit/>
+          </a:bodyPr>
+          <a:lstStyle/>
+          <a:p>
+            <a:r>
+              <a:rPr lang="hu-HU" sz="4000" b="1" dirty="0"/>
+              <a:t>A visszakeresési folyamat (</a:t>
+            </a:r>
+            <a:r>
+              <a:rPr lang="hu-HU" sz="4000" b="1" dirty="0" err="1"/>
               <a:t>retrieval</a:t>
             </a:r>
             <a:r>
-              <a:rPr lang="hu-HU" b="1" dirty="0"/>
+              <a:rPr lang="hu-HU" sz="4000" b="1" dirty="0"/>
               <a:t> </a:t>
             </a:r>
             <a:r>
-              <a:rPr lang="hu-HU" b="1" dirty="0" err="1"/>
+              <a:rPr lang="hu-HU" sz="4000" b="1" dirty="0" err="1"/>
               <a:t>pipeline</a:t>
             </a:r>
             <a:r>
-              <a:rPr lang="hu-HU" b="1" dirty="0"/>
-              <a:t> eredményei</a:t>
+              <a:rPr lang="hu-HU" sz="4000" b="1" dirty="0"/>
+              <a:t>) kiértékelése</a:t>
             </a:r>
           </a:p>
         </p:txBody>
@@ -5241,7 +8667,7 @@
           <a:p>
             <a:fld id="{23789548-D724-1F48-B49D-E29266C4BD81}" type="datetime1">
               <a:rPr lang="hu-HU" smtClean="0"/>
-              <a:t>2025. 11. 06.</a:t>
+              <a:t>2025. 11. 08.</a:t>
             </a:fld>
             <a:endParaRPr lang="hu-HU"/>
           </a:p>
@@ -5297,7 +8723,7 @@
           </p:nvPr>
         </p:nvPicPr>
         <p:blipFill>
-          <a:blip r:embed="rId2">
+          <a:blip r:embed="rId3">
             <a:extLst>
               <a:ext uri="{28A0092B-C50C-407E-A947-70E740481C1C}">
                 <a14:useLocalDpi xmlns:a14="http://schemas.microsoft.com/office/drawing/2010/main" val="0"/>
@@ -5330,7 +8756,7 @@
           <p:nvPr/>
         </p:nvPicPr>
         <p:blipFill>
-          <a:blip r:embed="rId3">
+          <a:blip r:embed="rId4">
             <a:extLst>
               <a:ext uri="{28A0092B-C50C-407E-A947-70E740481C1C}">
                 <a14:useLocalDpi xmlns:a14="http://schemas.microsoft.com/office/drawing/2010/main" val="0"/>
@@ -5522,7 +8948,7 @@
           </p:nvPr>
         </p:nvPicPr>
         <p:blipFill>
-          <a:blip r:embed="rId2">
+          <a:blip r:embed="rId3">
             <a:extLst>
               <a:ext uri="{28A0092B-C50C-407E-A947-70E740481C1C}">
                 <a14:useLocalDpi xmlns:a14="http://schemas.microsoft.com/office/drawing/2010/main" val="0"/>
@@ -5563,7 +8989,7 @@
           <a:p>
             <a:fld id="{AB697F88-25D7-7E4E-91DA-57125152F457}" type="datetime1">
               <a:rPr lang="hu-HU" smtClean="0"/>
-              <a:t>2025. 11. 06.</a:t>
+              <a:t>2025. 11. 08.</a:t>
             </a:fld>
             <a:endParaRPr lang="hu-HU"/>
           </a:p>
@@ -5652,20 +9078,8 @@
           <a:lstStyle/>
           <a:p>
             <a:r>
-              <a:rPr lang="hu-HU" b="1" dirty="0" err="1"/>
-              <a:t>Retrieval</a:t>
-            </a:r>
-            <a:r>
               <a:rPr lang="hu-HU" b="1" dirty="0"/>
-              <a:t> </a:t>
-            </a:r>
-            <a:r>
-              <a:rPr lang="hu-HU" b="1" dirty="0" err="1"/>
-              <a:t>pipeline</a:t>
-            </a:r>
-            <a:r>
-              <a:rPr lang="hu-HU" b="1" dirty="0"/>
-              <a:t> változó dokumentum halmazzal</a:t>
+              <a:t>Visszakeresés dinamikusan változó adathalmazon</a:t>
             </a:r>
           </a:p>
         </p:txBody>
@@ -5693,7 +9107,7 @@
           <a:p>
             <a:fld id="{AB697F88-25D7-7E4E-91DA-57125152F457}" type="datetime1">
               <a:rPr lang="hu-HU" smtClean="0"/>
-              <a:t>2025. 11. 06.</a:t>
+              <a:t>2025. 11. 08.</a:t>
             </a:fld>
             <a:endParaRPr lang="hu-HU"/>
           </a:p>
@@ -5756,7 +9170,7 @@
           <a:p>
             <a:r>
               <a:rPr lang="hu-HU" dirty="0"/>
-              <a:t>Kiértékelés menete:</a:t>
+              <a:t>Kiértékelés beállításai:</a:t>
             </a:r>
           </a:p>
           <a:p>
@@ -5906,22 +9320,21 @@
           <a:lstStyle/>
           <a:p>
             <a:r>
-              <a:rPr lang="hu-HU" b="1" dirty="0" err="1"/>
-              <a:t>Retrieval</a:t>
-            </a:r>
-            <a:r>
-              <a:rPr lang="hu-HU" b="1" dirty="0"/>
-              <a:t> </a:t>
-            </a:r>
-            <a:r>
-              <a:rPr lang="hu-HU" b="1" dirty="0" err="1"/>
-              <a:t>pipeline</a:t>
-            </a:r>
-            <a:r>
-              <a:rPr lang="hu-HU" b="1" dirty="0"/>
-              <a:t> változó dokumentum halmazzal</a:t>
-            </a:r>
-            <a:endParaRPr lang="hu-HU" dirty="0"/>
+              <a:rPr lang="hu-HU" sz="4100" b="1" dirty="0" err="1"/>
+              <a:t>Accuracy</a:t>
+            </a:r>
+            <a:r>
+              <a:rPr lang="hu-HU" sz="4100" b="1" dirty="0"/>
+              <a:t> és </a:t>
+            </a:r>
+            <a:r>
+              <a:rPr lang="hu-HU" sz="4100" b="1" dirty="0" err="1"/>
+              <a:t>recall</a:t>
+            </a:r>
+            <a:r>
+              <a:rPr lang="hu-HU" sz="4100" b="1" dirty="0"/>
+              <a:t> dinamikus adathalmazon</a:t>
+            </a:r>
           </a:p>
         </p:txBody>
       </p:sp>
@@ -5942,7 +9355,7 @@
           </p:nvPr>
         </p:nvPicPr>
         <p:blipFill>
-          <a:blip r:embed="rId2">
+          <a:blip r:embed="rId3">
             <a:extLst>
               <a:ext uri="{28A0092B-C50C-407E-A947-70E740481C1C}">
                 <a14:useLocalDpi xmlns:a14="http://schemas.microsoft.com/office/drawing/2010/main" val="0"/>
@@ -5983,7 +9396,7 @@
           <a:p>
             <a:fld id="{AB697F88-25D7-7E4E-91DA-57125152F457}" type="datetime1">
               <a:rPr lang="hu-HU" smtClean="0"/>
-              <a:t>2025. 11. 06.</a:t>
+              <a:t>2025. 11. 08.</a:t>
             </a:fld>
             <a:endParaRPr lang="hu-HU"/>
           </a:p>
@@ -6033,7 +9446,7 @@
           <p:nvPr/>
         </p:nvPicPr>
         <p:blipFill>
-          <a:blip r:embed="rId3">
+          <a:blip r:embed="rId4">
             <a:extLst>
               <a:ext uri="{28A0092B-C50C-407E-A947-70E740481C1C}">
                 <a14:useLocalDpi xmlns:a14="http://schemas.microsoft.com/office/drawing/2010/main" val="0"/>
@@ -6177,26 +9590,15 @@
         </p:nvSpPr>
         <p:spPr/>
         <p:txBody>
-          <a:bodyPr/>
-          <a:lstStyle/>
-          <a:p>
-            <a:r>
-              <a:rPr lang="hu-HU" b="1" dirty="0" err="1"/>
-              <a:t>Retrieval</a:t>
-            </a:r>
-            <a:r>
-              <a:rPr lang="hu-HU" b="1" dirty="0"/>
-              <a:t> </a:t>
-            </a:r>
-            <a:r>
-              <a:rPr lang="hu-HU" b="1" dirty="0" err="1"/>
-              <a:t>pipeline</a:t>
-            </a:r>
-            <a:r>
-              <a:rPr lang="hu-HU" b="1" dirty="0"/>
-              <a:t> változó dokumentum halmazzal</a:t>
-            </a:r>
-            <a:endParaRPr lang="hu-HU" dirty="0"/>
+          <a:bodyPr>
+            <a:normAutofit/>
+          </a:bodyPr>
+          <a:lstStyle/>
+          <a:p>
+            <a:r>
+              <a:rPr lang="hu-HU" sz="4100" b="1" dirty="0"/>
+              <a:t>Frissítési idők összehasonlítása dinamikus adathalmazon</a:t>
+            </a:r>
           </a:p>
         </p:txBody>
       </p:sp>
@@ -6217,7 +9619,7 @@
           </p:nvPr>
         </p:nvPicPr>
         <p:blipFill>
-          <a:blip r:embed="rId2">
+          <a:blip r:embed="rId3">
             <a:extLst>
               <a:ext uri="{28A0092B-C50C-407E-A947-70E740481C1C}">
                 <a14:useLocalDpi xmlns:a14="http://schemas.microsoft.com/office/drawing/2010/main" val="0"/>
@@ -6258,7 +9660,7 @@
           <a:p>
             <a:fld id="{AB697F88-25D7-7E4E-91DA-57125152F457}" type="datetime1">
               <a:rPr lang="hu-HU" smtClean="0"/>
-              <a:t>2025. 11. 06.</a:t>
+              <a:t>2025. 11. 08.</a:t>
             </a:fld>
             <a:endParaRPr lang="hu-HU"/>
           </a:p>
@@ -6308,7 +9710,7 @@
           <p:nvPr/>
         </p:nvPicPr>
         <p:blipFill>
-          <a:blip r:embed="rId3">
+          <a:blip r:embed="rId4">
             <a:extLst>
               <a:ext uri="{28A0092B-C50C-407E-A947-70E740481C1C}">
                 <a14:useLocalDpi xmlns:a14="http://schemas.microsoft.com/office/drawing/2010/main" val="0"/>
@@ -6911,7 +10313,7 @@
           <a:p>
             <a:fld id="{5C85A438-3713-F446-BD7A-55D18856C613}" type="datetime1">
               <a:rPr lang="hu-HU" smtClean="0"/>
-              <a:t>2025. 11. 06.</a:t>
+              <a:t>2025. 11. 08.</a:t>
             </a:fld>
             <a:endParaRPr lang="hu-HU"/>
           </a:p>
@@ -6951,10 +10353,10 @@
       </p:sp>
       <p:pic>
         <p:nvPicPr>
-          <p:cNvPr id="14" name="Tartalom helye 13" descr="A képen képernyőkép, diagram, tervezés látható&#10;&#10;Automatikusan generált leírás">
-            <a:extLst>
-              <a:ext uri="{FF2B5EF4-FFF2-40B4-BE49-F238E27FC236}">
-                <a16:creationId xmlns:a16="http://schemas.microsoft.com/office/drawing/2014/main" id="{39C365F9-1952-04F6-0DD6-246F05AEF7A6}"/>
+          <p:cNvPr id="8" name="Tartalom helye 7" descr="A képen képernyőkép, diagram, tervezés látható&#10;&#10;Automatikusan generált leírás">
+            <a:extLst>
+              <a:ext uri="{FF2B5EF4-FFF2-40B4-BE49-F238E27FC236}">
+                <a16:creationId xmlns:a16="http://schemas.microsoft.com/office/drawing/2014/main" id="{E043B924-4C80-516D-1A7B-4465CF443AC5}"/>
               </a:ext>
             </a:extLst>
           </p:cNvPr>
@@ -6966,7 +10368,7 @@
           </p:nvPr>
         </p:nvPicPr>
         <p:blipFill>
-          <a:blip r:embed="rId2">
+          <a:blip r:embed="rId3">
             <a:extLst>
               <a:ext uri="{28A0092B-C50C-407E-A947-70E740481C1C}">
                 <a14:useLocalDpi xmlns:a14="http://schemas.microsoft.com/office/drawing/2010/main" val="0"/>
@@ -6979,8 +10381,8 @@
         </p:blipFill>
         <p:spPr>
           <a:xfrm>
-            <a:off x="200175" y="2297565"/>
-            <a:ext cx="11787051" cy="3428190"/>
+            <a:off x="150101" y="2276108"/>
+            <a:ext cx="11887200" cy="3471104"/>
           </a:xfrm>
         </p:spPr>
       </p:pic>
@@ -7087,7 +10489,7 @@
           <p:cNvPr id="2" name="Cím 1">
             <a:extLst>
               <a:ext uri="{FF2B5EF4-FFF2-40B4-BE49-F238E27FC236}">
-                <a16:creationId xmlns:a16="http://schemas.microsoft.com/office/drawing/2014/main" id="{D376977C-6CB9-779E-8D6F-49F6DE241AAF}"/>
+                <a16:creationId xmlns:a16="http://schemas.microsoft.com/office/drawing/2014/main" id="{0DBFB062-6D42-EE0F-FED5-084175AC3EF4}"/>
               </a:ext>
             </a:extLst>
           </p:cNvPr>
@@ -7112,7 +10514,7 @@
           <a:p>
             <a:r>
               <a:rPr lang="hu-HU" sz="5400" b="1"/>
-              <a:t>További haladás</a:t>
+              <a:t>Összefoglalás és kitekintés</a:t>
             </a:r>
           </a:p>
         </p:txBody>
@@ -7760,7 +11162,7 @@
           <p:cNvPr id="3" name="Tartalom helye 2">
             <a:extLst>
               <a:ext uri="{FF2B5EF4-FFF2-40B4-BE49-F238E27FC236}">
-                <a16:creationId xmlns:a16="http://schemas.microsoft.com/office/drawing/2014/main" id="{BA40ABDB-9970-C351-2826-969E942BF538}"/>
+                <a16:creationId xmlns:a16="http://schemas.microsoft.com/office/drawing/2014/main" id="{03962E74-DC21-438F-65EA-0AC81415FE1B}"/>
               </a:ext>
             </a:extLst>
           </p:cNvPr>
@@ -7784,61 +11186,77 @@
           <a:lstStyle/>
           <a:p>
             <a:r>
-              <a:rPr lang="hu-HU" sz="2200" dirty="0"/>
-              <a:t>Átfogó kiértékelése a két megközelítésnek:</a:t>
-            </a:r>
-          </a:p>
-          <a:p>
-            <a:pPr marL="1371600" lvl="2" indent="-457200">
-              <a:buFont typeface="+mj-lt"/>
-              <a:buAutoNum type="arabicPeriod"/>
-            </a:pPr>
-            <a:r>
-              <a:rPr lang="hu-HU" sz="2200" dirty="0" err="1"/>
-              <a:t>Centroidok</a:t>
-            </a:r>
-            <a:r>
-              <a:rPr lang="hu-HU" sz="2200" dirty="0"/>
-              <a:t> hasonlítása majd legjobb klaszterekben keresés </a:t>
-            </a:r>
-            <a:r>
-              <a:rPr lang="hu-HU" sz="2200" dirty="0" err="1"/>
-              <a:t>vs</a:t>
-            </a:r>
-            <a:r>
-              <a:rPr lang="hu-HU" sz="2200" dirty="0"/>
-              <a:t>. Összes </a:t>
-            </a:r>
-            <a:r>
-              <a:rPr lang="hu-HU" sz="2200" dirty="0" err="1"/>
-              <a:t>embedding-gel</a:t>
-            </a:r>
-            <a:r>
-              <a:rPr lang="hu-HU" sz="2200" dirty="0"/>
-              <a:t> számolni</a:t>
-            </a:r>
-          </a:p>
-          <a:p>
-            <a:pPr marL="1371600" lvl="2" indent="-457200">
-              <a:buFont typeface="+mj-lt"/>
-              <a:buAutoNum type="arabicPeriod"/>
-            </a:pPr>
-            <a:r>
-              <a:rPr lang="hu-HU" sz="2200" dirty="0"/>
-              <a:t>Dinamikusan változó dokumentumtér vizsgálata online </a:t>
-            </a:r>
-            <a:r>
-              <a:rPr lang="hu-HU" sz="2200" dirty="0" err="1"/>
+              <a:rPr lang="hu-HU" sz="2400" dirty="0" err="1"/>
+              <a:t>OnlineKMeans</a:t>
+            </a:r>
+            <a:r>
+              <a:rPr lang="hu-HU" sz="2400" dirty="0"/>
+              <a:t> algoritmus megvalósítása:</a:t>
+            </a:r>
+          </a:p>
+          <a:p>
+            <a:pPr lvl="1"/>
+            <a:r>
+              <a:rPr lang="hu-HU" sz="2000" dirty="0"/>
+              <a:t>Gyors, hatékony</a:t>
+            </a:r>
+          </a:p>
+          <a:p>
+            <a:r>
+              <a:rPr lang="hu-HU" sz="2400" dirty="0"/>
+              <a:t>Effektív </a:t>
+            </a:r>
+            <a:r>
+              <a:rPr lang="hu-HU" sz="2400" dirty="0" err="1"/>
+              <a:t>retrieval</a:t>
+            </a:r>
+            <a:r>
+              <a:rPr lang="hu-HU" sz="2400" dirty="0"/>
+              <a:t> módszer</a:t>
+            </a:r>
+          </a:p>
+          <a:p>
+            <a:pPr lvl="1"/>
+            <a:r>
+              <a:rPr lang="hu-HU" sz="2000" dirty="0"/>
+              <a:t>A </a:t>
+            </a:r>
+            <a:r>
+              <a:rPr lang="hu-HU" sz="2000" dirty="0" err="1"/>
+              <a:t>klaszterezés</a:t>
+            </a:r>
+            <a:r>
+              <a:rPr lang="hu-HU" sz="2000" dirty="0"/>
+              <a:t>-alapú visszakeresés pontosságban és sebességben is hatékony alternatíva</a:t>
+            </a:r>
+          </a:p>
+          <a:p>
+            <a:r>
+              <a:rPr lang="hu-HU" sz="2400" dirty="0"/>
+              <a:t>Újonnan érkező dokumentumok integrálása </a:t>
+            </a:r>
+            <a:r>
+              <a:rPr lang="hu-HU" sz="2400" dirty="0" err="1"/>
               <a:t>klaszterezéssel</a:t>
             </a:r>
-            <a:endParaRPr lang="hu-HU" sz="2200" dirty="0"/>
-          </a:p>
-          <a:p>
-            <a:pPr marL="1371600" lvl="2" indent="-457200">
-              <a:buFont typeface="+mj-lt"/>
-              <a:buAutoNum type="arabicPeriod"/>
-            </a:pPr>
-            <a:endParaRPr lang="hu-HU" sz="2200" dirty="0"/>
+            <a:endParaRPr lang="hu-HU" sz="2400" dirty="0"/>
+          </a:p>
+          <a:p>
+            <a:r>
+              <a:rPr lang="hu-HU" sz="2400" dirty="0"/>
+              <a:t>További haladás:</a:t>
+            </a:r>
+          </a:p>
+          <a:p>
+            <a:pPr lvl="1"/>
+            <a:r>
+              <a:rPr lang="hu-HU" sz="2000" dirty="0" err="1"/>
+              <a:t>OnlineKMeans</a:t>
+            </a:r>
+            <a:r>
+              <a:rPr lang="hu-HU" sz="2000" dirty="0"/>
+              <a:t>: Meglévő klaszterek felbontása variancia/konduktancia alapján</a:t>
+            </a:r>
           </a:p>
         </p:txBody>
       </p:sp>
@@ -7847,7 +11265,7 @@
           <p:cNvPr id="4" name="Dátum helye 3">
             <a:extLst>
               <a:ext uri="{FF2B5EF4-FFF2-40B4-BE49-F238E27FC236}">
-                <a16:creationId xmlns:a16="http://schemas.microsoft.com/office/drawing/2014/main" id="{A4F55404-988E-AC28-7C28-919008970852}"/>
+                <a16:creationId xmlns:a16="http://schemas.microsoft.com/office/drawing/2014/main" id="{905B2103-E32A-9BB6-3136-6CC6AACFD948}"/>
               </a:ext>
             </a:extLst>
           </p:cNvPr>
@@ -7875,14 +11293,14 @@
                 <a:spcPts val="600"/>
               </a:spcAft>
             </a:pPr>
-            <a:fld id="{CC6BDB9A-E5F6-D843-9EFC-7C31F2021ACF}" type="datetime1">
+            <a:fld id="{AB697F88-25D7-7E4E-91DA-57125152F457}" type="datetime1">
               <a:rPr lang="hu-HU" smtClean="0"/>
               <a:pPr>
                 <a:spcAft>
                   <a:spcPts val="600"/>
                 </a:spcAft>
               </a:pPr>
-              <a:t>2025. 11. 06.</a:t>
+              <a:t>2025. 11. 08.</a:t>
             </a:fld>
             <a:endParaRPr lang="hu-HU"/>
           </a:p>
@@ -7893,7 +11311,7 @@
           <p:cNvPr id="5" name="Dia számának helye 4">
             <a:extLst>
               <a:ext uri="{FF2B5EF4-FFF2-40B4-BE49-F238E27FC236}">
-                <a16:creationId xmlns:a16="http://schemas.microsoft.com/office/drawing/2014/main" id="{72456EEB-17BA-B0B0-C488-EDBB27193DA3}"/>
+                <a16:creationId xmlns:a16="http://schemas.microsoft.com/office/drawing/2014/main" id="{CF2DD6C4-ECD4-2FD2-37DC-F5CEFA4533F3}"/>
               </a:ext>
             </a:extLst>
           </p:cNvPr>
@@ -7930,10 +11348,6 @@
               </a:pPr>
               <a:t>20</a:t>
             </a:fld>
-            <a:r>
-              <a:rPr lang="hu-HU" dirty="0"/>
-              <a:t>/14</a:t>
-            </a:r>
             <a:endParaRPr lang="hu-HU"/>
           </a:p>
         </p:txBody>
@@ -7941,7 +11355,7 @@
     </p:spTree>
     <p:extLst>
       <p:ext uri="{BB962C8B-B14F-4D97-AF65-F5344CB8AC3E}">
-        <p14:creationId xmlns:p14="http://schemas.microsoft.com/office/powerpoint/2010/main" val="885406857"/>
+        <p14:creationId xmlns:p14="http://schemas.microsoft.com/office/powerpoint/2010/main" val="1127999742"/>
       </p:ext>
     </p:extLst>
   </p:cSld>
@@ -7978,10 +11392,10 @@
       </p:grpSpPr>
       <p:sp useBgFill="1">
         <p:nvSpPr>
-          <p:cNvPr id="8" name="Rectangle 7">
-            <a:extLst>
-              <a:ext uri="{FF2B5EF4-FFF2-40B4-BE49-F238E27FC236}">
-                <a16:creationId xmlns:a16="http://schemas.microsoft.com/office/drawing/2014/main" id="{943CAA20-3569-4189-9E48-239A229A86CA}"/>
+          <p:cNvPr id="11" name="Rectangle 10">
+            <a:extLst>
+              <a:ext uri="{FF2B5EF4-FFF2-40B4-BE49-F238E27FC236}">
+                <a16:creationId xmlns:a16="http://schemas.microsoft.com/office/drawing/2014/main" id="{BCED4D40-4B67-4331-AC48-79B82B4A47D8}"/>
               </a:ext>
               <a:ext uri="{C183D7F6-B498-43B3-948B-1728B52AA6E4}">
                 <adec:decorative xmlns:adec="http://schemas.microsoft.com/office/drawing/2017/decorative" val="1"/>
@@ -8002,7 +11416,7 @@
         <p:spPr>
           <a:xfrm>
             <a:off x="0" y="0"/>
-            <a:ext cx="12188952" cy="6858000"/>
+            <a:ext cx="12192000" cy="6858000"/>
           </a:xfrm>
           <a:prstGeom prst="rect">
             <a:avLst/>
@@ -8041,32 +11455,39 @@
           <p:cNvPr id="2" name="Cím 1">
             <a:extLst>
               <a:ext uri="{FF2B5EF4-FFF2-40B4-BE49-F238E27FC236}">
-                <a16:creationId xmlns:a16="http://schemas.microsoft.com/office/drawing/2014/main" id="{7236B3B0-4171-B5F7-E6F0-D915C76164F6}"/>
-              </a:ext>
-            </a:extLst>
-          </p:cNvPr>
-          <p:cNvSpPr>
-            <a:spLocks noGrp="1"/>
-          </p:cNvSpPr>
-          <p:nvPr>
-            <p:ph type="ctrTitle"/>
+                <a16:creationId xmlns:a16="http://schemas.microsoft.com/office/drawing/2014/main" id="{BE78EBFF-0782-426B-7342-7ACB16E73616}"/>
+              </a:ext>
+            </a:extLst>
+          </p:cNvPr>
+          <p:cNvSpPr>
+            <a:spLocks noGrp="1"/>
+          </p:cNvSpPr>
+          <p:nvPr>
+            <p:ph type="title"/>
           </p:nvPr>
         </p:nvSpPr>
         <p:spPr>
           <a:xfrm>
-            <a:off x="838200" y="451381"/>
-            <a:ext cx="10512552" cy="4066540"/>
+            <a:off x="638881" y="417576"/>
+            <a:ext cx="10909640" cy="1249394"/>
           </a:xfrm>
         </p:spPr>
         <p:txBody>
-          <a:bodyPr anchor="b">
+          <a:bodyPr vert="horz" lIns="91440" tIns="45720" rIns="91440" bIns="45720" rtlCol="0" anchor="ctr">
             <a:normAutofit/>
           </a:bodyPr>
           <a:lstStyle/>
           <a:p>
-            <a:pPr algn="l"/>
-            <a:r>
-              <a:rPr lang="hu-HU" sz="6600" b="1" dirty="0"/>
+            <a:pPr algn="ctr"/>
+            <a:r>
+              <a:rPr lang="en-US" sz="6600" b="1" kern="1200">
+                <a:solidFill>
+                  <a:schemeClr val="tx1"/>
+                </a:solidFill>
+                <a:latin typeface="+mj-lt"/>
+                <a:ea typeface="+mj-ea"/>
+                <a:cs typeface="+mj-cs"/>
+              </a:rPr>
               <a:t>Köszönöm szépen a figyelmet!</a:t>
             </a:r>
           </a:p>
@@ -8074,43 +11495,10 @@
       </p:sp>
       <p:sp>
         <p:nvSpPr>
-          <p:cNvPr id="3" name="Alcím 2">
-            <a:extLst>
-              <a:ext uri="{FF2B5EF4-FFF2-40B4-BE49-F238E27FC236}">
-                <a16:creationId xmlns:a16="http://schemas.microsoft.com/office/drawing/2014/main" id="{F6B977B9-1CBB-E874-326C-FA40AFC6D51E}"/>
-              </a:ext>
-            </a:extLst>
-          </p:cNvPr>
-          <p:cNvSpPr>
-            <a:spLocks noGrp="1"/>
-          </p:cNvSpPr>
-          <p:nvPr>
-            <p:ph type="subTitle" idx="1"/>
-          </p:nvPr>
-        </p:nvSpPr>
-        <p:spPr>
-          <a:xfrm>
-            <a:off x="838199" y="4983276"/>
-            <a:ext cx="10512552" cy="1126680"/>
-          </a:xfrm>
-        </p:spPr>
-        <p:txBody>
-          <a:bodyPr>
-            <a:normAutofit/>
-          </a:bodyPr>
-          <a:lstStyle/>
-          <a:p>
-            <a:pPr algn="l"/>
-            <a:endParaRPr lang="hu-HU"/>
-          </a:p>
-        </p:txBody>
-      </p:sp>
-      <p:sp>
-        <p:nvSpPr>
-          <p:cNvPr id="10" name="sketch line">
-            <a:extLst>
-              <a:ext uri="{FF2B5EF4-FFF2-40B4-BE49-F238E27FC236}">
-                <a16:creationId xmlns:a16="http://schemas.microsoft.com/office/drawing/2014/main" id="{DA542B6D-E775-4832-91DC-2D20F857813A}"/>
+          <p:cNvPr id="13" name="sketch line">
+            <a:extLst>
+              <a:ext uri="{FF2B5EF4-FFF2-40B4-BE49-F238E27FC236}">
+                <a16:creationId xmlns:a16="http://schemas.microsoft.com/office/drawing/2014/main" id="{670CEDEF-4F34-412E-84EE-329C1E936AF5}"/>
               </a:ext>
               <a:ext uri="{C183D7F6-B498-43B3-948B-1728B52AA6E4}">
                 <adec:decorative xmlns:adec="http://schemas.microsoft.com/office/drawing/2017/decorative" val="1"/>
@@ -8130,50 +11518,46 @@
         </p:nvSpPr>
         <p:spPr>
           <a:xfrm>
-            <a:off x="838200" y="4718595"/>
-            <a:ext cx="5410200" cy="18288"/>
+            <a:off x="3807702" y="1733454"/>
+            <a:ext cx="4572000" cy="18288"/>
           </a:xfrm>
           <a:custGeom>
             <a:avLst/>
             <a:gdLst>
-              <a:gd name="connsiteX0" fmla="*/ 0 w 5410200"/>
+              <a:gd name="connsiteX0" fmla="*/ 0 w 4572000"/>
               <a:gd name="connsiteY0" fmla="*/ 0 h 18288"/>
-              <a:gd name="connsiteX1" fmla="*/ 568071 w 5410200"/>
+              <a:gd name="connsiteX1" fmla="*/ 515983 w 4572000"/>
               <a:gd name="connsiteY1" fmla="*/ 0 h 18288"/>
-              <a:gd name="connsiteX2" fmla="*/ 1298448 w 5410200"/>
+              <a:gd name="connsiteX2" fmla="*/ 1031966 w 4572000"/>
               <a:gd name="connsiteY2" fmla="*/ 0 h 18288"/>
-              <a:gd name="connsiteX3" fmla="*/ 1920621 w 5410200"/>
+              <a:gd name="connsiteX3" fmla="*/ 1639389 w 4572000"/>
               <a:gd name="connsiteY3" fmla="*/ 0 h 18288"/>
-              <a:gd name="connsiteX4" fmla="*/ 2488692 w 5410200"/>
+              <a:gd name="connsiteX4" fmla="*/ 2383971 w 4572000"/>
               <a:gd name="connsiteY4" fmla="*/ 0 h 18288"/>
-              <a:gd name="connsiteX5" fmla="*/ 3219069 w 5410200"/>
+              <a:gd name="connsiteX5" fmla="*/ 2945674 w 4572000"/>
               <a:gd name="connsiteY5" fmla="*/ 0 h 18288"/>
-              <a:gd name="connsiteX6" fmla="*/ 3895344 w 5410200"/>
+              <a:gd name="connsiteX6" fmla="*/ 3507377 w 4572000"/>
               <a:gd name="connsiteY6" fmla="*/ 0 h 18288"/>
-              <a:gd name="connsiteX7" fmla="*/ 4571619 w 5410200"/>
+              <a:gd name="connsiteX7" fmla="*/ 4572000 w 4572000"/>
               <a:gd name="connsiteY7" fmla="*/ 0 h 18288"/>
-              <a:gd name="connsiteX8" fmla="*/ 5410200 w 5410200"/>
-              <a:gd name="connsiteY8" fmla="*/ 0 h 18288"/>
-              <a:gd name="connsiteX9" fmla="*/ 5410200 w 5410200"/>
+              <a:gd name="connsiteX8" fmla="*/ 4572000 w 4572000"/>
+              <a:gd name="connsiteY8" fmla="*/ 18288 h 18288"/>
+              <a:gd name="connsiteX9" fmla="*/ 3873137 w 4572000"/>
               <a:gd name="connsiteY9" fmla="*/ 18288 h 18288"/>
-              <a:gd name="connsiteX10" fmla="*/ 4842129 w 5410200"/>
+              <a:gd name="connsiteX10" fmla="*/ 3311434 w 4572000"/>
               <a:gd name="connsiteY10" fmla="*/ 18288 h 18288"/>
-              <a:gd name="connsiteX11" fmla="*/ 4328160 w 5410200"/>
+              <a:gd name="connsiteX11" fmla="*/ 2749731 w 4572000"/>
               <a:gd name="connsiteY11" fmla="*/ 18288 h 18288"/>
-              <a:gd name="connsiteX12" fmla="*/ 3597783 w 5410200"/>
+              <a:gd name="connsiteX12" fmla="*/ 2050869 w 4572000"/>
               <a:gd name="connsiteY12" fmla="*/ 18288 h 18288"/>
-              <a:gd name="connsiteX13" fmla="*/ 3029712 w 5410200"/>
+              <a:gd name="connsiteX13" fmla="*/ 1306286 w 4572000"/>
               <a:gd name="connsiteY13" fmla="*/ 18288 h 18288"/>
-              <a:gd name="connsiteX14" fmla="*/ 2299335 w 5410200"/>
+              <a:gd name="connsiteX14" fmla="*/ 790303 w 4572000"/>
               <a:gd name="connsiteY14" fmla="*/ 18288 h 18288"/>
-              <a:gd name="connsiteX15" fmla="*/ 1514856 w 5410200"/>
+              <a:gd name="connsiteX15" fmla="*/ 0 w 4572000"/>
               <a:gd name="connsiteY15" fmla="*/ 18288 h 18288"/>
-              <a:gd name="connsiteX16" fmla="*/ 892683 w 5410200"/>
-              <a:gd name="connsiteY16" fmla="*/ 18288 h 18288"/>
-              <a:gd name="connsiteX17" fmla="*/ 0 w 5410200"/>
-              <a:gd name="connsiteY17" fmla="*/ 18288 h 18288"/>
-              <a:gd name="connsiteX18" fmla="*/ 0 w 5410200"/>
-              <a:gd name="connsiteY18" fmla="*/ 0 h 18288"/>
+              <a:gd name="connsiteX16" fmla="*/ 0 w 4572000"/>
+              <a:gd name="connsiteY16" fmla="*/ 0 h 18288"/>
             </a:gdLst>
             <a:ahLst/>
             <a:cxnLst>
@@ -8228,203 +11612,177 @@
               <a:cxn ang="0">
                 <a:pos x="connsiteX16" y="connsiteY16"/>
               </a:cxn>
-              <a:cxn ang="0">
-                <a:pos x="connsiteX17" y="connsiteY17"/>
-              </a:cxn>
-              <a:cxn ang="0">
-                <a:pos x="connsiteX18" y="connsiteY18"/>
-              </a:cxn>
             </a:cxnLst>
             <a:rect l="l" t="t" r="r" b="b"/>
             <a:pathLst>
-              <a:path w="5410200" h="18288" fill="none" extrusionOk="0">
+              <a:path w="4572000" h="18288" fill="none" extrusionOk="0">
                 <a:moveTo>
                   <a:pt x="0" y="0"/>
                 </a:moveTo>
                 <a:cubicBezTo>
-                  <a:pt x="163050" y="-18707"/>
-                  <a:pt x="319321" y="-16364"/>
-                  <a:pt x="568071" y="0"/>
-                </a:cubicBezTo>
-                <a:cubicBezTo>
-                  <a:pt x="816821" y="16364"/>
-                  <a:pt x="1013224" y="-7268"/>
-                  <a:pt x="1298448" y="0"/>
-                </a:cubicBezTo>
-                <a:cubicBezTo>
-                  <a:pt x="1583672" y="7268"/>
-                  <a:pt x="1631711" y="-3367"/>
-                  <a:pt x="1920621" y="0"/>
-                </a:cubicBezTo>
-                <a:cubicBezTo>
-                  <a:pt x="2209531" y="3367"/>
-                  <a:pt x="2364420" y="-19184"/>
-                  <a:pt x="2488692" y="0"/>
-                </a:cubicBezTo>
-                <a:cubicBezTo>
-                  <a:pt x="2612964" y="19184"/>
-                  <a:pt x="3023298" y="-34627"/>
-                  <a:pt x="3219069" y="0"/>
-                </a:cubicBezTo>
-                <a:cubicBezTo>
-                  <a:pt x="3414840" y="34627"/>
-                  <a:pt x="3656810" y="24043"/>
-                  <a:pt x="3895344" y="0"/>
-                </a:cubicBezTo>
-                <a:cubicBezTo>
-                  <a:pt x="4133879" y="-24043"/>
-                  <a:pt x="4393984" y="-19577"/>
-                  <a:pt x="4571619" y="0"/>
-                </a:cubicBezTo>
-                <a:cubicBezTo>
-                  <a:pt x="4749255" y="19577"/>
-                  <a:pt x="5179928" y="-6281"/>
-                  <a:pt x="5410200" y="0"/>
-                </a:cubicBezTo>
-                <a:cubicBezTo>
-                  <a:pt x="5410730" y="6954"/>
-                  <a:pt x="5410934" y="12839"/>
-                  <a:pt x="5410200" y="18288"/>
-                </a:cubicBezTo>
-                <a:cubicBezTo>
-                  <a:pt x="5139060" y="6751"/>
-                  <a:pt x="5121593" y="31035"/>
-                  <a:pt x="4842129" y="18288"/>
-                </a:cubicBezTo>
-                <a:cubicBezTo>
-                  <a:pt x="4562665" y="5541"/>
-                  <a:pt x="4448273" y="9487"/>
-                  <a:pt x="4328160" y="18288"/>
-                </a:cubicBezTo>
-                <a:cubicBezTo>
-                  <a:pt x="4208047" y="27089"/>
-                  <a:pt x="3760936" y="22567"/>
-                  <a:pt x="3597783" y="18288"/>
-                </a:cubicBezTo>
-                <a:cubicBezTo>
-                  <a:pt x="3434630" y="14009"/>
-                  <a:pt x="3299718" y="33213"/>
-                  <a:pt x="3029712" y="18288"/>
-                </a:cubicBezTo>
-                <a:cubicBezTo>
-                  <a:pt x="2759706" y="3363"/>
-                  <a:pt x="2640159" y="27394"/>
-                  <a:pt x="2299335" y="18288"/>
-                </a:cubicBezTo>
-                <a:cubicBezTo>
-                  <a:pt x="1958511" y="9182"/>
-                  <a:pt x="1801186" y="28985"/>
-                  <a:pt x="1514856" y="18288"/>
-                </a:cubicBezTo>
-                <a:cubicBezTo>
-                  <a:pt x="1228526" y="7591"/>
-                  <a:pt x="1063509" y="-5305"/>
-                  <a:pt x="892683" y="18288"/>
-                </a:cubicBezTo>
-                <a:cubicBezTo>
-                  <a:pt x="721857" y="41881"/>
-                  <a:pt x="186945" y="-20897"/>
+                  <a:pt x="105156" y="-20963"/>
+                  <a:pt x="340432" y="822"/>
+                  <a:pt x="515983" y="0"/>
+                </a:cubicBezTo>
+                <a:cubicBezTo>
+                  <a:pt x="691534" y="-822"/>
+                  <a:pt x="850679" y="16479"/>
+                  <a:pt x="1031966" y="0"/>
+                </a:cubicBezTo>
+                <a:cubicBezTo>
+                  <a:pt x="1213253" y="-16479"/>
+                  <a:pt x="1443646" y="-18730"/>
+                  <a:pt x="1639389" y="0"/>
+                </a:cubicBezTo>
+                <a:cubicBezTo>
+                  <a:pt x="1835132" y="18730"/>
+                  <a:pt x="2159975" y="18531"/>
+                  <a:pt x="2383971" y="0"/>
+                </a:cubicBezTo>
+                <a:cubicBezTo>
+                  <a:pt x="2607967" y="-18531"/>
+                  <a:pt x="2719096" y="-12030"/>
+                  <a:pt x="2945674" y="0"/>
+                </a:cubicBezTo>
+                <a:cubicBezTo>
+                  <a:pt x="3172252" y="12030"/>
+                  <a:pt x="3269167" y="27666"/>
+                  <a:pt x="3507377" y="0"/>
+                </a:cubicBezTo>
+                <a:cubicBezTo>
+                  <a:pt x="3745587" y="-27666"/>
+                  <a:pt x="4116741" y="18705"/>
+                  <a:pt x="4572000" y="0"/>
+                </a:cubicBezTo>
+                <a:cubicBezTo>
+                  <a:pt x="4572895" y="8974"/>
+                  <a:pt x="4571454" y="9359"/>
+                  <a:pt x="4572000" y="18288"/>
+                </a:cubicBezTo>
+                <a:cubicBezTo>
+                  <a:pt x="4374698" y="3942"/>
+                  <a:pt x="4098874" y="-11042"/>
+                  <a:pt x="3873137" y="18288"/>
+                </a:cubicBezTo>
+                <a:cubicBezTo>
+                  <a:pt x="3647400" y="47618"/>
+                  <a:pt x="3517055" y="5421"/>
+                  <a:pt x="3311434" y="18288"/>
+                </a:cubicBezTo>
+                <a:cubicBezTo>
+                  <a:pt x="3105813" y="31155"/>
+                  <a:pt x="3025168" y="17856"/>
+                  <a:pt x="2749731" y="18288"/>
+                </a:cubicBezTo>
+                <a:cubicBezTo>
+                  <a:pt x="2474294" y="18720"/>
+                  <a:pt x="2291766" y="-14168"/>
+                  <a:pt x="2050869" y="18288"/>
+                </a:cubicBezTo>
+                <a:cubicBezTo>
+                  <a:pt x="1809972" y="50744"/>
+                  <a:pt x="1540276" y="46798"/>
+                  <a:pt x="1306286" y="18288"/>
+                </a:cubicBezTo>
+                <a:cubicBezTo>
+                  <a:pt x="1072296" y="-10222"/>
+                  <a:pt x="972445" y="19645"/>
+                  <a:pt x="790303" y="18288"/>
+                </a:cubicBezTo>
+                <a:cubicBezTo>
+                  <a:pt x="608161" y="16931"/>
+                  <a:pt x="200981" y="8241"/>
                   <a:pt x="0" y="18288"/>
                 </a:cubicBezTo>
                 <a:cubicBezTo>
-                  <a:pt x="-570" y="9279"/>
-                  <a:pt x="132" y="5100"/>
+                  <a:pt x="-229" y="14222"/>
+                  <a:pt x="509" y="5816"/>
                   <a:pt x="0" y="0"/>
                 </a:cubicBezTo>
                 <a:close/>
               </a:path>
-              <a:path w="5410200" h="18288" stroke="0" extrusionOk="0">
+              <a:path w="4572000" h="18288" stroke="0" extrusionOk="0">
                 <a:moveTo>
                   <a:pt x="0" y="0"/>
                 </a:moveTo>
                 <a:cubicBezTo>
-                  <a:pt x="285096" y="-4925"/>
-                  <a:pt x="376456" y="22268"/>
-                  <a:pt x="622173" y="0"/>
-                </a:cubicBezTo>
-                <a:cubicBezTo>
-                  <a:pt x="867890" y="-22268"/>
-                  <a:pt x="1031392" y="7228"/>
-                  <a:pt x="1136142" y="0"/>
-                </a:cubicBezTo>
-                <a:cubicBezTo>
-                  <a:pt x="1240892" y="-7228"/>
-                  <a:pt x="1561853" y="9877"/>
-                  <a:pt x="1920621" y="0"/>
-                </a:cubicBezTo>
-                <a:cubicBezTo>
-                  <a:pt x="2279389" y="-9877"/>
-                  <a:pt x="2367255" y="19546"/>
-                  <a:pt x="2542794" y="0"/>
-                </a:cubicBezTo>
-                <a:cubicBezTo>
-                  <a:pt x="2718333" y="-19546"/>
-                  <a:pt x="2866732" y="-22226"/>
-                  <a:pt x="3164967" y="0"/>
-                </a:cubicBezTo>
-                <a:cubicBezTo>
-                  <a:pt x="3463202" y="22226"/>
-                  <a:pt x="3568055" y="-2765"/>
-                  <a:pt x="3949446" y="0"/>
-                </a:cubicBezTo>
-                <a:cubicBezTo>
-                  <a:pt x="4330837" y="2765"/>
-                  <a:pt x="4287895" y="10557"/>
-                  <a:pt x="4517517" y="0"/>
-                </a:cubicBezTo>
-                <a:cubicBezTo>
-                  <a:pt x="4747139" y="-10557"/>
-                  <a:pt x="5149588" y="8716"/>
-                  <a:pt x="5410200" y="0"/>
-                </a:cubicBezTo>
-                <a:cubicBezTo>
-                  <a:pt x="5409517" y="5414"/>
-                  <a:pt x="5409480" y="12510"/>
-                  <a:pt x="5410200" y="18288"/>
-                </a:cubicBezTo>
-                <a:cubicBezTo>
-                  <a:pt x="5163327" y="41494"/>
-                  <a:pt x="5008749" y="10693"/>
-                  <a:pt x="4842129" y="18288"/>
-                </a:cubicBezTo>
-                <a:cubicBezTo>
-                  <a:pt x="4675509" y="25883"/>
-                  <a:pt x="4433401" y="-615"/>
-                  <a:pt x="4165854" y="18288"/>
-                </a:cubicBezTo>
-                <a:cubicBezTo>
-                  <a:pt x="3898308" y="37191"/>
-                  <a:pt x="3809032" y="-8710"/>
-                  <a:pt x="3543681" y="18288"/>
-                </a:cubicBezTo>
-                <a:cubicBezTo>
-                  <a:pt x="3278330" y="45286"/>
-                  <a:pt x="3073876" y="-15917"/>
-                  <a:pt x="2759202" y="18288"/>
-                </a:cubicBezTo>
-                <a:cubicBezTo>
-                  <a:pt x="2444528" y="52493"/>
-                  <a:pt x="2204144" y="3372"/>
-                  <a:pt x="1974723" y="18288"/>
-                </a:cubicBezTo>
-                <a:cubicBezTo>
-                  <a:pt x="1745302" y="33204"/>
-                  <a:pt x="1602335" y="31490"/>
-                  <a:pt x="1406652" y="18288"/>
-                </a:cubicBezTo>
-                <a:cubicBezTo>
-                  <a:pt x="1210969" y="5086"/>
-                  <a:pt x="923948" y="3161"/>
-                  <a:pt x="730377" y="18288"/>
-                </a:cubicBezTo>
-                <a:cubicBezTo>
-                  <a:pt x="536806" y="33415"/>
-                  <a:pt x="336496" y="-141"/>
+                  <a:pt x="143285" y="-9565"/>
+                  <a:pt x="327959" y="-11498"/>
+                  <a:pt x="561703" y="0"/>
+                </a:cubicBezTo>
+                <a:cubicBezTo>
+                  <a:pt x="795447" y="11498"/>
+                  <a:pt x="838260" y="18255"/>
+                  <a:pt x="1077686" y="0"/>
+                </a:cubicBezTo>
+                <a:cubicBezTo>
+                  <a:pt x="1317112" y="-18255"/>
+                  <a:pt x="1437472" y="23514"/>
+                  <a:pt x="1639389" y="0"/>
+                </a:cubicBezTo>
+                <a:cubicBezTo>
+                  <a:pt x="1841306" y="-23514"/>
+                  <a:pt x="2037142" y="-12551"/>
+                  <a:pt x="2292531" y="0"/>
+                </a:cubicBezTo>
+                <a:cubicBezTo>
+                  <a:pt x="2547920" y="12551"/>
+                  <a:pt x="2810436" y="-20352"/>
+                  <a:pt x="2991394" y="0"/>
+                </a:cubicBezTo>
+                <a:cubicBezTo>
+                  <a:pt x="3172352" y="20352"/>
+                  <a:pt x="3530025" y="-13347"/>
+                  <a:pt x="3735977" y="0"/>
+                </a:cubicBezTo>
+                <a:cubicBezTo>
+                  <a:pt x="3941929" y="13347"/>
+                  <a:pt x="4161497" y="34086"/>
+                  <a:pt x="4572000" y="0"/>
+                </a:cubicBezTo>
+                <a:cubicBezTo>
+                  <a:pt x="4571545" y="6162"/>
+                  <a:pt x="4571903" y="11775"/>
+                  <a:pt x="4572000" y="18288"/>
+                </a:cubicBezTo>
+                <a:cubicBezTo>
+                  <a:pt x="4228040" y="36490"/>
+                  <a:pt x="4199736" y="42557"/>
+                  <a:pt x="3873137" y="18288"/>
+                </a:cubicBezTo>
+                <a:cubicBezTo>
+                  <a:pt x="3546538" y="-5981"/>
+                  <a:pt x="3472124" y="16809"/>
+                  <a:pt x="3128554" y="18288"/>
+                </a:cubicBezTo>
+                <a:cubicBezTo>
+                  <a:pt x="2784984" y="19767"/>
+                  <a:pt x="2735896" y="-17781"/>
+                  <a:pt x="2383971" y="18288"/>
+                </a:cubicBezTo>
+                <a:cubicBezTo>
+                  <a:pt x="2032046" y="54357"/>
+                  <a:pt x="2019324" y="2920"/>
+                  <a:pt x="1867989" y="18288"/>
+                </a:cubicBezTo>
+                <a:cubicBezTo>
+                  <a:pt x="1716654" y="33656"/>
+                  <a:pt x="1418675" y="32575"/>
+                  <a:pt x="1169126" y="18288"/>
+                </a:cubicBezTo>
+                <a:cubicBezTo>
+                  <a:pt x="919577" y="4001"/>
+                  <a:pt x="798537" y="16165"/>
+                  <a:pt x="561703" y="18288"/>
+                </a:cubicBezTo>
+                <a:cubicBezTo>
+                  <a:pt x="324869" y="20411"/>
+                  <a:pt x="221395" y="-912"/>
                   <a:pt x="0" y="18288"/>
                 </a:cubicBezTo>
                 <a:cubicBezTo>
-                  <a:pt x="-306" y="11061"/>
-                  <a:pt x="-655" y="7751"/>
+                  <a:pt x="766" y="10800"/>
+                  <a:pt x="-457" y="8180"/>
                   <a:pt x="0" y="0"/>
                 </a:cubicBezTo>
                 <a:close/>
@@ -8441,7 +11799,7 @@
             <a:round/>
             <a:extLst>
               <a:ext uri="{C807C97D-BFC1-408E-A445-0C87EB9F89A2}">
-                <ask:lineSketchStyleProps xmlns:ask="http://schemas.microsoft.com/office/drawing/2018/sketchyshapes" sd="1219033472">
+                <ask:lineSketchStyleProps xmlns:ask="http://schemas.microsoft.com/office/drawing/2018/sketchyshapes" sd="2727557108">
                   <a:prstGeom prst="rect">
                     <a:avLst/>
                   </a:prstGeom>
@@ -8478,10 +11836,134 @@
           </a:p>
         </p:txBody>
       </p:sp>
+      <p:pic>
+        <p:nvPicPr>
+          <p:cNvPr id="6" name="Tartalom helye 8" descr="A képen képernyőkép, diagram, sor, Post-it cetli látható&#10;&#10;Automatikusan generált leírás">
+            <a:extLst>
+              <a:ext uri="{FF2B5EF4-FFF2-40B4-BE49-F238E27FC236}">
+                <a16:creationId xmlns:a16="http://schemas.microsoft.com/office/drawing/2014/main" id="{7919A298-7873-EB49-4BA4-525F1112A65E}"/>
+              </a:ext>
+            </a:extLst>
+          </p:cNvPr>
+          <p:cNvPicPr>
+            <a:picLocks noGrp="1" noChangeAspect="1"/>
+          </p:cNvPicPr>
+          <p:nvPr>
+            <p:ph idx="1"/>
+          </p:nvPr>
+        </p:nvPicPr>
+        <p:blipFill>
+          <a:blip r:embed="rId3">
+            <a:extLst>
+              <a:ext uri="{28A0092B-C50C-407E-A947-70E740481C1C}">
+                <a14:useLocalDpi xmlns:a14="http://schemas.microsoft.com/office/drawing/2010/main" val="0"/>
+              </a:ext>
+            </a:extLst>
+          </a:blip>
+          <a:stretch>
+            <a:fillRect/>
+          </a:stretch>
+        </p:blipFill>
+        <p:spPr>
+          <a:xfrm>
+            <a:off x="372380" y="2366712"/>
+            <a:ext cx="11447240" cy="3834826"/>
+          </a:xfrm>
+          <a:prstGeom prst="rect">
+            <a:avLst/>
+          </a:prstGeom>
+        </p:spPr>
+      </p:pic>
+      <p:sp>
+        <p:nvSpPr>
+          <p:cNvPr id="4" name="Dátum helye 3">
+            <a:extLst>
+              <a:ext uri="{FF2B5EF4-FFF2-40B4-BE49-F238E27FC236}">
+                <a16:creationId xmlns:a16="http://schemas.microsoft.com/office/drawing/2014/main" id="{BC8017B1-9776-4AA6-DBFE-8A90DA99B95A}"/>
+              </a:ext>
+            </a:extLst>
+          </p:cNvPr>
+          <p:cNvSpPr>
+            <a:spLocks noGrp="1"/>
+          </p:cNvSpPr>
+          <p:nvPr>
+            <p:ph type="dt" sz="half" idx="10"/>
+          </p:nvPr>
+        </p:nvSpPr>
+        <p:spPr>
+          <a:xfrm>
+            <a:off x="838200" y="6356350"/>
+            <a:ext cx="2743200" cy="365125"/>
+          </a:xfrm>
+        </p:spPr>
+        <p:txBody>
+          <a:bodyPr vert="horz" lIns="91440" tIns="45720" rIns="91440" bIns="45720" rtlCol="0" anchor="ctr">
+            <a:normAutofit/>
+          </a:bodyPr>
+          <a:lstStyle/>
+          <a:p>
+            <a:pPr>
+              <a:spcAft>
+                <a:spcPts val="600"/>
+              </a:spcAft>
+            </a:pPr>
+            <a:endParaRPr lang="en-US" dirty="0">
+              <a:solidFill>
+                <a:schemeClr val="tx1">
+                  <a:tint val="75000"/>
+                </a:schemeClr>
+              </a:solidFill>
+            </a:endParaRPr>
+          </a:p>
+        </p:txBody>
+      </p:sp>
+      <p:sp>
+        <p:nvSpPr>
+          <p:cNvPr id="5" name="Dia számának helye 4">
+            <a:extLst>
+              <a:ext uri="{FF2B5EF4-FFF2-40B4-BE49-F238E27FC236}">
+                <a16:creationId xmlns:a16="http://schemas.microsoft.com/office/drawing/2014/main" id="{7F2E5E6D-BD8D-265F-A6D0-BE50AF6D640E}"/>
+              </a:ext>
+            </a:extLst>
+          </p:cNvPr>
+          <p:cNvSpPr>
+            <a:spLocks noGrp="1"/>
+          </p:cNvSpPr>
+          <p:nvPr>
+            <p:ph type="sldNum" sz="quarter" idx="12"/>
+          </p:nvPr>
+        </p:nvSpPr>
+        <p:spPr>
+          <a:xfrm>
+            <a:off x="8610600" y="6356350"/>
+            <a:ext cx="2743200" cy="365125"/>
+          </a:xfrm>
+        </p:spPr>
+        <p:txBody>
+          <a:bodyPr vert="horz" lIns="91440" tIns="45720" rIns="91440" bIns="45720" rtlCol="0" anchor="ctr">
+            <a:normAutofit/>
+          </a:bodyPr>
+          <a:lstStyle/>
+          <a:p>
+            <a:pPr marL="0" algn="l" defTabSz="914400" rtl="0" eaLnBrk="1" latinLnBrk="0" hangingPunct="1">
+              <a:spcAft>
+                <a:spcPts val="600"/>
+              </a:spcAft>
+            </a:pPr>
+            <a:endParaRPr lang="en-US" dirty="0">
+              <a:solidFill>
+                <a:schemeClr val="tx1">
+                  <a:tint val="75000"/>
+                </a:schemeClr>
+              </a:solidFill>
+            </a:endParaRPr>
+          </a:p>
+        </p:txBody>
+      </p:sp>
     </p:spTree>
     <p:extLst>
       <p:ext uri="{BB962C8B-B14F-4D97-AF65-F5344CB8AC3E}">
-        <p14:creationId xmlns:p14="http://schemas.microsoft.com/office/powerpoint/2010/main" val="128792090"/>
+        <p14:creationId xmlns:p14="http://schemas.microsoft.com/office/powerpoint/2010/main" val="804912886"/>
       </p:ext>
     </p:extLst>
   </p:cSld>
@@ -8617,16 +12099,12 @@
               <a:t>[2] </a:t>
             </a:r>
             <a:r>
-              <a:rPr lang="hu-HU" sz="1800" u="sng" dirty="0" err="1"/>
+              <a:rPr lang="hu-HU" sz="1800" dirty="0" err="1"/>
               <a:t>Varun</a:t>
             </a:r>
             <a:r>
-              <a:rPr lang="hu-HU" sz="1800" u="sng" dirty="0"/>
-              <a:t>, </a:t>
-            </a:r>
-            <a:r>
               <a:rPr lang="hu-HU" sz="1800" dirty="0"/>
-              <a:t>(2020.09.27.), </a:t>
+              <a:t>, (2020.09.27.), </a:t>
             </a:r>
             <a:r>
               <a:rPr lang="hu-HU" sz="1800" dirty="0" err="1"/>
@@ -8717,7 +12195,7 @@
               <a:t> in Python, towardsdatascience.com ,</a:t>
             </a:r>
             <a:r>
-              <a:rPr lang="hu-HU" sz="1800" u="sng" dirty="0">
+              <a:rPr lang="hu-HU" sz="1800" dirty="0">
                 <a:hlinkClick r:id="rId3"/>
               </a:rPr>
               <a:t>https://towardsdatascience.com/cosine-similarity-how-does-it-measure-the-similarity-maths-behind-and-usage-in-python-50ad30aad7db/</a:t>
@@ -8725,6 +12203,262 @@
             <a:endParaRPr lang="hu-HU" sz="1800" dirty="0"/>
           </a:p>
           <a:p>
+            <a:r>
+              <a:rPr lang="hu-HU" sz="1800" dirty="0"/>
+              <a:t>[3] </a:t>
+            </a:r>
+            <a:r>
+              <a:rPr lang="hu-HU" sz="1800" dirty="0" err="1">
+                <a:solidFill>
+                  <a:srgbClr val="000000"/>
+                </a:solidFill>
+                <a:effectLst/>
+              </a:rPr>
+              <a:t>Pranav</a:t>
+            </a:r>
+            <a:r>
+              <a:rPr lang="hu-HU" sz="1800" dirty="0">
+                <a:solidFill>
+                  <a:srgbClr val="000000"/>
+                </a:solidFill>
+                <a:effectLst/>
+              </a:rPr>
+              <a:t> </a:t>
+            </a:r>
+            <a:r>
+              <a:rPr lang="hu-HU" sz="1800" dirty="0" err="1">
+                <a:solidFill>
+                  <a:srgbClr val="000000"/>
+                </a:solidFill>
+                <a:effectLst/>
+              </a:rPr>
+              <a:t>Rajpurkar</a:t>
+            </a:r>
+            <a:r>
+              <a:rPr lang="hu-HU" sz="1800" dirty="0">
+                <a:solidFill>
+                  <a:srgbClr val="000000"/>
+                </a:solidFill>
+                <a:effectLst/>
+              </a:rPr>
+              <a:t>, </a:t>
+            </a:r>
+            <a:r>
+              <a:rPr lang="hu-HU" sz="1800" dirty="0" err="1">
+                <a:solidFill>
+                  <a:srgbClr val="000000"/>
+                </a:solidFill>
+                <a:effectLst/>
+              </a:rPr>
+              <a:t>Jian</a:t>
+            </a:r>
+            <a:r>
+              <a:rPr lang="hu-HU" sz="1800" dirty="0">
+                <a:solidFill>
+                  <a:srgbClr val="000000"/>
+                </a:solidFill>
+                <a:effectLst/>
+              </a:rPr>
+              <a:t> </a:t>
+            </a:r>
+            <a:r>
+              <a:rPr lang="hu-HU" sz="1800" dirty="0" err="1">
+                <a:solidFill>
+                  <a:srgbClr val="000000"/>
+                </a:solidFill>
+                <a:effectLst/>
+              </a:rPr>
+              <a:t>Zhang</a:t>
+            </a:r>
+            <a:r>
+              <a:rPr lang="hu-HU" sz="1800" dirty="0">
+                <a:solidFill>
+                  <a:srgbClr val="000000"/>
+                </a:solidFill>
+                <a:effectLst/>
+              </a:rPr>
+              <a:t>, </a:t>
+            </a:r>
+            <a:r>
+              <a:rPr lang="hu-HU" sz="1800" dirty="0">
+                <a:effectLst/>
+              </a:rPr>
+              <a:t>Konstantin</a:t>
+            </a:r>
+            <a:r>
+              <a:rPr lang="hu-HU" sz="1800" dirty="0">
+                <a:solidFill>
+                  <a:srgbClr val="000000"/>
+                </a:solidFill>
+                <a:effectLst/>
+              </a:rPr>
+              <a:t> </a:t>
+            </a:r>
+            <a:r>
+              <a:rPr lang="hu-HU" sz="1800" dirty="0" err="1">
+                <a:solidFill>
+                  <a:srgbClr val="000000"/>
+                </a:solidFill>
+                <a:effectLst/>
+              </a:rPr>
+              <a:t>Lopyrev</a:t>
+            </a:r>
+            <a:r>
+              <a:rPr lang="hu-HU" sz="1800" dirty="0">
+                <a:solidFill>
+                  <a:srgbClr val="000000"/>
+                </a:solidFill>
+                <a:effectLst/>
+              </a:rPr>
+              <a:t>, Percy </a:t>
+            </a:r>
+            <a:r>
+              <a:rPr lang="hu-HU" sz="1800" dirty="0" err="1">
+                <a:solidFill>
+                  <a:srgbClr val="000000"/>
+                </a:solidFill>
+                <a:effectLst/>
+              </a:rPr>
+              <a:t>Liang</a:t>
+            </a:r>
+            <a:r>
+              <a:rPr lang="hu-HU" sz="1800" dirty="0">
+                <a:solidFill>
+                  <a:srgbClr val="000000"/>
+                </a:solidFill>
+                <a:effectLst/>
+              </a:rPr>
+              <a:t>, (2016.06.16.),</a:t>
+            </a:r>
+            <a:r>
+              <a:rPr lang="hu-HU" sz="1800" dirty="0" err="1">
+                <a:solidFill>
+                  <a:srgbClr val="000000"/>
+                </a:solidFill>
+                <a:effectLst/>
+              </a:rPr>
+              <a:t>SQuAD</a:t>
+            </a:r>
+            <a:r>
+              <a:rPr lang="hu-HU" sz="1800" dirty="0">
+                <a:solidFill>
+                  <a:srgbClr val="000000"/>
+                </a:solidFill>
+                <a:effectLst/>
+              </a:rPr>
+              <a:t>:</a:t>
+            </a:r>
+          </a:p>
+          <a:p>
+            <a:r>
+              <a:rPr lang="hu-HU" sz="1800" dirty="0">
+                <a:solidFill>
+                  <a:srgbClr val="000000"/>
+                </a:solidFill>
+                <a:effectLst/>
+              </a:rPr>
+              <a:t>100,000+ </a:t>
+            </a:r>
+            <a:r>
+              <a:rPr lang="hu-HU" sz="1800" dirty="0" err="1">
+                <a:solidFill>
+                  <a:srgbClr val="000000"/>
+                </a:solidFill>
+                <a:effectLst/>
+              </a:rPr>
+              <a:t>Questions</a:t>
+            </a:r>
+            <a:r>
+              <a:rPr lang="hu-HU" sz="1800" dirty="0">
+                <a:solidFill>
+                  <a:srgbClr val="000000"/>
+                </a:solidFill>
+                <a:effectLst/>
+              </a:rPr>
+              <a:t> </a:t>
+            </a:r>
+            <a:r>
+              <a:rPr lang="hu-HU" sz="1800" dirty="0" err="1">
+                <a:solidFill>
+                  <a:srgbClr val="000000"/>
+                </a:solidFill>
+                <a:effectLst/>
+              </a:rPr>
+              <a:t>for</a:t>
+            </a:r>
+            <a:r>
+              <a:rPr lang="hu-HU" sz="1800" dirty="0">
+                <a:solidFill>
+                  <a:srgbClr val="000000"/>
+                </a:solidFill>
+                <a:effectLst/>
+              </a:rPr>
+              <a:t> </a:t>
+            </a:r>
+            <a:r>
+              <a:rPr lang="hu-HU" sz="1800" dirty="0" err="1">
+                <a:solidFill>
+                  <a:srgbClr val="000000"/>
+                </a:solidFill>
+                <a:effectLst/>
+              </a:rPr>
+              <a:t>Machine</a:t>
+            </a:r>
+            <a:r>
+              <a:rPr lang="hu-HU" sz="1800" dirty="0">
+                <a:solidFill>
+                  <a:srgbClr val="000000"/>
+                </a:solidFill>
+                <a:effectLst/>
+              </a:rPr>
+              <a:t> </a:t>
+            </a:r>
+            <a:r>
+              <a:rPr lang="hu-HU" sz="1800" dirty="0" err="1">
+                <a:solidFill>
+                  <a:srgbClr val="000000"/>
+                </a:solidFill>
+                <a:effectLst/>
+              </a:rPr>
+              <a:t>Comprehension</a:t>
+            </a:r>
+            <a:r>
+              <a:rPr lang="hu-HU" sz="1800" dirty="0">
+                <a:solidFill>
+                  <a:srgbClr val="000000"/>
+                </a:solidFill>
+                <a:effectLst/>
+              </a:rPr>
+              <a:t> of Text, </a:t>
+            </a:r>
+            <a:r>
+              <a:rPr lang="hu-HU" sz="1800" dirty="0" err="1">
+                <a:solidFill>
+                  <a:srgbClr val="000000"/>
+                </a:solidFill>
+                <a:effectLst/>
+              </a:rPr>
+              <a:t>ArXiv</a:t>
+            </a:r>
+            <a:r>
+              <a:rPr lang="hu-HU" sz="1800" dirty="0">
+                <a:solidFill>
+                  <a:srgbClr val="000000"/>
+                </a:solidFill>
+                <a:effectLst/>
+              </a:rPr>
+              <a:t>, </a:t>
+            </a:r>
+            <a:r>
+              <a:rPr lang="hu-HU" sz="1800" b="0" i="0" u="sng" dirty="0">
+                <a:effectLst/>
+                <a:hlinkClick r:id="rId4"/>
+              </a:rPr>
+              <a:t>https://doi.org/10.48550/arXiv.1606.05250</a:t>
+            </a:r>
+            <a:endParaRPr lang="hu-HU" sz="1800" dirty="0"/>
+          </a:p>
+          <a:p>
             <a:endParaRPr lang="hu-HU" sz="2000" dirty="0"/>
           </a:p>
         </p:txBody>
@@ -8750,11 +12484,7 @@
           <a:bodyPr/>
           <a:lstStyle/>
           <a:p>
-            <a:fld id="{A3369F3F-A62C-A143-BDC3-1E7D9C7303DA}" type="datetime1">
-              <a:rPr lang="hu-HU" smtClean="0"/>
-              <a:t>2025. 11. 06.</a:t>
-            </a:fld>
-            <a:endParaRPr lang="hu-HU"/>
+            <a:endParaRPr lang="hu-HU" dirty="0"/>
           </a:p>
         </p:txBody>
       </p:sp>
@@ -8779,14 +12509,8 @@
           <a:bodyPr/>
           <a:lstStyle/>
           <a:p>
-            <a:fld id="{61F88ADF-3301-4598-B089-C6A4CC92BE83}" type="slidenum">
-              <a:rPr lang="hu-HU" smtClean="0"/>
-              <a:t>22</a:t>
-            </a:fld>
-            <a:r>
-              <a:rPr lang="hu-HU" dirty="0"/>
-              <a:t>/14</a:t>
-            </a:r>
+            <a:pPr marL="0" algn="l" defTabSz="914400" rtl="0" eaLnBrk="1" latinLnBrk="0" hangingPunct="1"/>
+            <a:endParaRPr lang="hu-HU" dirty="0"/>
           </a:p>
         </p:txBody>
       </p:sp>
@@ -9594,7 +13318,7 @@
               <a:t>Adathalmaz: </a:t>
             </a:r>
             <a:r>
-              <a:rPr lang="hu-HU" sz="2200" dirty="0" err="1"/>
+              <a:rPr lang="hu-HU" sz="2200" b="1" dirty="0" err="1"/>
               <a:t>SQuAD</a:t>
             </a:r>
             <a:r>
@@ -9681,7 +13405,7 @@
           <a:p>
             <a:fld id="{308DC56D-A89B-7A46-BB67-D506DBA2B2C4}" type="datetime1">
               <a:rPr lang="hu-HU" smtClean="0"/>
-              <a:t>2025. 11. 06.</a:t>
+              <a:t>2025. 11. 08.</a:t>
             </a:fld>
             <a:endParaRPr lang="hu-HU"/>
           </a:p>
@@ -10144,7 +13868,7 @@
         <p:spPr>
           <a:xfrm>
             <a:off x="630936" y="2660904"/>
-            <a:ext cx="4818888" cy="3547872"/>
+            <a:ext cx="5468112" cy="3547872"/>
           </a:xfrm>
         </p:spPr>
         <p:txBody>
@@ -10154,6 +13878,12 @@
           <a:lstStyle/>
           <a:p>
             <a:r>
+              <a:rPr lang="hu-HU" sz="2200" dirty="0"/>
+              <a:t>A szövegrészek vektoros reprezentációja</a:t>
+            </a:r>
+          </a:p>
+          <a:p>
+            <a:r>
               <a:rPr lang="hu-HU" sz="2200" dirty="0" err="1"/>
               <a:t>Sentence</a:t>
             </a:r>
@@ -10166,15 +13896,7 @@
             <a:pPr lvl="1"/>
             <a:r>
               <a:rPr lang="hu-HU" sz="2200" dirty="0"/>
-              <a:t>all-MiniLM-L6-v2 (384 </a:t>
-            </a:r>
-            <a:r>
-              <a:rPr lang="hu-HU" sz="2200" dirty="0" err="1"/>
-              <a:t>Dim</a:t>
-            </a:r>
-            <a:r>
-              <a:rPr lang="hu-HU" sz="2200" dirty="0"/>
-              <a:t>)</a:t>
+              <a:t>all-MiniLM-L6-v2 (384 dimenzió)</a:t>
             </a:r>
           </a:p>
           <a:p>
@@ -10191,18 +13913,9 @@
               <a:rPr lang="hu-HU" sz="2200" dirty="0"/>
             </a:br>
             <a:r>
-              <a:rPr lang="hu-HU" dirty="0"/>
-              <a:t>(1024 </a:t>
-            </a:r>
-            <a:r>
-              <a:rPr lang="hu-HU" dirty="0" err="1"/>
-              <a:t>Dim</a:t>
-            </a:r>
-            <a:r>
-              <a:rPr lang="hu-HU" dirty="0"/>
-              <a:t>)</a:t>
-            </a:r>
-            <a:endParaRPr lang="hu-HU" sz="2200" dirty="0"/>
+              <a:rPr lang="hu-HU" sz="2200" dirty="0"/>
+              <a:t>(1024 dimenzió)</a:t>
+            </a:r>
           </a:p>
           <a:p>
             <a:endParaRPr lang="hu-HU" sz="2200" dirty="0"/>
@@ -10227,7 +13940,7 @@
           <p:nvPr/>
         </p:nvPicPr>
         <p:blipFill>
-          <a:blip r:embed="rId2">
+          <a:blip r:embed="rId3">
             <a:extLst>
               <a:ext uri="{28A0092B-C50C-407E-A947-70E740481C1C}">
                 <a14:useLocalDpi xmlns:a14="http://schemas.microsoft.com/office/drawing/2010/main" val="0"/>
@@ -10271,7 +13984,7 @@
           <a:p>
             <a:fld id="{4FAACB8C-8A8C-8F41-B579-E127A30BCC8D}" type="datetime1">
               <a:rPr lang="hu-HU" smtClean="0"/>
-              <a:t>2025. 11. 06.</a:t>
+              <a:t>2025. 11. 08.</a:t>
             </a:fld>
             <a:endParaRPr lang="hu-HU"/>
           </a:p>
@@ -10444,7 +14157,7 @@
           <p:nvPr/>
         </p:nvPicPr>
         <p:blipFill>
-          <a:blip r:embed="rId2" cstate="print">
+          <a:blip r:embed="rId3" cstate="print">
             <a:extLst>
               <a:ext uri="{28A0092B-C50C-407E-A947-70E740481C1C}">
                 <a14:useLocalDpi xmlns:a14="http://schemas.microsoft.com/office/drawing/2010/main" val="0"/>
@@ -10480,7 +14193,7 @@
           <p:nvPr/>
         </p:nvPicPr>
         <p:blipFill>
-          <a:blip r:embed="rId3">
+          <a:blip r:embed="rId4">
             <a:extLst>
               <a:ext uri="{28A0092B-C50C-407E-A947-70E740481C1C}">
                 <a14:useLocalDpi xmlns:a14="http://schemas.microsoft.com/office/drawing/2010/main" val="0"/>
@@ -10524,7 +14237,7 @@
           <a:p>
             <a:fld id="{4368D167-9427-CA44-9384-E35089ED55DF}" type="datetime1">
               <a:rPr lang="hu-HU" smtClean="0"/>
-              <a:t>2025. 11. 06.</a:t>
+              <a:t>2025. 11. 08.</a:t>
             </a:fld>
             <a:endParaRPr lang="hu-HU"/>
           </a:p>
@@ -10576,677 +14289,6 @@
 </file>
 
 <file path=ppt/slides/slide6.xml><?xml version="1.0" encoding="utf-8"?>
-<p:sld xmlns:a="http://schemas.openxmlformats.org/drawingml/2006/main" xmlns:r="http://schemas.openxmlformats.org/officeDocument/2006/relationships" xmlns:p="http://schemas.openxmlformats.org/presentationml/2006/main">
-  <p:cSld>
-    <p:bg>
-      <p:bgPr>
-        <a:solidFill>
-          <a:schemeClr val="bg1"/>
-        </a:solidFill>
-        <a:effectLst/>
-      </p:bgPr>
-    </p:bg>
-    <p:spTree>
-      <p:nvGrpSpPr>
-        <p:cNvPr id="1" name=""/>
-        <p:cNvGrpSpPr/>
-        <p:nvPr/>
-      </p:nvGrpSpPr>
-      <p:grpSpPr>
-        <a:xfrm>
-          <a:off x="0" y="0"/>
-          <a:ext cx="0" cy="0"/>
-          <a:chOff x="0" y="0"/>
-          <a:chExt cx="0" cy="0"/>
-        </a:xfrm>
-      </p:grpSpPr>
-      <p:sp useBgFill="1">
-        <p:nvSpPr>
-          <p:cNvPr id="26" name="Rectangle 25">
-            <a:extLst>
-              <a:ext uri="{FF2B5EF4-FFF2-40B4-BE49-F238E27FC236}">
-                <a16:creationId xmlns:a16="http://schemas.microsoft.com/office/drawing/2014/main" id="{BCED4D40-4B67-4331-AC48-79B82B4A47D8}"/>
-              </a:ext>
-              <a:ext uri="{C183D7F6-B498-43B3-948B-1728B52AA6E4}">
-                <adec:decorative xmlns:adec="http://schemas.microsoft.com/office/drawing/2017/decorative" val="1"/>
-              </a:ext>
-            </a:extLst>
-          </p:cNvPr>
-          <p:cNvSpPr>
-            <a:spLocks noGrp="1" noRot="1" noChangeAspect="1" noMove="1" noResize="1" noEditPoints="1" noAdjustHandles="1" noChangeArrowheads="1" noChangeShapeType="1" noTextEdit="1"/>
-          </p:cNvSpPr>
-          <p:nvPr>
-            <p:extLst>
-              <p:ext uri="{386F3935-93C4-4BCD-93E2-E3B085C9AB24}">
-                <p16:designElem xmlns:p16="http://schemas.microsoft.com/office/powerpoint/2015/main" val="1"/>
-              </p:ext>
-            </p:extLst>
-          </p:nvPr>
-        </p:nvSpPr>
-        <p:spPr>
-          <a:xfrm>
-            <a:off x="0" y="0"/>
-            <a:ext cx="12192000" cy="6858000"/>
-          </a:xfrm>
-          <a:prstGeom prst="rect">
-            <a:avLst/>
-          </a:prstGeom>
-          <a:ln>
-            <a:noFill/>
-          </a:ln>
-        </p:spPr>
-        <p:style>
-          <a:lnRef idx="2">
-            <a:schemeClr val="accent1">
-              <a:shade val="50000"/>
-            </a:schemeClr>
-          </a:lnRef>
-          <a:fillRef idx="1">
-            <a:schemeClr val="accent1"/>
-          </a:fillRef>
-          <a:effectRef idx="0">
-            <a:schemeClr val="accent1"/>
-          </a:effectRef>
-          <a:fontRef idx="minor">
-            <a:schemeClr val="lt1"/>
-          </a:fontRef>
-        </p:style>
-        <p:txBody>
-          <a:bodyPr rtlCol="0" anchor="ctr"/>
-          <a:lstStyle/>
-          <a:p>
-            <a:pPr algn="ctr"/>
-            <a:endParaRPr lang="en-US"/>
-          </a:p>
-        </p:txBody>
-      </p:sp>
-      <p:sp>
-        <p:nvSpPr>
-          <p:cNvPr id="2" name="Cím 1">
-            <a:extLst>
-              <a:ext uri="{FF2B5EF4-FFF2-40B4-BE49-F238E27FC236}">
-                <a16:creationId xmlns:a16="http://schemas.microsoft.com/office/drawing/2014/main" id="{D257D935-F018-FC86-5390-C2B7453B3B79}"/>
-              </a:ext>
-            </a:extLst>
-          </p:cNvPr>
-          <p:cNvSpPr>
-            <a:spLocks noGrp="1"/>
-          </p:cNvSpPr>
-          <p:nvPr>
-            <p:ph type="title"/>
-          </p:nvPr>
-        </p:nvSpPr>
-        <p:spPr>
-          <a:xfrm>
-            <a:off x="638881" y="417576"/>
-            <a:ext cx="10909640" cy="1249394"/>
-          </a:xfrm>
-        </p:spPr>
-        <p:txBody>
-          <a:bodyPr vert="horz" lIns="91440" tIns="45720" rIns="91440" bIns="45720" rtlCol="0" anchor="ctr">
-            <a:normAutofit/>
-          </a:bodyPr>
-          <a:lstStyle/>
-          <a:p>
-            <a:pPr algn="ctr"/>
-            <a:r>
-              <a:rPr lang="en-US" sz="6600" b="1" kern="1200" dirty="0" err="1">
-                <a:solidFill>
-                  <a:schemeClr val="tx1"/>
-                </a:solidFill>
-                <a:latin typeface="+mj-lt"/>
-                <a:ea typeface="+mj-ea"/>
-                <a:cs typeface="+mj-cs"/>
-              </a:rPr>
-              <a:t>Javasolt</a:t>
-            </a:r>
-            <a:r>
-              <a:rPr lang="en-US" sz="6600" b="1" kern="1200" dirty="0">
-                <a:solidFill>
-                  <a:schemeClr val="tx1"/>
-                </a:solidFill>
-                <a:latin typeface="+mj-lt"/>
-                <a:ea typeface="+mj-ea"/>
-                <a:cs typeface="+mj-cs"/>
-              </a:rPr>
-              <a:t> RAG-</a:t>
-            </a:r>
-            <a:r>
-              <a:rPr lang="en-US" sz="6600" b="1" kern="1200" dirty="0" err="1">
-                <a:solidFill>
-                  <a:schemeClr val="tx1"/>
-                </a:solidFill>
-                <a:latin typeface="+mj-lt"/>
-                <a:ea typeface="+mj-ea"/>
-                <a:cs typeface="+mj-cs"/>
-              </a:rPr>
-              <a:t>folyamat</a:t>
-            </a:r>
-            <a:endParaRPr lang="en-US" sz="6600" b="1" kern="1200" dirty="0">
-              <a:solidFill>
-                <a:schemeClr val="tx1"/>
-              </a:solidFill>
-              <a:latin typeface="+mj-lt"/>
-              <a:ea typeface="+mj-ea"/>
-              <a:cs typeface="+mj-cs"/>
-            </a:endParaRPr>
-          </a:p>
-        </p:txBody>
-      </p:sp>
-      <p:sp>
-        <p:nvSpPr>
-          <p:cNvPr id="28" name="sketch line">
-            <a:extLst>
-              <a:ext uri="{FF2B5EF4-FFF2-40B4-BE49-F238E27FC236}">
-                <a16:creationId xmlns:a16="http://schemas.microsoft.com/office/drawing/2014/main" id="{670CEDEF-4F34-412E-84EE-329C1E936AF5}"/>
-              </a:ext>
-              <a:ext uri="{C183D7F6-B498-43B3-948B-1728B52AA6E4}">
-                <adec:decorative xmlns:adec="http://schemas.microsoft.com/office/drawing/2017/decorative" val="1"/>
-              </a:ext>
-            </a:extLst>
-          </p:cNvPr>
-          <p:cNvSpPr>
-            <a:spLocks noGrp="1" noRot="1" noChangeAspect="1" noMove="1" noResize="1" noEditPoints="1" noAdjustHandles="1" noChangeArrowheads="1" noChangeShapeType="1" noTextEdit="1"/>
-          </p:cNvSpPr>
-          <p:nvPr>
-            <p:extLst>
-              <p:ext uri="{386F3935-93C4-4BCD-93E2-E3B085C9AB24}">
-                <p16:designElem xmlns:p16="http://schemas.microsoft.com/office/powerpoint/2015/main" val="1"/>
-              </p:ext>
-            </p:extLst>
-          </p:nvPr>
-        </p:nvSpPr>
-        <p:spPr>
-          <a:xfrm>
-            <a:off x="3807702" y="1733454"/>
-            <a:ext cx="4572000" cy="18288"/>
-          </a:xfrm>
-          <a:custGeom>
-            <a:avLst/>
-            <a:gdLst>
-              <a:gd name="connsiteX0" fmla="*/ 0 w 4572000"/>
-              <a:gd name="connsiteY0" fmla="*/ 0 h 18288"/>
-              <a:gd name="connsiteX1" fmla="*/ 515983 w 4572000"/>
-              <a:gd name="connsiteY1" fmla="*/ 0 h 18288"/>
-              <a:gd name="connsiteX2" fmla="*/ 1031966 w 4572000"/>
-              <a:gd name="connsiteY2" fmla="*/ 0 h 18288"/>
-              <a:gd name="connsiteX3" fmla="*/ 1639389 w 4572000"/>
-              <a:gd name="connsiteY3" fmla="*/ 0 h 18288"/>
-              <a:gd name="connsiteX4" fmla="*/ 2383971 w 4572000"/>
-              <a:gd name="connsiteY4" fmla="*/ 0 h 18288"/>
-              <a:gd name="connsiteX5" fmla="*/ 2945674 w 4572000"/>
-              <a:gd name="connsiteY5" fmla="*/ 0 h 18288"/>
-              <a:gd name="connsiteX6" fmla="*/ 3507377 w 4572000"/>
-              <a:gd name="connsiteY6" fmla="*/ 0 h 18288"/>
-              <a:gd name="connsiteX7" fmla="*/ 4572000 w 4572000"/>
-              <a:gd name="connsiteY7" fmla="*/ 0 h 18288"/>
-              <a:gd name="connsiteX8" fmla="*/ 4572000 w 4572000"/>
-              <a:gd name="connsiteY8" fmla="*/ 18288 h 18288"/>
-              <a:gd name="connsiteX9" fmla="*/ 3873137 w 4572000"/>
-              <a:gd name="connsiteY9" fmla="*/ 18288 h 18288"/>
-              <a:gd name="connsiteX10" fmla="*/ 3311434 w 4572000"/>
-              <a:gd name="connsiteY10" fmla="*/ 18288 h 18288"/>
-              <a:gd name="connsiteX11" fmla="*/ 2749731 w 4572000"/>
-              <a:gd name="connsiteY11" fmla="*/ 18288 h 18288"/>
-              <a:gd name="connsiteX12" fmla="*/ 2050869 w 4572000"/>
-              <a:gd name="connsiteY12" fmla="*/ 18288 h 18288"/>
-              <a:gd name="connsiteX13" fmla="*/ 1306286 w 4572000"/>
-              <a:gd name="connsiteY13" fmla="*/ 18288 h 18288"/>
-              <a:gd name="connsiteX14" fmla="*/ 790303 w 4572000"/>
-              <a:gd name="connsiteY14" fmla="*/ 18288 h 18288"/>
-              <a:gd name="connsiteX15" fmla="*/ 0 w 4572000"/>
-              <a:gd name="connsiteY15" fmla="*/ 18288 h 18288"/>
-              <a:gd name="connsiteX16" fmla="*/ 0 w 4572000"/>
-              <a:gd name="connsiteY16" fmla="*/ 0 h 18288"/>
-            </a:gdLst>
-            <a:ahLst/>
-            <a:cxnLst>
-              <a:cxn ang="0">
-                <a:pos x="connsiteX0" y="connsiteY0"/>
-              </a:cxn>
-              <a:cxn ang="0">
-                <a:pos x="connsiteX1" y="connsiteY1"/>
-              </a:cxn>
-              <a:cxn ang="0">
-                <a:pos x="connsiteX2" y="connsiteY2"/>
-              </a:cxn>
-              <a:cxn ang="0">
-                <a:pos x="connsiteX3" y="connsiteY3"/>
-              </a:cxn>
-              <a:cxn ang="0">
-                <a:pos x="connsiteX4" y="connsiteY4"/>
-              </a:cxn>
-              <a:cxn ang="0">
-                <a:pos x="connsiteX5" y="connsiteY5"/>
-              </a:cxn>
-              <a:cxn ang="0">
-                <a:pos x="connsiteX6" y="connsiteY6"/>
-              </a:cxn>
-              <a:cxn ang="0">
-                <a:pos x="connsiteX7" y="connsiteY7"/>
-              </a:cxn>
-              <a:cxn ang="0">
-                <a:pos x="connsiteX8" y="connsiteY8"/>
-              </a:cxn>
-              <a:cxn ang="0">
-                <a:pos x="connsiteX9" y="connsiteY9"/>
-              </a:cxn>
-              <a:cxn ang="0">
-                <a:pos x="connsiteX10" y="connsiteY10"/>
-              </a:cxn>
-              <a:cxn ang="0">
-                <a:pos x="connsiteX11" y="connsiteY11"/>
-              </a:cxn>
-              <a:cxn ang="0">
-                <a:pos x="connsiteX12" y="connsiteY12"/>
-              </a:cxn>
-              <a:cxn ang="0">
-                <a:pos x="connsiteX13" y="connsiteY13"/>
-              </a:cxn>
-              <a:cxn ang="0">
-                <a:pos x="connsiteX14" y="connsiteY14"/>
-              </a:cxn>
-              <a:cxn ang="0">
-                <a:pos x="connsiteX15" y="connsiteY15"/>
-              </a:cxn>
-              <a:cxn ang="0">
-                <a:pos x="connsiteX16" y="connsiteY16"/>
-              </a:cxn>
-            </a:cxnLst>
-            <a:rect l="l" t="t" r="r" b="b"/>
-            <a:pathLst>
-              <a:path w="4572000" h="18288" fill="none" extrusionOk="0">
-                <a:moveTo>
-                  <a:pt x="0" y="0"/>
-                </a:moveTo>
-                <a:cubicBezTo>
-                  <a:pt x="105156" y="-20963"/>
-                  <a:pt x="340432" y="822"/>
-                  <a:pt x="515983" y="0"/>
-                </a:cubicBezTo>
-                <a:cubicBezTo>
-                  <a:pt x="691534" y="-822"/>
-                  <a:pt x="850679" y="16479"/>
-                  <a:pt x="1031966" y="0"/>
-                </a:cubicBezTo>
-                <a:cubicBezTo>
-                  <a:pt x="1213253" y="-16479"/>
-                  <a:pt x="1443646" y="-18730"/>
-                  <a:pt x="1639389" y="0"/>
-                </a:cubicBezTo>
-                <a:cubicBezTo>
-                  <a:pt x="1835132" y="18730"/>
-                  <a:pt x="2159975" y="18531"/>
-                  <a:pt x="2383971" y="0"/>
-                </a:cubicBezTo>
-                <a:cubicBezTo>
-                  <a:pt x="2607967" y="-18531"/>
-                  <a:pt x="2719096" y="-12030"/>
-                  <a:pt x="2945674" y="0"/>
-                </a:cubicBezTo>
-                <a:cubicBezTo>
-                  <a:pt x="3172252" y="12030"/>
-                  <a:pt x="3269167" y="27666"/>
-                  <a:pt x="3507377" y="0"/>
-                </a:cubicBezTo>
-                <a:cubicBezTo>
-                  <a:pt x="3745587" y="-27666"/>
-                  <a:pt x="4116741" y="18705"/>
-                  <a:pt x="4572000" y="0"/>
-                </a:cubicBezTo>
-                <a:cubicBezTo>
-                  <a:pt x="4572895" y="8974"/>
-                  <a:pt x="4571454" y="9359"/>
-                  <a:pt x="4572000" y="18288"/>
-                </a:cubicBezTo>
-                <a:cubicBezTo>
-                  <a:pt x="4374698" y="3942"/>
-                  <a:pt x="4098874" y="-11042"/>
-                  <a:pt x="3873137" y="18288"/>
-                </a:cubicBezTo>
-                <a:cubicBezTo>
-                  <a:pt x="3647400" y="47618"/>
-                  <a:pt x="3517055" y="5421"/>
-                  <a:pt x="3311434" y="18288"/>
-                </a:cubicBezTo>
-                <a:cubicBezTo>
-                  <a:pt x="3105813" y="31155"/>
-                  <a:pt x="3025168" y="17856"/>
-                  <a:pt x="2749731" y="18288"/>
-                </a:cubicBezTo>
-                <a:cubicBezTo>
-                  <a:pt x="2474294" y="18720"/>
-                  <a:pt x="2291766" y="-14168"/>
-                  <a:pt x="2050869" y="18288"/>
-                </a:cubicBezTo>
-                <a:cubicBezTo>
-                  <a:pt x="1809972" y="50744"/>
-                  <a:pt x="1540276" y="46798"/>
-                  <a:pt x="1306286" y="18288"/>
-                </a:cubicBezTo>
-                <a:cubicBezTo>
-                  <a:pt x="1072296" y="-10222"/>
-                  <a:pt x="972445" y="19645"/>
-                  <a:pt x="790303" y="18288"/>
-                </a:cubicBezTo>
-                <a:cubicBezTo>
-                  <a:pt x="608161" y="16931"/>
-                  <a:pt x="200981" y="8241"/>
-                  <a:pt x="0" y="18288"/>
-                </a:cubicBezTo>
-                <a:cubicBezTo>
-                  <a:pt x="-229" y="14222"/>
-                  <a:pt x="509" y="5816"/>
-                  <a:pt x="0" y="0"/>
-                </a:cubicBezTo>
-                <a:close/>
-              </a:path>
-              <a:path w="4572000" h="18288" stroke="0" extrusionOk="0">
-                <a:moveTo>
-                  <a:pt x="0" y="0"/>
-                </a:moveTo>
-                <a:cubicBezTo>
-                  <a:pt x="143285" y="-9565"/>
-                  <a:pt x="327959" y="-11498"/>
-                  <a:pt x="561703" y="0"/>
-                </a:cubicBezTo>
-                <a:cubicBezTo>
-                  <a:pt x="795447" y="11498"/>
-                  <a:pt x="838260" y="18255"/>
-                  <a:pt x="1077686" y="0"/>
-                </a:cubicBezTo>
-                <a:cubicBezTo>
-                  <a:pt x="1317112" y="-18255"/>
-                  <a:pt x="1437472" y="23514"/>
-                  <a:pt x="1639389" y="0"/>
-                </a:cubicBezTo>
-                <a:cubicBezTo>
-                  <a:pt x="1841306" y="-23514"/>
-                  <a:pt x="2037142" y="-12551"/>
-                  <a:pt x="2292531" y="0"/>
-                </a:cubicBezTo>
-                <a:cubicBezTo>
-                  <a:pt x="2547920" y="12551"/>
-                  <a:pt x="2810436" y="-20352"/>
-                  <a:pt x="2991394" y="0"/>
-                </a:cubicBezTo>
-                <a:cubicBezTo>
-                  <a:pt x="3172352" y="20352"/>
-                  <a:pt x="3530025" y="-13347"/>
-                  <a:pt x="3735977" y="0"/>
-                </a:cubicBezTo>
-                <a:cubicBezTo>
-                  <a:pt x="3941929" y="13347"/>
-                  <a:pt x="4161497" y="34086"/>
-                  <a:pt x="4572000" y="0"/>
-                </a:cubicBezTo>
-                <a:cubicBezTo>
-                  <a:pt x="4571545" y="6162"/>
-                  <a:pt x="4571903" y="11775"/>
-                  <a:pt x="4572000" y="18288"/>
-                </a:cubicBezTo>
-                <a:cubicBezTo>
-                  <a:pt x="4228040" y="36490"/>
-                  <a:pt x="4199736" y="42557"/>
-                  <a:pt x="3873137" y="18288"/>
-                </a:cubicBezTo>
-                <a:cubicBezTo>
-                  <a:pt x="3546538" y="-5981"/>
-                  <a:pt x="3472124" y="16809"/>
-                  <a:pt x="3128554" y="18288"/>
-                </a:cubicBezTo>
-                <a:cubicBezTo>
-                  <a:pt x="2784984" y="19767"/>
-                  <a:pt x="2735896" y="-17781"/>
-                  <a:pt x="2383971" y="18288"/>
-                </a:cubicBezTo>
-                <a:cubicBezTo>
-                  <a:pt x="2032046" y="54357"/>
-                  <a:pt x="2019324" y="2920"/>
-                  <a:pt x="1867989" y="18288"/>
-                </a:cubicBezTo>
-                <a:cubicBezTo>
-                  <a:pt x="1716654" y="33656"/>
-                  <a:pt x="1418675" y="32575"/>
-                  <a:pt x="1169126" y="18288"/>
-                </a:cubicBezTo>
-                <a:cubicBezTo>
-                  <a:pt x="919577" y="4001"/>
-                  <a:pt x="798537" y="16165"/>
-                  <a:pt x="561703" y="18288"/>
-                </a:cubicBezTo>
-                <a:cubicBezTo>
-                  <a:pt x="324869" y="20411"/>
-                  <a:pt x="221395" y="-912"/>
-                  <a:pt x="0" y="18288"/>
-                </a:cubicBezTo>
-                <a:cubicBezTo>
-                  <a:pt x="766" y="10800"/>
-                  <a:pt x="-457" y="8180"/>
-                  <a:pt x="0" y="0"/>
-                </a:cubicBezTo>
-                <a:close/>
-              </a:path>
-            </a:pathLst>
-          </a:custGeom>
-          <a:solidFill>
-            <a:schemeClr val="accent2"/>
-          </a:solidFill>
-          <a:ln w="41275" cap="rnd">
-            <a:solidFill>
-              <a:schemeClr val="accent2"/>
-            </a:solidFill>
-            <a:round/>
-            <a:extLst>
-              <a:ext uri="{C807C97D-BFC1-408E-A445-0C87EB9F89A2}">
-                <ask:lineSketchStyleProps xmlns:ask="http://schemas.microsoft.com/office/drawing/2018/sketchyshapes" sd="2727557108">
-                  <a:prstGeom prst="rect">
-                    <a:avLst/>
-                  </a:prstGeom>
-                  <ask:type>
-                    <ask:lineSketchFreehand/>
-                  </ask:type>
-                </ask:lineSketchStyleProps>
-              </a:ext>
-            </a:extLst>
-          </a:ln>
-        </p:spPr>
-        <p:style>
-          <a:lnRef idx="2">
-            <a:schemeClr val="accent1">
-              <a:shade val="50000"/>
-            </a:schemeClr>
-          </a:lnRef>
-          <a:fillRef idx="1">
-            <a:schemeClr val="accent1"/>
-          </a:fillRef>
-          <a:effectRef idx="0">
-            <a:schemeClr val="accent1"/>
-          </a:effectRef>
-          <a:fontRef idx="minor">
-            <a:schemeClr val="lt1"/>
-          </a:fontRef>
-        </p:style>
-        <p:txBody>
-          <a:bodyPr rtlCol="0" anchor="ctr"/>
-          <a:lstStyle/>
-          <a:p>
-            <a:pPr algn="ctr"/>
-            <a:endParaRPr lang="en-US"/>
-          </a:p>
-        </p:txBody>
-      </p:sp>
-      <p:pic>
-        <p:nvPicPr>
-          <p:cNvPr id="3" name="Tartalom helye 8" descr="A képen képernyőkép, diagram, sor, Post-it cetli látható&#10;&#10;Automatikusan generált leírás">
-            <a:extLst>
-              <a:ext uri="{FF2B5EF4-FFF2-40B4-BE49-F238E27FC236}">
-                <a16:creationId xmlns:a16="http://schemas.microsoft.com/office/drawing/2014/main" id="{A9ED6514-68CD-D91D-24B7-55E20E55B3BF}"/>
-              </a:ext>
-            </a:extLst>
-          </p:cNvPr>
-          <p:cNvPicPr>
-            <a:picLocks noGrp="1" noChangeAspect="1"/>
-          </p:cNvPicPr>
-          <p:nvPr>
-            <p:ph idx="1"/>
-          </p:nvPr>
-        </p:nvPicPr>
-        <p:blipFill>
-          <a:blip r:embed="rId2">
-            <a:extLst>
-              <a:ext uri="{28A0092B-C50C-407E-A947-70E740481C1C}">
-                <a14:useLocalDpi xmlns:a14="http://schemas.microsoft.com/office/drawing/2010/main" val="0"/>
-              </a:ext>
-            </a:extLst>
-          </a:blip>
-          <a:stretch>
-            <a:fillRect/>
-          </a:stretch>
-        </p:blipFill>
-        <p:spPr>
-          <a:xfrm>
-            <a:off x="120940" y="2218074"/>
-            <a:ext cx="11945522" cy="4001751"/>
-          </a:xfrm>
-          <a:prstGeom prst="rect">
-            <a:avLst/>
-          </a:prstGeom>
-        </p:spPr>
-      </p:pic>
-      <p:sp>
-        <p:nvSpPr>
-          <p:cNvPr id="6" name="Dátum helye 5">
-            <a:extLst>
-              <a:ext uri="{FF2B5EF4-FFF2-40B4-BE49-F238E27FC236}">
-                <a16:creationId xmlns:a16="http://schemas.microsoft.com/office/drawing/2014/main" id="{755509C4-3B07-3F44-A1AF-BC312BDBE62E}"/>
-              </a:ext>
-            </a:extLst>
-          </p:cNvPr>
-          <p:cNvSpPr>
-            <a:spLocks noGrp="1"/>
-          </p:cNvSpPr>
-          <p:nvPr>
-            <p:ph type="dt" sz="half" idx="10"/>
-          </p:nvPr>
-        </p:nvSpPr>
-        <p:spPr>
-          <a:xfrm>
-            <a:off x="838200" y="6356350"/>
-            <a:ext cx="2743200" cy="365125"/>
-          </a:xfrm>
-        </p:spPr>
-        <p:txBody>
-          <a:bodyPr vert="horz" lIns="91440" tIns="45720" rIns="91440" bIns="45720" rtlCol="0" anchor="ctr">
-            <a:normAutofit/>
-          </a:bodyPr>
-          <a:lstStyle/>
-          <a:p>
-            <a:pPr>
-              <a:spcAft>
-                <a:spcPts val="600"/>
-              </a:spcAft>
-            </a:pPr>
-            <a:fld id="{C410DB5E-A372-294A-ADC7-737DED99DBCB}" type="datetime1">
-              <a:rPr lang="en-US" smtClean="0">
-                <a:solidFill>
-                  <a:schemeClr val="tx1">
-                    <a:tint val="75000"/>
-                  </a:schemeClr>
-                </a:solidFill>
-              </a:rPr>
-              <a:pPr>
-                <a:spcAft>
-                  <a:spcPts val="600"/>
-                </a:spcAft>
-              </a:pPr>
-              <a:t>11/6/25</a:t>
-            </a:fld>
-            <a:endParaRPr lang="en-US">
-              <a:solidFill>
-                <a:schemeClr val="tx1">
-                  <a:tint val="75000"/>
-                </a:schemeClr>
-              </a:solidFill>
-            </a:endParaRPr>
-          </a:p>
-        </p:txBody>
-      </p:sp>
-      <p:sp>
-        <p:nvSpPr>
-          <p:cNvPr id="7" name="Dia számának helye 6">
-            <a:extLst>
-              <a:ext uri="{FF2B5EF4-FFF2-40B4-BE49-F238E27FC236}">
-                <a16:creationId xmlns:a16="http://schemas.microsoft.com/office/drawing/2014/main" id="{231C41BA-0408-1C95-90B5-3A2002F293DA}"/>
-              </a:ext>
-            </a:extLst>
-          </p:cNvPr>
-          <p:cNvSpPr>
-            <a:spLocks noGrp="1"/>
-          </p:cNvSpPr>
-          <p:nvPr>
-            <p:ph type="sldNum" sz="quarter" idx="12"/>
-          </p:nvPr>
-        </p:nvSpPr>
-        <p:spPr>
-          <a:xfrm>
-            <a:off x="8610600" y="6356350"/>
-            <a:ext cx="2743200" cy="365125"/>
-          </a:xfrm>
-        </p:spPr>
-        <p:txBody>
-          <a:bodyPr vert="horz" lIns="91440" tIns="45720" rIns="91440" bIns="45720" rtlCol="0" anchor="ctr">
-            <a:normAutofit/>
-          </a:bodyPr>
-          <a:lstStyle/>
-          <a:p>
-            <a:pPr>
-              <a:spcAft>
-                <a:spcPts val="600"/>
-              </a:spcAft>
-            </a:pPr>
-            <a:fld id="{61F88ADF-3301-4598-B089-C6A4CC92BE83}" type="slidenum">
-              <a:rPr lang="en-US" smtClean="0">
-                <a:solidFill>
-                  <a:schemeClr val="tx1">
-                    <a:tint val="75000"/>
-                  </a:schemeClr>
-                </a:solidFill>
-              </a:rPr>
-              <a:pPr>
-                <a:spcAft>
-                  <a:spcPts val="600"/>
-                </a:spcAft>
-              </a:pPr>
-              <a:t>6</a:t>
-            </a:fld>
-            <a:r>
-              <a:rPr lang="en-US">
-                <a:solidFill>
-                  <a:schemeClr val="tx1">
-                    <a:tint val="75000"/>
-                  </a:schemeClr>
-                </a:solidFill>
-              </a:rPr>
-              <a:t>/14</a:t>
-            </a:r>
-          </a:p>
-        </p:txBody>
-      </p:sp>
-    </p:spTree>
-    <p:extLst>
-      <p:ext uri="{BB962C8B-B14F-4D97-AF65-F5344CB8AC3E}">
-        <p14:creationId xmlns:p14="http://schemas.microsoft.com/office/powerpoint/2010/main" val="382256522"/>
-      </p:ext>
-    </p:extLst>
-  </p:cSld>
-  <p:clrMapOvr>
-    <a:masterClrMapping/>
-  </p:clrMapOvr>
-</p:sld>
-</file>
-
-<file path=ppt/slides/slide7.xml><?xml version="1.0" encoding="utf-8"?>
 <p:sld xmlns:a="http://schemas.openxmlformats.org/drawingml/2006/main" xmlns:r="http://schemas.openxmlformats.org/officeDocument/2006/relationships" xmlns:p="http://schemas.openxmlformats.org/presentationml/2006/main">
   <p:cSld>
     <p:bg>
@@ -12034,7 +15076,15 @@
           <a:p>
             <a:r>
               <a:rPr lang="en-US" sz="2400" b="1" dirty="0" err="1"/>
-              <a:t>Alap</a:t>
+              <a:t>Alapértelmezett</a:t>
+            </a:r>
+            <a:r>
+              <a:rPr lang="en-US" sz="2400" b="1" dirty="0"/>
+              <a:t> </a:t>
+            </a:r>
+            <a:r>
+              <a:rPr lang="en-US" sz="2400" b="1" dirty="0" err="1"/>
+              <a:t>megközelítés</a:t>
             </a:r>
             <a:r>
               <a:rPr lang="en-US" sz="2400" b="1" dirty="0"/>
@@ -12065,7 +15115,15 @@
           <a:p>
             <a:r>
               <a:rPr lang="hu-HU" sz="2400" b="1" dirty="0"/>
-              <a:t>Javasolt megközelítés:</a:t>
+              <a:t>Javasolt </a:t>
+            </a:r>
+            <a:r>
+              <a:rPr lang="hu-HU" sz="2400" b="1" dirty="0" err="1"/>
+              <a:t>klaszterezés</a:t>
+            </a:r>
+            <a:r>
+              <a:rPr lang="hu-HU" sz="2400" b="1" dirty="0"/>
+              <a:t>-alapú megközelítés:</a:t>
             </a:r>
           </a:p>
           <a:p>
@@ -12093,20 +15151,8 @@
               <a:buAutoNum type="arabicPeriod"/>
             </a:pPr>
             <a:r>
-              <a:rPr lang="hu-HU" dirty="0" err="1"/>
-              <a:t>Similarity</a:t>
-            </a:r>
-            <a:r>
-              <a:rPr lang="hu-HU" dirty="0"/>
-              <a:t> </a:t>
-            </a:r>
-            <a:r>
-              <a:rPr lang="hu-HU" dirty="0" err="1"/>
-              <a:t>search</a:t>
-            </a:r>
-            <a:r>
-              <a:rPr lang="hu-HU" dirty="0"/>
-              <a:t> a </a:t>
+              <a:rPr lang="hu-HU" dirty="0"/>
+              <a:t>Hasonlóságkeresés először a klaszter-</a:t>
             </a:r>
             <a:r>
               <a:rPr lang="hu-HU" dirty="0" err="1"/>
@@ -12121,7 +15167,7 @@
             </a:pPr>
             <a:r>
               <a:rPr lang="hu-HU" dirty="0"/>
-              <a:t>Keresés a legrelevánsabb klasztereken belül</a:t>
+              <a:t>Részletes keresés csak a legrelevánsabb klasztereken belül</a:t>
             </a:r>
           </a:p>
           <a:p>
@@ -12171,7 +15217,7 @@
             </a:pPr>
             <a:fld id="{ACB4A642-E289-D849-9780-C21666DBF77C}" type="datetime1">
               <a:rPr lang="hu-HU" smtClean="0"/>
-              <a:t>2025. 11. 06.</a:t>
+              <a:t>2025. 11. 08.</a:t>
             </a:fld>
             <a:endParaRPr lang="hu-HU"/>
           </a:p>
@@ -12217,7 +15263,7 @@
                   <a:spcPts val="600"/>
                 </a:spcAft>
               </a:pPr>
-              <a:t>7</a:t>
+              <a:t>6</a:t>
             </a:fld>
             <a:r>
               <a:rPr lang="hu-HU" dirty="0"/>
@@ -12230,6 +15276,677 @@
     <p:extLst>
       <p:ext uri="{BB962C8B-B14F-4D97-AF65-F5344CB8AC3E}">
         <p14:creationId xmlns:p14="http://schemas.microsoft.com/office/powerpoint/2010/main" val="1599937407"/>
+      </p:ext>
+    </p:extLst>
+  </p:cSld>
+  <p:clrMapOvr>
+    <a:masterClrMapping/>
+  </p:clrMapOvr>
+</p:sld>
+</file>
+
+<file path=ppt/slides/slide7.xml><?xml version="1.0" encoding="utf-8"?>
+<p:sld xmlns:a="http://schemas.openxmlformats.org/drawingml/2006/main" xmlns:r="http://schemas.openxmlformats.org/officeDocument/2006/relationships" xmlns:p="http://schemas.openxmlformats.org/presentationml/2006/main">
+  <p:cSld>
+    <p:bg>
+      <p:bgPr>
+        <a:solidFill>
+          <a:schemeClr val="bg1"/>
+        </a:solidFill>
+        <a:effectLst/>
+      </p:bgPr>
+    </p:bg>
+    <p:spTree>
+      <p:nvGrpSpPr>
+        <p:cNvPr id="1" name=""/>
+        <p:cNvGrpSpPr/>
+        <p:nvPr/>
+      </p:nvGrpSpPr>
+      <p:grpSpPr>
+        <a:xfrm>
+          <a:off x="0" y="0"/>
+          <a:ext cx="0" cy="0"/>
+          <a:chOff x="0" y="0"/>
+          <a:chExt cx="0" cy="0"/>
+        </a:xfrm>
+      </p:grpSpPr>
+      <p:sp useBgFill="1">
+        <p:nvSpPr>
+          <p:cNvPr id="26" name="Rectangle 25">
+            <a:extLst>
+              <a:ext uri="{FF2B5EF4-FFF2-40B4-BE49-F238E27FC236}">
+                <a16:creationId xmlns:a16="http://schemas.microsoft.com/office/drawing/2014/main" id="{BCED4D40-4B67-4331-AC48-79B82B4A47D8}"/>
+              </a:ext>
+              <a:ext uri="{C183D7F6-B498-43B3-948B-1728B52AA6E4}">
+                <adec:decorative xmlns:adec="http://schemas.microsoft.com/office/drawing/2017/decorative" val="1"/>
+              </a:ext>
+            </a:extLst>
+          </p:cNvPr>
+          <p:cNvSpPr>
+            <a:spLocks noGrp="1" noRot="1" noChangeAspect="1" noMove="1" noResize="1" noEditPoints="1" noAdjustHandles="1" noChangeArrowheads="1" noChangeShapeType="1" noTextEdit="1"/>
+          </p:cNvSpPr>
+          <p:nvPr>
+            <p:extLst>
+              <p:ext uri="{386F3935-93C4-4BCD-93E2-E3B085C9AB24}">
+                <p16:designElem xmlns:p16="http://schemas.microsoft.com/office/powerpoint/2015/main" val="1"/>
+              </p:ext>
+            </p:extLst>
+          </p:nvPr>
+        </p:nvSpPr>
+        <p:spPr>
+          <a:xfrm>
+            <a:off x="0" y="0"/>
+            <a:ext cx="12192000" cy="6858000"/>
+          </a:xfrm>
+          <a:prstGeom prst="rect">
+            <a:avLst/>
+          </a:prstGeom>
+          <a:ln>
+            <a:noFill/>
+          </a:ln>
+        </p:spPr>
+        <p:style>
+          <a:lnRef idx="2">
+            <a:schemeClr val="accent1">
+              <a:shade val="50000"/>
+            </a:schemeClr>
+          </a:lnRef>
+          <a:fillRef idx="1">
+            <a:schemeClr val="accent1"/>
+          </a:fillRef>
+          <a:effectRef idx="0">
+            <a:schemeClr val="accent1"/>
+          </a:effectRef>
+          <a:fontRef idx="minor">
+            <a:schemeClr val="lt1"/>
+          </a:fontRef>
+        </p:style>
+        <p:txBody>
+          <a:bodyPr rtlCol="0" anchor="ctr"/>
+          <a:lstStyle/>
+          <a:p>
+            <a:pPr algn="ctr"/>
+            <a:endParaRPr lang="en-US"/>
+          </a:p>
+        </p:txBody>
+      </p:sp>
+      <p:sp>
+        <p:nvSpPr>
+          <p:cNvPr id="2" name="Cím 1">
+            <a:extLst>
+              <a:ext uri="{FF2B5EF4-FFF2-40B4-BE49-F238E27FC236}">
+                <a16:creationId xmlns:a16="http://schemas.microsoft.com/office/drawing/2014/main" id="{D257D935-F018-FC86-5390-C2B7453B3B79}"/>
+              </a:ext>
+            </a:extLst>
+          </p:cNvPr>
+          <p:cNvSpPr>
+            <a:spLocks noGrp="1"/>
+          </p:cNvSpPr>
+          <p:nvPr>
+            <p:ph type="title"/>
+          </p:nvPr>
+        </p:nvSpPr>
+        <p:spPr>
+          <a:xfrm>
+            <a:off x="638881" y="417576"/>
+            <a:ext cx="10909640" cy="1249394"/>
+          </a:xfrm>
+        </p:spPr>
+        <p:txBody>
+          <a:bodyPr vert="horz" lIns="91440" tIns="45720" rIns="91440" bIns="45720" rtlCol="0" anchor="ctr">
+            <a:normAutofit/>
+          </a:bodyPr>
+          <a:lstStyle/>
+          <a:p>
+            <a:pPr algn="ctr"/>
+            <a:r>
+              <a:rPr lang="en-US" sz="6600" b="1" kern="1200" dirty="0" err="1">
+                <a:solidFill>
+                  <a:schemeClr val="tx1"/>
+                </a:solidFill>
+                <a:latin typeface="+mj-lt"/>
+                <a:ea typeface="+mj-ea"/>
+                <a:cs typeface="+mj-cs"/>
+              </a:rPr>
+              <a:t>Javasolt</a:t>
+            </a:r>
+            <a:r>
+              <a:rPr lang="en-US" sz="6600" b="1" kern="1200" dirty="0">
+                <a:solidFill>
+                  <a:schemeClr val="tx1"/>
+                </a:solidFill>
+                <a:latin typeface="+mj-lt"/>
+                <a:ea typeface="+mj-ea"/>
+                <a:cs typeface="+mj-cs"/>
+              </a:rPr>
+              <a:t> RAG-</a:t>
+            </a:r>
+            <a:r>
+              <a:rPr lang="en-US" sz="6600" b="1" kern="1200" dirty="0" err="1">
+                <a:solidFill>
+                  <a:schemeClr val="tx1"/>
+                </a:solidFill>
+                <a:latin typeface="+mj-lt"/>
+                <a:ea typeface="+mj-ea"/>
+                <a:cs typeface="+mj-cs"/>
+              </a:rPr>
+              <a:t>folyamat</a:t>
+            </a:r>
+            <a:endParaRPr lang="en-US" sz="6600" b="1" kern="1200" dirty="0">
+              <a:solidFill>
+                <a:schemeClr val="tx1"/>
+              </a:solidFill>
+              <a:latin typeface="+mj-lt"/>
+              <a:ea typeface="+mj-ea"/>
+              <a:cs typeface="+mj-cs"/>
+            </a:endParaRPr>
+          </a:p>
+        </p:txBody>
+      </p:sp>
+      <p:sp>
+        <p:nvSpPr>
+          <p:cNvPr id="28" name="sketch line">
+            <a:extLst>
+              <a:ext uri="{FF2B5EF4-FFF2-40B4-BE49-F238E27FC236}">
+                <a16:creationId xmlns:a16="http://schemas.microsoft.com/office/drawing/2014/main" id="{670CEDEF-4F34-412E-84EE-329C1E936AF5}"/>
+              </a:ext>
+              <a:ext uri="{C183D7F6-B498-43B3-948B-1728B52AA6E4}">
+                <adec:decorative xmlns:adec="http://schemas.microsoft.com/office/drawing/2017/decorative" val="1"/>
+              </a:ext>
+            </a:extLst>
+          </p:cNvPr>
+          <p:cNvSpPr>
+            <a:spLocks noGrp="1" noRot="1" noChangeAspect="1" noMove="1" noResize="1" noEditPoints="1" noAdjustHandles="1" noChangeArrowheads="1" noChangeShapeType="1" noTextEdit="1"/>
+          </p:cNvSpPr>
+          <p:nvPr>
+            <p:extLst>
+              <p:ext uri="{386F3935-93C4-4BCD-93E2-E3B085C9AB24}">
+                <p16:designElem xmlns:p16="http://schemas.microsoft.com/office/powerpoint/2015/main" val="1"/>
+              </p:ext>
+            </p:extLst>
+          </p:nvPr>
+        </p:nvSpPr>
+        <p:spPr>
+          <a:xfrm>
+            <a:off x="3807702" y="1733454"/>
+            <a:ext cx="4572000" cy="18288"/>
+          </a:xfrm>
+          <a:custGeom>
+            <a:avLst/>
+            <a:gdLst>
+              <a:gd name="connsiteX0" fmla="*/ 0 w 4572000"/>
+              <a:gd name="connsiteY0" fmla="*/ 0 h 18288"/>
+              <a:gd name="connsiteX1" fmla="*/ 515983 w 4572000"/>
+              <a:gd name="connsiteY1" fmla="*/ 0 h 18288"/>
+              <a:gd name="connsiteX2" fmla="*/ 1031966 w 4572000"/>
+              <a:gd name="connsiteY2" fmla="*/ 0 h 18288"/>
+              <a:gd name="connsiteX3" fmla="*/ 1639389 w 4572000"/>
+              <a:gd name="connsiteY3" fmla="*/ 0 h 18288"/>
+              <a:gd name="connsiteX4" fmla="*/ 2383971 w 4572000"/>
+              <a:gd name="connsiteY4" fmla="*/ 0 h 18288"/>
+              <a:gd name="connsiteX5" fmla="*/ 2945674 w 4572000"/>
+              <a:gd name="connsiteY5" fmla="*/ 0 h 18288"/>
+              <a:gd name="connsiteX6" fmla="*/ 3507377 w 4572000"/>
+              <a:gd name="connsiteY6" fmla="*/ 0 h 18288"/>
+              <a:gd name="connsiteX7" fmla="*/ 4572000 w 4572000"/>
+              <a:gd name="connsiteY7" fmla="*/ 0 h 18288"/>
+              <a:gd name="connsiteX8" fmla="*/ 4572000 w 4572000"/>
+              <a:gd name="connsiteY8" fmla="*/ 18288 h 18288"/>
+              <a:gd name="connsiteX9" fmla="*/ 3873137 w 4572000"/>
+              <a:gd name="connsiteY9" fmla="*/ 18288 h 18288"/>
+              <a:gd name="connsiteX10" fmla="*/ 3311434 w 4572000"/>
+              <a:gd name="connsiteY10" fmla="*/ 18288 h 18288"/>
+              <a:gd name="connsiteX11" fmla="*/ 2749731 w 4572000"/>
+              <a:gd name="connsiteY11" fmla="*/ 18288 h 18288"/>
+              <a:gd name="connsiteX12" fmla="*/ 2050869 w 4572000"/>
+              <a:gd name="connsiteY12" fmla="*/ 18288 h 18288"/>
+              <a:gd name="connsiteX13" fmla="*/ 1306286 w 4572000"/>
+              <a:gd name="connsiteY13" fmla="*/ 18288 h 18288"/>
+              <a:gd name="connsiteX14" fmla="*/ 790303 w 4572000"/>
+              <a:gd name="connsiteY14" fmla="*/ 18288 h 18288"/>
+              <a:gd name="connsiteX15" fmla="*/ 0 w 4572000"/>
+              <a:gd name="connsiteY15" fmla="*/ 18288 h 18288"/>
+              <a:gd name="connsiteX16" fmla="*/ 0 w 4572000"/>
+              <a:gd name="connsiteY16" fmla="*/ 0 h 18288"/>
+            </a:gdLst>
+            <a:ahLst/>
+            <a:cxnLst>
+              <a:cxn ang="0">
+                <a:pos x="connsiteX0" y="connsiteY0"/>
+              </a:cxn>
+              <a:cxn ang="0">
+                <a:pos x="connsiteX1" y="connsiteY1"/>
+              </a:cxn>
+              <a:cxn ang="0">
+                <a:pos x="connsiteX2" y="connsiteY2"/>
+              </a:cxn>
+              <a:cxn ang="0">
+                <a:pos x="connsiteX3" y="connsiteY3"/>
+              </a:cxn>
+              <a:cxn ang="0">
+                <a:pos x="connsiteX4" y="connsiteY4"/>
+              </a:cxn>
+              <a:cxn ang="0">
+                <a:pos x="connsiteX5" y="connsiteY5"/>
+              </a:cxn>
+              <a:cxn ang="0">
+                <a:pos x="connsiteX6" y="connsiteY6"/>
+              </a:cxn>
+              <a:cxn ang="0">
+                <a:pos x="connsiteX7" y="connsiteY7"/>
+              </a:cxn>
+              <a:cxn ang="0">
+                <a:pos x="connsiteX8" y="connsiteY8"/>
+              </a:cxn>
+              <a:cxn ang="0">
+                <a:pos x="connsiteX9" y="connsiteY9"/>
+              </a:cxn>
+              <a:cxn ang="0">
+                <a:pos x="connsiteX10" y="connsiteY10"/>
+              </a:cxn>
+              <a:cxn ang="0">
+                <a:pos x="connsiteX11" y="connsiteY11"/>
+              </a:cxn>
+              <a:cxn ang="0">
+                <a:pos x="connsiteX12" y="connsiteY12"/>
+              </a:cxn>
+              <a:cxn ang="0">
+                <a:pos x="connsiteX13" y="connsiteY13"/>
+              </a:cxn>
+              <a:cxn ang="0">
+                <a:pos x="connsiteX14" y="connsiteY14"/>
+              </a:cxn>
+              <a:cxn ang="0">
+                <a:pos x="connsiteX15" y="connsiteY15"/>
+              </a:cxn>
+              <a:cxn ang="0">
+                <a:pos x="connsiteX16" y="connsiteY16"/>
+              </a:cxn>
+            </a:cxnLst>
+            <a:rect l="l" t="t" r="r" b="b"/>
+            <a:pathLst>
+              <a:path w="4572000" h="18288" fill="none" extrusionOk="0">
+                <a:moveTo>
+                  <a:pt x="0" y="0"/>
+                </a:moveTo>
+                <a:cubicBezTo>
+                  <a:pt x="105156" y="-20963"/>
+                  <a:pt x="340432" y="822"/>
+                  <a:pt x="515983" y="0"/>
+                </a:cubicBezTo>
+                <a:cubicBezTo>
+                  <a:pt x="691534" y="-822"/>
+                  <a:pt x="850679" y="16479"/>
+                  <a:pt x="1031966" y="0"/>
+                </a:cubicBezTo>
+                <a:cubicBezTo>
+                  <a:pt x="1213253" y="-16479"/>
+                  <a:pt x="1443646" y="-18730"/>
+                  <a:pt x="1639389" y="0"/>
+                </a:cubicBezTo>
+                <a:cubicBezTo>
+                  <a:pt x="1835132" y="18730"/>
+                  <a:pt x="2159975" y="18531"/>
+                  <a:pt x="2383971" y="0"/>
+                </a:cubicBezTo>
+                <a:cubicBezTo>
+                  <a:pt x="2607967" y="-18531"/>
+                  <a:pt x="2719096" y="-12030"/>
+                  <a:pt x="2945674" y="0"/>
+                </a:cubicBezTo>
+                <a:cubicBezTo>
+                  <a:pt x="3172252" y="12030"/>
+                  <a:pt x="3269167" y="27666"/>
+                  <a:pt x="3507377" y="0"/>
+                </a:cubicBezTo>
+                <a:cubicBezTo>
+                  <a:pt x="3745587" y="-27666"/>
+                  <a:pt x="4116741" y="18705"/>
+                  <a:pt x="4572000" y="0"/>
+                </a:cubicBezTo>
+                <a:cubicBezTo>
+                  <a:pt x="4572895" y="8974"/>
+                  <a:pt x="4571454" y="9359"/>
+                  <a:pt x="4572000" y="18288"/>
+                </a:cubicBezTo>
+                <a:cubicBezTo>
+                  <a:pt x="4374698" y="3942"/>
+                  <a:pt x="4098874" y="-11042"/>
+                  <a:pt x="3873137" y="18288"/>
+                </a:cubicBezTo>
+                <a:cubicBezTo>
+                  <a:pt x="3647400" y="47618"/>
+                  <a:pt x="3517055" y="5421"/>
+                  <a:pt x="3311434" y="18288"/>
+                </a:cubicBezTo>
+                <a:cubicBezTo>
+                  <a:pt x="3105813" y="31155"/>
+                  <a:pt x="3025168" y="17856"/>
+                  <a:pt x="2749731" y="18288"/>
+                </a:cubicBezTo>
+                <a:cubicBezTo>
+                  <a:pt x="2474294" y="18720"/>
+                  <a:pt x="2291766" y="-14168"/>
+                  <a:pt x="2050869" y="18288"/>
+                </a:cubicBezTo>
+                <a:cubicBezTo>
+                  <a:pt x="1809972" y="50744"/>
+                  <a:pt x="1540276" y="46798"/>
+                  <a:pt x="1306286" y="18288"/>
+                </a:cubicBezTo>
+                <a:cubicBezTo>
+                  <a:pt x="1072296" y="-10222"/>
+                  <a:pt x="972445" y="19645"/>
+                  <a:pt x="790303" y="18288"/>
+                </a:cubicBezTo>
+                <a:cubicBezTo>
+                  <a:pt x="608161" y="16931"/>
+                  <a:pt x="200981" y="8241"/>
+                  <a:pt x="0" y="18288"/>
+                </a:cubicBezTo>
+                <a:cubicBezTo>
+                  <a:pt x="-229" y="14222"/>
+                  <a:pt x="509" y="5816"/>
+                  <a:pt x="0" y="0"/>
+                </a:cubicBezTo>
+                <a:close/>
+              </a:path>
+              <a:path w="4572000" h="18288" stroke="0" extrusionOk="0">
+                <a:moveTo>
+                  <a:pt x="0" y="0"/>
+                </a:moveTo>
+                <a:cubicBezTo>
+                  <a:pt x="143285" y="-9565"/>
+                  <a:pt x="327959" y="-11498"/>
+                  <a:pt x="561703" y="0"/>
+                </a:cubicBezTo>
+                <a:cubicBezTo>
+                  <a:pt x="795447" y="11498"/>
+                  <a:pt x="838260" y="18255"/>
+                  <a:pt x="1077686" y="0"/>
+                </a:cubicBezTo>
+                <a:cubicBezTo>
+                  <a:pt x="1317112" y="-18255"/>
+                  <a:pt x="1437472" y="23514"/>
+                  <a:pt x="1639389" y="0"/>
+                </a:cubicBezTo>
+                <a:cubicBezTo>
+                  <a:pt x="1841306" y="-23514"/>
+                  <a:pt x="2037142" y="-12551"/>
+                  <a:pt x="2292531" y="0"/>
+                </a:cubicBezTo>
+                <a:cubicBezTo>
+                  <a:pt x="2547920" y="12551"/>
+                  <a:pt x="2810436" y="-20352"/>
+                  <a:pt x="2991394" y="0"/>
+                </a:cubicBezTo>
+                <a:cubicBezTo>
+                  <a:pt x="3172352" y="20352"/>
+                  <a:pt x="3530025" y="-13347"/>
+                  <a:pt x="3735977" y="0"/>
+                </a:cubicBezTo>
+                <a:cubicBezTo>
+                  <a:pt x="3941929" y="13347"/>
+                  <a:pt x="4161497" y="34086"/>
+                  <a:pt x="4572000" y="0"/>
+                </a:cubicBezTo>
+                <a:cubicBezTo>
+                  <a:pt x="4571545" y="6162"/>
+                  <a:pt x="4571903" y="11775"/>
+                  <a:pt x="4572000" y="18288"/>
+                </a:cubicBezTo>
+                <a:cubicBezTo>
+                  <a:pt x="4228040" y="36490"/>
+                  <a:pt x="4199736" y="42557"/>
+                  <a:pt x="3873137" y="18288"/>
+                </a:cubicBezTo>
+                <a:cubicBezTo>
+                  <a:pt x="3546538" y="-5981"/>
+                  <a:pt x="3472124" y="16809"/>
+                  <a:pt x="3128554" y="18288"/>
+                </a:cubicBezTo>
+                <a:cubicBezTo>
+                  <a:pt x="2784984" y="19767"/>
+                  <a:pt x="2735896" y="-17781"/>
+                  <a:pt x="2383971" y="18288"/>
+                </a:cubicBezTo>
+                <a:cubicBezTo>
+                  <a:pt x="2032046" y="54357"/>
+                  <a:pt x="2019324" y="2920"/>
+                  <a:pt x="1867989" y="18288"/>
+                </a:cubicBezTo>
+                <a:cubicBezTo>
+                  <a:pt x="1716654" y="33656"/>
+                  <a:pt x="1418675" y="32575"/>
+                  <a:pt x="1169126" y="18288"/>
+                </a:cubicBezTo>
+                <a:cubicBezTo>
+                  <a:pt x="919577" y="4001"/>
+                  <a:pt x="798537" y="16165"/>
+                  <a:pt x="561703" y="18288"/>
+                </a:cubicBezTo>
+                <a:cubicBezTo>
+                  <a:pt x="324869" y="20411"/>
+                  <a:pt x="221395" y="-912"/>
+                  <a:pt x="0" y="18288"/>
+                </a:cubicBezTo>
+                <a:cubicBezTo>
+                  <a:pt x="766" y="10800"/>
+                  <a:pt x="-457" y="8180"/>
+                  <a:pt x="0" y="0"/>
+                </a:cubicBezTo>
+                <a:close/>
+              </a:path>
+            </a:pathLst>
+          </a:custGeom>
+          <a:solidFill>
+            <a:schemeClr val="accent2"/>
+          </a:solidFill>
+          <a:ln w="41275" cap="rnd">
+            <a:solidFill>
+              <a:schemeClr val="accent2"/>
+            </a:solidFill>
+            <a:round/>
+            <a:extLst>
+              <a:ext uri="{C807C97D-BFC1-408E-A445-0C87EB9F89A2}">
+                <ask:lineSketchStyleProps xmlns:ask="http://schemas.microsoft.com/office/drawing/2018/sketchyshapes" sd="2727557108">
+                  <a:prstGeom prst="rect">
+                    <a:avLst/>
+                  </a:prstGeom>
+                  <ask:type>
+                    <ask:lineSketchFreehand/>
+                  </ask:type>
+                </ask:lineSketchStyleProps>
+              </a:ext>
+            </a:extLst>
+          </a:ln>
+        </p:spPr>
+        <p:style>
+          <a:lnRef idx="2">
+            <a:schemeClr val="accent1">
+              <a:shade val="50000"/>
+            </a:schemeClr>
+          </a:lnRef>
+          <a:fillRef idx="1">
+            <a:schemeClr val="accent1"/>
+          </a:fillRef>
+          <a:effectRef idx="0">
+            <a:schemeClr val="accent1"/>
+          </a:effectRef>
+          <a:fontRef idx="minor">
+            <a:schemeClr val="lt1"/>
+          </a:fontRef>
+        </p:style>
+        <p:txBody>
+          <a:bodyPr rtlCol="0" anchor="ctr"/>
+          <a:lstStyle/>
+          <a:p>
+            <a:pPr algn="ctr"/>
+            <a:endParaRPr lang="en-US"/>
+          </a:p>
+        </p:txBody>
+      </p:sp>
+      <p:pic>
+        <p:nvPicPr>
+          <p:cNvPr id="3" name="Tartalom helye 8" descr="A képen képernyőkép, diagram, sor, Post-it cetli látható&#10;&#10;Automatikusan generált leírás">
+            <a:extLst>
+              <a:ext uri="{FF2B5EF4-FFF2-40B4-BE49-F238E27FC236}">
+                <a16:creationId xmlns:a16="http://schemas.microsoft.com/office/drawing/2014/main" id="{A9ED6514-68CD-D91D-24B7-55E20E55B3BF}"/>
+              </a:ext>
+            </a:extLst>
+          </p:cNvPr>
+          <p:cNvPicPr>
+            <a:picLocks noGrp="1" noChangeAspect="1"/>
+          </p:cNvPicPr>
+          <p:nvPr>
+            <p:ph idx="1"/>
+          </p:nvPr>
+        </p:nvPicPr>
+        <p:blipFill>
+          <a:blip r:embed="rId3">
+            <a:extLst>
+              <a:ext uri="{28A0092B-C50C-407E-A947-70E740481C1C}">
+                <a14:useLocalDpi xmlns:a14="http://schemas.microsoft.com/office/drawing/2010/main" val="0"/>
+              </a:ext>
+            </a:extLst>
+          </a:blip>
+          <a:stretch>
+            <a:fillRect/>
+          </a:stretch>
+        </p:blipFill>
+        <p:spPr>
+          <a:xfrm>
+            <a:off x="120940" y="2218074"/>
+            <a:ext cx="11945522" cy="4001751"/>
+          </a:xfrm>
+          <a:prstGeom prst="rect">
+            <a:avLst/>
+          </a:prstGeom>
+        </p:spPr>
+      </p:pic>
+      <p:sp>
+        <p:nvSpPr>
+          <p:cNvPr id="6" name="Dátum helye 5">
+            <a:extLst>
+              <a:ext uri="{FF2B5EF4-FFF2-40B4-BE49-F238E27FC236}">
+                <a16:creationId xmlns:a16="http://schemas.microsoft.com/office/drawing/2014/main" id="{755509C4-3B07-3F44-A1AF-BC312BDBE62E}"/>
+              </a:ext>
+            </a:extLst>
+          </p:cNvPr>
+          <p:cNvSpPr>
+            <a:spLocks noGrp="1"/>
+          </p:cNvSpPr>
+          <p:nvPr>
+            <p:ph type="dt" sz="half" idx="10"/>
+          </p:nvPr>
+        </p:nvSpPr>
+        <p:spPr>
+          <a:xfrm>
+            <a:off x="838200" y="6356350"/>
+            <a:ext cx="2743200" cy="365125"/>
+          </a:xfrm>
+        </p:spPr>
+        <p:txBody>
+          <a:bodyPr vert="horz" lIns="91440" tIns="45720" rIns="91440" bIns="45720" rtlCol="0" anchor="ctr">
+            <a:normAutofit/>
+          </a:bodyPr>
+          <a:lstStyle/>
+          <a:p>
+            <a:pPr>
+              <a:spcAft>
+                <a:spcPts val="600"/>
+              </a:spcAft>
+            </a:pPr>
+            <a:fld id="{C410DB5E-A372-294A-ADC7-737DED99DBCB}" type="datetime1">
+              <a:rPr lang="en-US" smtClean="0">
+                <a:solidFill>
+                  <a:schemeClr val="tx1">
+                    <a:tint val="75000"/>
+                  </a:schemeClr>
+                </a:solidFill>
+              </a:rPr>
+              <a:pPr>
+                <a:spcAft>
+                  <a:spcPts val="600"/>
+                </a:spcAft>
+              </a:pPr>
+              <a:t>11/8/25</a:t>
+            </a:fld>
+            <a:endParaRPr lang="en-US">
+              <a:solidFill>
+                <a:schemeClr val="tx1">
+                  <a:tint val="75000"/>
+                </a:schemeClr>
+              </a:solidFill>
+            </a:endParaRPr>
+          </a:p>
+        </p:txBody>
+      </p:sp>
+      <p:sp>
+        <p:nvSpPr>
+          <p:cNvPr id="7" name="Dia számának helye 6">
+            <a:extLst>
+              <a:ext uri="{FF2B5EF4-FFF2-40B4-BE49-F238E27FC236}">
+                <a16:creationId xmlns:a16="http://schemas.microsoft.com/office/drawing/2014/main" id="{231C41BA-0408-1C95-90B5-3A2002F293DA}"/>
+              </a:ext>
+            </a:extLst>
+          </p:cNvPr>
+          <p:cNvSpPr>
+            <a:spLocks noGrp="1"/>
+          </p:cNvSpPr>
+          <p:nvPr>
+            <p:ph type="sldNum" sz="quarter" idx="12"/>
+          </p:nvPr>
+        </p:nvSpPr>
+        <p:spPr>
+          <a:xfrm>
+            <a:off x="8610600" y="6356350"/>
+            <a:ext cx="2743200" cy="365125"/>
+          </a:xfrm>
+        </p:spPr>
+        <p:txBody>
+          <a:bodyPr vert="horz" lIns="91440" tIns="45720" rIns="91440" bIns="45720" rtlCol="0" anchor="ctr">
+            <a:normAutofit/>
+          </a:bodyPr>
+          <a:lstStyle/>
+          <a:p>
+            <a:pPr>
+              <a:spcAft>
+                <a:spcPts val="600"/>
+              </a:spcAft>
+            </a:pPr>
+            <a:fld id="{61F88ADF-3301-4598-B089-C6A4CC92BE83}" type="slidenum">
+              <a:rPr lang="en-US" smtClean="0">
+                <a:solidFill>
+                  <a:schemeClr val="tx1">
+                    <a:tint val="75000"/>
+                  </a:schemeClr>
+                </a:solidFill>
+              </a:rPr>
+              <a:pPr>
+                <a:spcAft>
+                  <a:spcPts val="600"/>
+                </a:spcAft>
+              </a:pPr>
+              <a:t>7</a:t>
+            </a:fld>
+            <a:r>
+              <a:rPr lang="en-US">
+                <a:solidFill>
+                  <a:schemeClr val="tx1">
+                    <a:tint val="75000"/>
+                  </a:schemeClr>
+                </a:solidFill>
+              </a:rPr>
+              <a:t>/14</a:t>
+            </a:r>
+          </a:p>
+        </p:txBody>
+      </p:sp>
+    </p:spTree>
+    <p:extLst>
+      <p:ext uri="{BB962C8B-B14F-4D97-AF65-F5344CB8AC3E}">
+        <p14:creationId xmlns:p14="http://schemas.microsoft.com/office/powerpoint/2010/main" val="382256522"/>
       </p:ext>
     </p:extLst>
   </p:cSld>
@@ -12731,34 +16448,33 @@
           <a:lstStyle/>
           <a:p>
             <a:r>
-              <a:rPr lang="hu-HU" sz="1400" dirty="0"/>
-              <a:t>Online </a:t>
-            </a:r>
-            <a:r>
-              <a:rPr lang="hu-HU" sz="1400" dirty="0" err="1"/>
+              <a:rPr lang="hu-HU" sz="1800" b="1" dirty="0" err="1"/>
+              <a:t>OnlineKMeans</a:t>
+            </a:r>
+            <a:r>
+              <a:rPr lang="hu-HU" sz="1800" b="1" dirty="0"/>
+              <a:t>:</a:t>
+            </a:r>
+          </a:p>
+          <a:p>
+            <a:pPr lvl="1"/>
+            <a:r>
+              <a:rPr lang="hu-HU" sz="1800" dirty="0" err="1"/>
               <a:t>KMeans</a:t>
             </a:r>
-            <a:endParaRPr lang="hu-HU" sz="1400" dirty="0"/>
+            <a:r>
+              <a:rPr lang="hu-HU" sz="1800" dirty="0"/>
+              <a:t>++ inicializálás</a:t>
+            </a:r>
           </a:p>
           <a:p>
             <a:pPr lvl="1"/>
             <a:r>
-              <a:rPr lang="hu-HU" sz="1400" dirty="0" err="1"/>
-              <a:t>KMeans</a:t>
-            </a:r>
-            <a:r>
-              <a:rPr lang="hu-HU" sz="1400" dirty="0"/>
-              <a:t>++ inicializálás</a:t>
-            </a:r>
-          </a:p>
-          <a:p>
-            <a:pPr lvl="1"/>
-            <a:r>
-              <a:rPr lang="hu-HU" sz="1400" dirty="0" err="1"/>
+              <a:rPr lang="hu-HU" sz="1800" dirty="0" err="1"/>
               <a:t>Centroidok</a:t>
             </a:r>
             <a:r>
-              <a:rPr lang="hu-HU" sz="1400" dirty="0"/>
+              <a:rPr lang="hu-HU" sz="1800" dirty="0"/>
               <a:t> dinamikus frissítése:</a:t>
             </a:r>
           </a:p>
@@ -12782,68 +16498,28 @@
           </a:p>
           <a:p>
             <a:pPr lvl="1"/>
-            <a:r>
-              <a:rPr lang="hu-HU" sz="1400" dirty="0"/>
-              <a:t>Gyors, memória hatékony megközelítés:</a:t>
-            </a:r>
-          </a:p>
-          <a:p>
-            <a:pPr lvl="2"/>
-            <a:r>
-              <a:rPr lang="hu-HU" sz="1400" dirty="0"/>
-              <a:t>Memóriában tárolt adatok:</a:t>
-            </a:r>
-          </a:p>
-          <a:p>
-            <a:pPr lvl="3"/>
-            <a:r>
-              <a:rPr lang="hu-HU" sz="1400" dirty="0"/>
-              <a:t>Batch </a:t>
-            </a:r>
-            <a:r>
-              <a:rPr lang="hu-HU" sz="1400" dirty="0" err="1"/>
-              <a:t>embeddingek</a:t>
-            </a:r>
-            <a:endParaRPr lang="hu-HU" sz="1400" dirty="0"/>
-          </a:p>
-          <a:p>
-            <a:pPr lvl="3"/>
-            <a:r>
-              <a:rPr lang="hu-HU" sz="1400" dirty="0"/>
-              <a:t>Klaszterközéppontok tömbje</a:t>
-            </a:r>
-          </a:p>
-          <a:p>
-            <a:pPr lvl="3"/>
-            <a:r>
-              <a:rPr lang="hu-HU" sz="1400" dirty="0"/>
-              <a:t>Egyes klaszterek elemszáma</a:t>
-            </a:r>
-          </a:p>
-          <a:p>
-            <a:pPr lvl="3"/>
-            <a:r>
-              <a:rPr lang="hu-HU" sz="1400" dirty="0"/>
-              <a:t>Klaszterekhez tartozó pontok koordinátáinak összege</a:t>
-            </a:r>
-          </a:p>
-          <a:p>
-            <a:pPr lvl="3"/>
-            <a:r>
-              <a:rPr lang="hu-HU" sz="1400" dirty="0"/>
-              <a:t>Klaszterekhez tartozó variancia értékek</a:t>
-            </a:r>
-          </a:p>
-          <a:p>
-            <a:pPr lvl="3"/>
-            <a:r>
-              <a:rPr lang="hu-HU" sz="1400" dirty="0"/>
-              <a:t>Eddig feldolgozott adatpontok száma</a:t>
-            </a:r>
-          </a:p>
-          <a:p>
-            <a:pPr lvl="3"/>
-            <a:endParaRPr lang="hu-HU" sz="1400" dirty="0"/>
+            <a:endParaRPr lang="hu-HU" sz="1600" dirty="0"/>
+          </a:p>
+          <a:p>
+            <a:pPr lvl="1"/>
+            <a:r>
+              <a:rPr lang="hu-HU" sz="1800" dirty="0"/>
+              <a:t>Új klaszterek létrehozása</a:t>
+            </a:r>
+          </a:p>
+          <a:p>
+            <a:pPr lvl="1"/>
+            <a:r>
+              <a:rPr lang="hu-HU" sz="1800" dirty="0"/>
+              <a:t>Meglévő klaszterek összevonása</a:t>
+            </a:r>
+          </a:p>
+          <a:p>
+            <a:pPr lvl="1"/>
+            <a:r>
+              <a:rPr lang="hu-HU" sz="1800" dirty="0"/>
+              <a:t>Gyors, memória hatékony megközelítés</a:t>
+            </a:r>
           </a:p>
           <a:p>
             <a:pPr lvl="1"/>
@@ -12866,7 +16542,7 @@
           <p:nvPr/>
         </p:nvPicPr>
         <p:blipFill>
-          <a:blip r:embed="rId2">
+          <a:blip r:embed="rId3">
             <a:extLst>
               <a:ext uri="{28A0092B-C50C-407E-A947-70E740481C1C}">
                 <a14:useLocalDpi xmlns:a14="http://schemas.microsoft.com/office/drawing/2010/main" val="0"/>
@@ -12879,8 +16555,8 @@
         </p:blipFill>
         <p:spPr>
           <a:xfrm>
-            <a:off x="2518268" y="3509627"/>
-            <a:ext cx="3138201" cy="627640"/>
+            <a:off x="2156763" y="3789802"/>
+            <a:ext cx="3499706" cy="699941"/>
           </a:xfrm>
           <a:prstGeom prst="rect">
             <a:avLst/>
@@ -12922,7 +16598,7 @@
             </a:pPr>
             <a:fld id="{93B65CD1-5108-2149-AD8B-F412A6622A91}" type="datetime1">
               <a:rPr lang="hu-HU" smtClean="0"/>
-              <a:t>2025. 11. 06.</a:t>
+              <a:t>2025. 11. 08.</a:t>
             </a:fld>
             <a:endParaRPr lang="hu-HU"/>
           </a:p>
@@ -12992,7 +16668,7 @@
           <p:nvPr/>
         </p:nvPicPr>
         <p:blipFill>
-          <a:blip r:embed="rId3">
+          <a:blip r:embed="rId4">
             <a:extLst>
               <a:ext uri="{28A0092B-C50C-407E-A947-70E740481C1C}">
                 <a14:useLocalDpi xmlns:a14="http://schemas.microsoft.com/office/drawing/2010/main" val="0"/>
@@ -13061,21 +16737,28 @@
         </p:nvSpPr>
         <p:spPr/>
         <p:txBody>
-          <a:bodyPr/>
-          <a:lstStyle/>
-          <a:p>
-            <a:r>
-              <a:rPr lang="hu-HU" b="1" dirty="0"/>
-              <a:t>Online </a:t>
-            </a:r>
-            <a:r>
-              <a:rPr lang="hu-HU" b="1" dirty="0" err="1"/>
+          <a:bodyPr>
+            <a:normAutofit/>
+          </a:bodyPr>
+          <a:lstStyle/>
+          <a:p>
+            <a:r>
+              <a:rPr lang="hu-HU" sz="4100" b="1" dirty="0"/>
+              <a:t>Az Online </a:t>
+            </a:r>
+            <a:r>
+              <a:rPr lang="hu-HU" sz="4100" b="1" dirty="0" err="1"/>
               <a:t>KMeans</a:t>
             </a:r>
             <a:r>
-              <a:rPr lang="hu-HU" b="1" dirty="0"/>
-              <a:t> algoritmusom</a:t>
-            </a:r>
+              <a:rPr lang="hu-HU" sz="4100" b="1" dirty="0"/>
+              <a:t> algoritmus </a:t>
+            </a:r>
+            <a:r>
+              <a:rPr lang="hu-HU" sz="4100" b="1" dirty="0" err="1"/>
+              <a:t>pszeudokódja</a:t>
+            </a:r>
+            <a:endParaRPr lang="hu-HU" sz="4100" b="1" dirty="0"/>
           </a:p>
         </p:txBody>
       </p:sp>
@@ -13102,7 +16785,7 @@
           <a:p>
             <a:fld id="{AB697F88-25D7-7E4E-91DA-57125152F457}" type="datetime1">
               <a:rPr lang="hu-HU" smtClean="0"/>
-              <a:t>2025. 11. 06.</a:t>
+              <a:t>2025. 11. 08.</a:t>
             </a:fld>
             <a:endParaRPr lang="hu-HU"/>
           </a:p>
@@ -13177,7 +16860,7 @@
           <p:nvPr/>
         </p:nvPicPr>
         <p:blipFill>
-          <a:blip r:embed="rId2"/>
+          <a:blip r:embed="rId3"/>
           <a:stretch>
             <a:fillRect/>
           </a:stretch>

--- a/tdk/tdk_v1.pptx
+++ b/tdk/tdk_v1.pptx
@@ -1148,6 +1148,48 @@
               <a:t> környezetben leromlik.</a:t>
             </a:r>
           </a:p>
+          <a:p>
+            <a:endParaRPr lang="hu-HU" dirty="0"/>
+          </a:p>
+          <a:p>
+            <a:r>
+              <a:rPr lang="hu-HU" dirty="0"/>
+              <a:t>ARI: A modell által képzett </a:t>
+            </a:r>
+            <a:r>
+              <a:rPr lang="hu-HU" dirty="0" err="1"/>
+              <a:t>klaszterezés</a:t>
+            </a:r>
+            <a:r>
+              <a:rPr lang="hu-HU" dirty="0"/>
+              <a:t> </a:t>
+            </a:r>
+            <a:r>
+              <a:rPr lang="hu-HU" b="1" dirty="0"/>
+              <a:t>mennyire egyezik meg a valódi címkékkel</a:t>
+            </a:r>
+            <a:r>
+              <a:rPr lang="hu-HU" dirty="0"/>
+              <a:t>, véletlenszerű egyezéstől korrigálva.</a:t>
+            </a:r>
+          </a:p>
+          <a:p>
+            <a:endParaRPr lang="hu-HU" dirty="0"/>
+          </a:p>
+          <a:p>
+            <a:r>
+              <a:rPr lang="hu-HU" dirty="0"/>
+              <a:t>NMI: A modell klaszterei és a valódi címkék </a:t>
+            </a:r>
+            <a:r>
+              <a:rPr lang="hu-HU" b="1" dirty="0"/>
+              <a:t>mennyi közös információt tartalmaznak</a:t>
+            </a:r>
+            <a:r>
+              <a:rPr lang="hu-HU" dirty="0"/>
+              <a:t>, azaz mennyire jól egyeznek egymással normalizált skálán (0–1 között)</a:t>
+            </a:r>
+          </a:p>
         </p:txBody>
       </p:sp>
       <p:sp>
@@ -1603,6 +1645,56 @@
             </a:r>
           </a:p>
           <a:p>
+            <a:endParaRPr lang="hu-HU" b="0" dirty="0">
+              <a:solidFill>
+                <a:srgbClr val="000000"/>
+              </a:solidFill>
+              <a:effectLst/>
+              <a:latin typeface="Times New Roman" panose="02020603050405020304" pitchFamily="18" charset="0"/>
+            </a:endParaRPr>
+          </a:p>
+          <a:p>
+            <a:r>
+              <a:rPr lang="hu-HU" b="0" dirty="0" err="1">
+                <a:solidFill>
+                  <a:srgbClr val="000000"/>
+                </a:solidFill>
+                <a:effectLst/>
+                <a:latin typeface="Times New Roman" panose="02020603050405020304" pitchFamily="18" charset="0"/>
+              </a:rPr>
+              <a:t>Recall</a:t>
+            </a:r>
+            <a:r>
+              <a:rPr lang="hu-HU" b="0" dirty="0">
+                <a:solidFill>
+                  <a:srgbClr val="000000"/>
+                </a:solidFill>
+                <a:effectLst/>
+                <a:latin typeface="Times New Roman" panose="02020603050405020304" pitchFamily="18" charset="0"/>
+              </a:rPr>
+              <a:t>=TP / (TP + FN). A </a:t>
+            </a:r>
+            <a:r>
+              <a:rPr lang="hu-HU" dirty="0"/>
+              <a:t>valódi pozitív esetek közül </a:t>
+            </a:r>
+            <a:r>
+              <a:rPr lang="hu-HU" b="1" dirty="0"/>
+              <a:t>hányat talált meg helyesen a modell</a:t>
+            </a:r>
+            <a:r>
+              <a:rPr lang="hu-HU" dirty="0"/>
+              <a:t>.</a:t>
+            </a:r>
+            <a:endParaRPr lang="hu-HU" b="0" dirty="0">
+              <a:solidFill>
+                <a:srgbClr val="000000"/>
+              </a:solidFill>
+              <a:effectLst/>
+              <a:latin typeface="Times New Roman" panose="02020603050405020304" pitchFamily="18" charset="0"/>
+            </a:endParaRPr>
+          </a:p>
+          <a:p>
             <a:endParaRPr lang="hu-HU" dirty="0"/>
           </a:p>
           <a:p>
@@ -2866,7 +2958,7 @@
             </a:r>
             <a:r>
               <a:rPr lang="hu-HU" dirty="0"/>
-              <a:t>'-ot, vagyis szemantikus darabolást alkalmaztam. Ez azért fontos, mert nem csak fix méretű darabokra vágjuk a szöveget, hanem megpróbáljuk a logikailag összetartozó 	 	részeket egyben tartani. Ez nagyban segíti a későbbi visszakeresés pontosságát.</a:t>
+              <a:t>'-ot, vagyis szemantikus darabolást alkalmaztam. Ez azért fontos, mert nem csak fix méretű darabokra vágjuk a szöveget, hanem megpróbáljuk a logikailag összetartozó részeket egyben tartani. Ez nagyban segíti a későbbi visszakeresés pontosságát.</a:t>
             </a:r>
           </a:p>
         </p:txBody>
@@ -4069,7 +4161,7 @@
           <a:bodyPr/>
           <a:lstStyle/>
           <a:p>
-            <a:fld id="{B7571CAD-6F13-184D-A3E8-750FE35B9EBC}" type="datetime1">
+            <a:fld id="{D45F21B2-F76C-DA4E-93C7-1ED776993694}" type="datetime1">
               <a:rPr lang="hu-HU" smtClean="0"/>
               <a:t>2025. 11. 08.</a:t>
             </a:fld>
@@ -4270,7 +4362,7 @@
           <a:bodyPr/>
           <a:lstStyle/>
           <a:p>
-            <a:fld id="{DA747407-E380-7C4C-956A-D6E19B9BA48E}" type="datetime1">
+            <a:fld id="{639F617D-633B-144B-B338-1A3186D94DEC}" type="datetime1">
               <a:rPr lang="hu-HU" smtClean="0"/>
               <a:t>2025. 11. 08.</a:t>
             </a:fld>
@@ -4478,7 +4570,7 @@
           <a:bodyPr/>
           <a:lstStyle/>
           <a:p>
-            <a:fld id="{DE8A1641-DB98-1945-938C-2D56ADE4DCEF}" type="datetime1">
+            <a:fld id="{EB40C74A-E794-5D4C-99F0-E0908F250C85}" type="datetime1">
               <a:rPr lang="hu-HU" smtClean="0"/>
               <a:t>2025. 11. 08.</a:t>
             </a:fld>
@@ -4676,7 +4768,7 @@
           <a:bodyPr/>
           <a:lstStyle/>
           <a:p>
-            <a:fld id="{AB697F88-25D7-7E4E-91DA-57125152F457}" type="datetime1">
+            <a:fld id="{FB2979DB-241A-8544-95D6-5A5515E861C2}" type="datetime1">
               <a:rPr lang="hu-HU" smtClean="0"/>
               <a:t>2025. 11. 08.</a:t>
             </a:fld>
@@ -4951,7 +5043,7 @@
           <a:bodyPr/>
           <a:lstStyle/>
           <a:p>
-            <a:fld id="{BB9243F7-EB01-1C49-8DF4-B5E7D3EDCB05}" type="datetime1">
+            <a:fld id="{E1238A03-143C-DC48-B6FB-03520BF3D264}" type="datetime1">
               <a:rPr lang="hu-HU" smtClean="0"/>
               <a:t>2025. 11. 08.</a:t>
             </a:fld>
@@ -5216,7 +5308,7 @@
           <a:bodyPr/>
           <a:lstStyle/>
           <a:p>
-            <a:fld id="{293A0E93-9A86-7044-A356-C546BEFBED63}" type="datetime1">
+            <a:fld id="{32D5DABD-02F3-C24D-B459-BA5A52C7C0D3}" type="datetime1">
               <a:rPr lang="hu-HU" smtClean="0"/>
               <a:t>2025. 11. 08.</a:t>
             </a:fld>
@@ -5628,7 +5720,7 @@
           <a:bodyPr/>
           <a:lstStyle/>
           <a:p>
-            <a:fld id="{E4744146-0A6C-8F43-AB21-D823E7CB24D4}" type="datetime1">
+            <a:fld id="{B8F665F1-11A6-C146-8C9C-4EAD2B21F502}" type="datetime1">
               <a:rPr lang="hu-HU" smtClean="0"/>
               <a:t>2025. 11. 08.</a:t>
             </a:fld>
@@ -5769,7 +5861,7 @@
           <a:bodyPr/>
           <a:lstStyle/>
           <a:p>
-            <a:fld id="{8EF3C242-AF4E-0F4E-B1A5-0050A5B92112}" type="datetime1">
+            <a:fld id="{0505F671-323E-D34A-8D4F-5155E3541BC7}" type="datetime1">
               <a:rPr lang="hu-HU" smtClean="0"/>
               <a:t>2025. 11. 08.</a:t>
             </a:fld>
@@ -5882,7 +5974,7 @@
           <a:bodyPr/>
           <a:lstStyle/>
           <a:p>
-            <a:fld id="{B6DD6928-E8BB-F645-9B89-505C65382616}" type="datetime1">
+            <a:fld id="{B3CDB417-D9D9-C740-B221-44D378005732}" type="datetime1">
               <a:rPr lang="hu-HU" smtClean="0"/>
               <a:t>2025. 11. 08.</a:t>
             </a:fld>
@@ -6193,7 +6285,7 @@
           <a:bodyPr/>
           <a:lstStyle/>
           <a:p>
-            <a:fld id="{FC32935B-306A-AF4A-83C7-5ACF2C37EC40}" type="datetime1">
+            <a:fld id="{3980F3EA-3925-E241-9F9A-1E3EF43D2F81}" type="datetime1">
               <a:rPr lang="hu-HU" smtClean="0"/>
               <a:t>2025. 11. 08.</a:t>
             </a:fld>
@@ -6481,7 +6573,7 @@
           <a:bodyPr/>
           <a:lstStyle/>
           <a:p>
-            <a:fld id="{DF03F5C2-BC5C-E946-BE19-5970FFE88346}" type="datetime1">
+            <a:fld id="{662B74F7-95E0-1C4A-BBFA-D3DEF04605D4}" type="datetime1">
               <a:rPr lang="hu-HU" smtClean="0"/>
               <a:t>2025. 11. 08.</a:t>
             </a:fld>
@@ -6722,7 +6814,7 @@
             </a:lvl1pPr>
           </a:lstStyle>
           <a:p>
-            <a:fld id="{F1EA9AB3-3E45-1F4D-91EA-19B6CDD7EF89}" type="datetime1">
+            <a:fld id="{E04DB062-3C69-2A49-980E-3FE962CDF110}" type="datetime1">
               <a:rPr lang="hu-HU" smtClean="0"/>
               <a:t>2025. 11. 08.</a:t>
             </a:fld>
@@ -7661,7 +7753,7 @@
           <a:bodyPr/>
           <a:lstStyle/>
           <a:p>
-            <a:fld id="{AB697F88-25D7-7E4E-91DA-57125152F457}" type="datetime1">
+            <a:fld id="{16CFAA20-991C-5440-821D-EF7936105166}" type="datetime1">
               <a:rPr lang="hu-HU" smtClean="0"/>
               <a:t>2025. 11. 08.</a:t>
             </a:fld>
@@ -7784,7 +7876,7 @@
           <a:bodyPr/>
           <a:lstStyle/>
           <a:p>
-            <a:fld id="{604F7F41-D779-A547-A1A3-0928E654DA43}" type="datetime1">
+            <a:fld id="{031D0D19-1B35-7A4F-93B5-1EDA6F972E33}" type="datetime1">
               <a:rPr lang="hu-HU" smtClean="0"/>
               <a:t>2025. 11. 08.</a:t>
             </a:fld>
@@ -8185,7 +8277,7 @@
           <a:bodyPr/>
           <a:lstStyle/>
           <a:p>
-            <a:fld id="{AB697F88-25D7-7E4E-91DA-57125152F457}" type="datetime1">
+            <a:fld id="{F5CF19C3-C554-0D49-858F-BC5A4F8BAF23}" type="datetime1">
               <a:rPr lang="hu-HU" smtClean="0"/>
               <a:t>2025. 11. 08.</a:t>
             </a:fld>
@@ -8301,7 +8393,7 @@
           <a:bodyPr/>
           <a:lstStyle/>
           <a:p>
-            <a:fld id="{1D89F031-1307-194F-983A-F3429BE6CD69}" type="datetime1">
+            <a:fld id="{86D7C4ED-070D-D147-BEC5-7EAE588D72B2}" type="datetime1">
               <a:rPr lang="hu-HU" smtClean="0"/>
               <a:t>2025. 11. 08.</a:t>
             </a:fld>
@@ -8531,7 +8623,7 @@
           <a:bodyPr/>
           <a:lstStyle/>
           <a:p>
-            <a:fld id="{AB697F88-25D7-7E4E-91DA-57125152F457}" type="datetime1">
+            <a:fld id="{DB103250-059E-6C49-9AEC-D7E11F74EA17}" type="datetime1">
               <a:rPr lang="hu-HU" smtClean="0"/>
               <a:t>2025. 11. 08.</a:t>
             </a:fld>
@@ -8665,7 +8757,7 @@
           <a:bodyPr/>
           <a:lstStyle/>
           <a:p>
-            <a:fld id="{23789548-D724-1F48-B49D-E29266C4BD81}" type="datetime1">
+            <a:fld id="{CA3B4C4B-4FCE-684E-BDCF-894303FF802E}" type="datetime1">
               <a:rPr lang="hu-HU" smtClean="0"/>
               <a:t>2025. 11. 08.</a:t>
             </a:fld>
@@ -8987,7 +9079,7 @@
           <a:bodyPr/>
           <a:lstStyle/>
           <a:p>
-            <a:fld id="{AB697F88-25D7-7E4E-91DA-57125152F457}" type="datetime1">
+            <a:fld id="{A1F67968-9289-324A-8185-9F1024D0E0BB}" type="datetime1">
               <a:rPr lang="hu-HU" smtClean="0"/>
               <a:t>2025. 11. 08.</a:t>
             </a:fld>
@@ -9105,7 +9197,7 @@
           <a:bodyPr/>
           <a:lstStyle/>
           <a:p>
-            <a:fld id="{AB697F88-25D7-7E4E-91DA-57125152F457}" type="datetime1">
+            <a:fld id="{C19EC71B-C64D-AC47-B57B-94F3463CBF7C}" type="datetime1">
               <a:rPr lang="hu-HU" smtClean="0"/>
               <a:t>2025. 11. 08.</a:t>
             </a:fld>
@@ -9394,7 +9486,7 @@
           <a:bodyPr/>
           <a:lstStyle/>
           <a:p>
-            <a:fld id="{AB697F88-25D7-7E4E-91DA-57125152F457}" type="datetime1">
+            <a:fld id="{9B9C5130-88B4-B04A-A570-CDDCA513217F}" type="datetime1">
               <a:rPr lang="hu-HU" smtClean="0"/>
               <a:t>2025. 11. 08.</a:t>
             </a:fld>
@@ -9658,7 +9750,7 @@
           <a:bodyPr/>
           <a:lstStyle/>
           <a:p>
-            <a:fld id="{AB697F88-25D7-7E4E-91DA-57125152F457}" type="datetime1">
+            <a:fld id="{C6ADFBD6-396A-C74B-847F-F81995866E7F}" type="datetime1">
               <a:rPr lang="hu-HU" smtClean="0"/>
               <a:t>2025. 11. 08.</a:t>
             </a:fld>
@@ -10311,7 +10403,7 @@
           <a:bodyPr/>
           <a:lstStyle/>
           <a:p>
-            <a:fld id="{5C85A438-3713-F446-BD7A-55D18856C613}" type="datetime1">
+            <a:fld id="{D3B9E4F3-2471-F946-A10E-F965F7F15FF3}" type="datetime1">
               <a:rPr lang="hu-HU" smtClean="0"/>
               <a:t>2025. 11. 08.</a:t>
             </a:fld>
@@ -11293,13 +11385,8 @@
                 <a:spcPts val="600"/>
               </a:spcAft>
             </a:pPr>
-            <a:fld id="{AB697F88-25D7-7E4E-91DA-57125152F457}" type="datetime1">
+            <a:fld id="{29D8A9DB-A63D-1E43-964A-FEA6F241DBC6}" type="datetime1">
               <a:rPr lang="hu-HU" smtClean="0"/>
-              <a:pPr>
-                <a:spcAft>
-                  <a:spcPts val="600"/>
-                </a:spcAft>
-              </a:pPr>
               <a:t>2025. 11. 08.</a:t>
             </a:fld>
             <a:endParaRPr lang="hu-HU"/>
@@ -13403,7 +13490,7 @@
           <a:bodyPr/>
           <a:lstStyle/>
           <a:p>
-            <a:fld id="{308DC56D-A89B-7A46-BB67-D506DBA2B2C4}" type="datetime1">
+            <a:fld id="{9A3D4093-34E7-DB4F-8E21-29319E040103}" type="datetime1">
               <a:rPr lang="hu-HU" smtClean="0"/>
               <a:t>2025. 11. 08.</a:t>
             </a:fld>
@@ -13982,7 +14069,7 @@
           <a:bodyPr/>
           <a:lstStyle/>
           <a:p>
-            <a:fld id="{4FAACB8C-8A8C-8F41-B579-E127A30BCC8D}" type="datetime1">
+            <a:fld id="{EDCD7766-E8FF-F045-B46B-9108152DAA94}" type="datetime1">
               <a:rPr lang="hu-HU" smtClean="0"/>
               <a:t>2025. 11. 08.</a:t>
             </a:fld>
@@ -14235,7 +14322,7 @@
           <a:bodyPr/>
           <a:lstStyle/>
           <a:p>
-            <a:fld id="{4368D167-9427-CA44-9384-E35089ED55DF}" type="datetime1">
+            <a:fld id="{77E87468-36DB-7F46-920C-0F19CC9A9134}" type="datetime1">
               <a:rPr lang="hu-HU" smtClean="0"/>
               <a:t>2025. 11. 08.</a:t>
             </a:fld>
@@ -15215,7 +15302,7 @@
                 <a:spcPts val="600"/>
               </a:spcAft>
             </a:pPr>
-            <a:fld id="{ACB4A642-E289-D849-9780-C21666DBF77C}" type="datetime1">
+            <a:fld id="{D24C2032-E76D-2848-BAF7-0E597B598D68}" type="datetime1">
               <a:rPr lang="hu-HU" smtClean="0"/>
               <a:t>2025. 11. 08.</a:t>
             </a:fld>
@@ -15816,7 +15903,7 @@
         </p:blipFill>
         <p:spPr>
           <a:xfrm>
-            <a:off x="120940" y="2218074"/>
+            <a:off x="120940" y="2236003"/>
             <a:ext cx="11945522" cy="4001751"/>
           </a:xfrm>
           <a:prstGeom prst="rect">
@@ -15857,22 +15944,17 @@
                 <a:spcPts val="600"/>
               </a:spcAft>
             </a:pPr>
-            <a:fld id="{C410DB5E-A372-294A-ADC7-737DED99DBCB}" type="datetime1">
-              <a:rPr lang="en-US" smtClean="0">
+            <a:fld id="{032D23C5-3E05-FB40-811A-7852437E3550}" type="datetime1">
+              <a:rPr lang="hu-HU" smtClean="0">
                 <a:solidFill>
                   <a:schemeClr val="tx1">
                     <a:tint val="75000"/>
                   </a:schemeClr>
                 </a:solidFill>
               </a:rPr>
-              <a:pPr>
-                <a:spcAft>
-                  <a:spcPts val="600"/>
-                </a:spcAft>
-              </a:pPr>
-              <a:t>11/8/25</a:t>
+              <a:t>2025. 11. 08.</a:t>
             </a:fld>
-            <a:endParaRPr lang="en-US">
+            <a:endParaRPr lang="en-US" dirty="0">
               <a:solidFill>
                 <a:schemeClr val="tx1">
                   <a:tint val="75000"/>
@@ -16596,7 +16678,7 @@
                 <a:spcPts val="600"/>
               </a:spcAft>
             </a:pPr>
-            <a:fld id="{93B65CD1-5108-2149-AD8B-F412A6622A91}" type="datetime1">
+            <a:fld id="{05B90B19-A1FC-5745-9E3E-9A58B2658B29}" type="datetime1">
               <a:rPr lang="hu-HU" smtClean="0"/>
               <a:t>2025. 11. 08.</a:t>
             </a:fld>
@@ -16783,7 +16865,7 @@
           <a:bodyPr/>
           <a:lstStyle/>
           <a:p>
-            <a:fld id="{AB697F88-25D7-7E4E-91DA-57125152F457}" type="datetime1">
+            <a:fld id="{78DF9215-F87C-794D-9DB3-DA814D7D6B51}" type="datetime1">
               <a:rPr lang="hu-HU" smtClean="0"/>
               <a:t>2025. 11. 08.</a:t>
             </a:fld>

--- a/tdk/tdk_v1.pptx
+++ b/tdk/tdk_v1.pptx
@@ -170,7 +170,7 @@
         </p:nvSpPr>
         <p:spPr>
           <a:xfrm>
-            <a:off x="0" y="0"/>
+            <a:off x="0" y="1"/>
             <a:ext cx="2971800" cy="458788"/>
           </a:xfrm>
           <a:prstGeom prst="rect">
@@ -201,7 +201,7 @@
         </p:nvSpPr>
         <p:spPr>
           <a:xfrm>
-            <a:off x="3884613" y="0"/>
+            <a:off x="3884613" y="1"/>
             <a:ext cx="2971800" cy="458788"/>
           </a:xfrm>
           <a:prstGeom prst="rect">
@@ -218,7 +218,7 @@
           <a:p>
             <a:fld id="{0AB5BC8E-5813-4F4E-B35B-0E3B0D0BF7D5}" type="datetimeFigureOut">
               <a:rPr lang="hu-HU" smtClean="0"/>
-              <a:t>2025. 11. 08.</a:t>
+              <a:t>2025. 11. 09.</a:t>
             </a:fld>
             <a:endParaRPr lang="hu-HU"/>
           </a:p>
@@ -269,8 +269,8 @@
         </p:nvSpPr>
         <p:spPr>
           <a:xfrm>
-            <a:off x="685800" y="4400550"/>
-            <a:ext cx="5486400" cy="3600450"/>
+            <a:off x="685800" y="4400549"/>
+            <a:ext cx="5486400" cy="3600451"/>
           </a:xfrm>
           <a:prstGeom prst="rect">
             <a:avLst/>
@@ -562,7 +562,31 @@
           <a:p>
             <a:r>
               <a:rPr lang="hu-HU" sz="2400" dirty="0"/>
-              <a:t>A nagy nyelvi modellek forradalmasították a szövegértést, de komoly korlátjuk, hogy a tudásuk be van fagyasztva a tanítási adatokba, és hajlamosak 'hallucinálni', vagyis valótlan dolgokat állítani. Erre a problémára nyújt megoldást a RAG.</a:t>
+              <a:t>A nagy nyelvi modellek forradalmasították a szövegértést, de komoly korlátjuk, hogy a tudásuk be van fagyasztva a tanítási adatokba, és hajlamosak 'hallucinálni', vagyis valótlan dolgokat állítani. Erre a problémára nyújt megoldást a RAG, azaz </a:t>
+            </a:r>
+            <a:r>
+              <a:rPr lang="hu-HU" sz="2400" dirty="0" err="1"/>
+              <a:t>Retrieval</a:t>
+            </a:r>
+            <a:r>
+              <a:rPr lang="hu-HU" sz="2400" dirty="0"/>
+              <a:t> </a:t>
+            </a:r>
+            <a:r>
+              <a:rPr lang="hu-HU" sz="2400" dirty="0" err="1"/>
+              <a:t>Augmented</a:t>
+            </a:r>
+            <a:r>
+              <a:rPr lang="hu-HU" sz="2400" dirty="0"/>
+              <a:t> </a:t>
+            </a:r>
+            <a:r>
+              <a:rPr lang="hu-HU" sz="2400" dirty="0" err="1"/>
+              <a:t>Generation</a:t>
+            </a:r>
+            <a:r>
+              <a:rPr lang="hu-HU" sz="2400" dirty="0"/>
+              <a:t>.</a:t>
             </a:r>
             <a:endParaRPr lang="hu-HU" sz="1600" dirty="0"/>
           </a:p>
@@ -659,7 +683,7 @@
           <a:p>
             <a:r>
               <a:rPr lang="hu-HU" dirty="0"/>
-              <a:t>kísérletben a </a:t>
+              <a:t>A kísérletben a </a:t>
             </a:r>
             <a:r>
               <a:rPr lang="hu-HU" dirty="0" err="1"/>
@@ -2356,7 +2380,7 @@
             </a:r>
             <a:r>
               <a:rPr lang="hu-HU" dirty="0"/>
-              <a:t>, 0.1 másodperc alatt maradnak.</a:t>
+              <a:t>, 0.1 másodperc alatt maradnak, így teljesen alkalmasak streaming környezetben való használatra.</a:t>
             </a:r>
           </a:p>
         </p:txBody>
@@ -2443,31 +2467,7 @@
           <a:p>
             <a:r>
               <a:rPr lang="hu-HU" dirty="0"/>
-              <a:t>Mielőtt a fejlesztésekre rátérnénk, nézzük meg, mi az a </a:t>
-            </a:r>
-            <a:r>
-              <a:rPr lang="hu-HU" dirty="0" err="1"/>
-              <a:t>Retrieval</a:t>
-            </a:r>
-            <a:r>
-              <a:rPr lang="hu-HU" dirty="0"/>
-              <a:t> </a:t>
-            </a:r>
-            <a:r>
-              <a:rPr lang="hu-HU" dirty="0" err="1"/>
-              <a:t>Augmented</a:t>
-            </a:r>
-            <a:r>
-              <a:rPr lang="hu-HU" dirty="0"/>
-              <a:t> </a:t>
-            </a:r>
-            <a:r>
-              <a:rPr lang="hu-HU" dirty="0" err="1"/>
-              <a:t>Generation</a:t>
-            </a:r>
-            <a:r>
-              <a:rPr lang="hu-HU" dirty="0"/>
-              <a:t>, vagyis RAG. Ez egy olyan architektúra, ami kiegészíti a nyelvi modelleket egy külső tudásbázissal.</a:t>
+              <a:t>A RAG egy olyan architektúra, ami kiegészíti a nyelvi modelleket egy külső tudásbázissal.</a:t>
             </a:r>
           </a:p>
           <a:p>
@@ -2643,6 +2643,43 @@
             </a:r>
           </a:p>
           <a:p>
+            <a:pPr marL="0" marR="0" lvl="0" indent="0" algn="l" defTabSz="914400" rtl="0" eaLnBrk="1" fontAlgn="auto" latinLnBrk="0" hangingPunct="1">
+              <a:lnSpc>
+                <a:spcPct val="100000"/>
+              </a:lnSpc>
+              <a:spcBef>
+                <a:spcPts val="0"/>
+              </a:spcBef>
+              <a:spcAft>
+                <a:spcPts val="0"/>
+              </a:spcAft>
+              <a:buClrTx/>
+              <a:buSzTx/>
+              <a:buFontTx/>
+              <a:buNone/>
+              <a:tabLst/>
+              <a:defRPr/>
+            </a:pPr>
+            <a:r>
+              <a:rPr lang="hu-HU" dirty="0"/>
+              <a:t>Az </a:t>
+            </a:r>
+            <a:r>
+              <a:rPr lang="hu-HU" dirty="0" err="1"/>
+              <a:t>OnlineKMeans</a:t>
+            </a:r>
+            <a:r>
+              <a:rPr lang="hu-HU" dirty="0"/>
+              <a:t> kiválóan alkalmas az újonnan érkező adatpontok gyors és hatékony integrálására.</a:t>
+            </a:r>
+          </a:p>
+          <a:p>
+            <a:endParaRPr lang="hu-HU" dirty="0"/>
+          </a:p>
+          <a:p>
+            <a:endParaRPr lang="hu-HU" dirty="0"/>
+          </a:p>
+          <a:p>
             <a:endParaRPr lang="hu-HU" dirty="0"/>
           </a:p>
           <a:p>
@@ -2671,26 +2708,6 @@
             <a:r>
               <a:rPr lang="hu-HU" dirty="0"/>
               <a:t>Képes felvenni a versenyt bizonyos helyzetekben a FAISS indexszel.</a:t>
-            </a:r>
-          </a:p>
-          <a:p>
-            <a:endParaRPr lang="hu-HU" dirty="0"/>
-          </a:p>
-          <a:p>
-            <a:endParaRPr lang="hu-HU" dirty="0"/>
-          </a:p>
-          <a:p>
-            <a:r>
-              <a:rPr lang="hu-HU" dirty="0"/>
-              <a:t>Az </a:t>
-            </a:r>
-            <a:r>
-              <a:rPr lang="hu-HU" dirty="0" err="1"/>
-              <a:t>OnlineKMeans</a:t>
-            </a:r>
-            <a:r>
-              <a:rPr lang="hu-HU" dirty="0"/>
-              <a:t> kiválóan alkalmas az újonnan érkező dokumentumok gyors és hatékony integrálására.</a:t>
             </a:r>
           </a:p>
           <a:p>
@@ -2843,6 +2860,90 @@
 </p:notes>
 </file>
 
+<file path=ppt/notesSlides/notesSlide22.xml><?xml version="1.0" encoding="utf-8"?>
+<p:notes xmlns:a="http://schemas.openxmlformats.org/drawingml/2006/main" xmlns:r="http://schemas.openxmlformats.org/officeDocument/2006/relationships" xmlns:p="http://schemas.openxmlformats.org/presentationml/2006/main">
+  <p:cSld>
+    <p:spTree>
+      <p:nvGrpSpPr>
+        <p:cNvPr id="1" name=""/>
+        <p:cNvGrpSpPr/>
+        <p:nvPr/>
+      </p:nvGrpSpPr>
+      <p:grpSpPr>
+        <a:xfrm>
+          <a:off x="0" y="0"/>
+          <a:ext cx="0" cy="0"/>
+          <a:chOff x="0" y="0"/>
+          <a:chExt cx="0" cy="0"/>
+        </a:xfrm>
+      </p:grpSpPr>
+      <p:sp>
+        <p:nvSpPr>
+          <p:cNvPr id="2" name="Diakép helye 1"/>
+          <p:cNvSpPr>
+            <a:spLocks noGrp="1" noRot="1" noChangeAspect="1"/>
+          </p:cNvSpPr>
+          <p:nvPr>
+            <p:ph type="sldImg"/>
+          </p:nvPr>
+        </p:nvSpPr>
+        <p:spPr/>
+      </p:sp>
+      <p:sp>
+        <p:nvSpPr>
+          <p:cNvPr id="3" name="Jegyzetek helye 2"/>
+          <p:cNvSpPr>
+            <a:spLocks noGrp="1"/>
+          </p:cNvSpPr>
+          <p:nvPr>
+            <p:ph type="body" idx="1"/>
+          </p:nvPr>
+        </p:nvSpPr>
+        <p:spPr/>
+        <p:txBody>
+          <a:bodyPr/>
+          <a:lstStyle/>
+          <a:p>
+            <a:endParaRPr lang="hu-HU"/>
+          </a:p>
+        </p:txBody>
+      </p:sp>
+      <p:sp>
+        <p:nvSpPr>
+          <p:cNvPr id="4" name="Dia számának helye 3"/>
+          <p:cNvSpPr>
+            <a:spLocks noGrp="1"/>
+          </p:cNvSpPr>
+          <p:nvPr>
+            <p:ph type="sldNum" sz="quarter" idx="5"/>
+          </p:nvPr>
+        </p:nvSpPr>
+        <p:spPr/>
+        <p:txBody>
+          <a:bodyPr/>
+          <a:lstStyle/>
+          <a:p>
+            <a:fld id="{FEBF544B-8942-4253-A6F4-42DBF943B8C6}" type="slidenum">
+              <a:rPr lang="hu-HU" smtClean="0"/>
+              <a:t>22</a:t>
+            </a:fld>
+            <a:endParaRPr lang="hu-HU"/>
+          </a:p>
+        </p:txBody>
+      </p:sp>
+    </p:spTree>
+    <p:extLst>
+      <p:ext uri="{BB962C8B-B14F-4D97-AF65-F5344CB8AC3E}">
+        <p14:creationId xmlns:p14="http://schemas.microsoft.com/office/powerpoint/2010/main" val="552155004"/>
+      </p:ext>
+    </p:extLst>
+  </p:cSld>
+  <p:clrMapOvr>
+    <a:masterClrMapping/>
+  </p:clrMapOvr>
+</p:notes>
+</file>
+
 <file path=ppt/notesSlides/notesSlide3.xml><?xml version="1.0" encoding="utf-8"?>
 <p:notes xmlns:a="http://schemas.openxmlformats.org/drawingml/2006/main" xmlns:r="http://schemas.openxmlformats.org/officeDocument/2006/relationships" xmlns:p="http://schemas.openxmlformats.org/presentationml/2006/main">
   <p:cSld>
@@ -3944,7 +4045,7 @@
             </a:r>
             <a:r>
               <a:rPr lang="hu-HU" dirty="0"/>
-              <a:t> (kombinált átlag).</a:t>
+              <a:t>.</a:t>
             </a:r>
           </a:p>
           <a:p>
@@ -4163,7 +4264,7 @@
           <a:p>
             <a:fld id="{D45F21B2-F76C-DA4E-93C7-1ED776993694}" type="datetime1">
               <a:rPr lang="hu-HU" smtClean="0"/>
-              <a:t>2025. 11. 08.</a:t>
+              <a:t>2025. 11. 09.</a:t>
             </a:fld>
             <a:endParaRPr lang="hu-HU"/>
           </a:p>
@@ -4364,7 +4465,7 @@
           <a:p>
             <a:fld id="{639F617D-633B-144B-B338-1A3186D94DEC}" type="datetime1">
               <a:rPr lang="hu-HU" smtClean="0"/>
-              <a:t>2025. 11. 08.</a:t>
+              <a:t>2025. 11. 09.</a:t>
             </a:fld>
             <a:endParaRPr lang="hu-HU"/>
           </a:p>
@@ -4572,7 +4673,7 @@
           <a:p>
             <a:fld id="{EB40C74A-E794-5D4C-99F0-E0908F250C85}" type="datetime1">
               <a:rPr lang="hu-HU" smtClean="0"/>
-              <a:t>2025. 11. 08.</a:t>
+              <a:t>2025. 11. 09.</a:t>
             </a:fld>
             <a:endParaRPr lang="hu-HU"/>
           </a:p>
@@ -4770,7 +4871,7 @@
           <a:p>
             <a:fld id="{FB2979DB-241A-8544-95D6-5A5515E861C2}" type="datetime1">
               <a:rPr lang="hu-HU" smtClean="0"/>
-              <a:t>2025. 11. 08.</a:t>
+              <a:t>2025. 11. 09.</a:t>
             </a:fld>
             <a:endParaRPr lang="hu-HU"/>
           </a:p>
@@ -5045,7 +5146,7 @@
           <a:p>
             <a:fld id="{E1238A03-143C-DC48-B6FB-03520BF3D264}" type="datetime1">
               <a:rPr lang="hu-HU" smtClean="0"/>
-              <a:t>2025. 11. 08.</a:t>
+              <a:t>2025. 11. 09.</a:t>
             </a:fld>
             <a:endParaRPr lang="hu-HU"/>
           </a:p>
@@ -5310,7 +5411,7 @@
           <a:p>
             <a:fld id="{32D5DABD-02F3-C24D-B459-BA5A52C7C0D3}" type="datetime1">
               <a:rPr lang="hu-HU" smtClean="0"/>
-              <a:t>2025. 11. 08.</a:t>
+              <a:t>2025. 11. 09.</a:t>
             </a:fld>
             <a:endParaRPr lang="hu-HU"/>
           </a:p>
@@ -5722,7 +5823,7 @@
           <a:p>
             <a:fld id="{B8F665F1-11A6-C146-8C9C-4EAD2B21F502}" type="datetime1">
               <a:rPr lang="hu-HU" smtClean="0"/>
-              <a:t>2025. 11. 08.</a:t>
+              <a:t>2025. 11. 09.</a:t>
             </a:fld>
             <a:endParaRPr lang="hu-HU"/>
           </a:p>
@@ -5863,7 +5964,7 @@
           <a:p>
             <a:fld id="{0505F671-323E-D34A-8D4F-5155E3541BC7}" type="datetime1">
               <a:rPr lang="hu-HU" smtClean="0"/>
-              <a:t>2025. 11. 08.</a:t>
+              <a:t>2025. 11. 09.</a:t>
             </a:fld>
             <a:endParaRPr lang="hu-HU"/>
           </a:p>
@@ -5976,7 +6077,7 @@
           <a:p>
             <a:fld id="{B3CDB417-D9D9-C740-B221-44D378005732}" type="datetime1">
               <a:rPr lang="hu-HU" smtClean="0"/>
-              <a:t>2025. 11. 08.</a:t>
+              <a:t>2025. 11. 09.</a:t>
             </a:fld>
             <a:endParaRPr lang="hu-HU"/>
           </a:p>
@@ -6287,7 +6388,7 @@
           <a:p>
             <a:fld id="{3980F3EA-3925-E241-9F9A-1E3EF43D2F81}" type="datetime1">
               <a:rPr lang="hu-HU" smtClean="0"/>
-              <a:t>2025. 11. 08.</a:t>
+              <a:t>2025. 11. 09.</a:t>
             </a:fld>
             <a:endParaRPr lang="hu-HU"/>
           </a:p>
@@ -6575,7 +6676,7 @@
           <a:p>
             <a:fld id="{662B74F7-95E0-1C4A-BBFA-D3DEF04605D4}" type="datetime1">
               <a:rPr lang="hu-HU" smtClean="0"/>
-              <a:t>2025. 11. 08.</a:t>
+              <a:t>2025. 11. 09.</a:t>
             </a:fld>
             <a:endParaRPr lang="hu-HU"/>
           </a:p>
@@ -6816,7 +6917,7 @@
           <a:p>
             <a:fld id="{E04DB062-3C69-2A49-980E-3FE962CDF110}" type="datetime1">
               <a:rPr lang="hu-HU" smtClean="0"/>
-              <a:t>2025. 11. 08.</a:t>
+              <a:t>2025. 11. 09.</a:t>
             </a:fld>
             <a:endParaRPr lang="hu-HU" dirty="0"/>
           </a:p>
@@ -7702,7 +7803,7 @@
             <a:pPr lvl="2"/>
             <a:r>
               <a:rPr lang="hu-HU" dirty="0" err="1"/>
-              <a:t>Kmeans</a:t>
+              <a:t>KMeans</a:t>
             </a:r>
             <a:endParaRPr lang="hu-HU" dirty="0"/>
           </a:p>
@@ -7755,7 +7856,7 @@
           <a:p>
             <a:fld id="{16CFAA20-991C-5440-821D-EF7936105166}" type="datetime1">
               <a:rPr lang="hu-HU" smtClean="0"/>
-              <a:t>2025. 11. 08.</a:t>
+              <a:t>2025. 11. 09.</a:t>
             </a:fld>
             <a:endParaRPr lang="hu-HU"/>
           </a:p>
@@ -7878,7 +7979,7 @@
           <a:p>
             <a:fld id="{031D0D19-1B35-7A4F-93B5-1EDA6F972E33}" type="datetime1">
               <a:rPr lang="hu-HU" smtClean="0"/>
-              <a:t>2025. 11. 08.</a:t>
+              <a:t>2025. 11. 09.</a:t>
             </a:fld>
             <a:endParaRPr lang="hu-HU"/>
           </a:p>
@@ -8226,34 +8327,12 @@
               </a:rPr>
               <a:t>és 10 szórással</a:t>
             </a:r>
-          </a:p>
-          <a:p>
-            <a:pPr lvl="2"/>
-            <a:r>
-              <a:rPr lang="hu-HU" dirty="0">
-                <a:solidFill>
-                  <a:srgbClr val="000000"/>
-                </a:solidFill>
-                <a:latin typeface="Times New Roman" panose="02020603050405020304" pitchFamily="18" charset="0"/>
-              </a:rPr>
-              <a:t>Inicializálás 1.000 adatponton</a:t>
-            </a:r>
-            <a:endParaRPr lang="hu-HU" dirty="0">
-              <a:solidFill>
-                <a:srgbClr val="000000"/>
-              </a:solidFill>
-              <a:effectLst/>
-              <a:latin typeface="Times New Roman" panose="02020603050405020304" pitchFamily="18" charset="0"/>
-            </a:endParaRPr>
+            <a:endParaRPr lang="hu-HU" dirty="0"/>
           </a:p>
           <a:p>
             <a:pPr lvl="2"/>
             <a:endParaRPr lang="hu-HU" dirty="0"/>
           </a:p>
-          <a:p>
-            <a:pPr lvl="2"/>
-            <a:endParaRPr lang="hu-HU" dirty="0"/>
-          </a:p>
         </p:txBody>
       </p:sp>
       <p:sp>
@@ -8279,7 +8358,7 @@
           <a:p>
             <a:fld id="{F5CF19C3-C554-0D49-858F-BC5A4F8BAF23}" type="datetime1">
               <a:rPr lang="hu-HU" smtClean="0"/>
-              <a:t>2025. 11. 08.</a:t>
+              <a:t>2025. 11. 09.</a:t>
             </a:fld>
             <a:endParaRPr lang="hu-HU"/>
           </a:p>
@@ -8395,7 +8474,7 @@
           <a:p>
             <a:fld id="{86D7C4ED-070D-D147-BEC5-7EAE588D72B2}" type="datetime1">
               <a:rPr lang="hu-HU" smtClean="0"/>
-              <a:t>2025. 11. 08.</a:t>
+              <a:t>2025. 11. 09.</a:t>
             </a:fld>
             <a:endParaRPr lang="hu-HU"/>
           </a:p>
@@ -8625,7 +8704,7 @@
           <a:p>
             <a:fld id="{DB103250-059E-6C49-9AEC-D7E11F74EA17}" type="datetime1">
               <a:rPr lang="hu-HU" smtClean="0"/>
-              <a:t>2025. 11. 08.</a:t>
+              <a:t>2025. 11. 09.</a:t>
             </a:fld>
             <a:endParaRPr lang="hu-HU"/>
           </a:p>
@@ -8759,7 +8838,7 @@
           <a:p>
             <a:fld id="{CA3B4C4B-4FCE-684E-BDCF-894303FF802E}" type="datetime1">
               <a:rPr lang="hu-HU" smtClean="0"/>
-              <a:t>2025. 11. 08.</a:t>
+              <a:t>2025. 11. 09.</a:t>
             </a:fld>
             <a:endParaRPr lang="hu-HU"/>
           </a:p>
@@ -9081,7 +9160,7 @@
           <a:p>
             <a:fld id="{A1F67968-9289-324A-8185-9F1024D0E0BB}" type="datetime1">
               <a:rPr lang="hu-HU" smtClean="0"/>
-              <a:t>2025. 11. 08.</a:t>
+              <a:t>2025. 11. 09.</a:t>
             </a:fld>
             <a:endParaRPr lang="hu-HU"/>
           </a:p>
@@ -9199,7 +9278,7 @@
           <a:p>
             <a:fld id="{C19EC71B-C64D-AC47-B57B-94F3463CBF7C}" type="datetime1">
               <a:rPr lang="hu-HU" smtClean="0"/>
-              <a:t>2025. 11. 08.</a:t>
+              <a:t>2025. 11. 09.</a:t>
             </a:fld>
             <a:endParaRPr lang="hu-HU"/>
           </a:p>
@@ -9329,7 +9408,7 @@
             <a:pPr lvl="2"/>
             <a:r>
               <a:rPr lang="hu-HU" dirty="0" err="1"/>
-              <a:t>Kmeans</a:t>
+              <a:t>KMeans</a:t>
             </a:r>
             <a:endParaRPr lang="hu-HU" dirty="0"/>
           </a:p>
@@ -9488,7 +9567,7 @@
           <a:p>
             <a:fld id="{9B9C5130-88B4-B04A-A570-CDDCA513217F}" type="datetime1">
               <a:rPr lang="hu-HU" smtClean="0"/>
-              <a:t>2025. 11. 08.</a:t>
+              <a:t>2025. 11. 09.</a:t>
             </a:fld>
             <a:endParaRPr lang="hu-HU"/>
           </a:p>
@@ -9752,7 +9831,7 @@
           <a:p>
             <a:fld id="{C6ADFBD6-396A-C74B-847F-F81995866E7F}" type="datetime1">
               <a:rPr lang="hu-HU" smtClean="0"/>
-              <a:t>2025. 11. 08.</a:t>
+              <a:t>2025. 11. 09.</a:t>
             </a:fld>
             <a:endParaRPr lang="hu-HU"/>
           </a:p>
@@ -10405,7 +10484,7 @@
           <a:p>
             <a:fld id="{D3B9E4F3-2471-F946-A10E-F965F7F15FF3}" type="datetime1">
               <a:rPr lang="hu-HU" smtClean="0"/>
-              <a:t>2025. 11. 08.</a:t>
+              <a:t>2025. 11. 09.</a:t>
             </a:fld>
             <a:endParaRPr lang="hu-HU"/>
           </a:p>
@@ -11387,7 +11466,7 @@
             </a:pPr>
             <a:fld id="{29D8A9DB-A63D-1E43-964A-FEA6F241DBC6}" type="datetime1">
               <a:rPr lang="hu-HU" smtClean="0"/>
-              <a:t>2025. 11. 08.</a:t>
+              <a:t>2025. 11. 09.</a:t>
             </a:fld>
             <a:endParaRPr lang="hu-HU"/>
           </a:p>
@@ -12174,7 +12253,7 @@
             </a:r>
             <a:r>
               <a:rPr lang="hu-HU" sz="1800" dirty="0">
-                <a:hlinkClick r:id="rId2"/>
+                <a:hlinkClick r:id="rId3"/>
               </a:rPr>
               <a:t>https://medium.com/@hari4om/word-embedding-d816f643140</a:t>
             </a:r>
@@ -12283,7 +12362,7 @@
             </a:r>
             <a:r>
               <a:rPr lang="hu-HU" sz="1800" dirty="0">
-                <a:hlinkClick r:id="rId3"/>
+                <a:hlinkClick r:id="rId4"/>
               </a:rPr>
               <a:t>https://towardsdatascience.com/cosine-similarity-how-does-it-measure-the-similarity-maths-behind-and-usage-in-python-50ad30aad7db/</a:t>
             </a:r>
@@ -12539,7 +12618,7 @@
             <a:r>
               <a:rPr lang="hu-HU" sz="1800" b="0" i="0" u="sng" dirty="0">
                 <a:effectLst/>
-                <a:hlinkClick r:id="rId4"/>
+                <a:hlinkClick r:id="rId5"/>
               </a:rPr>
               <a:t>https://doi.org/10.48550/arXiv.1606.05250</a:t>
             </a:r>
@@ -13492,7 +13571,7 @@
           <a:p>
             <a:fld id="{9A3D4093-34E7-DB4F-8E21-29319E040103}" type="datetime1">
               <a:rPr lang="hu-HU" smtClean="0"/>
-              <a:t>2025. 11. 08.</a:t>
+              <a:t>2025. 11. 09.</a:t>
             </a:fld>
             <a:endParaRPr lang="hu-HU"/>
           </a:p>
@@ -14071,7 +14150,7 @@
           <a:p>
             <a:fld id="{EDCD7766-E8FF-F045-B46B-9108152DAA94}" type="datetime1">
               <a:rPr lang="hu-HU" smtClean="0"/>
-              <a:t>2025. 11. 08.</a:t>
+              <a:t>2025. 11. 09.</a:t>
             </a:fld>
             <a:endParaRPr lang="hu-HU"/>
           </a:p>
@@ -14324,7 +14403,7 @@
           <a:p>
             <a:fld id="{77E87468-36DB-7F46-920C-0F19CC9A9134}" type="datetime1">
               <a:rPr lang="hu-HU" smtClean="0"/>
-              <a:t>2025. 11. 08.</a:t>
+              <a:t>2025. 11. 09.</a:t>
             </a:fld>
             <a:endParaRPr lang="hu-HU"/>
           </a:p>
@@ -15304,7 +15383,7 @@
             </a:pPr>
             <a:fld id="{D24C2032-E76D-2848-BAF7-0E597B598D68}" type="datetime1">
               <a:rPr lang="hu-HU" smtClean="0"/>
-              <a:t>2025. 11. 08.</a:t>
+              <a:t>2025. 11. 09.</a:t>
             </a:fld>
             <a:endParaRPr lang="hu-HU"/>
           </a:p>
@@ -15952,7 +16031,7 @@
                   </a:schemeClr>
                 </a:solidFill>
               </a:rPr>
-              <a:t>2025. 11. 08.</a:t>
+              <a:t>2025. 11. 09.</a:t>
             </a:fld>
             <a:endParaRPr lang="en-US" dirty="0">
               <a:solidFill>
@@ -16605,6 +16684,13 @@
           </a:p>
           <a:p>
             <a:pPr lvl="1"/>
+            <a:r>
+              <a:rPr lang="hu-HU" sz="1800" dirty="0"/>
+              <a:t>Függ a beérkező adatok sorrendjétől</a:t>
+            </a:r>
+          </a:p>
+          <a:p>
+            <a:pPr lvl="1"/>
             <a:endParaRPr lang="hu-HU" sz="1400" dirty="0"/>
           </a:p>
         </p:txBody>
@@ -16680,7 +16766,7 @@
             </a:pPr>
             <a:fld id="{05B90B19-A1FC-5745-9E3E-9A58B2658B29}" type="datetime1">
               <a:rPr lang="hu-HU" smtClean="0"/>
-              <a:t>2025. 11. 08.</a:t>
+              <a:t>2025. 11. 09.</a:t>
             </a:fld>
             <a:endParaRPr lang="hu-HU"/>
           </a:p>
@@ -16826,11 +16912,11 @@
           <a:p>
             <a:r>
               <a:rPr lang="hu-HU" sz="4100" b="1" dirty="0"/>
-              <a:t>Az Online </a:t>
+              <a:t>Az </a:t>
             </a:r>
             <a:r>
               <a:rPr lang="hu-HU" sz="4100" b="1" dirty="0" err="1"/>
-              <a:t>KMeans</a:t>
+              <a:t>OnlineKMeans</a:t>
             </a:r>
             <a:r>
               <a:rPr lang="hu-HU" sz="4100" b="1" dirty="0"/>
@@ -16867,7 +16953,7 @@
           <a:p>
             <a:fld id="{78DF9215-F87C-794D-9DB3-DA814D7D6B51}" type="datetime1">
               <a:rPr lang="hu-HU" smtClean="0"/>
-              <a:t>2025. 11. 08.</a:t>
+              <a:t>2025. 11. 09.</a:t>
             </a:fld>
             <a:endParaRPr lang="hu-HU"/>
           </a:p>

--- a/tdk/tdk_v1.pptx
+++ b/tdk/tdk_v1.pptx
@@ -535,6 +535,9 @@
             </a:r>
           </a:p>
           <a:p>
+            <a:endParaRPr lang="hu-HU" sz="1600" dirty="0"/>
+          </a:p>
+          <a:p>
             <a:r>
               <a:rPr lang="hu-HU" sz="1600" dirty="0"/>
               <a:t>A nevem </a:t>
@@ -545,7 +548,7 @@
             </a:r>
             <a:r>
               <a:rPr lang="hu-HU" sz="1600" dirty="0"/>
-              <a:t> Benedek , és a '</a:t>
+              <a:t> Benedek , és a ‚</a:t>
             </a:r>
             <a:r>
               <a:rPr lang="hu-HU" sz="1600" dirty="0" err="1"/>
@@ -740,7 +743,7 @@
             </a:r>
             <a:r>
               <a:rPr lang="hu-HU" dirty="0"/>
-              <a:t> egy gyorsított, de kevésbé pontos változata), és az általam implementált '</a:t>
+              <a:t> egy gyorsított változata), és az általam implementált '</a:t>
             </a:r>
             <a:r>
               <a:rPr lang="hu-HU" dirty="0" err="1"/>
@@ -843,7 +846,13 @@
             </a:r>
             <a:r>
               <a:rPr lang="hu-HU" dirty="0"/>
-              <a:t>) futásideje szinte lineárisan nő a klaszterek számának növekedésével.</a:t>
+              <a:t>) futásideje, mint látható sokkal lassabb mint a másik kettő algoritmus.</a:t>
+            </a:r>
+          </a:p>
+          <a:p>
+            <a:r>
+              <a:rPr lang="hu-HU" dirty="0"/>
+              <a:t>Szaggatott vonal 384D, másik pedig 1024D</a:t>
             </a:r>
           </a:p>
           <a:p>
@@ -893,7 +902,7 @@
             </a:r>
             <a:r>
               <a:rPr lang="hu-HU" dirty="0"/>
-              <a:t> nagyságrendekkel gyorsabb, mint a hagyományos </a:t>
+              <a:t> sokkal gyorsabb, mint a hagyományos </a:t>
             </a:r>
             <a:r>
               <a:rPr lang="hu-HU" dirty="0" err="1"/>
@@ -902,6 +911,88 @@
             <a:r>
               <a:rPr lang="hu-HU" dirty="0"/>
               <a:t>.</a:t>
+            </a:r>
+          </a:p>
+          <a:p>
+            <a:endParaRPr lang="hu-HU" dirty="0"/>
+          </a:p>
+          <a:p>
+            <a:endParaRPr lang="hu-HU" dirty="0"/>
+          </a:p>
+          <a:p>
+            <a:r>
+              <a:rPr lang="hu-HU" dirty="0"/>
+              <a:t>A dolgozatban </a:t>
+            </a:r>
+            <a:r>
+              <a:rPr lang="hu-HU" dirty="0" err="1"/>
+              <a:t>KMeans</a:t>
+            </a:r>
+            <a:r>
+              <a:rPr lang="hu-HU" dirty="0"/>
+              <a:t>, </a:t>
+            </a:r>
+            <a:r>
+              <a:rPr lang="hu-HU" dirty="0" err="1"/>
+              <a:t>MiniBatchKMeans</a:t>
+            </a:r>
+            <a:r>
+              <a:rPr lang="hu-HU" dirty="0"/>
+              <a:t> esetén </a:t>
+            </a:r>
+            <a:r>
+              <a:rPr lang="hu-HU" dirty="0" err="1"/>
+              <a:t>n_init</a:t>
+            </a:r>
+            <a:r>
+              <a:rPr lang="hu-HU" dirty="0"/>
+              <a:t>=10 volt, hogy a stabil és pontos </a:t>
+            </a:r>
+            <a:r>
+              <a:rPr lang="hu-HU" dirty="0" err="1"/>
+              <a:t>klaszterezést</a:t>
+            </a:r>
+            <a:r>
+              <a:rPr lang="hu-HU" dirty="0"/>
+              <a:t> adjanak.</a:t>
+            </a:r>
+          </a:p>
+          <a:p>
+            <a:r>
+              <a:rPr lang="hu-HU" dirty="0"/>
+              <a:t>Ezt most </a:t>
+            </a:r>
+            <a:r>
+              <a:rPr lang="hu-HU" dirty="0" err="1"/>
+              <a:t>újraszámoltam</a:t>
+            </a:r>
+            <a:r>
+              <a:rPr lang="hu-HU" dirty="0"/>
+              <a:t> </a:t>
+            </a:r>
+            <a:r>
+              <a:rPr lang="hu-HU" dirty="0" err="1"/>
+              <a:t>n_init</a:t>
+            </a:r>
+            <a:r>
+              <a:rPr lang="hu-HU" dirty="0"/>
+              <a:t>=„</a:t>
+            </a:r>
+            <a:r>
+              <a:rPr lang="hu-HU" dirty="0" err="1"/>
+              <a:t>auto</a:t>
+            </a:r>
+            <a:r>
+              <a:rPr lang="hu-HU" dirty="0"/>
+              <a:t>”-</a:t>
+            </a:r>
+            <a:r>
+              <a:rPr lang="hu-HU" dirty="0" err="1"/>
+              <a:t>val</a:t>
+            </a:r>
+            <a:r>
+              <a:rPr lang="hu-HU" dirty="0"/>
+              <a:t>, ez van a dián</a:t>
             </a:r>
           </a:p>
         </p:txBody>
@@ -1132,9 +1223,6 @@
             <a:endParaRPr lang="hu-HU" dirty="0"/>
           </a:p>
           <a:p>
-            <a:endParaRPr lang="hu-HU" dirty="0"/>
-          </a:p>
-          <a:p>
             <a:r>
               <a:rPr lang="hu-HU" dirty="0"/>
               <a:t>Az </a:t>
@@ -1161,7 +1249,7 @@
             </a:r>
             <a:r>
               <a:rPr lang="hu-HU" dirty="0"/>
-              <a:t> </a:t>
+              <a:t> teljesítménye </a:t>
             </a:r>
             <a:r>
               <a:rPr lang="hu-HU" b="1" dirty="0"/>
@@ -1170,6 +1258,31 @@
             <a:r>
               <a:rPr lang="hu-HU" dirty="0"/>
               <a:t> környezetben leromlik.</a:t>
+            </a:r>
+          </a:p>
+          <a:p>
+            <a:endParaRPr lang="hu-HU" dirty="0"/>
+          </a:p>
+          <a:p>
+            <a:r>
+              <a:rPr lang="hu-HU" dirty="0" err="1"/>
+              <a:t>MiniBatchKMeans</a:t>
+            </a:r>
+            <a:r>
+              <a:rPr lang="hu-HU" dirty="0"/>
+              <a:t> gyenge, ha sok klaszter és magas dimenziójú adatok vannak, mert a kis minibatchek nem reprezentálják megfelelően az összes klasztert, így a </a:t>
+            </a:r>
+            <a:r>
+              <a:rPr lang="hu-HU" b="1" dirty="0" err="1"/>
+              <a:t>centroidok</a:t>
+            </a:r>
+            <a:r>
+              <a:rPr lang="hu-HU" b="1" dirty="0"/>
+              <a:t> instabilan frissülnek</a:t>
+            </a:r>
+            <a:r>
+              <a:rPr lang="hu-HU" dirty="0"/>
+              <a:t>.</a:t>
             </a:r>
           </a:p>
           <a:p>
@@ -1315,15 +1428,7 @@
             </a:r>
             <a:r>
               <a:rPr lang="hu-HU" dirty="0"/>
-              <a:t> kérdéshez megtaláljuk a helyes választ tartalmazó </a:t>
-            </a:r>
-            <a:r>
-              <a:rPr lang="hu-HU" dirty="0" err="1"/>
-              <a:t>embedding</a:t>
-            </a:r>
-            <a:r>
-              <a:rPr lang="hu-HU" dirty="0"/>
-              <a:t> vektort.</a:t>
+              <a:t> kérdéshez megtaláljam a helyes választ tartalmazó szövegrészletet.</a:t>
             </a:r>
           </a:p>
         </p:txBody>
@@ -1548,13 +1653,16 @@
               </a:rPr>
               <a:t>graphs</a:t>
             </a:r>
-            <a:endParaRPr lang="hu-HU" dirty="0">
-              <a:solidFill>
-                <a:srgbClr val="000000"/>
-              </a:solidFill>
-              <a:effectLst/>
-              <a:latin typeface="Times New Roman" panose="02020603050405020304" pitchFamily="18" charset="0"/>
-            </a:endParaRPr>
+            <a:r>
+              <a:rPr lang="hu-HU" dirty="0">
+                <a:solidFill>
+                  <a:srgbClr val="000000"/>
+                </a:solidFill>
+                <a:effectLst/>
+                <a:latin typeface="Times New Roman" panose="02020603050405020304" pitchFamily="18" charset="0"/>
+              </a:rPr>
+              <a:t> – gráfalapú közelítő keresés</a:t>
+            </a:r>
           </a:p>
           <a:p>
             <a:endParaRPr lang="hu-HU" dirty="0">
@@ -2162,7 +2270,7 @@
             </a:r>
             <a:r>
               <a:rPr lang="hu-HU" dirty="0"/>
-              <a:t> adunk hozzá.</a:t>
+              <a:t> adunk hozzá a tudásbázishoz.</a:t>
             </a:r>
           </a:p>
           <a:p>
@@ -2179,7 +2287,7 @@
             </a:r>
             <a:r>
               <a:rPr lang="hu-HU" dirty="0"/>
-              <a:t>: Az </a:t>
+              <a:t>: A </a:t>
             </a:r>
             <a:r>
               <a:rPr lang="hu-HU" dirty="0" err="1"/>
@@ -2318,7 +2426,15 @@
           <a:p>
             <a:r>
               <a:rPr lang="hu-HU" dirty="0"/>
-              <a:t>Mennyi ideig tart egy új batch (2000 adatpont) hozzáadása.</a:t>
+              <a:t>Mennyi ideig tart a </a:t>
+            </a:r>
+            <a:r>
+              <a:rPr lang="hu-HU" dirty="0" err="1"/>
+              <a:t>klaszterezés</a:t>
+            </a:r>
+            <a:r>
+              <a:rPr lang="hu-HU" dirty="0"/>
+              <a:t> frissítése.</a:t>
             </a:r>
           </a:p>
           <a:p>
@@ -2490,7 +2606,7 @@
             </a:r>
             <a:r>
               <a:rPr lang="hu-HU" dirty="0"/>
-              <a:t> menne, a rendszer először egy '</a:t>
+              <a:t> kerülne, a rendszer először egy '</a:t>
             </a:r>
             <a:r>
               <a:rPr lang="hu-HU" dirty="0" err="1"/>
@@ -2498,7 +2614,7 @@
             </a:r>
             <a:r>
               <a:rPr lang="hu-HU" dirty="0"/>
-              <a:t>', azaz visszakeresési lépést végez. A kérdés alapján megkeresi a legrelevánsabb információkat egy dokumentumtárból, ami egy 'Vektor adatbázisban' van tárolva.</a:t>
+              <a:t>', azaz visszakeresési lépést végez. A kérdés alapján megkeresi a legrelevánsabb információkat egy dokumentumtárból, ami egy vektor adatbázisban van tárolva.</a:t>
             </a:r>
           </a:p>
           <a:p>
@@ -2639,7 +2755,7 @@
             </a:r>
             <a:r>
               <a:rPr lang="hu-HU" dirty="0"/>
-              <a:t>' algoritmust , ami gyors és pontos.</a:t>
+              <a:t>' algoritmust , ami egy hatékony megoldást nyújt.</a:t>
             </a:r>
           </a:p>
           <a:p>
@@ -2662,19 +2778,8 @@
             </a:pPr>
             <a:r>
               <a:rPr lang="hu-HU" dirty="0"/>
-              <a:t>Az </a:t>
-            </a:r>
-            <a:r>
-              <a:rPr lang="hu-HU" dirty="0" err="1"/>
-              <a:t>OnlineKMeans</a:t>
-            </a:r>
-            <a:r>
-              <a:rPr lang="hu-HU" dirty="0"/>
-              <a:t> kiválóan alkalmas az újonnan érkező adatpontok gyors és hatékony integrálására.</a:t>
-            </a:r>
-          </a:p>
-          <a:p>
-            <a:endParaRPr lang="hu-HU" dirty="0"/>
+              <a:t>alkalmas az újonnan érkező adatpontok gyors integrálására.</a:t>
+            </a:r>
           </a:p>
           <a:p>
             <a:endParaRPr lang="hu-HU" dirty="0"/>
@@ -2701,7 +2806,7 @@
             </a:r>
             <a:r>
               <a:rPr lang="hu-HU" dirty="0"/>
-              <a:t> keresésnek, hasonló pontosságot nyújt jelentősen gyorsabb keresési idő mellett.</a:t>
+              <a:t> keresésnek, minimálisan gyengébb pontosságot nyújt jelentősen gyorsabb keresési idő mellett.</a:t>
             </a:r>
           </a:p>
           <a:p>
@@ -2719,7 +2824,15 @@
           <a:p>
             <a:r>
               <a:rPr lang="hu-HU" dirty="0"/>
-              <a:t>Jövőbeli fejlesztésként az algoritmust kiegészíthetjük azzal, hogy ne csak összevonni tudjon klasztereket, hanem a túl nagy szórású klasztereket automatikusan fel is bontsa.</a:t>
+              <a:t>Jövőbeli fejlesztésként szeretném megvalósítani az </a:t>
+            </a:r>
+            <a:r>
+              <a:rPr lang="hu-HU" dirty="0" err="1"/>
+              <a:t>OnlineKMEans</a:t>
+            </a:r>
+            <a:r>
+              <a:rPr lang="hu-HU" dirty="0"/>
+              <a:t> egy olyan új funkcióját, hogy a már meglévő klasztereket ne csak összevonni tudja, hanem felbontani is ha a klaszterek szórása túlságosan megnő.</a:t>
             </a:r>
           </a:p>
         </p:txBody>
@@ -2815,11 +2928,7 @@
           <a:p>
             <a:r>
               <a:rPr lang="hu-HU" dirty="0"/>
-              <a:t>Várom </a:t>
-            </a:r>
-            <a:r>
-              <a:rPr lang="hu-HU"/>
-              <a:t>a kérdéseket.</a:t>
+              <a:t>És várom a kérdéseket.</a:t>
             </a:r>
           </a:p>
         </p:txBody>
@@ -3358,7 +3467,7 @@
           <a:p>
             <a:r>
               <a:rPr lang="hu-HU" dirty="0"/>
-              <a:t>Magas dimenziós vektor terekben a koszinusz hasonlóság használata a gyakoribb.</a:t>
+              <a:t>Magas dimenziós vektor terekben a koszinusz hasonlóság használata a gyakoribb, így munkám során én is ezt alkalmaztam.</a:t>
             </a:r>
           </a:p>
         </p:txBody>
@@ -3576,7 +3685,15 @@
           <a:p>
             <a:r>
               <a:rPr lang="hu-HU" dirty="0"/>
-              <a:t>Ez drasztikusan lecsökkenti a keresési teret. Fontos kihívás volt továbbá az újonnan érkező dokumentumok gyors integrálása is.</a:t>
+              <a:t>Ez drasztikusan lecsökkenti a keresési teret. </a:t>
+            </a:r>
+            <a:r>
+              <a:rPr lang="hu-HU" b="1" dirty="0"/>
+              <a:t>Fontos kihívás </a:t>
+            </a:r>
+            <a:r>
+              <a:rPr lang="hu-HU" dirty="0"/>
+              <a:t>volt továbbá az újonnan érkező dokumentumok gyors integrálása is.</a:t>
             </a:r>
           </a:p>
         </p:txBody>
@@ -3696,15 +3813,7 @@
             </a:r>
             <a:r>
               <a:rPr lang="hu-HU" dirty="0"/>
-              <a:t>' bejön, megkeressük a legjobb klasztereket, majd azokon belül a legjobb szövegrészeket, és ez megy az LLM-</a:t>
-            </a:r>
-            <a:r>
-              <a:rPr lang="hu-HU" dirty="0" err="1"/>
-              <a:t>nek</a:t>
-            </a:r>
-            <a:r>
-              <a:rPr lang="hu-HU" dirty="0"/>
-              <a:t>.</a:t>
+              <a:t>’ beérkezését követően, megkeressük a legjobb klasztereket, majd azokon belül a legjobb szövegrészeket.</a:t>
             </a:r>
           </a:p>
           <a:p>
@@ -3808,7 +3917,7 @@
           <a:p>
             <a:r>
               <a:rPr lang="hu-HU" dirty="0"/>
-              <a:t>Hogyan kezeljük hatékonyan a beérkező új adatokat anélkül, hogy minden alkalommal újra kéne futtatni a teljes </a:t>
+              <a:t>Annak érdekében hogy hatékonyan tudjuk kezelni az új adatokat anélkül, hogy minden alkalommal újra kellene futtatni a teljes </a:t>
             </a:r>
             <a:r>
               <a:rPr lang="hu-HU" dirty="0" err="1"/>
@@ -3816,7 +3925,7 @@
             </a:r>
             <a:r>
               <a:rPr lang="hu-HU" dirty="0"/>
-              <a:t>? Erre egy '</a:t>
+              <a:t>. Egy '</a:t>
             </a:r>
             <a:r>
               <a:rPr lang="hu-HU" dirty="0" err="1"/>
@@ -3870,7 +3979,7 @@
           <a:p>
             <a:r>
               <a:rPr lang="hu-HU" dirty="0"/>
-              <a:t>Az ábrákon látszik, ahogy 250, 500, majd 1000 minta hozzáadásával az algoritmus fokozatosan 'megtalálja' a valódi klaszterközéppontokat.</a:t>
+              <a:t>Az ábrákon látszik, ahogy 250, 500, 750 majd 1000 minta hozzáadásával az algoritmus fokozatosan módosítja' a klaszterközéppontokat.</a:t>
             </a:r>
           </a:p>
         </p:txBody>
@@ -7887,7 +7996,10 @@
               <a:rPr lang="hu-HU" smtClean="0"/>
               <a:t>10</a:t>
             </a:fld>
-            <a:endParaRPr lang="hu-HU"/>
+            <a:r>
+              <a:rPr lang="hu-HU" dirty="0"/>
+              <a:t>/22</a:t>
+            </a:r>
           </a:p>
         </p:txBody>
       </p:sp>
@@ -8012,17 +8124,17 @@
             </a:fld>
             <a:r>
               <a:rPr lang="hu-HU" dirty="0"/>
-              <a:t>/14</a:t>
+              <a:t>/22</a:t>
             </a:r>
           </a:p>
         </p:txBody>
       </p:sp>
       <p:pic>
         <p:nvPicPr>
-          <p:cNvPr id="10" name="Kép 9" descr="A képen szöveg, sor, Diagram, képernyőkép látható&#10;&#10;Automatikusan generált leírás">
+          <p:cNvPr id="6" name="Kép 5" descr="A képen szöveg, sor, Diagram, képernyőkép látható&#10;&#10;Automatikusan generált leírás">
             <a:extLst>
               <a:ext uri="{FF2B5EF4-FFF2-40B4-BE49-F238E27FC236}">
-                <a16:creationId xmlns:a16="http://schemas.microsoft.com/office/drawing/2014/main" id="{F90238C6-3369-2A7B-4C4A-09ECE2E584EA}"/>
+                <a16:creationId xmlns:a16="http://schemas.microsoft.com/office/drawing/2014/main" id="{BB4248E2-CC96-162D-3729-453F0C00DF63}"/>
               </a:ext>
             </a:extLst>
           </p:cNvPr>
@@ -8045,8 +8157,8 @@
         </p:blipFill>
         <p:spPr>
           <a:xfrm>
-            <a:off x="720319" y="1241788"/>
-            <a:ext cx="10751362" cy="4374424"/>
+            <a:off x="314414" y="1464057"/>
+            <a:ext cx="11563172" cy="4580482"/>
           </a:xfrm>
           <a:prstGeom prst="rect">
             <a:avLst/>
@@ -8055,10 +8167,10 @@
       </p:pic>
       <p:pic>
         <p:nvPicPr>
-          <p:cNvPr id="12" name="Kép 11" descr="A képen sor, szöveg, Diagram, diagram látható&#10;&#10;Automatikusan generált leírás">
+          <p:cNvPr id="8" name="Kép 7" descr="A képen sor, szöveg, Diagram, képernyőkép látható&#10;&#10;Automatikusan generált leírás">
             <a:extLst>
               <a:ext uri="{FF2B5EF4-FFF2-40B4-BE49-F238E27FC236}">
-                <a16:creationId xmlns:a16="http://schemas.microsoft.com/office/drawing/2014/main" id="{68AC365F-1BC6-B611-239D-C1867D814266}"/>
+                <a16:creationId xmlns:a16="http://schemas.microsoft.com/office/drawing/2014/main" id="{464B8039-9448-7A08-1707-F1A1CBA2BA6E}"/>
               </a:ext>
             </a:extLst>
           </p:cNvPr>
@@ -8081,8 +8193,8 @@
         </p:blipFill>
         <p:spPr>
           <a:xfrm>
-            <a:off x="720319" y="1250302"/>
-            <a:ext cx="10751362" cy="4374424"/>
+            <a:off x="317650" y="1465339"/>
+            <a:ext cx="11559936" cy="4579200"/>
           </a:xfrm>
           <a:prstGeom prst="rect">
             <a:avLst/>
@@ -8133,7 +8245,7 @@
                                           </p:stCondLst>
                                         </p:cTn>
                                         <p:tgtEl>
-                                          <p:spTgt spid="12"/>
+                                          <p:spTgt spid="8"/>
                                         </p:tgtEl>
                                         <p:attrNameLst>
                                           <p:attrName>style.visibility</p:attrName>
@@ -8389,7 +8501,10 @@
               <a:rPr lang="hu-HU" smtClean="0"/>
               <a:t>12</a:t>
             </a:fld>
-            <a:endParaRPr lang="hu-HU"/>
+            <a:r>
+              <a:rPr lang="hu-HU" dirty="0"/>
+              <a:t>/22</a:t>
+            </a:r>
           </a:p>
         </p:txBody>
       </p:sp>
@@ -8507,7 +8622,7 @@
             </a:fld>
             <a:r>
               <a:rPr lang="hu-HU" dirty="0"/>
-              <a:t>/14</a:t>
+              <a:t>/22</a:t>
             </a:r>
           </a:p>
         </p:txBody>
@@ -8735,7 +8850,10 @@
               <a:rPr lang="hu-HU" smtClean="0"/>
               <a:t>14</a:t>
             </a:fld>
-            <a:endParaRPr lang="hu-HU"/>
+            <a:r>
+              <a:rPr lang="hu-HU" dirty="0"/>
+              <a:t>/22</a:t>
+            </a:r>
           </a:p>
         </p:txBody>
       </p:sp>
@@ -8870,10 +8988,9 @@
               <a:t>15</a:t>
             </a:fld>
             <a:r>
-              <a:rPr lang="hu-HU"/>
-              <a:t>/14</a:t>
-            </a:r>
-            <a:endParaRPr lang="hu-HU" dirty="0"/>
+              <a:rPr lang="hu-HU" dirty="0"/>
+              <a:t>/22</a:t>
+            </a:r>
           </a:p>
         </p:txBody>
       </p:sp>
@@ -9191,7 +9308,10 @@
               <a:rPr lang="hu-HU" smtClean="0"/>
               <a:t>16</a:t>
             </a:fld>
-            <a:endParaRPr lang="hu-HU"/>
+            <a:r>
+              <a:rPr lang="hu-HU" dirty="0"/>
+              <a:t>/22</a:t>
+            </a:r>
           </a:p>
         </p:txBody>
       </p:sp>
@@ -9311,7 +9431,7 @@
             </a:fld>
             <a:r>
               <a:rPr lang="hu-HU" dirty="0"/>
-              <a:t>/14</a:t>
+              <a:t>/22</a:t>
             </a:r>
           </a:p>
         </p:txBody>
@@ -9598,7 +9718,10 @@
               <a:rPr lang="hu-HU" smtClean="0"/>
               <a:t>18</a:t>
             </a:fld>
-            <a:endParaRPr lang="hu-HU"/>
+            <a:r>
+              <a:rPr lang="hu-HU" dirty="0"/>
+              <a:t>/22</a:t>
+            </a:r>
           </a:p>
         </p:txBody>
       </p:sp>
@@ -9862,7 +9985,10 @@
               <a:rPr lang="hu-HU" smtClean="0"/>
               <a:t>19</a:t>
             </a:fld>
-            <a:endParaRPr lang="hu-HU"/>
+            <a:r>
+              <a:rPr lang="hu-HU" dirty="0"/>
+              <a:t>/22</a:t>
+            </a:r>
           </a:p>
         </p:txBody>
       </p:sp>
@@ -10517,7 +10643,7 @@
             </a:fld>
             <a:r>
               <a:rPr lang="hu-HU" dirty="0"/>
-              <a:t>/14</a:t>
+              <a:t>/22</a:t>
             </a:r>
           </a:p>
         </p:txBody>
@@ -11404,7 +11530,7 @@
           <a:p>
             <a:r>
               <a:rPr lang="hu-HU" sz="2400" dirty="0"/>
-              <a:t>Újonnan érkező dokumentumok integrálása </a:t>
+              <a:t>Újonnan érkező dokumentumok integrálása a tudásbázisba </a:t>
             </a:r>
             <a:r>
               <a:rPr lang="hu-HU" sz="2400" dirty="0" err="1"/>
@@ -11514,7 +11640,10 @@
               </a:pPr>
               <a:t>20</a:t>
             </a:fld>
-            <a:endParaRPr lang="hu-HU"/>
+            <a:r>
+              <a:rPr lang="hu-HU" dirty="0"/>
+              <a:t>/22</a:t>
+            </a:r>
           </a:p>
         </p:txBody>
       </p:sp>
@@ -13604,7 +13733,7 @@
             </a:fld>
             <a:r>
               <a:rPr lang="hu-HU" dirty="0"/>
-              <a:t>/14</a:t>
+              <a:t>/22</a:t>
             </a:r>
           </a:p>
         </p:txBody>
@@ -14188,7 +14317,7 @@
             </a:fld>
             <a:r>
               <a:rPr lang="hu-HU" dirty="0"/>
-              <a:t>/14</a:t>
+              <a:t>/22</a:t>
             </a:r>
           </a:p>
         </p:txBody>
@@ -14436,7 +14565,7 @@
             </a:fld>
             <a:r>
               <a:rPr lang="hu-HU" dirty="0"/>
-              <a:t>/14</a:t>
+              <a:t>/22</a:t>
             </a:r>
           </a:p>
         </p:txBody>
@@ -15433,7 +15562,7 @@
             </a:fld>
             <a:r>
               <a:rPr lang="hu-HU" dirty="0"/>
-              <a:t>/14</a:t>
+              <a:t>/22</a:t>
             </a:r>
           </a:p>
         </p:txBody>
@@ -16092,14 +16221,14 @@
               <a:t>7</a:t>
             </a:fld>
             <a:r>
-              <a:rPr lang="en-US">
+              <a:rPr lang="en-US" dirty="0">
                 <a:solidFill>
                   <a:schemeClr val="tx1">
                     <a:tint val="75000"/>
                   </a:schemeClr>
                 </a:solidFill>
               </a:rPr>
-              <a:t>/14</a:t>
+              <a:t>/22</a:t>
             </a:r>
           </a:p>
         </p:txBody>
@@ -16816,7 +16945,7 @@
             </a:fld>
             <a:r>
               <a:rPr lang="hu-HU" dirty="0"/>
-              <a:t>/14</a:t>
+              <a:t>/22</a:t>
             </a:r>
           </a:p>
         </p:txBody>
@@ -16984,7 +17113,10 @@
               <a:rPr lang="hu-HU" smtClean="0"/>
               <a:t>9</a:t>
             </a:fld>
-            <a:endParaRPr lang="hu-HU"/>
+            <a:r>
+              <a:rPr lang="hu-HU" dirty="0"/>
+              <a:t>/22</a:t>
+            </a:r>
           </a:p>
         </p:txBody>
       </p:sp>
